--- a/ppt/김유석 포트폴리오_.pptx
+++ b/ppt/김유석 포트폴리오_.pptx
@@ -16,12 +16,24 @@
   <p:notesSz cx="6858000" cy="9144000"/>
   <p:embeddedFontLst>
     <p:embeddedFont>
+      <p:font typeface="Calibri" panose="020F0502020204030204" pitchFamily="34" charset="0"/>
+      <p:regular r:id="rId8"/>
+      <p:bold r:id="rId9"/>
+      <p:italic r:id="rId10"/>
+      <p:boldItalic r:id="rId11"/>
+    </p:embeddedFont>
+    <p:embeddedFont>
       <p:font typeface="G마켓 산스 TTF Bold" panose="02000000000000000000" pitchFamily="2" charset="-127"/>
-      <p:bold r:id="rId8"/>
+      <p:bold r:id="rId12"/>
     </p:embeddedFont>
     <p:embeddedFont>
       <p:font typeface="G마켓 산스 TTF Medium" panose="02000000000000000000" pitchFamily="2" charset="-127"/>
-      <p:regular r:id="rId9"/>
+      <p:regular r:id="rId13"/>
+    </p:embeddedFont>
+    <p:embeddedFont>
+      <p:font typeface="맑은 고딕" panose="020B0503020000020004" pitchFamily="50" charset="-127"/>
+      <p:regular r:id="rId14"/>
+      <p:bold r:id="rId15"/>
     </p:embeddedFont>
   </p:embeddedFontLst>
   <p:defaultTextStyle>
@@ -121,7 +133,7 @@
   </p:defaultTextStyle>
   <p:extLst>
     <p:ext uri="{EFAFB233-063F-42B5-8137-9DF3F51BA10A}">
-      <p15:sldGuideLst xmlns:p15="http://schemas.microsoft.com/office/powerpoint/2012/main">
+      <p15:sldGuideLst xmlns:p15="http://schemas.microsoft.com/office/powerpoint/2012/main" xmlns="">
         <p15:guide id="1" orient="horz" pos="2160">
           <p15:clr>
             <a:srgbClr val="A4A3A4"/>
@@ -318,7 +330,7 @@
             <a:fld id="{1D8BD707-D9CF-40AE-B4C6-C98DA3205C09}" type="datetimeFigureOut">
               <a:rPr lang="en-US" smtClean="0"/>
               <a:pPr/>
-              <a:t>10/26/2024</a:t>
+              <a:t>10/27/2024</a:t>
             </a:fld>
             <a:endParaRPr lang="en-US"/>
           </a:p>
@@ -483,7 +495,7 @@
             <a:fld id="{1D8BD707-D9CF-40AE-B4C6-C98DA3205C09}" type="datetimeFigureOut">
               <a:rPr lang="en-US" smtClean="0"/>
               <a:pPr/>
-              <a:t>10/26/2024</a:t>
+              <a:t>10/27/2024</a:t>
             </a:fld>
             <a:endParaRPr lang="en-US"/>
           </a:p>
@@ -658,7 +670,7 @@
             <a:fld id="{1D8BD707-D9CF-40AE-B4C6-C98DA3205C09}" type="datetimeFigureOut">
               <a:rPr lang="en-US" smtClean="0"/>
               <a:pPr/>
-              <a:t>10/26/2024</a:t>
+              <a:t>10/27/2024</a:t>
             </a:fld>
             <a:endParaRPr lang="en-US"/>
           </a:p>
@@ -823,7 +835,7 @@
             <a:fld id="{1D8BD707-D9CF-40AE-B4C6-C98DA3205C09}" type="datetimeFigureOut">
               <a:rPr lang="en-US" smtClean="0"/>
               <a:pPr/>
-              <a:t>10/26/2024</a:t>
+              <a:t>10/27/2024</a:t>
             </a:fld>
             <a:endParaRPr lang="en-US"/>
           </a:p>
@@ -1065,7 +1077,7 @@
             <a:fld id="{1D8BD707-D9CF-40AE-B4C6-C98DA3205C09}" type="datetimeFigureOut">
               <a:rPr lang="en-US" smtClean="0"/>
               <a:pPr/>
-              <a:t>10/26/2024</a:t>
+              <a:t>10/27/2024</a:t>
             </a:fld>
             <a:endParaRPr lang="en-US"/>
           </a:p>
@@ -1347,7 +1359,7 @@
             <a:fld id="{1D8BD707-D9CF-40AE-B4C6-C98DA3205C09}" type="datetimeFigureOut">
               <a:rPr lang="en-US" smtClean="0"/>
               <a:pPr/>
-              <a:t>10/26/2024</a:t>
+              <a:t>10/27/2024</a:t>
             </a:fld>
             <a:endParaRPr lang="en-US"/>
           </a:p>
@@ -1763,7 +1775,7 @@
             <a:fld id="{1D8BD707-D9CF-40AE-B4C6-C98DA3205C09}" type="datetimeFigureOut">
               <a:rPr lang="en-US" smtClean="0"/>
               <a:pPr/>
-              <a:t>10/26/2024</a:t>
+              <a:t>10/27/2024</a:t>
             </a:fld>
             <a:endParaRPr lang="en-US"/>
           </a:p>
@@ -1877,7 +1889,7 @@
             <a:fld id="{1D8BD707-D9CF-40AE-B4C6-C98DA3205C09}" type="datetimeFigureOut">
               <a:rPr lang="en-US" smtClean="0"/>
               <a:pPr/>
-              <a:t>10/26/2024</a:t>
+              <a:t>10/27/2024</a:t>
             </a:fld>
             <a:endParaRPr lang="en-US"/>
           </a:p>
@@ -1969,7 +1981,7 @@
             <a:fld id="{1D8BD707-D9CF-40AE-B4C6-C98DA3205C09}" type="datetimeFigureOut">
               <a:rPr lang="en-US" smtClean="0"/>
               <a:pPr/>
-              <a:t>10/26/2024</a:t>
+              <a:t>10/27/2024</a:t>
             </a:fld>
             <a:endParaRPr lang="en-US"/>
           </a:p>
@@ -2241,7 +2253,7 @@
             <a:fld id="{1D8BD707-D9CF-40AE-B4C6-C98DA3205C09}" type="datetimeFigureOut">
               <a:rPr lang="en-US" smtClean="0"/>
               <a:pPr/>
-              <a:t>10/26/2024</a:t>
+              <a:t>10/27/2024</a:t>
             </a:fld>
             <a:endParaRPr lang="en-US"/>
           </a:p>
@@ -2490,7 +2502,7 @@
             <a:fld id="{1D8BD707-D9CF-40AE-B4C6-C98DA3205C09}" type="datetimeFigureOut">
               <a:rPr lang="en-US" smtClean="0"/>
               <a:pPr/>
-              <a:t>10/26/2024</a:t>
+              <a:t>10/27/2024</a:t>
             </a:fld>
             <a:endParaRPr lang="en-US"/>
           </a:p>
@@ -2698,7 +2710,7 @@
             <a:fld id="{1D8BD707-D9CF-40AE-B4C6-C98DA3205C09}" type="datetimeFigureOut">
               <a:rPr lang="en-US" smtClean="0"/>
               <a:pPr/>
-              <a:t>10/26/2024</a:t>
+              <a:t>10/27/2024</a:t>
             </a:fld>
             <a:endParaRPr lang="en-US"/>
           </a:p>
@@ -4811,7 +4823,7 @@
           <p:cNvPr id="1039" name="그룹 1038">
             <a:extLst>
               <a:ext uri="{FF2B5EF4-FFF2-40B4-BE49-F238E27FC236}">
-                <a16:creationId xmlns:a16="http://schemas.microsoft.com/office/drawing/2014/main" id="{9C785A7B-0819-5344-6335-D2C48BA073FA}"/>
+                <a16:creationId xmlns:a16="http://schemas.microsoft.com/office/drawing/2014/main" xmlns="" id="{9C785A7B-0819-5344-6335-D2C48BA073FA}"/>
               </a:ext>
             </a:extLst>
           </p:cNvPr>
@@ -4821,9 +4833,9 @@
         <p:grpSpPr>
           <a:xfrm>
             <a:off x="12578387" y="1527367"/>
-            <a:ext cx="3957013" cy="2570023"/>
+            <a:ext cx="3944313" cy="2549333"/>
             <a:chOff x="12578387" y="1527367"/>
-            <a:chExt cx="3957013" cy="2570023"/>
+            <a:chExt cx="3944313" cy="2549333"/>
           </a:xfrm>
         </p:grpSpPr>
         <p:grpSp>
@@ -4831,7 +4843,7 @@
             <p:cNvPr id="54" name="그룹 53">
               <a:extLst>
                 <a:ext uri="{FF2B5EF4-FFF2-40B4-BE49-F238E27FC236}">
-                  <a16:creationId xmlns:a16="http://schemas.microsoft.com/office/drawing/2014/main" id="{B4DCFB9C-BB83-BAED-5571-23C489D78AC4}"/>
+                  <a16:creationId xmlns:a16="http://schemas.microsoft.com/office/drawing/2014/main" xmlns="" id="{B4DCFB9C-BB83-BAED-5571-23C489D78AC4}"/>
                 </a:ext>
               </a:extLst>
             </p:cNvPr>
@@ -4916,7 +4928,7 @@
           </p:nvSpPr>
           <p:spPr>
             <a:xfrm>
-              <a:off x="12623800" y="2509890"/>
+              <a:off x="12611100" y="2489200"/>
               <a:ext cx="3911600" cy="1587500"/>
             </a:xfrm>
             <a:prstGeom prst="rect">
@@ -4927,53 +4939,73 @@
             <a:bodyPr lIns="0" tIns="0" rIns="0" bIns="0" rtlCol="0" anchor="ctr"/>
             <a:lstStyle/>
             <a:p>
-              <a:pPr lvl="0" algn="l">
+              <a:pPr>
                 <a:lnSpc>
                   <a:spcPct val="157700"/>
                 </a:lnSpc>
               </a:pPr>
               <a:r>
-                <a:rPr lang="en-US" sz="1800" b="0" i="0" u="none" strike="noStrike" dirty="0">
+                <a:rPr lang="en-US" altLang="ko-KR" dirty="0" smtClean="0">
                   <a:solidFill>
                     <a:srgbClr val="C2C2C2"/>
                   </a:solidFill>
                   <a:latin typeface="G마켓 산스 TTF Bold" panose="02000000000000000000" pitchFamily="2" charset="-127"/>
                   <a:ea typeface="G마켓 산스 TTF Bold" panose="02000000000000000000" pitchFamily="2" charset="-127"/>
                 </a:rPr>
-                <a:t>2000.01</a:t>
-              </a:r>
-              <a:r>
-                <a:rPr lang="en-US" sz="1800" b="0" i="0" u="none" strike="noStrike" dirty="0">
+                <a:t>2016.09</a:t>
+              </a:r>
+              <a:r>
+                <a:rPr lang="en-US" altLang="ko-KR" dirty="0" smtClean="0">
                   <a:solidFill>
                     <a:srgbClr val="595959"/>
                   </a:solidFill>
                   <a:latin typeface="G마켓 산스 TTF Bold" panose="02000000000000000000" pitchFamily="2" charset="-127"/>
                   <a:ea typeface="G마켓 산스 TTF Bold" panose="02000000000000000000" pitchFamily="2" charset="-127"/>
                 </a:rPr>
-                <a:t>    </a:t>
-              </a:r>
-              <a:r>
-                <a:rPr lang="ko-KR" altLang="en-US" sz="1800" b="0" i="0" u="none" strike="noStrike" dirty="0">
+                <a:t> </a:t>
+              </a:r>
+              <a:r>
+                <a:rPr lang="en-US" altLang="ko-KR" dirty="0">
                   <a:solidFill>
                     <a:srgbClr val="595959"/>
                   </a:solidFill>
                   <a:latin typeface="G마켓 산스 TTF Bold" panose="02000000000000000000" pitchFamily="2" charset="-127"/>
                   <a:ea typeface="G마켓 산스 TTF Bold" panose="02000000000000000000" pitchFamily="2" charset="-127"/>
                 </a:rPr>
-                <a:t>컴퓨터 활용 </a:t>
-              </a:r>
-              <a:r>
-                <a:rPr lang="en-US" altLang="ko-KR" sz="1800" b="0" i="0" u="none" strike="noStrike" dirty="0">
+                <a:t>  </a:t>
+              </a:r>
+              <a:r>
+                <a:rPr lang="ko-KR" altLang="en-US" dirty="0" err="1" smtClean="0">
                   <a:solidFill>
                     <a:srgbClr val="595959"/>
                   </a:solidFill>
                   <a:latin typeface="G마켓 산스 TTF Bold" panose="02000000000000000000" pitchFamily="2" charset="-127"/>
                   <a:ea typeface="G마켓 산스 TTF Bold" panose="02000000000000000000" pitchFamily="2" charset="-127"/>
                 </a:rPr>
+                <a:t>국제무역사</a:t>
+              </a:r>
+              <a:r>
+                <a:rPr lang="ko-KR" altLang="en-US" dirty="0" smtClean="0">
+                  <a:solidFill>
+                    <a:srgbClr val="595959"/>
+                  </a:solidFill>
+                  <a:latin typeface="G마켓 산스 TTF Bold" panose="02000000000000000000" pitchFamily="2" charset="-127"/>
+                  <a:ea typeface="G마켓 산스 TTF Bold" panose="02000000000000000000" pitchFamily="2" charset="-127"/>
+                </a:rPr>
+                <a:t> </a:t>
+              </a:r>
+              <a:r>
+                <a:rPr lang="en-US" altLang="ko-KR" dirty="0" smtClean="0">
+                  <a:solidFill>
+                    <a:srgbClr val="595959"/>
+                  </a:solidFill>
+                  <a:latin typeface="G마켓 산스 TTF Bold" panose="02000000000000000000" pitchFamily="2" charset="-127"/>
+                  <a:ea typeface="G마켓 산스 TTF Bold" panose="02000000000000000000" pitchFamily="2" charset="-127"/>
+                </a:rPr>
                 <a:t>2</a:t>
               </a:r>
               <a:r>
-                <a:rPr lang="ko-KR" altLang="en-US" sz="1800" b="0" i="0" u="none" strike="noStrike" dirty="0">
+                <a:rPr lang="ko-KR" altLang="en-US" dirty="0" smtClean="0">
                   <a:solidFill>
                     <a:srgbClr val="595959"/>
                   </a:solidFill>
@@ -4982,9 +5014,133 @@
                 </a:rPr>
                 <a:t>급</a:t>
               </a:r>
-              <a:endParaRPr lang="en-US" altLang="ko-KR" sz="1800" b="0" i="0" u="none" strike="noStrike" dirty="0">
-                <a:solidFill>
-                  <a:srgbClr val="595959"/>
+              <a:endParaRPr lang="en-US" sz="1800" b="0" i="0" u="none" strike="noStrike" dirty="0" smtClean="0">
+                <a:solidFill>
+                  <a:srgbClr val="C2C2C2"/>
+                </a:solidFill>
+                <a:latin typeface="G마켓 산스 TTF Bold" panose="02000000000000000000" pitchFamily="2" charset="-127"/>
+                <a:ea typeface="G마켓 산스 TTF Bold" panose="02000000000000000000" pitchFamily="2" charset="-127"/>
+              </a:endParaRPr>
+            </a:p>
+            <a:p>
+              <a:pPr lvl="0">
+                <a:lnSpc>
+                  <a:spcPct val="157700"/>
+                </a:lnSpc>
+              </a:pPr>
+              <a:r>
+                <a:rPr lang="en-US" altLang="ko-KR" dirty="0">
+                  <a:solidFill>
+                    <a:srgbClr val="C2C2C2"/>
+                  </a:solidFill>
+                  <a:latin typeface="G마켓 산스 TTF Bold" panose="02000000000000000000" pitchFamily="2" charset="-127"/>
+                  <a:ea typeface="G마켓 산스 TTF Bold" panose="02000000000000000000" pitchFamily="2" charset="-127"/>
+                </a:rPr>
+                <a:t>2020.08</a:t>
+              </a:r>
+              <a:r>
+                <a:rPr lang="en-US" altLang="ko-KR" dirty="0">
+                  <a:solidFill>
+                    <a:srgbClr val="595959"/>
+                  </a:solidFill>
+                  <a:latin typeface="G마켓 산스 TTF Bold" panose="02000000000000000000" pitchFamily="2" charset="-127"/>
+                  <a:ea typeface="G마켓 산스 TTF Bold" panose="02000000000000000000" pitchFamily="2" charset="-127"/>
+                </a:rPr>
+                <a:t>   </a:t>
+              </a:r>
+              <a:r>
+                <a:rPr lang="en-US" altLang="ko-KR" dirty="0" smtClean="0">
+                  <a:solidFill>
+                    <a:srgbClr val="595959"/>
+                  </a:solidFill>
+                  <a:latin typeface="G마켓 산스 TTF Bold" panose="02000000000000000000" pitchFamily="2" charset="-127"/>
+                  <a:ea typeface="G마켓 산스 TTF Bold" panose="02000000000000000000" pitchFamily="2" charset="-127"/>
+                </a:rPr>
+                <a:t>2</a:t>
+              </a:r>
+              <a:r>
+                <a:rPr lang="ko-KR" altLang="ko-KR" dirty="0" smtClean="0">
+                  <a:solidFill>
+                    <a:srgbClr val="595959"/>
+                  </a:solidFill>
+                  <a:latin typeface="G마켓 산스 TTF Bold" panose="02000000000000000000" pitchFamily="2" charset="-127"/>
+                  <a:ea typeface="G마켓 산스 TTF Bold" panose="02000000000000000000" pitchFamily="2" charset="-127"/>
+                </a:rPr>
+                <a:t>종</a:t>
+              </a:r>
+              <a:r>
+                <a:rPr lang="en-US" altLang="ko-KR" dirty="0" smtClean="0">
+                  <a:solidFill>
+                    <a:srgbClr val="595959"/>
+                  </a:solidFill>
+                  <a:latin typeface="G마켓 산스 TTF Bold" panose="02000000000000000000" pitchFamily="2" charset="-127"/>
+                  <a:ea typeface="G마켓 산스 TTF Bold" panose="02000000000000000000" pitchFamily="2" charset="-127"/>
+                </a:rPr>
+                <a:t> </a:t>
+              </a:r>
+              <a:r>
+                <a:rPr lang="ko-KR" altLang="ko-KR" dirty="0" smtClean="0">
+                  <a:solidFill>
+                    <a:srgbClr val="595959"/>
+                  </a:solidFill>
+                  <a:latin typeface="G마켓 산스 TTF Bold" panose="02000000000000000000" pitchFamily="2" charset="-127"/>
+                  <a:ea typeface="G마켓 산스 TTF Bold" panose="02000000000000000000" pitchFamily="2" charset="-127"/>
+                </a:rPr>
+                <a:t>보통</a:t>
+              </a:r>
+              <a:r>
+                <a:rPr lang="en-US" altLang="ko-KR" dirty="0" smtClean="0">
+                  <a:solidFill>
+                    <a:srgbClr val="595959"/>
+                  </a:solidFill>
+                  <a:latin typeface="G마켓 산스 TTF Bold" panose="02000000000000000000" pitchFamily="2" charset="-127"/>
+                  <a:ea typeface="G마켓 산스 TTF Bold" panose="02000000000000000000" pitchFamily="2" charset="-127"/>
+                </a:rPr>
+                <a:t> </a:t>
+              </a:r>
+              <a:r>
+                <a:rPr lang="ko-KR" altLang="ko-KR" dirty="0" smtClean="0">
+                  <a:solidFill>
+                    <a:srgbClr val="595959"/>
+                  </a:solidFill>
+                  <a:latin typeface="G마켓 산스 TTF Bold" panose="02000000000000000000" pitchFamily="2" charset="-127"/>
+                  <a:ea typeface="G마켓 산스 TTF Bold" panose="02000000000000000000" pitchFamily="2" charset="-127"/>
+                </a:rPr>
+                <a:t>운전</a:t>
+              </a:r>
+              <a:r>
+                <a:rPr lang="en-US" altLang="ko-KR" dirty="0" smtClean="0">
+                  <a:solidFill>
+                    <a:srgbClr val="595959"/>
+                  </a:solidFill>
+                  <a:latin typeface="G마켓 산스 TTF Bold" panose="02000000000000000000" pitchFamily="2" charset="-127"/>
+                  <a:ea typeface="G마켓 산스 TTF Bold" panose="02000000000000000000" pitchFamily="2" charset="-127"/>
+                </a:rPr>
+                <a:t> </a:t>
+              </a:r>
+              <a:r>
+                <a:rPr lang="ko-KR" altLang="ko-KR" dirty="0" smtClean="0">
+                  <a:solidFill>
+                    <a:srgbClr val="595959"/>
+                  </a:solidFill>
+                  <a:latin typeface="G마켓 산스 TTF Bold" panose="02000000000000000000" pitchFamily="2" charset="-127"/>
+                  <a:ea typeface="G마켓 산스 TTF Bold" panose="02000000000000000000" pitchFamily="2" charset="-127"/>
+                </a:rPr>
+                <a:t>면허</a:t>
+              </a:r>
+              <a:r>
+                <a:rPr lang="en-US" altLang="ko-KR" dirty="0">
+                  <a:solidFill>
+                    <a:srgbClr val="595959"/>
+                  </a:solidFill>
+                  <a:latin typeface="G마켓 산스 TTF Bold" panose="02000000000000000000" pitchFamily="2" charset="-127"/>
+                  <a:ea typeface="G마켓 산스 TTF Bold" panose="02000000000000000000" pitchFamily="2" charset="-127"/>
+                </a:rPr>
+                <a:t> </a:t>
+              </a:r>
+              <a:endParaRPr lang="en-US" sz="1800" b="0" i="0" u="none" strike="noStrike" dirty="0" smtClean="0">
+                <a:solidFill>
+                  <a:srgbClr val="C2C2C2"/>
                 </a:solidFill>
                 <a:latin typeface="G마켓 산스 TTF Bold" panose="02000000000000000000" pitchFamily="2" charset="-127"/>
                 <a:ea typeface="G마켓 산스 TTF Bold" panose="02000000000000000000" pitchFamily="2" charset="-127"/>
@@ -4997,36 +5153,56 @@
                 </a:lnSpc>
               </a:pPr>
               <a:r>
+                <a:rPr lang="en-US" sz="1800" b="0" i="0" u="none" strike="noStrike" dirty="0" smtClean="0">
+                  <a:solidFill>
+                    <a:srgbClr val="C2C2C2"/>
+                  </a:solidFill>
+                  <a:latin typeface="G마켓 산스 TTF Bold" panose="02000000000000000000" pitchFamily="2" charset="-127"/>
+                  <a:ea typeface="G마켓 산스 TTF Bold" panose="02000000000000000000" pitchFamily="2" charset="-127"/>
+                </a:rPr>
+                <a:t>2021.03</a:t>
+              </a:r>
+              <a:r>
                 <a:rPr lang="en-US" sz="1800" b="0" i="0" u="none" strike="noStrike" dirty="0">
                   <a:solidFill>
-                    <a:srgbClr val="C2C2C2"/>
-                  </a:solidFill>
-                  <a:latin typeface="G마켓 산스 TTF Bold" panose="02000000000000000000" pitchFamily="2" charset="-127"/>
-                  <a:ea typeface="G마켓 산스 TTF Bold" panose="02000000000000000000" pitchFamily="2" charset="-127"/>
-                </a:rPr>
-                <a:t>2000.01 </a:t>
-              </a:r>
-              <a:r>
-                <a:rPr lang="en-US" sz="1800" b="0" i="0" u="none" strike="noStrike" dirty="0">
-                  <a:solidFill>
                     <a:srgbClr val="595959"/>
                   </a:solidFill>
                   <a:latin typeface="G마켓 산스 TTF Bold" panose="02000000000000000000" pitchFamily="2" charset="-127"/>
                   <a:ea typeface="G마켓 산스 TTF Bold" panose="02000000000000000000" pitchFamily="2" charset="-127"/>
                 </a:rPr>
-                <a:t>   </a:t>
-              </a:r>
-              <a:r>
-                <a:rPr lang="ko-KR" altLang="en-US" dirty="0">
+                <a:t>    </a:t>
+              </a:r>
+              <a:r>
+                <a:rPr lang="ko-KR" altLang="en-US" sz="1800" b="0" i="0" u="none" strike="noStrike" dirty="0">
                   <a:solidFill>
                     <a:srgbClr val="595959"/>
                   </a:solidFill>
                   <a:latin typeface="G마켓 산스 TTF Bold" panose="02000000000000000000" pitchFamily="2" charset="-127"/>
                   <a:ea typeface="G마켓 산스 TTF Bold" panose="02000000000000000000" pitchFamily="2" charset="-127"/>
                 </a:rPr>
-                <a:t>물류관리사</a:t>
-              </a:r>
-              <a:endParaRPr lang="ko-KR" sz="1800" b="0" i="0" u="none" strike="noStrike" dirty="0">
+                <a:t>컴퓨터 활용 </a:t>
+              </a:r>
+              <a:r>
+                <a:rPr lang="en-US" altLang="ko-KR" sz="1800" b="0" i="0" u="none" strike="noStrike" dirty="0">
+                  <a:solidFill>
+                    <a:srgbClr val="595959"/>
+                  </a:solidFill>
+                  <a:latin typeface="G마켓 산스 TTF Bold" panose="02000000000000000000" pitchFamily="2" charset="-127"/>
+                  <a:ea typeface="G마켓 산스 TTF Bold" panose="02000000000000000000" pitchFamily="2" charset="-127"/>
+                </a:rPr>
+                <a:t>2</a:t>
+              </a:r>
+              <a:r>
+                <a:rPr lang="ko-KR" altLang="en-US" sz="1800" b="0" i="0" u="none" strike="noStrike" dirty="0">
+                  <a:solidFill>
+                    <a:srgbClr val="595959"/>
+                  </a:solidFill>
+                  <a:latin typeface="G마켓 산스 TTF Bold" panose="02000000000000000000" pitchFamily="2" charset="-127"/>
+                  <a:ea typeface="G마켓 산스 TTF Bold" panose="02000000000000000000" pitchFamily="2" charset="-127"/>
+                </a:rPr>
+                <a:t>급</a:t>
+              </a:r>
+              <a:endParaRPr lang="en-US" altLang="ko-KR" sz="1800" b="0" i="0" u="none" strike="noStrike" dirty="0">
                 <a:solidFill>
                   <a:srgbClr val="595959"/>
                 </a:solidFill>
@@ -5041,73 +5217,36 @@
                 </a:lnSpc>
               </a:pPr>
               <a:r>
+                <a:rPr lang="en-US" sz="1800" b="0" i="0" u="none" strike="noStrike" dirty="0" smtClean="0">
+                  <a:solidFill>
+                    <a:srgbClr val="C2C2C2"/>
+                  </a:solidFill>
+                  <a:latin typeface="G마켓 산스 TTF Bold" panose="02000000000000000000" pitchFamily="2" charset="-127"/>
+                  <a:ea typeface="G마켓 산스 TTF Bold" panose="02000000000000000000" pitchFamily="2" charset="-127"/>
+                </a:rPr>
+                <a:t>2023.10 </a:t>
+              </a:r>
+              <a:r>
                 <a:rPr lang="en-US" sz="1800" b="0" i="0" u="none" strike="noStrike" dirty="0">
                   <a:solidFill>
-                    <a:srgbClr val="C2C2C2"/>
-                  </a:solidFill>
-                  <a:latin typeface="G마켓 산스 TTF Bold" panose="02000000000000000000" pitchFamily="2" charset="-127"/>
-                  <a:ea typeface="G마켓 산스 TTF Bold" panose="02000000000000000000" pitchFamily="2" charset="-127"/>
-                </a:rPr>
-                <a:t>2000.01</a:t>
-              </a:r>
-              <a:r>
-                <a:rPr lang="en-US" sz="1800" b="0" i="0" u="none" strike="noStrike" dirty="0">
-                  <a:solidFill>
                     <a:srgbClr val="595959"/>
                   </a:solidFill>
                   <a:latin typeface="G마켓 산스 TTF Bold" panose="02000000000000000000" pitchFamily="2" charset="-127"/>
                   <a:ea typeface="G마켓 산스 TTF Bold" panose="02000000000000000000" pitchFamily="2" charset="-127"/>
                 </a:rPr>
-                <a:t>    </a:t>
-              </a:r>
-              <a:r>
-                <a:rPr lang="en-US" dirty="0">
+                <a:t>   </a:t>
+              </a:r>
+              <a:r>
+                <a:rPr lang="ko-KR" altLang="en-US" dirty="0">
                   <a:solidFill>
                     <a:srgbClr val="595959"/>
                   </a:solidFill>
                   <a:latin typeface="G마켓 산스 TTF Bold" panose="02000000000000000000" pitchFamily="2" charset="-127"/>
                   <a:ea typeface="G마켓 산스 TTF Bold" panose="02000000000000000000" pitchFamily="2" charset="-127"/>
                 </a:rPr>
-                <a:t>SQLD</a:t>
-              </a:r>
-            </a:p>
-            <a:p>
-              <a:pPr lvl="0" algn="l">
-                <a:lnSpc>
-                  <a:spcPct val="157700"/>
-                </a:lnSpc>
-              </a:pPr>
-              <a:r>
-                <a:rPr lang="en-US" altLang="ko-KR" sz="1800" b="0" i="0" u="none" strike="noStrike" dirty="0">
-                  <a:solidFill>
-                    <a:srgbClr val="C2C2C2"/>
-                  </a:solidFill>
-                  <a:latin typeface="G마켓 산스 TTF Bold" panose="02000000000000000000" pitchFamily="2" charset="-127"/>
-                  <a:ea typeface="G마켓 산스 TTF Bold" panose="02000000000000000000" pitchFamily="2" charset="-127"/>
-                </a:rPr>
-                <a:t>2000.01</a:t>
-              </a:r>
-              <a:r>
-                <a:rPr lang="en-US" altLang="ko-KR" sz="1800" b="0" i="0" u="none" strike="noStrike" dirty="0">
-                  <a:solidFill>
-                    <a:srgbClr val="595959"/>
-                  </a:solidFill>
-                  <a:latin typeface="G마켓 산스 TTF Bold" panose="02000000000000000000" pitchFamily="2" charset="-127"/>
-                  <a:ea typeface="G마켓 산스 TTF Bold" panose="02000000000000000000" pitchFamily="2" charset="-127"/>
-                </a:rPr>
-                <a:t>    </a:t>
-              </a:r>
-              <a:r>
-                <a:rPr lang="ko-KR" altLang="en-US" dirty="0">
-                  <a:solidFill>
-                    <a:srgbClr val="595959"/>
-                  </a:solidFill>
-                  <a:latin typeface="G마켓 산스 TTF Bold" panose="02000000000000000000" pitchFamily="2" charset="-127"/>
-                  <a:ea typeface="G마켓 산스 TTF Bold" panose="02000000000000000000" pitchFamily="2" charset="-127"/>
-                </a:rPr>
-                <a:t>정보처리기사</a:t>
-              </a:r>
-              <a:endParaRPr lang="en-US" altLang="ko-KR" dirty="0">
+                <a:t>물류관리사</a:t>
+              </a:r>
+              <a:endParaRPr lang="ko-KR" sz="1800" b="0" i="0" u="none" strike="noStrike" dirty="0">
                 <a:solidFill>
                   <a:srgbClr val="595959"/>
                 </a:solidFill>
@@ -5122,45 +5261,49 @@
                 </a:lnSpc>
               </a:pPr>
               <a:r>
+                <a:rPr lang="en-US" sz="1800" b="0" i="0" u="none" strike="noStrike" dirty="0" smtClean="0">
+                  <a:solidFill>
+                    <a:srgbClr val="C2C2C2"/>
+                  </a:solidFill>
+                  <a:latin typeface="G마켓 산스 TTF Bold" panose="02000000000000000000" pitchFamily="2" charset="-127"/>
+                  <a:ea typeface="G마켓 산스 TTF Bold" panose="02000000000000000000" pitchFamily="2" charset="-127"/>
+                </a:rPr>
+                <a:t>2024.09</a:t>
+              </a:r>
+              <a:r>
                 <a:rPr lang="en-US" sz="1800" b="0" i="0" u="none" strike="noStrike" dirty="0">
                   <a:solidFill>
-                    <a:srgbClr val="C2C2C2"/>
-                  </a:solidFill>
-                  <a:latin typeface="G마켓 산스 TTF Bold" panose="02000000000000000000" pitchFamily="2" charset="-127"/>
-                  <a:ea typeface="G마켓 산스 TTF Bold" panose="02000000000000000000" pitchFamily="2" charset="-127"/>
-                </a:rPr>
-                <a:t>2000.01</a:t>
-              </a:r>
-              <a:r>
-                <a:rPr lang="en-US" sz="1800" b="0" i="0" u="none" strike="noStrike" dirty="0">
-                  <a:solidFill>
                     <a:srgbClr val="595959"/>
                   </a:solidFill>
                   <a:latin typeface="G마켓 산스 TTF Bold" panose="02000000000000000000" pitchFamily="2" charset="-127"/>
                   <a:ea typeface="G마켓 산스 TTF Bold" panose="02000000000000000000" pitchFamily="2" charset="-127"/>
                 </a:rPr>
-                <a:t>    2</a:t>
-              </a:r>
-              <a:r>
-                <a:rPr lang="ko-KR" sz="1800" b="0" i="0" u="none" strike="noStrike" dirty="0">
+                <a:t>    </a:t>
+              </a:r>
+              <a:r>
+                <a:rPr lang="en-US" dirty="0">
                   <a:solidFill>
                     <a:srgbClr val="595959"/>
                   </a:solidFill>
                   <a:latin typeface="G마켓 산스 TTF Bold" panose="02000000000000000000" pitchFamily="2" charset="-127"/>
                   <a:ea typeface="G마켓 산스 TTF Bold" panose="02000000000000000000" pitchFamily="2" charset="-127"/>
                 </a:rPr>
-                <a:t>종보통운전면허</a:t>
-              </a:r>
-              <a:r>
-                <a:rPr lang="en-US" sz="1800" b="0" i="0" u="none" strike="noStrike" dirty="0">
-                  <a:solidFill>
-                    <a:srgbClr val="595959"/>
-                  </a:solidFill>
-                  <a:latin typeface="G마켓 산스 TTF Bold" panose="02000000000000000000" pitchFamily="2" charset="-127"/>
-                  <a:ea typeface="G마켓 산스 TTF Bold" panose="02000000000000000000" pitchFamily="2" charset="-127"/>
-                </a:rPr>
-                <a:t> </a:t>
-              </a:r>
+                <a:t>SQLD</a:t>
+              </a:r>
+            </a:p>
+            <a:p>
+              <a:pPr lvl="0" algn="l">
+                <a:lnSpc>
+                  <a:spcPct val="157700"/>
+                </a:lnSpc>
+              </a:pPr>
+              <a:endParaRPr lang="en-US" sz="1800" b="0" i="0" u="none" strike="noStrike" dirty="0">
+                <a:solidFill>
+                  <a:srgbClr val="595959"/>
+                </a:solidFill>
+                <a:latin typeface="G마켓 산스 TTF Bold" panose="02000000000000000000" pitchFamily="2" charset="-127"/>
+                <a:ea typeface="G마켓 산스 TTF Bold" panose="02000000000000000000" pitchFamily="2" charset="-127"/>
+              </a:endParaRPr>
             </a:p>
           </p:txBody>
         </p:sp>
@@ -5284,7 +5427,7 @@
           <p:cNvPr id="1037" name="그룹 1036">
             <a:extLst>
               <a:ext uri="{FF2B5EF4-FFF2-40B4-BE49-F238E27FC236}">
-                <a16:creationId xmlns:a16="http://schemas.microsoft.com/office/drawing/2014/main" id="{CE601B1A-65D9-0C05-9027-373332D7EDB5}"/>
+                <a16:creationId xmlns:a16="http://schemas.microsoft.com/office/drawing/2014/main" xmlns="" id="{CE601B1A-65D9-0C05-9027-373332D7EDB5}"/>
               </a:ext>
             </a:extLst>
           </p:cNvPr>
@@ -5304,7 +5447,7 @@
             <p:cNvPr id="49" name="그룹 48">
               <a:extLst>
                 <a:ext uri="{FF2B5EF4-FFF2-40B4-BE49-F238E27FC236}">
-                  <a16:creationId xmlns:a16="http://schemas.microsoft.com/office/drawing/2014/main" id="{9ACF6D28-408C-342B-0907-659E85BA6E04}"/>
+                  <a16:creationId xmlns:a16="http://schemas.microsoft.com/office/drawing/2014/main" xmlns="" id="{9ACF6D28-408C-342B-0907-659E85BA6E04}"/>
                 </a:ext>
               </a:extLst>
             </p:cNvPr>
@@ -5635,12 +5778,14 @@
                   <a:latin typeface="G마켓 산스 TTF Bold" panose="02000000000000000000" pitchFamily="2" charset="-127"/>
                   <a:ea typeface="G마켓 산스 TTF Bold" panose="02000000000000000000" pitchFamily="2" charset="-127"/>
                 </a:rPr>
-                <a:t>      </a:t>
-              </a:r>
-              <a:r>
-                <a:rPr lang="ko-KR" altLang="en-US" sz="1400" b="0" i="0" strike="noStrike" dirty="0">
-                  <a:solidFill>
-                    <a:srgbClr val="C2C2C2"/>
+                <a:t> </a:t>
+              </a:r>
+              <a:r>
+                <a:rPr lang="ko-KR" altLang="en-US" sz="1400" b="0" i="0" strike="noStrike" dirty="0" err="1" smtClean="0">
+                  <a:solidFill>
+                    <a:schemeClr val="bg1">
+                      <a:lumMod val="50000"/>
+                    </a:schemeClr>
                   </a:solidFill>
                   <a:latin typeface="G마켓 산스 TTF Bold" panose="02000000000000000000" pitchFamily="2" charset="-127"/>
                   <a:ea typeface="G마켓 산스 TTF Bold" panose="02000000000000000000" pitchFamily="2" charset="-127"/>
@@ -5648,19 +5793,35 @@
                 <a:t>국제통상학</a:t>
               </a:r>
               <a:r>
+                <a:rPr lang="en-US" altLang="ko-KR" sz="1400" dirty="0" smtClean="0">
+                  <a:solidFill>
+                    <a:schemeClr val="bg1">
+                      <a:lumMod val="50000"/>
+                    </a:schemeClr>
+                  </a:solidFill>
+                  <a:latin typeface="G마켓 산스 TTF Bold" panose="02000000000000000000" pitchFamily="2" charset="-127"/>
+                  <a:ea typeface="G마켓 산스 TTF Bold" panose="02000000000000000000" pitchFamily="2" charset="-127"/>
+                </a:rPr>
+                <a:t> </a:t>
+              </a:r>
+              <a:r>
                 <a:rPr lang="en-US" altLang="ko-KR" sz="1400" dirty="0">
                   <a:solidFill>
-                    <a:srgbClr val="C2C2C2"/>
-                  </a:solidFill>
-                  <a:latin typeface="G마켓 산스 TTF Bold" panose="02000000000000000000" pitchFamily="2" charset="-127"/>
-                  <a:ea typeface="G마켓 산스 TTF Bold" panose="02000000000000000000" pitchFamily="2" charset="-127"/>
-                </a:rPr>
-                <a:t> / </a:t>
+                    <a:schemeClr val="bg1">
+                      <a:lumMod val="50000"/>
+                    </a:schemeClr>
+                  </a:solidFill>
+                  <a:latin typeface="G마켓 산스 TTF Bold" panose="02000000000000000000" pitchFamily="2" charset="-127"/>
+                  <a:ea typeface="G마켓 산스 TTF Bold" panose="02000000000000000000" pitchFamily="2" charset="-127"/>
+                </a:rPr>
+                <a:t>/ </a:t>
               </a:r>
               <a:r>
                 <a:rPr lang="ko-KR" altLang="en-US" sz="1400" dirty="0">
                   <a:solidFill>
-                    <a:srgbClr val="C2C2C2"/>
+                    <a:schemeClr val="bg1">
+                      <a:lumMod val="50000"/>
+                    </a:schemeClr>
                   </a:solidFill>
                   <a:latin typeface="G마켓 산스 TTF Bold" panose="02000000000000000000" pitchFamily="2" charset="-127"/>
                   <a:ea typeface="G마켓 산스 TTF Bold" panose="02000000000000000000" pitchFamily="2" charset="-127"/>
@@ -5669,7 +5830,9 @@
               </a:r>
               <a:endParaRPr lang="ko-KR" sz="1400" b="0" i="0" strike="noStrike" dirty="0">
                 <a:solidFill>
-                  <a:srgbClr val="C2C2C2"/>
+                  <a:schemeClr val="bg1">
+                    <a:lumMod val="50000"/>
+                  </a:schemeClr>
                 </a:solidFill>
                 <a:latin typeface="G마켓 산스 TTF Bold" panose="02000000000000000000" pitchFamily="2" charset="-127"/>
                 <a:ea typeface="G마켓 산스 TTF Bold" panose="02000000000000000000" pitchFamily="2" charset="-127"/>
@@ -5776,19 +5939,23 @@
                 <a:t>                  </a:t>
               </a:r>
               <a:r>
-                <a:rPr lang="en-US" sz="1400" b="0" i="0" strike="noStrike" dirty="0">
-                  <a:solidFill>
-                    <a:srgbClr val="C2C2C2"/>
-                  </a:solidFill>
-                  <a:latin typeface="G마켓 산스 TTF Bold" panose="02000000000000000000" pitchFamily="2" charset="-127"/>
-                  <a:ea typeface="G마켓 산스 TTF Bold" panose="02000000000000000000" pitchFamily="2" charset="-127"/>
-                </a:rPr>
-                <a:t>    SCM </a:t>
+                <a:rPr lang="en-US" sz="1400" b="0" i="0" strike="noStrike" dirty="0" smtClean="0">
+                  <a:solidFill>
+                    <a:schemeClr val="bg1">
+                      <a:lumMod val="50000"/>
+                    </a:schemeClr>
+                  </a:solidFill>
+                  <a:latin typeface="G마켓 산스 TTF Bold" panose="02000000000000000000" pitchFamily="2" charset="-127"/>
+                  <a:ea typeface="G마켓 산스 TTF Bold" panose="02000000000000000000" pitchFamily="2" charset="-127"/>
+                </a:rPr>
+                <a:t>SCM </a:t>
               </a:r>
               <a:r>
                 <a:rPr lang="ko-KR" altLang="en-US" sz="1400" b="0" i="0" strike="noStrike" dirty="0">
                   <a:solidFill>
-                    <a:srgbClr val="C2C2C2"/>
+                    <a:schemeClr val="bg1">
+                      <a:lumMod val="50000"/>
+                    </a:schemeClr>
                   </a:solidFill>
                   <a:latin typeface="G마켓 산스 TTF Bold" panose="02000000000000000000" pitchFamily="2" charset="-127"/>
                   <a:ea typeface="G마켓 산스 TTF Bold" panose="02000000000000000000" pitchFamily="2" charset="-127"/>
@@ -5798,7 +5965,9 @@
               <a:r>
                 <a:rPr lang="en-US" altLang="ko-KR" sz="1400" b="0" i="0" strike="noStrike" dirty="0">
                   <a:solidFill>
-                    <a:srgbClr val="C2C2C2"/>
+                    <a:schemeClr val="bg1">
+                      <a:lumMod val="50000"/>
+                    </a:schemeClr>
                   </a:solidFill>
                   <a:latin typeface="G마켓 산스 TTF Bold" panose="02000000000000000000" pitchFamily="2" charset="-127"/>
                   <a:ea typeface="G마켓 산스 TTF Bold" panose="02000000000000000000" pitchFamily="2" charset="-127"/>
@@ -5808,7 +5977,9 @@
               <a:r>
                 <a:rPr lang="ko-KR" altLang="en-US" sz="1400" dirty="0" err="1">
                   <a:solidFill>
-                    <a:srgbClr val="C2C2C2"/>
+                    <a:schemeClr val="bg1">
+                      <a:lumMod val="50000"/>
+                    </a:schemeClr>
                   </a:solidFill>
                   <a:latin typeface="G마켓 산스 TTF Bold" panose="02000000000000000000" pitchFamily="2" charset="-127"/>
                   <a:ea typeface="G마켓 산스 TTF Bold" panose="02000000000000000000" pitchFamily="2" charset="-127"/>
@@ -5818,7 +5989,9 @@
               <a:r>
                 <a:rPr lang="ko-KR" altLang="en-US" sz="1400" dirty="0">
                   <a:solidFill>
-                    <a:srgbClr val="C2C2C2"/>
+                    <a:schemeClr val="bg1">
+                      <a:lumMod val="50000"/>
+                    </a:schemeClr>
                   </a:solidFill>
                   <a:latin typeface="G마켓 산스 TTF Bold" panose="02000000000000000000" pitchFamily="2" charset="-127"/>
                   <a:ea typeface="G마켓 산스 TTF Bold" panose="02000000000000000000" pitchFamily="2" charset="-127"/>
@@ -5827,7 +6000,9 @@
               </a:r>
               <a:endParaRPr lang="en-US" altLang="ko-KR" sz="1400" dirty="0">
                 <a:solidFill>
-                  <a:srgbClr val="C2C2C2"/>
+                  <a:schemeClr val="bg1">
+                    <a:lumMod val="50000"/>
+                  </a:schemeClr>
                 </a:solidFill>
                 <a:latin typeface="G마켓 산스 TTF Bold" panose="02000000000000000000" pitchFamily="2" charset="-127"/>
                 <a:ea typeface="G마켓 산스 TTF Bold" panose="02000000000000000000" pitchFamily="2" charset="-127"/>
@@ -5842,7 +6017,9 @@
               <a:r>
                 <a:rPr lang="en-US" altLang="ko-KR" sz="1400" b="0" i="0" strike="noStrike" dirty="0">
                   <a:solidFill>
-                    <a:srgbClr val="C2C2C2"/>
+                    <a:schemeClr val="bg1">
+                      <a:lumMod val="50000"/>
+                    </a:schemeClr>
                   </a:solidFill>
                   <a:latin typeface="G마켓 산스 TTF Bold" panose="02000000000000000000" pitchFamily="2" charset="-127"/>
                   <a:ea typeface="G마켓 산스 TTF Bold" panose="02000000000000000000" pitchFamily="2" charset="-127"/>
@@ -5852,7 +6029,9 @@
               <a:r>
                 <a:rPr lang="ko-KR" altLang="en-US" sz="1400" b="0" i="0" strike="noStrike" dirty="0">
                   <a:solidFill>
-                    <a:srgbClr val="C2C2C2"/>
+                    <a:schemeClr val="bg1">
+                      <a:lumMod val="50000"/>
+                    </a:schemeClr>
                   </a:solidFill>
                   <a:latin typeface="G마켓 산스 TTF Bold" panose="02000000000000000000" pitchFamily="2" charset="-127"/>
                   <a:ea typeface="G마켓 산스 TTF Bold" panose="02000000000000000000" pitchFamily="2" charset="-127"/>
@@ -5862,7 +6041,9 @@
               <a:r>
                 <a:rPr lang="en-US" altLang="ko-KR" sz="1400" b="0" i="0" strike="noStrike" dirty="0">
                   <a:solidFill>
-                    <a:srgbClr val="C2C2C2"/>
+                    <a:schemeClr val="bg1">
+                      <a:lumMod val="50000"/>
+                    </a:schemeClr>
                   </a:solidFill>
                   <a:latin typeface="G마켓 산스 TTF Bold" panose="02000000000000000000" pitchFamily="2" charset="-127"/>
                   <a:ea typeface="G마켓 산스 TTF Bold" panose="02000000000000000000" pitchFamily="2" charset="-127"/>
@@ -5872,7 +6053,9 @@
               <a:r>
                 <a:rPr lang="ko-KR" altLang="en-US" sz="1400" b="0" i="0" strike="noStrike" dirty="0">
                   <a:solidFill>
-                    <a:srgbClr val="C2C2C2"/>
+                    <a:schemeClr val="bg1">
+                      <a:lumMod val="50000"/>
+                    </a:schemeClr>
                   </a:solidFill>
                   <a:latin typeface="G마켓 산스 TTF Bold" panose="02000000000000000000" pitchFamily="2" charset="-127"/>
                   <a:ea typeface="G마켓 산스 TTF Bold" panose="02000000000000000000" pitchFamily="2" charset="-127"/>
@@ -5881,7 +6064,9 @@
               </a:r>
               <a:endParaRPr lang="ko-KR" sz="1400" b="0" i="0" strike="noStrike" dirty="0">
                 <a:solidFill>
-                  <a:srgbClr val="C2C2C2"/>
+                  <a:schemeClr val="bg1">
+                    <a:lumMod val="50000"/>
+                  </a:schemeClr>
                 </a:solidFill>
                 <a:latin typeface="G마켓 산스 TTF Bold" panose="02000000000000000000" pitchFamily="2" charset="-127"/>
                 <a:ea typeface="G마켓 산스 TTF Bold" panose="02000000000000000000" pitchFamily="2" charset="-127"/>
@@ -6102,7 +6287,7 @@
             <p:cNvPr id="53" name="TextBox 15">
               <a:extLst>
                 <a:ext uri="{FF2B5EF4-FFF2-40B4-BE49-F238E27FC236}">
-                  <a16:creationId xmlns:a16="http://schemas.microsoft.com/office/drawing/2014/main" id="{E739D61A-1D5D-3249-BDE4-C00E0EC74A2B}"/>
+                  <a16:creationId xmlns:a16="http://schemas.microsoft.com/office/drawing/2014/main" xmlns="" id="{E739D61A-1D5D-3249-BDE4-C00E0EC74A2B}"/>
                 </a:ext>
               </a:extLst>
             </p:cNvPr>
@@ -6229,12 +6414,36 @@
                   <a:latin typeface="G마켓 산스 TTF Bold" panose="02000000000000000000" pitchFamily="2" charset="-127"/>
                   <a:ea typeface="G마켓 산스 TTF Bold" panose="02000000000000000000" pitchFamily="2" charset="-127"/>
                 </a:rPr>
-                <a:t>                          5,000</a:t>
+                <a:t>                      </a:t>
+              </a:r>
+              <a:r>
+                <a:rPr lang="en-US" sz="1400" b="0" i="0" strike="noStrike" dirty="0" smtClean="0">
+                  <a:solidFill>
+                    <a:srgbClr val="C2C2C2"/>
+                  </a:solidFill>
+                  <a:latin typeface="G마켓 산스 TTF Bold" panose="02000000000000000000" pitchFamily="2" charset="-127"/>
+                  <a:ea typeface="G마켓 산스 TTF Bold" panose="02000000000000000000" pitchFamily="2" charset="-127"/>
+                </a:rPr>
+                <a:t> </a:t>
+              </a:r>
+              <a:r>
+                <a:rPr lang="en-US" sz="1400" b="0" i="0" strike="noStrike" dirty="0">
+                  <a:solidFill>
+                    <a:schemeClr val="bg1">
+                      <a:lumMod val="50000"/>
+                    </a:schemeClr>
+                  </a:solidFill>
+                  <a:latin typeface="G마켓 산스 TTF Bold" panose="02000000000000000000" pitchFamily="2" charset="-127"/>
+                  <a:ea typeface="G마켓 산스 TTF Bold" panose="02000000000000000000" pitchFamily="2" charset="-127"/>
+                </a:rPr>
+                <a:t>5,000</a:t>
               </a:r>
               <a:r>
                 <a:rPr lang="ko-KR" altLang="en-US" sz="1400" b="0" i="0" strike="noStrike" dirty="0">
                   <a:solidFill>
-                    <a:srgbClr val="C2C2C2"/>
+                    <a:schemeClr val="bg1">
+                      <a:lumMod val="50000"/>
+                    </a:schemeClr>
                   </a:solidFill>
                   <a:latin typeface="G마켓 산스 TTF Bold" panose="02000000000000000000" pitchFamily="2" charset="-127"/>
                   <a:ea typeface="G마켓 산스 TTF Bold" panose="02000000000000000000" pitchFamily="2" charset="-127"/>
@@ -6243,7 +6452,9 @@
               </a:r>
               <a:endParaRPr lang="en-US" altLang="ko-KR" sz="1400" b="0" i="0" strike="noStrike" dirty="0">
                 <a:solidFill>
-                  <a:srgbClr val="C2C2C2"/>
+                  <a:schemeClr val="bg1">
+                    <a:lumMod val="50000"/>
+                  </a:schemeClr>
                 </a:solidFill>
                 <a:latin typeface="G마켓 산스 TTF Bold" panose="02000000000000000000" pitchFamily="2" charset="-127"/>
                 <a:ea typeface="G마켓 산스 TTF Bold" panose="02000000000000000000" pitchFamily="2" charset="-127"/>
@@ -6258,7 +6469,9 @@
               <a:r>
                 <a:rPr lang="en-US" altLang="ko-KR" sz="1400" dirty="0">
                   <a:solidFill>
-                    <a:srgbClr val="C2C2C2"/>
+                    <a:schemeClr val="bg1">
+                      <a:lumMod val="50000"/>
+                    </a:schemeClr>
                   </a:solidFill>
                   <a:latin typeface="G마켓 산스 TTF Bold" panose="02000000000000000000" pitchFamily="2" charset="-127"/>
                   <a:ea typeface="G마켓 산스 TTF Bold" panose="02000000000000000000" pitchFamily="2" charset="-127"/>
@@ -6268,7 +6481,9 @@
               <a:r>
                 <a:rPr lang="ko-KR" altLang="en-US" sz="1400" dirty="0">
                   <a:solidFill>
-                    <a:srgbClr val="C2C2C2"/>
+                    <a:schemeClr val="bg1">
+                      <a:lumMod val="50000"/>
+                    </a:schemeClr>
                   </a:solidFill>
                   <a:latin typeface="G마켓 산스 TTF Bold" panose="02000000000000000000" pitchFamily="2" charset="-127"/>
                   <a:ea typeface="G마켓 산스 TTF Bold" panose="02000000000000000000" pitchFamily="2" charset="-127"/>
@@ -6278,7 +6493,9 @@
               <a:r>
                 <a:rPr lang="en-US" altLang="ko-KR" sz="1400" dirty="0">
                   <a:solidFill>
-                    <a:srgbClr val="C2C2C2"/>
+                    <a:schemeClr val="bg1">
+                      <a:lumMod val="50000"/>
+                    </a:schemeClr>
                   </a:solidFill>
                   <a:latin typeface="G마켓 산스 TTF Bold" panose="02000000000000000000" pitchFamily="2" charset="-127"/>
                   <a:ea typeface="G마켓 산스 TTF Bold" panose="02000000000000000000" pitchFamily="2" charset="-127"/>
@@ -6288,7 +6505,9 @@
               <a:r>
                 <a:rPr lang="ko-KR" altLang="en-US" sz="1400" dirty="0" err="1">
                   <a:solidFill>
-                    <a:srgbClr val="C2C2C2"/>
+                    <a:schemeClr val="bg1">
+                      <a:lumMod val="50000"/>
+                    </a:schemeClr>
                   </a:solidFill>
                   <a:latin typeface="G마켓 산스 TTF Bold" panose="02000000000000000000" pitchFamily="2" charset="-127"/>
                   <a:ea typeface="G마켓 산스 TTF Bold" panose="02000000000000000000" pitchFamily="2" charset="-127"/>
@@ -6298,7 +6517,9 @@
               <a:r>
                 <a:rPr lang="ko-KR" altLang="en-US" sz="1400" dirty="0">
                   <a:solidFill>
-                    <a:srgbClr val="C2C2C2"/>
+                    <a:schemeClr val="bg1">
+                      <a:lumMod val="50000"/>
+                    </a:schemeClr>
                   </a:solidFill>
                   <a:latin typeface="G마켓 산스 TTF Bold" panose="02000000000000000000" pitchFamily="2" charset="-127"/>
                   <a:ea typeface="G마켓 산스 TTF Bold" panose="02000000000000000000" pitchFamily="2" charset="-127"/>
@@ -6307,7 +6528,9 @@
               </a:r>
               <a:endParaRPr lang="en-US" altLang="ko-KR" sz="1400" dirty="0">
                 <a:solidFill>
-                  <a:srgbClr val="C2C2C2"/>
+                  <a:schemeClr val="bg1">
+                    <a:lumMod val="50000"/>
+                  </a:schemeClr>
                 </a:solidFill>
                 <a:latin typeface="G마켓 산스 TTF Bold" panose="02000000000000000000" pitchFamily="2" charset="-127"/>
                 <a:ea typeface="G마켓 산스 TTF Bold" panose="02000000000000000000" pitchFamily="2" charset="-127"/>
@@ -6322,7 +6545,9 @@
               <a:r>
                 <a:rPr lang="en-US" altLang="ko-KR" sz="1400" b="0" i="0" strike="noStrike" dirty="0">
                   <a:solidFill>
-                    <a:srgbClr val="C2C2C2"/>
+                    <a:schemeClr val="bg1">
+                      <a:lumMod val="50000"/>
+                    </a:schemeClr>
                   </a:solidFill>
                   <a:latin typeface="G마켓 산스 TTF Bold" panose="02000000000000000000" pitchFamily="2" charset="-127"/>
                   <a:ea typeface="G마켓 산스 TTF Bold" panose="02000000000000000000" pitchFamily="2" charset="-127"/>
@@ -6332,7 +6557,9 @@
               <a:r>
                 <a:rPr lang="ko-KR" altLang="en-US" sz="1400" b="0" i="0" strike="noStrike" dirty="0">
                   <a:solidFill>
-                    <a:srgbClr val="C2C2C2"/>
+                    <a:schemeClr val="bg1">
+                      <a:lumMod val="50000"/>
+                    </a:schemeClr>
                   </a:solidFill>
                   <a:latin typeface="G마켓 산스 TTF Bold" panose="02000000000000000000" pitchFamily="2" charset="-127"/>
                   <a:ea typeface="G마켓 산스 TTF Bold" panose="02000000000000000000" pitchFamily="2" charset="-127"/>
@@ -6341,7 +6568,9 @@
               </a:r>
               <a:endParaRPr lang="ko-KR" sz="1400" b="0" i="0" strike="noStrike" dirty="0">
                 <a:solidFill>
-                  <a:srgbClr val="C2C2C2"/>
+                  <a:schemeClr val="bg1">
+                    <a:lumMod val="50000"/>
+                  </a:schemeClr>
                 </a:solidFill>
                 <a:latin typeface="G마켓 산스 TTF Bold" panose="02000000000000000000" pitchFamily="2" charset="-127"/>
                 <a:ea typeface="G마켓 산스 TTF Bold" panose="02000000000000000000" pitchFamily="2" charset="-127"/>
@@ -6354,7 +6583,7 @@
             <p:cNvPr id="55" name="TextBox 13">
               <a:extLst>
                 <a:ext uri="{FF2B5EF4-FFF2-40B4-BE49-F238E27FC236}">
-                  <a16:creationId xmlns:a16="http://schemas.microsoft.com/office/drawing/2014/main" id="{CB89688C-852F-C686-6309-1A2EB2E0DDFB}"/>
+                  <a16:creationId xmlns:a16="http://schemas.microsoft.com/office/drawing/2014/main" xmlns="" id="{CB89688C-852F-C686-6309-1A2EB2E0DDFB}"/>
                 </a:ext>
               </a:extLst>
             </p:cNvPr>
@@ -6508,7 +6737,7 @@
             <p:cNvPr id="57" name="TextBox 13">
               <a:extLst>
                 <a:ext uri="{FF2B5EF4-FFF2-40B4-BE49-F238E27FC236}">
-                  <a16:creationId xmlns:a16="http://schemas.microsoft.com/office/drawing/2014/main" id="{8D571466-4A2B-8AAF-6C95-64EFC3AE44F8}"/>
+                  <a16:creationId xmlns:a16="http://schemas.microsoft.com/office/drawing/2014/main" xmlns="" id="{8D571466-4A2B-8AAF-6C95-64EFC3AE44F8}"/>
                 </a:ext>
               </a:extLst>
             </p:cNvPr>
@@ -6612,7 +6841,7 @@
             <p:cNvPr id="58" name="TextBox 13">
               <a:extLst>
                 <a:ext uri="{FF2B5EF4-FFF2-40B4-BE49-F238E27FC236}">
-                  <a16:creationId xmlns:a16="http://schemas.microsoft.com/office/drawing/2014/main" id="{87253EBA-4EFA-92EA-F10A-BF27EB815FA5}"/>
+                  <a16:creationId xmlns:a16="http://schemas.microsoft.com/office/drawing/2014/main" xmlns="" id="{87253EBA-4EFA-92EA-F10A-BF27EB815FA5}"/>
                 </a:ext>
               </a:extLst>
             </p:cNvPr>
@@ -6750,7 +6979,7 @@
           <p:cNvPr id="1025" name="그룹 1024">
             <a:extLst>
               <a:ext uri="{FF2B5EF4-FFF2-40B4-BE49-F238E27FC236}">
-                <a16:creationId xmlns:a16="http://schemas.microsoft.com/office/drawing/2014/main" id="{69DF32D4-CE5D-FEC6-341F-1273627E2082}"/>
+                <a16:creationId xmlns:a16="http://schemas.microsoft.com/office/drawing/2014/main" xmlns="" id="{69DF32D4-CE5D-FEC6-341F-1273627E2082}"/>
               </a:ext>
             </a:extLst>
           </p:cNvPr>
@@ -6770,7 +6999,7 @@
             <p:cNvPr id="3" name="그룹 2">
               <a:extLst>
                 <a:ext uri="{FF2B5EF4-FFF2-40B4-BE49-F238E27FC236}">
-                  <a16:creationId xmlns:a16="http://schemas.microsoft.com/office/drawing/2014/main" id="{42402FCE-DD64-06C7-072A-1B7A9F3301B3}"/>
+                  <a16:creationId xmlns:a16="http://schemas.microsoft.com/office/drawing/2014/main" xmlns="" id="{42402FCE-DD64-06C7-072A-1B7A9F3301B3}"/>
                 </a:ext>
               </a:extLst>
             </p:cNvPr>
@@ -7140,7 +7369,7 @@
             <p:cNvPr id="63" name="TextBox 35">
               <a:extLst>
                 <a:ext uri="{FF2B5EF4-FFF2-40B4-BE49-F238E27FC236}">
-                  <a16:creationId xmlns:a16="http://schemas.microsoft.com/office/drawing/2014/main" id="{24DEAB59-8EA1-FA9F-8C55-39ED9BC04CBA}"/>
+                  <a16:creationId xmlns:a16="http://schemas.microsoft.com/office/drawing/2014/main" xmlns="" id="{24DEAB59-8EA1-FA9F-8C55-39ED9BC04CBA}"/>
                 </a:ext>
               </a:extLst>
             </p:cNvPr>
@@ -7183,7 +7412,7 @@
             <p:cNvPr id="1024" name="Picture 32">
               <a:extLst>
                 <a:ext uri="{FF2B5EF4-FFF2-40B4-BE49-F238E27FC236}">
-                  <a16:creationId xmlns:a16="http://schemas.microsoft.com/office/drawing/2014/main" id="{E1BACDBF-92A9-0F8D-0D7E-27312CB5544E}"/>
+                  <a16:creationId xmlns:a16="http://schemas.microsoft.com/office/drawing/2014/main" xmlns="" id="{E1BACDBF-92A9-0F8D-0D7E-27312CB5544E}"/>
                 </a:ext>
               </a:extLst>
             </p:cNvPr>
@@ -7214,7 +7443,7 @@
           <p:cNvPr id="1031" name="그룹 1030">
             <a:extLst>
               <a:ext uri="{FF2B5EF4-FFF2-40B4-BE49-F238E27FC236}">
-                <a16:creationId xmlns:a16="http://schemas.microsoft.com/office/drawing/2014/main" id="{C9B3F026-8F1A-B48E-986F-3D8882868809}"/>
+                <a16:creationId xmlns:a16="http://schemas.microsoft.com/office/drawing/2014/main" xmlns="" id="{C9B3F026-8F1A-B48E-986F-3D8882868809}"/>
               </a:ext>
             </a:extLst>
           </p:cNvPr>
@@ -7234,7 +7463,7 @@
             <p:cNvPr id="56" name="그룹 55">
               <a:extLst>
                 <a:ext uri="{FF2B5EF4-FFF2-40B4-BE49-F238E27FC236}">
-                  <a16:creationId xmlns:a16="http://schemas.microsoft.com/office/drawing/2014/main" id="{144128E0-6B74-7496-A311-5B01F9B45A56}"/>
+                  <a16:creationId xmlns:a16="http://schemas.microsoft.com/office/drawing/2014/main" xmlns="" id="{144128E0-6B74-7496-A311-5B01F9B45A56}"/>
                 </a:ext>
               </a:extLst>
             </p:cNvPr>
@@ -7316,7 +7545,7 @@
             <p:cNvPr id="1028" name="Picture 4" descr="Java Logo PNG Transparent (1) – Brands Logos">
               <a:extLst>
                 <a:ext uri="{FF2B5EF4-FFF2-40B4-BE49-F238E27FC236}">
-                  <a16:creationId xmlns:a16="http://schemas.microsoft.com/office/drawing/2014/main" id="{1DE4FD9A-0814-0DBF-D3D9-53F9CB6B7E30}"/>
+                  <a16:creationId xmlns:a16="http://schemas.microsoft.com/office/drawing/2014/main" xmlns="" id="{1DE4FD9A-0814-0DBF-D3D9-53F9CB6B7E30}"/>
                 </a:ext>
               </a:extLst>
             </p:cNvPr>
@@ -7363,7 +7592,7 @@
             <p:cNvPr id="1030" name="Picture 6" descr="Spring]SpringFramework란 무엇일까??">
               <a:extLst>
                 <a:ext uri="{FF2B5EF4-FFF2-40B4-BE49-F238E27FC236}">
-                  <a16:creationId xmlns:a16="http://schemas.microsoft.com/office/drawing/2014/main" id="{174235EC-CCFD-8378-9C0F-7C6BF5B44AB3}"/>
+                  <a16:creationId xmlns:a16="http://schemas.microsoft.com/office/drawing/2014/main" xmlns="" id="{174235EC-CCFD-8378-9C0F-7C6BF5B44AB3}"/>
                 </a:ext>
               </a:extLst>
             </p:cNvPr>
@@ -7410,7 +7639,7 @@
             <p:cNvPr id="1032" name="Picture 8" descr="Vue Provide와 Inject">
               <a:extLst>
                 <a:ext uri="{FF2B5EF4-FFF2-40B4-BE49-F238E27FC236}">
-                  <a16:creationId xmlns:a16="http://schemas.microsoft.com/office/drawing/2014/main" id="{4C7AD4A1-71F0-BC4D-DB0A-0B67451E2C84}"/>
+                  <a16:creationId xmlns:a16="http://schemas.microsoft.com/office/drawing/2014/main" xmlns="" id="{4C7AD4A1-71F0-BC4D-DB0A-0B67451E2C84}"/>
                 </a:ext>
               </a:extLst>
             </p:cNvPr>
@@ -7457,7 +7686,7 @@
             <p:cNvPr id="1034" name="Picture 10" descr="react original wordmark&quot; Icon - Download for free – Iconduck">
               <a:extLst>
                 <a:ext uri="{FF2B5EF4-FFF2-40B4-BE49-F238E27FC236}">
-                  <a16:creationId xmlns:a16="http://schemas.microsoft.com/office/drawing/2014/main" id="{DC53FD74-0BCD-3A59-8A77-A6D7B9897A1C}"/>
+                  <a16:creationId xmlns:a16="http://schemas.microsoft.com/office/drawing/2014/main" xmlns="" id="{DC53FD74-0BCD-3A59-8A77-A6D7B9897A1C}"/>
                 </a:ext>
               </a:extLst>
             </p:cNvPr>
@@ -7504,7 +7733,7 @@
             <p:cNvPr id="1036" name="Picture 12" descr="Next.js Logo PNG Vector (SVG) Free Download">
               <a:extLst>
                 <a:ext uri="{FF2B5EF4-FFF2-40B4-BE49-F238E27FC236}">
-                  <a16:creationId xmlns:a16="http://schemas.microsoft.com/office/drawing/2014/main" id="{27BB1493-E815-D0C9-2C19-4C99D9987BE1}"/>
+                  <a16:creationId xmlns:a16="http://schemas.microsoft.com/office/drawing/2014/main" xmlns="" id="{27BB1493-E815-D0C9-2C19-4C99D9987BE1}"/>
                 </a:ext>
               </a:extLst>
             </p:cNvPr>
@@ -7551,7 +7780,7 @@
             <p:cNvPr id="1038" name="Picture 14" descr="MySQL 리뷰">
               <a:extLst>
                 <a:ext uri="{FF2B5EF4-FFF2-40B4-BE49-F238E27FC236}">
-                  <a16:creationId xmlns:a16="http://schemas.microsoft.com/office/drawing/2014/main" id="{327B18A1-9FA7-A7F6-2425-D026D0EEF11D}"/>
+                  <a16:creationId xmlns:a16="http://schemas.microsoft.com/office/drawing/2014/main" xmlns="" id="{327B18A1-9FA7-A7F6-2425-D026D0EEF11D}"/>
                 </a:ext>
               </a:extLst>
             </p:cNvPr>
@@ -7598,7 +7827,7 @@
             <p:cNvPr id="52" name="그림 51">
               <a:extLst>
                 <a:ext uri="{FF2B5EF4-FFF2-40B4-BE49-F238E27FC236}">
-                  <a16:creationId xmlns:a16="http://schemas.microsoft.com/office/drawing/2014/main" id="{51CBA00D-A64C-88A2-E4B9-7D58E3EE06D8}"/>
+                  <a16:creationId xmlns:a16="http://schemas.microsoft.com/office/drawing/2014/main" xmlns="" id="{51CBA00D-A64C-88A2-E4B9-7D58E3EE06D8}"/>
                 </a:ext>
               </a:extLst>
             </p:cNvPr>
@@ -7634,7 +7863,7 @@
             <p:cNvPr id="1042" name="Picture 18" descr="JPA Entity 단위 기본 CRUD처리">
               <a:extLst>
                 <a:ext uri="{FF2B5EF4-FFF2-40B4-BE49-F238E27FC236}">
-                  <a16:creationId xmlns:a16="http://schemas.microsoft.com/office/drawing/2014/main" id="{7E1EF8A2-1EE3-6499-16FD-19194B134953}"/>
+                  <a16:creationId xmlns:a16="http://schemas.microsoft.com/office/drawing/2014/main" xmlns="" id="{7E1EF8A2-1EE3-6499-16FD-19194B134953}"/>
                 </a:ext>
               </a:extLst>
             </p:cNvPr>
@@ -7681,7 +7910,7 @@
             <p:cNvPr id="1044" name="Picture 20" descr="Git, 어렵지 않게 시작하기. 개발자들은 피할 수 없는 협업 도구인 Git. 진입장벽은 높지만 배우면… | by Gyeongsun  (Sunny) Park | pageseo | Medium">
               <a:extLst>
                 <a:ext uri="{FF2B5EF4-FFF2-40B4-BE49-F238E27FC236}">
-                  <a16:creationId xmlns:a16="http://schemas.microsoft.com/office/drawing/2014/main" id="{86FD8E09-C906-44B2-3023-D34DB89CB015}"/>
+                  <a16:creationId xmlns:a16="http://schemas.microsoft.com/office/drawing/2014/main" xmlns="" id="{86FD8E09-C906-44B2-3023-D34DB89CB015}"/>
                 </a:ext>
               </a:extLst>
             </p:cNvPr>
@@ -7728,7 +7957,7 @@
             <p:cNvPr id="1046" name="Picture 22">
               <a:extLst>
                 <a:ext uri="{FF2B5EF4-FFF2-40B4-BE49-F238E27FC236}">
-                  <a16:creationId xmlns:a16="http://schemas.microsoft.com/office/drawing/2014/main" id="{C24E5987-EE6A-9071-094D-AD873E356922}"/>
+                  <a16:creationId xmlns:a16="http://schemas.microsoft.com/office/drawing/2014/main" xmlns="" id="{C24E5987-EE6A-9071-094D-AD873E356922}"/>
                 </a:ext>
               </a:extLst>
             </p:cNvPr>
@@ -7775,7 +8004,7 @@
             <p:cNvPr id="1029" name="Picture 6">
               <a:extLst>
                 <a:ext uri="{FF2B5EF4-FFF2-40B4-BE49-F238E27FC236}">
-                  <a16:creationId xmlns:a16="http://schemas.microsoft.com/office/drawing/2014/main" id="{CB14E262-4DF5-3F83-E21E-D29A99FB8B18}"/>
+                  <a16:creationId xmlns:a16="http://schemas.microsoft.com/office/drawing/2014/main" xmlns="" id="{CB14E262-4DF5-3F83-E21E-D29A99FB8B18}"/>
                 </a:ext>
               </a:extLst>
             </p:cNvPr>
@@ -7823,7 +8052,7 @@
           <p:cNvPr id="1040" name="TextBox 4">
             <a:extLst>
               <a:ext uri="{FF2B5EF4-FFF2-40B4-BE49-F238E27FC236}">
-                <a16:creationId xmlns:a16="http://schemas.microsoft.com/office/drawing/2014/main" id="{DCD7C1B7-C583-7C12-D189-DCF70766B36C}"/>
+                <a16:creationId xmlns:a16="http://schemas.microsoft.com/office/drawing/2014/main" xmlns="" id="{DCD7C1B7-C583-7C12-D189-DCF70766B36C}"/>
               </a:ext>
             </a:extLst>
           </p:cNvPr>
@@ -7873,7 +8102,7 @@
           <p:cNvPr id="1043" name="직선 연결선 1042">
             <a:extLst>
               <a:ext uri="{FF2B5EF4-FFF2-40B4-BE49-F238E27FC236}">
-                <a16:creationId xmlns:a16="http://schemas.microsoft.com/office/drawing/2014/main" id="{DBEF9A2E-33A7-298D-84CC-3281BCE9EABA}"/>
+                <a16:creationId xmlns:a16="http://schemas.microsoft.com/office/drawing/2014/main" xmlns="" id="{DBEF9A2E-33A7-298D-84CC-3281BCE9EABA}"/>
               </a:ext>
             </a:extLst>
           </p:cNvPr>
@@ -7914,7 +8143,7 @@
           <p:cNvPr id="1047" name="직선 연결선 1046">
             <a:extLst>
               <a:ext uri="{FF2B5EF4-FFF2-40B4-BE49-F238E27FC236}">
-                <a16:creationId xmlns:a16="http://schemas.microsoft.com/office/drawing/2014/main" id="{71DCF408-51F5-61FA-7577-1390DA112582}"/>
+                <a16:creationId xmlns:a16="http://schemas.microsoft.com/office/drawing/2014/main" xmlns="" id="{71DCF408-51F5-61FA-7577-1390DA112582}"/>
               </a:ext>
             </a:extLst>
           </p:cNvPr>
@@ -7955,7 +8184,7 @@
           <p:cNvPr id="1048" name="직선 연결선 1047">
             <a:extLst>
               <a:ext uri="{FF2B5EF4-FFF2-40B4-BE49-F238E27FC236}">
-                <a16:creationId xmlns:a16="http://schemas.microsoft.com/office/drawing/2014/main" id="{E4D31C23-4F01-E5B8-FABC-6771176A9B7B}"/>
+                <a16:creationId xmlns:a16="http://schemas.microsoft.com/office/drawing/2014/main" xmlns="" id="{E4D31C23-4F01-E5B8-FABC-6771176A9B7B}"/>
               </a:ext>
             </a:extLst>
           </p:cNvPr>
@@ -7996,7 +8225,7 @@
           <p:cNvPr id="1049" name="직선 연결선 1048">
             <a:extLst>
               <a:ext uri="{FF2B5EF4-FFF2-40B4-BE49-F238E27FC236}">
-                <a16:creationId xmlns:a16="http://schemas.microsoft.com/office/drawing/2014/main" id="{507A92BF-9781-E4B2-0943-55CB79422CB6}"/>
+                <a16:creationId xmlns:a16="http://schemas.microsoft.com/office/drawing/2014/main" xmlns="" id="{507A92BF-9781-E4B2-0943-55CB79422CB6}"/>
               </a:ext>
             </a:extLst>
           </p:cNvPr>
@@ -8037,7 +8266,7 @@
           <p:cNvPr id="1050" name="직선 연결선 1049">
             <a:extLst>
               <a:ext uri="{FF2B5EF4-FFF2-40B4-BE49-F238E27FC236}">
-                <a16:creationId xmlns:a16="http://schemas.microsoft.com/office/drawing/2014/main" id="{D678FC13-1A17-70CD-7222-F3541E211F91}"/>
+                <a16:creationId xmlns:a16="http://schemas.microsoft.com/office/drawing/2014/main" xmlns="" id="{D678FC13-1A17-70CD-7222-F3541E211F91}"/>
               </a:ext>
             </a:extLst>
           </p:cNvPr>
@@ -8078,7 +8307,7 @@
           <p:cNvPr id="1051" name="직선 연결선 1050">
             <a:extLst>
               <a:ext uri="{FF2B5EF4-FFF2-40B4-BE49-F238E27FC236}">
-                <a16:creationId xmlns:a16="http://schemas.microsoft.com/office/drawing/2014/main" id="{D765874F-7C54-6194-E8F6-90FFDA808D4F}"/>
+                <a16:creationId xmlns:a16="http://schemas.microsoft.com/office/drawing/2014/main" xmlns="" id="{D765874F-7C54-6194-E8F6-90FFDA808D4F}"/>
               </a:ext>
             </a:extLst>
           </p:cNvPr>
@@ -8119,7 +8348,7 @@
           <p:cNvPr id="1052" name="직선 연결선 1051">
             <a:extLst>
               <a:ext uri="{FF2B5EF4-FFF2-40B4-BE49-F238E27FC236}">
-                <a16:creationId xmlns:a16="http://schemas.microsoft.com/office/drawing/2014/main" id="{CBD4563F-3BE9-DA87-5CD1-FADF2940C051}"/>
+                <a16:creationId xmlns:a16="http://schemas.microsoft.com/office/drawing/2014/main" xmlns="" id="{CBD4563F-3BE9-DA87-5CD1-FADF2940C051}"/>
               </a:ext>
             </a:extLst>
           </p:cNvPr>
@@ -8160,7 +8389,7 @@
           <p:cNvPr id="1053" name="직선 연결선 1052">
             <a:extLst>
               <a:ext uri="{FF2B5EF4-FFF2-40B4-BE49-F238E27FC236}">
-                <a16:creationId xmlns:a16="http://schemas.microsoft.com/office/drawing/2014/main" id="{9DB91B15-B47B-4272-BD6D-4E29F523C3FF}"/>
+                <a16:creationId xmlns:a16="http://schemas.microsoft.com/office/drawing/2014/main" xmlns="" id="{9DB91B15-B47B-4272-BD6D-4E29F523C3FF}"/>
               </a:ext>
             </a:extLst>
           </p:cNvPr>
@@ -8201,7 +8430,7 @@
           <p:cNvPr id="1054" name="직선 연결선 1053">
             <a:extLst>
               <a:ext uri="{FF2B5EF4-FFF2-40B4-BE49-F238E27FC236}">
-                <a16:creationId xmlns:a16="http://schemas.microsoft.com/office/drawing/2014/main" id="{F6134975-EC1A-872A-B859-DC67F2CB4BA8}"/>
+                <a16:creationId xmlns:a16="http://schemas.microsoft.com/office/drawing/2014/main" xmlns="" id="{F6134975-EC1A-872A-B859-DC67F2CB4BA8}"/>
               </a:ext>
             </a:extLst>
           </p:cNvPr>
@@ -8242,6 +8471,13 @@
   <p:clrMapOvr>
     <a:masterClrMapping/>
   </p:clrMapOvr>
+  <p:timing>
+    <p:tnLst>
+      <p:par>
+        <p:cTn id="1" dur="indefinite" restart="never" nodeType="tmRoot"/>
+      </p:par>
+    </p:tnLst>
+  </p:timing>
 </p:sld>
 </file>
 
@@ -8272,16 +8508,123 @@
           <a:chExt cx="0" cy="0"/>
         </a:xfrm>
       </p:grpSpPr>
+      <p:grpSp>
+        <p:nvGrpSpPr>
+          <p:cNvPr id="17" name="그룹 16"/>
+          <p:cNvGrpSpPr/>
+          <p:nvPr/>
+        </p:nvGrpSpPr>
+        <p:grpSpPr>
+          <a:xfrm>
+            <a:off x="228600" y="7723912"/>
+            <a:ext cx="2655651" cy="1521839"/>
+            <a:chOff x="804965" y="4066161"/>
+            <a:chExt cx="2655651" cy="1521839"/>
+          </a:xfrm>
+        </p:grpSpPr>
+        <p:sp>
+          <p:nvSpPr>
+            <p:cNvPr id="5" name="TextBox 5"/>
+            <p:cNvSpPr txBox="1"/>
+            <p:nvPr/>
+          </p:nvSpPr>
+          <p:spPr>
+            <a:xfrm>
+              <a:off x="1327016" y="4343400"/>
+              <a:ext cx="2133600" cy="1244600"/>
+            </a:xfrm>
+            <a:prstGeom prst="rect">
+              <a:avLst/>
+            </a:prstGeom>
+          </p:spPr>
+          <p:txBody>
+            <a:bodyPr lIns="0" tIns="0" rIns="0" bIns="0" rtlCol="0" anchor="ctr"/>
+            <a:lstStyle/>
+            <a:p>
+              <a:pPr lvl="0" algn="l">
+                <a:lnSpc>
+                  <a:spcPct val="107899"/>
+                </a:lnSpc>
+              </a:pPr>
+              <a:r>
+                <a:rPr lang="en-US" altLang="ko-KR" sz="3200" dirty="0">
+                  <a:solidFill>
+                    <a:srgbClr val="595959"/>
+                  </a:solidFill>
+                  <a:latin typeface="G마켓 산스 TTF Bold" panose="02000000000000000000" pitchFamily="2" charset="-127"/>
+                  <a:ea typeface="G마켓 산스 TTF Bold" panose="02000000000000000000" pitchFamily="2" charset="-127"/>
+                </a:rPr>
+                <a:t>FITBOX</a:t>
+              </a:r>
+              <a:endParaRPr lang="ko-KR" sz="3200" b="0" i="0" u="none" strike="noStrike" dirty="0">
+                <a:solidFill>
+                  <a:srgbClr val="595959"/>
+                </a:solidFill>
+                <a:latin typeface="G마켓 산스 TTF Bold" panose="02000000000000000000" pitchFamily="2" charset="-127"/>
+                <a:ea typeface="G마켓 산스 TTF Bold" panose="02000000000000000000" pitchFamily="2" charset="-127"/>
+              </a:endParaRPr>
+            </a:p>
+            <a:p>
+              <a:pPr lvl="0" algn="l">
+                <a:lnSpc>
+                  <a:spcPct val="107899"/>
+                </a:lnSpc>
+              </a:pPr>
+              <a:r>
+                <a:rPr lang="en-US" altLang="ko-KR" sz="2000" dirty="0">
+                  <a:solidFill>
+                    <a:srgbClr val="2274EC"/>
+                  </a:solidFill>
+                  <a:latin typeface="G마켓 산스 TTF Bold" panose="02000000000000000000" pitchFamily="2" charset="-127"/>
+                  <a:ea typeface="G마켓 산스 TTF Bold" panose="02000000000000000000" pitchFamily="2" charset="-127"/>
+                </a:rPr>
+                <a:t>WEB WMS Project</a:t>
+              </a:r>
+              <a:endParaRPr lang="en-US" sz="4100" b="0" i="0" u="none" strike="noStrike" dirty="0">
+                <a:solidFill>
+                  <a:srgbClr val="2274EC"/>
+                </a:solidFill>
+                <a:latin typeface="G마켓 산스 TTF Bold" panose="02000000000000000000" pitchFamily="2" charset="-127"/>
+                <a:ea typeface="G마켓 산스 TTF Bold" panose="02000000000000000000" pitchFamily="2" charset="-127"/>
+              </a:endParaRPr>
+            </a:p>
+          </p:txBody>
+        </p:sp>
+        <p:pic>
+          <p:nvPicPr>
+            <p:cNvPr id="6" name="Picture 6"/>
+            <p:cNvPicPr>
+              <a:picLocks noChangeAspect="1"/>
+            </p:cNvPicPr>
+            <p:nvPr/>
+          </p:nvPicPr>
+          <p:blipFill>
+            <a:blip r:embed="rId2"/>
+            <a:stretch>
+              <a:fillRect/>
+            </a:stretch>
+          </p:blipFill>
+          <p:spPr>
+            <a:xfrm>
+              <a:off x="804965" y="4066161"/>
+              <a:ext cx="533400" cy="546100"/>
+            </a:xfrm>
+            <a:prstGeom prst="rect">
+              <a:avLst/>
+            </a:prstGeom>
+          </p:spPr>
+        </p:pic>
+      </p:grpSp>
       <p:sp>
         <p:nvSpPr>
-          <p:cNvPr id="5" name="TextBox 5"/>
+          <p:cNvPr id="7" name="TextBox 7"/>
           <p:cNvSpPr txBox="1"/>
           <p:nvPr/>
         </p:nvSpPr>
         <p:spPr>
           <a:xfrm>
-            <a:off x="1327016" y="4343400"/>
-            <a:ext cx="2133600" cy="1244600"/>
+            <a:off x="3276600" y="7746731"/>
+            <a:ext cx="3233635" cy="572513"/>
           </a:xfrm>
           <a:prstGeom prst="rect">
             <a:avLst/>
@@ -8293,202 +8636,16 @@
           <a:p>
             <a:pPr lvl="0" algn="l">
               <a:lnSpc>
-                <a:spcPct val="107899"/>
+                <a:spcPct val="157700"/>
               </a:lnSpc>
             </a:pPr>
-            <a:r>
-              <a:rPr lang="en-US" altLang="ko-KR" sz="3200" dirty="0">
-                <a:solidFill>
-                  <a:srgbClr val="595959"/>
-                </a:solidFill>
-                <a:latin typeface="G마켓 산스 TTF Bold" panose="02000000000000000000" pitchFamily="2" charset="-127"/>
-                <a:ea typeface="G마켓 산스 TTF Bold" panose="02000000000000000000" pitchFamily="2" charset="-127"/>
-              </a:rPr>
-              <a:t>FITBOX</a:t>
-            </a:r>
-            <a:endParaRPr lang="ko-KR" sz="3200" b="0" i="0" u="none" strike="noStrike" dirty="0">
+            <a:endParaRPr lang="en-US" sz="1600" b="0" i="0" u="none" strike="noStrike" dirty="0">
               <a:solidFill>
                 <a:srgbClr val="595959"/>
               </a:solidFill>
-              <a:latin typeface="G마켓 산스 TTF Bold" panose="02000000000000000000" pitchFamily="2" charset="-127"/>
-              <a:ea typeface="G마켓 산스 TTF Bold" panose="02000000000000000000" pitchFamily="2" charset="-127"/>
+              <a:latin typeface="G마켓 산스 TTF Medium" panose="02000000000000000000" pitchFamily="2" charset="-127"/>
+              <a:ea typeface="G마켓 산스 TTF Medium" panose="02000000000000000000" pitchFamily="2" charset="-127"/>
             </a:endParaRPr>
-          </a:p>
-          <a:p>
-            <a:pPr lvl="0" algn="l">
-              <a:lnSpc>
-                <a:spcPct val="107899"/>
-              </a:lnSpc>
-            </a:pPr>
-            <a:r>
-              <a:rPr lang="en-US" altLang="ko-KR" sz="2000" dirty="0">
-                <a:solidFill>
-                  <a:srgbClr val="2274EC"/>
-                </a:solidFill>
-                <a:latin typeface="G마켓 산스 TTF Bold" panose="02000000000000000000" pitchFamily="2" charset="-127"/>
-                <a:ea typeface="G마켓 산스 TTF Bold" panose="02000000000000000000" pitchFamily="2" charset="-127"/>
-              </a:rPr>
-              <a:t>WEB WMS Project</a:t>
-            </a:r>
-            <a:endParaRPr lang="en-US" sz="4100" b="0" i="0" u="none" strike="noStrike" dirty="0">
-              <a:solidFill>
-                <a:srgbClr val="2274EC"/>
-              </a:solidFill>
-              <a:latin typeface="G마켓 산스 TTF Bold" panose="02000000000000000000" pitchFamily="2" charset="-127"/>
-              <a:ea typeface="G마켓 산스 TTF Bold" panose="02000000000000000000" pitchFamily="2" charset="-127"/>
-            </a:endParaRPr>
-          </a:p>
-        </p:txBody>
-      </p:sp>
-      <p:pic>
-        <p:nvPicPr>
-          <p:cNvPr id="6" name="Picture 6"/>
-          <p:cNvPicPr>
-            <a:picLocks noChangeAspect="1"/>
-          </p:cNvPicPr>
-          <p:nvPr/>
-        </p:nvPicPr>
-        <p:blipFill>
-          <a:blip r:embed="rId2"/>
-          <a:stretch>
-            <a:fillRect/>
-          </a:stretch>
-        </p:blipFill>
-        <p:spPr>
-          <a:xfrm>
-            <a:off x="804965" y="4066161"/>
-            <a:ext cx="533400" cy="546100"/>
-          </a:xfrm>
-          <a:prstGeom prst="rect">
-            <a:avLst/>
-          </a:prstGeom>
-        </p:spPr>
-      </p:pic>
-      <p:sp>
-        <p:nvSpPr>
-          <p:cNvPr id="7" name="TextBox 7"/>
-          <p:cNvSpPr txBox="1"/>
-          <p:nvPr/>
-        </p:nvSpPr>
-        <p:spPr>
-          <a:xfrm>
-            <a:off x="804965" y="6436873"/>
-            <a:ext cx="3441700" cy="1714500"/>
-          </a:xfrm>
-          <a:prstGeom prst="rect">
-            <a:avLst/>
-          </a:prstGeom>
-        </p:spPr>
-        <p:txBody>
-          <a:bodyPr lIns="0" tIns="0" rIns="0" bIns="0" rtlCol="0" anchor="ctr"/>
-          <a:lstStyle/>
-          <a:p>
-            <a:pPr lvl="0" algn="l">
-              <a:lnSpc>
-                <a:spcPct val="157700"/>
-              </a:lnSpc>
-            </a:pPr>
-            <a:r>
-              <a:rPr lang="en-US" sz="1600" b="0" i="0" u="none" strike="noStrike" dirty="0">
-                <a:solidFill>
-                  <a:srgbClr val="595959"/>
-                </a:solidFill>
-                <a:latin typeface="G마켓 산스 TTF Medium" panose="02000000000000000000" pitchFamily="2" charset="-127"/>
-                <a:ea typeface="G마켓 산스 TTF Medium" panose="02000000000000000000" pitchFamily="2" charset="-127"/>
-              </a:rPr>
-              <a:t>B      </a:t>
-            </a:r>
-            <a:r>
-              <a:rPr lang="en-US" sz="1600" dirty="0">
-                <a:solidFill>
-                  <a:srgbClr val="595959"/>
-                </a:solidFill>
-                <a:latin typeface="G마켓 산스 TTF Medium" panose="02000000000000000000" pitchFamily="2" charset="-127"/>
-                <a:ea typeface="G마켓 산스 TTF Medium" panose="02000000000000000000" pitchFamily="2" charset="-127"/>
-              </a:rPr>
-              <a:t>1994</a:t>
-            </a:r>
-            <a:r>
-              <a:rPr lang="en-US" sz="1600" b="0" i="0" u="none" strike="noStrike" dirty="0">
-                <a:solidFill>
-                  <a:srgbClr val="595959"/>
-                </a:solidFill>
-                <a:latin typeface="G마켓 산스 TTF Medium" panose="02000000000000000000" pitchFamily="2" charset="-127"/>
-                <a:ea typeface="G마켓 산스 TTF Medium" panose="02000000000000000000" pitchFamily="2" charset="-127"/>
-              </a:rPr>
-              <a:t>.01.27 </a:t>
-            </a:r>
-          </a:p>
-          <a:p>
-            <a:pPr lvl="0" algn="l">
-              <a:lnSpc>
-                <a:spcPct val="157700"/>
-              </a:lnSpc>
-            </a:pPr>
-            <a:r>
-              <a:rPr lang="en-US" sz="1600" b="0" i="0" u="none" strike="noStrike" dirty="0">
-                <a:solidFill>
-                  <a:srgbClr val="595959"/>
-                </a:solidFill>
-                <a:latin typeface="G마켓 산스 TTF Medium" panose="02000000000000000000" pitchFamily="2" charset="-127"/>
-                <a:ea typeface="G마켓 산스 TTF Medium" panose="02000000000000000000" pitchFamily="2" charset="-127"/>
-              </a:rPr>
-              <a:t>P      010 3582 8143</a:t>
-            </a:r>
-          </a:p>
-          <a:p>
-            <a:pPr lvl="0" algn="l">
-              <a:lnSpc>
-                <a:spcPct val="157700"/>
-              </a:lnSpc>
-            </a:pPr>
-            <a:r>
-              <a:rPr lang="en-US" sz="1600" b="0" i="0" u="none" strike="noStrike" dirty="0">
-                <a:solidFill>
-                  <a:srgbClr val="595959"/>
-                </a:solidFill>
-                <a:latin typeface="G마켓 산스 TTF Medium" panose="02000000000000000000" pitchFamily="2" charset="-127"/>
-                <a:ea typeface="G마켓 산스 TTF Medium" panose="02000000000000000000" pitchFamily="2" charset="-127"/>
-              </a:rPr>
-              <a:t>M     </a:t>
-            </a:r>
-            <a:r>
-              <a:rPr lang="en-US" sz="1600" dirty="0">
-                <a:solidFill>
-                  <a:srgbClr val="595959"/>
-                </a:solidFill>
-                <a:latin typeface="G마켓 산스 TTF Medium" panose="02000000000000000000" pitchFamily="2" charset="-127"/>
-                <a:ea typeface="G마켓 산스 TTF Medium" panose="02000000000000000000" pitchFamily="2" charset="-127"/>
-              </a:rPr>
-              <a:t>itgorae.seok</a:t>
-            </a:r>
-            <a:r>
-              <a:rPr lang="en-US" sz="1600" b="0" i="0" u="none" strike="noStrike" dirty="0">
-                <a:solidFill>
-                  <a:srgbClr val="595959"/>
-                </a:solidFill>
-                <a:latin typeface="G마켓 산스 TTF Medium" panose="02000000000000000000" pitchFamily="2" charset="-127"/>
-                <a:ea typeface="G마켓 산스 TTF Medium" panose="02000000000000000000" pitchFamily="2" charset="-127"/>
-              </a:rPr>
-              <a:t>@gmail.com</a:t>
-            </a:r>
-          </a:p>
-          <a:p>
-            <a:pPr lvl="0" algn="l">
-              <a:lnSpc>
-                <a:spcPct val="157700"/>
-              </a:lnSpc>
-            </a:pPr>
-            <a:r>
-              <a:rPr lang="en-US" sz="1600" b="0" i="0" u="none" strike="noStrike" dirty="0">
-                <a:solidFill>
-                  <a:srgbClr val="595959"/>
-                </a:solidFill>
-                <a:latin typeface="G마켓 산스 TTF Medium" panose="02000000000000000000" pitchFamily="2" charset="-127"/>
-                <a:ea typeface="G마켓 산스 TTF Medium" panose="02000000000000000000" pitchFamily="2" charset="-127"/>
-              </a:rPr>
-              <a:t>W     www.miricanvas.com</a:t>
-            </a:r>
           </a:p>
         </p:txBody>
       </p:sp>
@@ -8508,8 +8665,8 @@
         </p:blipFill>
         <p:spPr>
           <a:xfrm>
-            <a:off x="6819900" y="1790700"/>
-            <a:ext cx="2730500" cy="431800"/>
+            <a:off x="6819900" y="1333500"/>
+            <a:ext cx="1943100" cy="355600"/>
           </a:xfrm>
           <a:prstGeom prst="rect">
             <a:avLst/>
@@ -8524,8 +8681,8 @@
         </p:nvSpPr>
         <p:spPr>
           <a:xfrm>
-            <a:off x="7035800" y="1841500"/>
-            <a:ext cx="2311400" cy="292100"/>
+            <a:off x="6934200" y="1408787"/>
+            <a:ext cx="1778874" cy="259981"/>
           </a:xfrm>
           <a:prstGeom prst="rect">
             <a:avLst/>
@@ -8541,414 +8698,22 @@
               </a:lnSpc>
             </a:pPr>
             <a:r>
-              <a:rPr lang="en-US" sz="1700" b="0" i="0" u="none" strike="noStrike" spc="300" dirty="0">
+              <a:rPr lang="en-US" sz="1600" spc="300" dirty="0" smtClean="0">
                 <a:solidFill>
                   <a:srgbClr val="2274EC"/>
                 </a:solidFill>
                 <a:latin typeface="G마켓 산스 TTF Bold" panose="02000000000000000000" pitchFamily="2" charset="-127"/>
                 <a:ea typeface="G마켓 산스 TTF Bold" panose="02000000000000000000" pitchFamily="2" charset="-127"/>
               </a:rPr>
-              <a:t>EDUCATION</a:t>
-            </a:r>
-          </a:p>
-        </p:txBody>
-      </p:sp>
-      <p:pic>
-        <p:nvPicPr>
-          <p:cNvPr id="11" name="Picture 11"/>
-          <p:cNvPicPr>
-            <a:picLocks noChangeAspect="1"/>
-          </p:cNvPicPr>
-          <p:nvPr/>
-        </p:nvPicPr>
-        <p:blipFill>
-          <a:blip r:embed="rId3"/>
-          <a:stretch>
-            <a:fillRect/>
-          </a:stretch>
-        </p:blipFill>
-        <p:spPr>
-          <a:xfrm>
-            <a:off x="6819900" y="4533900"/>
-            <a:ext cx="2730500" cy="431800"/>
-          </a:xfrm>
-          <a:prstGeom prst="rect">
-            <a:avLst/>
-          </a:prstGeom>
-        </p:spPr>
-      </p:pic>
-      <p:sp>
-        <p:nvSpPr>
-          <p:cNvPr id="12" name="TextBox 12"/>
-          <p:cNvSpPr txBox="1"/>
-          <p:nvPr/>
-        </p:nvSpPr>
-        <p:spPr>
-          <a:xfrm>
-            <a:off x="7035800" y="4584700"/>
-            <a:ext cx="2311400" cy="292100"/>
-          </a:xfrm>
-          <a:prstGeom prst="rect">
-            <a:avLst/>
-          </a:prstGeom>
-        </p:spPr>
-        <p:txBody>
-          <a:bodyPr lIns="0" tIns="0" rIns="0" bIns="0" rtlCol="0" anchor="ctr"/>
-          <a:lstStyle/>
-          <a:p>
-            <a:pPr lvl="0" algn="ctr">
-              <a:lnSpc>
-                <a:spcPct val="99600"/>
-              </a:lnSpc>
-            </a:pPr>
-            <a:r>
-              <a:rPr lang="en-US" sz="1700" b="0" i="0" u="none" strike="noStrike" spc="300" dirty="0">
-                <a:solidFill>
-                  <a:srgbClr val="2274EC"/>
-                </a:solidFill>
-                <a:latin typeface="G마켓 산스 TTF Bold" panose="02000000000000000000" pitchFamily="2" charset="-127"/>
-                <a:ea typeface="G마켓 산스 TTF Bold" panose="02000000000000000000" pitchFamily="2" charset="-127"/>
-              </a:rPr>
-              <a:t>EXPERIENCE</a:t>
-            </a:r>
-          </a:p>
-        </p:txBody>
-      </p:sp>
-      <p:grpSp>
-        <p:nvGrpSpPr>
-          <p:cNvPr id="54" name="그룹 53">
-            <a:extLst>
-              <a:ext uri="{FF2B5EF4-FFF2-40B4-BE49-F238E27FC236}">
-                <a16:creationId xmlns:a16="http://schemas.microsoft.com/office/drawing/2014/main" id="{B4DCFB9C-BB83-BAED-5571-23C489D78AC4}"/>
-              </a:ext>
-            </a:extLst>
-          </p:cNvPr>
-          <p:cNvGrpSpPr/>
-          <p:nvPr/>
-        </p:nvGrpSpPr>
-        <p:grpSpPr>
-          <a:xfrm>
-            <a:off x="12560302" y="1714499"/>
-            <a:ext cx="3225798" cy="431801"/>
-            <a:chOff x="11890209" y="2146300"/>
-            <a:chExt cx="2752891" cy="431800"/>
-          </a:xfrm>
-        </p:grpSpPr>
-        <p:pic>
-          <p:nvPicPr>
-            <p:cNvPr id="20" name="Picture 20"/>
-            <p:cNvPicPr>
-              <a:picLocks noChangeAspect="1"/>
-            </p:cNvPicPr>
-            <p:nvPr/>
-          </p:nvPicPr>
-          <p:blipFill>
-            <a:blip r:embed="rId4"/>
-            <a:stretch>
-              <a:fillRect/>
-            </a:stretch>
-          </p:blipFill>
-          <p:spPr>
-            <a:xfrm>
-              <a:off x="11912600" y="2146300"/>
-              <a:ext cx="2730500" cy="431800"/>
-            </a:xfrm>
-            <a:prstGeom prst="rect">
-              <a:avLst/>
-            </a:prstGeom>
-          </p:spPr>
-        </p:pic>
-        <p:sp>
-          <p:nvSpPr>
-            <p:cNvPr id="21" name="TextBox 21"/>
-            <p:cNvSpPr txBox="1"/>
-            <p:nvPr/>
-          </p:nvSpPr>
-          <p:spPr>
-            <a:xfrm>
-              <a:off x="11890209" y="2211070"/>
-              <a:ext cx="2730500" cy="322211"/>
-            </a:xfrm>
-            <a:prstGeom prst="rect">
-              <a:avLst/>
-            </a:prstGeom>
-          </p:spPr>
-          <p:txBody>
-            <a:bodyPr lIns="0" tIns="0" rIns="0" bIns="0" rtlCol="0" anchor="ctr"/>
-            <a:lstStyle/>
-            <a:p>
-              <a:pPr lvl="0" algn="ctr">
-                <a:lnSpc>
-                  <a:spcPct val="99600"/>
-                </a:lnSpc>
-              </a:pPr>
-              <a:r>
-                <a:rPr lang="en-US" sz="1700" b="0" i="0" u="none" strike="noStrike" spc="300" dirty="0">
-                  <a:solidFill>
-                    <a:srgbClr val="2274EC"/>
-                  </a:solidFill>
-                  <a:latin typeface="G마켓 산스 TTF Bold" panose="02000000000000000000" pitchFamily="2" charset="-127"/>
-                  <a:ea typeface="G마켓 산스 TTF Bold" panose="02000000000000000000" pitchFamily="2" charset="-127"/>
-                </a:rPr>
-                <a:t>CERTIFICATION</a:t>
-              </a:r>
-            </a:p>
-          </p:txBody>
-        </p:sp>
-      </p:grpSp>
-      <p:sp>
-        <p:nvSpPr>
-          <p:cNvPr id="22" name="TextBox 22"/>
-          <p:cNvSpPr txBox="1"/>
-          <p:nvPr/>
-        </p:nvSpPr>
-        <p:spPr>
-          <a:xfrm>
-            <a:off x="12683203" y="2662289"/>
-            <a:ext cx="3911600" cy="1587500"/>
-          </a:xfrm>
-          <a:prstGeom prst="rect">
-            <a:avLst/>
-          </a:prstGeom>
-        </p:spPr>
-        <p:txBody>
-          <a:bodyPr lIns="0" tIns="0" rIns="0" bIns="0" rtlCol="0" anchor="ctr"/>
-          <a:lstStyle/>
-          <a:p>
-            <a:pPr lvl="0" algn="l">
-              <a:lnSpc>
-                <a:spcPct val="157700"/>
-              </a:lnSpc>
-            </a:pPr>
-            <a:r>
-              <a:rPr lang="en-US" sz="1800" b="0" i="0" u="none" strike="noStrike" dirty="0">
-                <a:solidFill>
-                  <a:srgbClr val="C2C2C2"/>
-                </a:solidFill>
-                <a:latin typeface="G마켓 산스 TTF Bold" panose="02000000000000000000" pitchFamily="2" charset="-127"/>
-                <a:ea typeface="G마켓 산스 TTF Bold" panose="02000000000000000000" pitchFamily="2" charset="-127"/>
-              </a:rPr>
-              <a:t>2000.01</a:t>
-            </a:r>
-            <a:r>
-              <a:rPr lang="en-US" sz="1800" b="0" i="0" u="none" strike="noStrike" dirty="0">
-                <a:solidFill>
-                  <a:srgbClr val="595959"/>
-                </a:solidFill>
-                <a:latin typeface="G마켓 산스 TTF Bold" panose="02000000000000000000" pitchFamily="2" charset="-127"/>
-                <a:ea typeface="G마켓 산스 TTF Bold" panose="02000000000000000000" pitchFamily="2" charset="-127"/>
-              </a:rPr>
-              <a:t>    </a:t>
-            </a:r>
-            <a:r>
-              <a:rPr lang="ko-KR" altLang="en-US" sz="1800" b="0" i="0" u="none" strike="noStrike" dirty="0">
-                <a:solidFill>
-                  <a:srgbClr val="595959"/>
-                </a:solidFill>
-                <a:latin typeface="G마켓 산스 TTF Bold" panose="02000000000000000000" pitchFamily="2" charset="-127"/>
-                <a:ea typeface="G마켓 산스 TTF Bold" panose="02000000000000000000" pitchFamily="2" charset="-127"/>
-              </a:rPr>
-              <a:t>컴퓨터 활용 </a:t>
-            </a:r>
-            <a:r>
-              <a:rPr lang="en-US" altLang="ko-KR" sz="1800" b="0" i="0" u="none" strike="noStrike" dirty="0">
-                <a:solidFill>
-                  <a:srgbClr val="595959"/>
-                </a:solidFill>
-                <a:latin typeface="G마켓 산스 TTF Bold" panose="02000000000000000000" pitchFamily="2" charset="-127"/>
-                <a:ea typeface="G마켓 산스 TTF Bold" panose="02000000000000000000" pitchFamily="2" charset="-127"/>
-              </a:rPr>
-              <a:t>2</a:t>
-            </a:r>
-            <a:r>
-              <a:rPr lang="ko-KR" altLang="en-US" sz="1800" b="0" i="0" u="none" strike="noStrike" dirty="0">
-                <a:solidFill>
-                  <a:srgbClr val="595959"/>
-                </a:solidFill>
-                <a:latin typeface="G마켓 산스 TTF Bold" panose="02000000000000000000" pitchFamily="2" charset="-127"/>
-                <a:ea typeface="G마켓 산스 TTF Bold" panose="02000000000000000000" pitchFamily="2" charset="-127"/>
-              </a:rPr>
-              <a:t>급</a:t>
-            </a:r>
-            <a:endParaRPr lang="en-US" altLang="ko-KR" sz="1800" b="0" i="0" u="none" strike="noStrike" dirty="0">
+              <a:t>Back End</a:t>
+            </a:r>
+            <a:endParaRPr lang="en-US" sz="1600" b="0" i="0" u="none" strike="noStrike" spc="300" dirty="0">
               <a:solidFill>
-                <a:srgbClr val="595959"/>
+                <a:srgbClr val="2274EC"/>
               </a:solidFill>
               <a:latin typeface="G마켓 산스 TTF Bold" panose="02000000000000000000" pitchFamily="2" charset="-127"/>
               <a:ea typeface="G마켓 산스 TTF Bold" panose="02000000000000000000" pitchFamily="2" charset="-127"/>
             </a:endParaRPr>
-          </a:p>
-          <a:p>
-            <a:pPr lvl="0" algn="l">
-              <a:lnSpc>
-                <a:spcPct val="157700"/>
-              </a:lnSpc>
-            </a:pPr>
-            <a:r>
-              <a:rPr lang="en-US" sz="1800" b="0" i="0" u="none" strike="noStrike" dirty="0">
-                <a:solidFill>
-                  <a:srgbClr val="C2C2C2"/>
-                </a:solidFill>
-                <a:latin typeface="G마켓 산스 TTF Bold" panose="02000000000000000000" pitchFamily="2" charset="-127"/>
-                <a:ea typeface="G마켓 산스 TTF Bold" panose="02000000000000000000" pitchFamily="2" charset="-127"/>
-              </a:rPr>
-              <a:t>2000.01 </a:t>
-            </a:r>
-            <a:r>
-              <a:rPr lang="en-US" sz="1800" b="0" i="0" u="none" strike="noStrike" dirty="0">
-                <a:solidFill>
-                  <a:srgbClr val="595959"/>
-                </a:solidFill>
-                <a:latin typeface="G마켓 산스 TTF Bold" panose="02000000000000000000" pitchFamily="2" charset="-127"/>
-                <a:ea typeface="G마켓 산스 TTF Bold" panose="02000000000000000000" pitchFamily="2" charset="-127"/>
-              </a:rPr>
-              <a:t>   </a:t>
-            </a:r>
-            <a:r>
-              <a:rPr lang="ko-KR" altLang="en-US" dirty="0">
-                <a:solidFill>
-                  <a:srgbClr val="595959"/>
-                </a:solidFill>
-                <a:latin typeface="G마켓 산스 TTF Bold" panose="02000000000000000000" pitchFamily="2" charset="-127"/>
-                <a:ea typeface="G마켓 산스 TTF Bold" panose="02000000000000000000" pitchFamily="2" charset="-127"/>
-              </a:rPr>
-              <a:t>물류관리사</a:t>
-            </a:r>
-            <a:endParaRPr lang="ko-KR" sz="1800" b="0" i="0" u="none" strike="noStrike" dirty="0">
-              <a:solidFill>
-                <a:srgbClr val="595959"/>
-              </a:solidFill>
-              <a:latin typeface="G마켓 산스 TTF Bold" panose="02000000000000000000" pitchFamily="2" charset="-127"/>
-              <a:ea typeface="G마켓 산스 TTF Bold" panose="02000000000000000000" pitchFamily="2" charset="-127"/>
-            </a:endParaRPr>
-          </a:p>
-          <a:p>
-            <a:pPr lvl="0" algn="l">
-              <a:lnSpc>
-                <a:spcPct val="157700"/>
-              </a:lnSpc>
-            </a:pPr>
-            <a:r>
-              <a:rPr lang="en-US" sz="1800" b="0" i="0" u="none" strike="noStrike" dirty="0">
-                <a:solidFill>
-                  <a:srgbClr val="C2C2C2"/>
-                </a:solidFill>
-                <a:latin typeface="G마켓 산스 TTF Bold" panose="02000000000000000000" pitchFamily="2" charset="-127"/>
-                <a:ea typeface="G마켓 산스 TTF Bold" panose="02000000000000000000" pitchFamily="2" charset="-127"/>
-              </a:rPr>
-              <a:t>2000.01</a:t>
-            </a:r>
-            <a:r>
-              <a:rPr lang="en-US" sz="1800" b="0" i="0" u="none" strike="noStrike" dirty="0">
-                <a:solidFill>
-                  <a:srgbClr val="595959"/>
-                </a:solidFill>
-                <a:latin typeface="G마켓 산스 TTF Bold" panose="02000000000000000000" pitchFamily="2" charset="-127"/>
-                <a:ea typeface="G마켓 산스 TTF Bold" panose="02000000000000000000" pitchFamily="2" charset="-127"/>
-              </a:rPr>
-              <a:t>    </a:t>
-            </a:r>
-            <a:r>
-              <a:rPr lang="en-US" dirty="0">
-                <a:solidFill>
-                  <a:srgbClr val="595959"/>
-                </a:solidFill>
-                <a:latin typeface="G마켓 산스 TTF Bold" panose="02000000000000000000" pitchFamily="2" charset="-127"/>
-                <a:ea typeface="G마켓 산스 TTF Bold" panose="02000000000000000000" pitchFamily="2" charset="-127"/>
-              </a:rPr>
-              <a:t>SQLD</a:t>
-            </a:r>
-          </a:p>
-          <a:p>
-            <a:pPr lvl="0" algn="l">
-              <a:lnSpc>
-                <a:spcPct val="157700"/>
-              </a:lnSpc>
-            </a:pPr>
-            <a:r>
-              <a:rPr lang="en-US" altLang="ko-KR" sz="1800" b="0" i="0" u="none" strike="noStrike" dirty="0">
-                <a:solidFill>
-                  <a:srgbClr val="C2C2C2"/>
-                </a:solidFill>
-                <a:latin typeface="G마켓 산스 TTF Bold" panose="02000000000000000000" pitchFamily="2" charset="-127"/>
-                <a:ea typeface="G마켓 산스 TTF Bold" panose="02000000000000000000" pitchFamily="2" charset="-127"/>
-              </a:rPr>
-              <a:t>2000.01</a:t>
-            </a:r>
-            <a:r>
-              <a:rPr lang="en-US" altLang="ko-KR" sz="1800" b="0" i="0" u="none" strike="noStrike" dirty="0">
-                <a:solidFill>
-                  <a:srgbClr val="595959"/>
-                </a:solidFill>
-                <a:latin typeface="G마켓 산스 TTF Bold" panose="02000000000000000000" pitchFamily="2" charset="-127"/>
-                <a:ea typeface="G마켓 산스 TTF Bold" panose="02000000000000000000" pitchFamily="2" charset="-127"/>
-              </a:rPr>
-              <a:t>    </a:t>
-            </a:r>
-            <a:r>
-              <a:rPr lang="ko-KR" altLang="en-US" dirty="0">
-                <a:solidFill>
-                  <a:srgbClr val="595959"/>
-                </a:solidFill>
-                <a:latin typeface="G마켓 산스 TTF Bold" panose="02000000000000000000" pitchFamily="2" charset="-127"/>
-                <a:ea typeface="G마켓 산스 TTF Bold" panose="02000000000000000000" pitchFamily="2" charset="-127"/>
-              </a:rPr>
-              <a:t>정보처리기사</a:t>
-            </a:r>
-            <a:endParaRPr lang="en-US" altLang="ko-KR" dirty="0">
-              <a:solidFill>
-                <a:srgbClr val="595959"/>
-              </a:solidFill>
-              <a:latin typeface="G마켓 산스 TTF Bold" panose="02000000000000000000" pitchFamily="2" charset="-127"/>
-              <a:ea typeface="G마켓 산스 TTF Bold" panose="02000000000000000000" pitchFamily="2" charset="-127"/>
-            </a:endParaRPr>
-          </a:p>
-          <a:p>
-            <a:pPr lvl="0" algn="l">
-              <a:lnSpc>
-                <a:spcPct val="157700"/>
-              </a:lnSpc>
-            </a:pPr>
-            <a:r>
-              <a:rPr lang="en-US" sz="1800" b="0" i="0" u="none" strike="noStrike" dirty="0">
-                <a:solidFill>
-                  <a:srgbClr val="C2C2C2"/>
-                </a:solidFill>
-                <a:latin typeface="G마켓 산스 TTF Bold" panose="02000000000000000000" pitchFamily="2" charset="-127"/>
-                <a:ea typeface="G마켓 산스 TTF Bold" panose="02000000000000000000" pitchFamily="2" charset="-127"/>
-              </a:rPr>
-              <a:t>2000.01</a:t>
-            </a:r>
-            <a:r>
-              <a:rPr lang="en-US" sz="1800" b="0" i="0" u="none" strike="noStrike" dirty="0">
-                <a:solidFill>
-                  <a:srgbClr val="595959"/>
-                </a:solidFill>
-                <a:latin typeface="G마켓 산스 TTF Bold" panose="02000000000000000000" pitchFamily="2" charset="-127"/>
-                <a:ea typeface="G마켓 산스 TTF Bold" panose="02000000000000000000" pitchFamily="2" charset="-127"/>
-              </a:rPr>
-              <a:t>    2</a:t>
-            </a:r>
-            <a:r>
-              <a:rPr lang="ko-KR" sz="1800" b="0" i="0" u="none" strike="noStrike" dirty="0">
-                <a:solidFill>
-                  <a:srgbClr val="595959"/>
-                </a:solidFill>
-                <a:latin typeface="G마켓 산스 TTF Bold" panose="02000000000000000000" pitchFamily="2" charset="-127"/>
-                <a:ea typeface="G마켓 산스 TTF Bold" panose="02000000000000000000" pitchFamily="2" charset="-127"/>
-              </a:rPr>
-              <a:t>종보통운전면허</a:t>
-            </a:r>
-            <a:r>
-              <a:rPr lang="en-US" sz="1800" b="0" i="0" u="none" strike="noStrike" dirty="0">
-                <a:solidFill>
-                  <a:srgbClr val="595959"/>
-                </a:solidFill>
-                <a:latin typeface="G마켓 산스 TTF Bold" panose="02000000000000000000" pitchFamily="2" charset="-127"/>
-                <a:ea typeface="G마켓 산스 TTF Bold" panose="02000000000000000000" pitchFamily="2" charset="-127"/>
-              </a:rPr>
-              <a:t> </a:t>
-            </a:r>
           </a:p>
         </p:txBody>
       </p:sp>
@@ -9042,705 +8807,6 @@
           </a:xfrm>
         </p:grpSpPr>
       </p:grpSp>
-      <p:grpSp>
-        <p:nvGrpSpPr>
-          <p:cNvPr id="55" name="그룹 54">
-            <a:extLst>
-              <a:ext uri="{FF2B5EF4-FFF2-40B4-BE49-F238E27FC236}">
-                <a16:creationId xmlns:a16="http://schemas.microsoft.com/office/drawing/2014/main" id="{D5666ABC-1305-2DC0-5FFE-3F51D41FB212}"/>
-              </a:ext>
-            </a:extLst>
-          </p:cNvPr>
-          <p:cNvGrpSpPr/>
-          <p:nvPr/>
-        </p:nvGrpSpPr>
-        <p:grpSpPr>
-          <a:xfrm>
-            <a:off x="12534900" y="5884423"/>
-            <a:ext cx="5270500" cy="3073400"/>
-            <a:chOff x="11861800" y="5918200"/>
-            <a:chExt cx="5270500" cy="3073400"/>
-          </a:xfrm>
-        </p:grpSpPr>
-        <p:pic>
-          <p:nvPicPr>
-            <p:cNvPr id="18" name="Picture 18"/>
-            <p:cNvPicPr>
-              <a:picLocks noChangeAspect="1"/>
-            </p:cNvPicPr>
-            <p:nvPr/>
-          </p:nvPicPr>
-          <p:blipFill>
-            <a:blip r:embed="rId4"/>
-            <a:stretch>
-              <a:fillRect/>
-            </a:stretch>
-          </p:blipFill>
-          <p:spPr>
-            <a:xfrm>
-              <a:off x="11912599" y="5918200"/>
-              <a:ext cx="3148763" cy="497944"/>
-            </a:xfrm>
-            <a:prstGeom prst="rect">
-              <a:avLst/>
-            </a:prstGeom>
-          </p:spPr>
-        </p:pic>
-        <p:sp>
-          <p:nvSpPr>
-            <p:cNvPr id="19" name="TextBox 19"/>
-            <p:cNvSpPr txBox="1"/>
-            <p:nvPr/>
-          </p:nvSpPr>
-          <p:spPr>
-            <a:xfrm>
-              <a:off x="12103100" y="5981700"/>
-              <a:ext cx="2946400" cy="330200"/>
-            </a:xfrm>
-            <a:prstGeom prst="rect">
-              <a:avLst/>
-            </a:prstGeom>
-          </p:spPr>
-          <p:txBody>
-            <a:bodyPr lIns="0" tIns="0" rIns="0" bIns="0" rtlCol="0" anchor="ctr"/>
-            <a:lstStyle/>
-            <a:p>
-              <a:pPr lvl="0" algn="ctr">
-                <a:lnSpc>
-                  <a:spcPct val="99600"/>
-                </a:lnSpc>
-              </a:pPr>
-              <a:r>
-                <a:rPr lang="en-US" sz="1600" b="0" i="0" u="none" strike="noStrike" spc="300" dirty="0">
-                  <a:solidFill>
-                    <a:srgbClr val="2274EC"/>
-                  </a:solidFill>
-                  <a:latin typeface="G마켓 산스 TTF Bold" panose="02000000000000000000" pitchFamily="2" charset="-127"/>
-                  <a:ea typeface="G마켓 산스 TTF Bold" panose="02000000000000000000" pitchFamily="2" charset="-127"/>
-                </a:rPr>
-                <a:t>PROGRAM SKILL</a:t>
-              </a:r>
-            </a:p>
-          </p:txBody>
-        </p:sp>
-        <p:sp>
-          <p:nvSpPr>
-            <p:cNvPr id="24" name="TextBox 24"/>
-            <p:cNvSpPr txBox="1"/>
-            <p:nvPr/>
-          </p:nvSpPr>
-          <p:spPr>
-            <a:xfrm>
-              <a:off x="11861800" y="6667500"/>
-              <a:ext cx="1181100" cy="279400"/>
-            </a:xfrm>
-            <a:prstGeom prst="rect">
-              <a:avLst/>
-            </a:prstGeom>
-          </p:spPr>
-          <p:txBody>
-            <a:bodyPr lIns="0" tIns="0" rIns="0" bIns="0" rtlCol="0" anchor="ctr"/>
-            <a:lstStyle/>
-            <a:p>
-              <a:pPr lvl="0" algn="l">
-                <a:lnSpc>
-                  <a:spcPct val="157700"/>
-                </a:lnSpc>
-              </a:pPr>
-              <a:r>
-                <a:rPr lang="en-US" sz="1400" b="0" i="0" u="none" strike="noStrike" dirty="0">
-                  <a:solidFill>
-                    <a:srgbClr val="595959"/>
-                  </a:solidFill>
-                  <a:latin typeface="G마켓 산스 TTF Bold" panose="02000000000000000000" pitchFamily="2" charset="-127"/>
-                  <a:ea typeface="G마켓 산스 TTF Bold" panose="02000000000000000000" pitchFamily="2" charset="-127"/>
-                </a:rPr>
-                <a:t>Photoshop</a:t>
-              </a:r>
-            </a:p>
-          </p:txBody>
-        </p:sp>
-        <p:pic>
-          <p:nvPicPr>
-            <p:cNvPr id="26" name="Picture 26"/>
-            <p:cNvPicPr>
-              <a:picLocks noChangeAspect="1"/>
-            </p:cNvPicPr>
-            <p:nvPr/>
-          </p:nvPicPr>
-          <p:blipFill>
-            <a:blip r:embed="rId5"/>
-            <a:stretch>
-              <a:fillRect/>
-            </a:stretch>
-          </p:blipFill>
-          <p:spPr>
-            <a:xfrm>
-              <a:off x="12979400" y="6756400"/>
-              <a:ext cx="3530600" cy="114300"/>
-            </a:xfrm>
-            <a:prstGeom prst="rect">
-              <a:avLst/>
-            </a:prstGeom>
-          </p:spPr>
-        </p:pic>
-        <p:pic>
-          <p:nvPicPr>
-            <p:cNvPr id="27" name="Picture 27"/>
-            <p:cNvPicPr>
-              <a:picLocks noChangeAspect="1"/>
-            </p:cNvPicPr>
-            <p:nvPr/>
-          </p:nvPicPr>
-          <p:blipFill>
-            <a:blip r:embed="rId6"/>
-            <a:stretch>
-              <a:fillRect/>
-            </a:stretch>
-          </p:blipFill>
-          <p:spPr>
-            <a:xfrm>
-              <a:off x="12992100" y="6756400"/>
-              <a:ext cx="3162300" cy="114300"/>
-            </a:xfrm>
-            <a:prstGeom prst="rect">
-              <a:avLst/>
-            </a:prstGeom>
-          </p:spPr>
-        </p:pic>
-        <p:sp>
-          <p:nvSpPr>
-            <p:cNvPr id="28" name="TextBox 28"/>
-            <p:cNvSpPr txBox="1"/>
-            <p:nvPr/>
-          </p:nvSpPr>
-          <p:spPr>
-            <a:xfrm>
-              <a:off x="16484600" y="6667500"/>
-              <a:ext cx="647700" cy="279400"/>
-            </a:xfrm>
-            <a:prstGeom prst="rect">
-              <a:avLst/>
-            </a:prstGeom>
-          </p:spPr>
-          <p:txBody>
-            <a:bodyPr lIns="0" tIns="0" rIns="0" bIns="0" rtlCol="0" anchor="ctr"/>
-            <a:lstStyle/>
-            <a:p>
-              <a:pPr lvl="0" algn="r">
-                <a:lnSpc>
-                  <a:spcPct val="157700"/>
-                </a:lnSpc>
-              </a:pPr>
-              <a:r>
-                <a:rPr lang="en-US" sz="1400" b="0" i="0" u="none" strike="noStrike">
-                  <a:solidFill>
-                    <a:srgbClr val="595959"/>
-                  </a:solidFill>
-                  <a:latin typeface="G마켓 산스 TTF Bold" panose="02000000000000000000" pitchFamily="2" charset="-127"/>
-                  <a:ea typeface="G마켓 산스 TTF Bold" panose="02000000000000000000" pitchFamily="2" charset="-127"/>
-                </a:rPr>
-                <a:t>90%</a:t>
-              </a:r>
-            </a:p>
-          </p:txBody>
-        </p:sp>
-        <p:sp>
-          <p:nvSpPr>
-            <p:cNvPr id="30" name="TextBox 30"/>
-            <p:cNvSpPr txBox="1"/>
-            <p:nvPr/>
-          </p:nvSpPr>
-          <p:spPr>
-            <a:xfrm>
-              <a:off x="11861800" y="7188200"/>
-              <a:ext cx="1079500" cy="279400"/>
-            </a:xfrm>
-            <a:prstGeom prst="rect">
-              <a:avLst/>
-            </a:prstGeom>
-          </p:spPr>
-          <p:txBody>
-            <a:bodyPr lIns="0" tIns="0" rIns="0" bIns="0" rtlCol="0" anchor="ctr"/>
-            <a:lstStyle/>
-            <a:p>
-              <a:pPr lvl="0" algn="l">
-                <a:lnSpc>
-                  <a:spcPct val="157700"/>
-                </a:lnSpc>
-              </a:pPr>
-              <a:r>
-                <a:rPr lang="en-US" sz="1400" b="0" i="0" u="none" strike="noStrike" dirty="0">
-                  <a:solidFill>
-                    <a:srgbClr val="595959"/>
-                  </a:solidFill>
-                  <a:latin typeface="G마켓 산스 TTF Bold" panose="02000000000000000000" pitchFamily="2" charset="-127"/>
-                  <a:ea typeface="G마켓 산스 TTF Bold" panose="02000000000000000000" pitchFamily="2" charset="-127"/>
-                </a:rPr>
-                <a:t>Illustration</a:t>
-              </a:r>
-            </a:p>
-          </p:txBody>
-        </p:sp>
-        <p:pic>
-          <p:nvPicPr>
-            <p:cNvPr id="31" name="Picture 31"/>
-            <p:cNvPicPr>
-              <a:picLocks noChangeAspect="1"/>
-            </p:cNvPicPr>
-            <p:nvPr/>
-          </p:nvPicPr>
-          <p:blipFill>
-            <a:blip r:embed="rId5"/>
-            <a:stretch>
-              <a:fillRect/>
-            </a:stretch>
-          </p:blipFill>
-          <p:spPr>
-            <a:xfrm>
-              <a:off x="12979400" y="7264400"/>
-              <a:ext cx="3530600" cy="114300"/>
-            </a:xfrm>
-            <a:prstGeom prst="rect">
-              <a:avLst/>
-            </a:prstGeom>
-          </p:spPr>
-        </p:pic>
-        <p:pic>
-          <p:nvPicPr>
-            <p:cNvPr id="32" name="Picture 32"/>
-            <p:cNvPicPr>
-              <a:picLocks noChangeAspect="1"/>
-            </p:cNvPicPr>
-            <p:nvPr/>
-          </p:nvPicPr>
-          <p:blipFill>
-            <a:blip r:embed="rId7"/>
-            <a:stretch>
-              <a:fillRect/>
-            </a:stretch>
-          </p:blipFill>
-          <p:spPr>
-            <a:xfrm>
-              <a:off x="12979400" y="7264400"/>
-              <a:ext cx="2946400" cy="114300"/>
-            </a:xfrm>
-            <a:prstGeom prst="rect">
-              <a:avLst/>
-            </a:prstGeom>
-          </p:spPr>
-        </p:pic>
-        <p:sp>
-          <p:nvSpPr>
-            <p:cNvPr id="33" name="TextBox 33"/>
-            <p:cNvSpPr txBox="1"/>
-            <p:nvPr/>
-          </p:nvSpPr>
-          <p:spPr>
-            <a:xfrm>
-              <a:off x="16700500" y="7188200"/>
-              <a:ext cx="431800" cy="279400"/>
-            </a:xfrm>
-            <a:prstGeom prst="rect">
-              <a:avLst/>
-            </a:prstGeom>
-          </p:spPr>
-          <p:txBody>
-            <a:bodyPr lIns="0" tIns="0" rIns="0" bIns="0" rtlCol="0" anchor="ctr"/>
-            <a:lstStyle/>
-            <a:p>
-              <a:pPr lvl="0" algn="r">
-                <a:lnSpc>
-                  <a:spcPct val="157700"/>
-                </a:lnSpc>
-              </a:pPr>
-              <a:r>
-                <a:rPr lang="en-US" sz="1400" b="0" i="0" u="none" strike="noStrike">
-                  <a:solidFill>
-                    <a:srgbClr val="595959"/>
-                  </a:solidFill>
-                  <a:latin typeface="G마켓 산스 TTF Bold" panose="02000000000000000000" pitchFamily="2" charset="-127"/>
-                  <a:ea typeface="G마켓 산스 TTF Bold" panose="02000000000000000000" pitchFamily="2" charset="-127"/>
-                </a:rPr>
-                <a:t>80%</a:t>
-              </a:r>
-            </a:p>
-          </p:txBody>
-        </p:sp>
-        <p:sp>
-          <p:nvSpPr>
-            <p:cNvPr id="35" name="TextBox 35"/>
-            <p:cNvSpPr txBox="1"/>
-            <p:nvPr/>
-          </p:nvSpPr>
-          <p:spPr>
-            <a:xfrm>
-              <a:off x="11861800" y="7696200"/>
-              <a:ext cx="1447800" cy="279400"/>
-            </a:xfrm>
-            <a:prstGeom prst="rect">
-              <a:avLst/>
-            </a:prstGeom>
-          </p:spPr>
-          <p:txBody>
-            <a:bodyPr lIns="0" tIns="0" rIns="0" bIns="0" rtlCol="0" anchor="ctr"/>
-            <a:lstStyle/>
-            <a:p>
-              <a:pPr lvl="0" algn="l">
-                <a:lnSpc>
-                  <a:spcPct val="157700"/>
-                </a:lnSpc>
-              </a:pPr>
-              <a:r>
-                <a:rPr lang="en-US" sz="1400" b="0" i="0" u="none" strike="noStrike">
-                  <a:solidFill>
-                    <a:srgbClr val="595959"/>
-                  </a:solidFill>
-                  <a:latin typeface="G마켓 산스 TTF Bold" panose="02000000000000000000" pitchFamily="2" charset="-127"/>
-                  <a:ea typeface="G마켓 산스 TTF Bold" panose="02000000000000000000" pitchFamily="2" charset="-127"/>
-                </a:rPr>
-                <a:t>After effect</a:t>
-              </a:r>
-            </a:p>
-          </p:txBody>
-        </p:sp>
-        <p:pic>
-          <p:nvPicPr>
-            <p:cNvPr id="36" name="Picture 36"/>
-            <p:cNvPicPr>
-              <a:picLocks noChangeAspect="1"/>
-            </p:cNvPicPr>
-            <p:nvPr/>
-          </p:nvPicPr>
-          <p:blipFill>
-            <a:blip r:embed="rId5"/>
-            <a:stretch>
-              <a:fillRect/>
-            </a:stretch>
-          </p:blipFill>
-          <p:spPr>
-            <a:xfrm>
-              <a:off x="12979400" y="7785100"/>
-              <a:ext cx="3530600" cy="114300"/>
-            </a:xfrm>
-            <a:prstGeom prst="rect">
-              <a:avLst/>
-            </a:prstGeom>
-          </p:spPr>
-        </p:pic>
-        <p:pic>
-          <p:nvPicPr>
-            <p:cNvPr id="37" name="Picture 37"/>
-            <p:cNvPicPr>
-              <a:picLocks noChangeAspect="1"/>
-            </p:cNvPicPr>
-            <p:nvPr/>
-          </p:nvPicPr>
-          <p:blipFill>
-            <a:blip r:embed="rId8"/>
-            <a:stretch>
-              <a:fillRect/>
-            </a:stretch>
-          </p:blipFill>
-          <p:spPr>
-            <a:xfrm>
-              <a:off x="12979400" y="7785100"/>
-              <a:ext cx="2311400" cy="114300"/>
-            </a:xfrm>
-            <a:prstGeom prst="rect">
-              <a:avLst/>
-            </a:prstGeom>
-          </p:spPr>
-        </p:pic>
-        <p:sp>
-          <p:nvSpPr>
-            <p:cNvPr id="38" name="TextBox 38"/>
-            <p:cNvSpPr txBox="1"/>
-            <p:nvPr/>
-          </p:nvSpPr>
-          <p:spPr>
-            <a:xfrm>
-              <a:off x="16700500" y="7696200"/>
-              <a:ext cx="431800" cy="279400"/>
-            </a:xfrm>
-            <a:prstGeom prst="rect">
-              <a:avLst/>
-            </a:prstGeom>
-          </p:spPr>
-          <p:txBody>
-            <a:bodyPr lIns="0" tIns="0" rIns="0" bIns="0" rtlCol="0" anchor="ctr"/>
-            <a:lstStyle/>
-            <a:p>
-              <a:pPr lvl="0" algn="r">
-                <a:lnSpc>
-                  <a:spcPct val="157700"/>
-                </a:lnSpc>
-              </a:pPr>
-              <a:r>
-                <a:rPr lang="en-US" sz="1400" b="0" i="0" u="none" strike="noStrike">
-                  <a:solidFill>
-                    <a:srgbClr val="595959"/>
-                  </a:solidFill>
-                  <a:latin typeface="G마켓 산스 TTF Bold" panose="02000000000000000000" pitchFamily="2" charset="-127"/>
-                  <a:ea typeface="G마켓 산스 TTF Bold" panose="02000000000000000000" pitchFamily="2" charset="-127"/>
-                </a:rPr>
-                <a:t>70%</a:t>
-              </a:r>
-            </a:p>
-          </p:txBody>
-        </p:sp>
-        <p:sp>
-          <p:nvSpPr>
-            <p:cNvPr id="40" name="TextBox 40"/>
-            <p:cNvSpPr txBox="1"/>
-            <p:nvPr/>
-          </p:nvSpPr>
-          <p:spPr>
-            <a:xfrm>
-              <a:off x="11861800" y="8204200"/>
-              <a:ext cx="1104900" cy="279400"/>
-            </a:xfrm>
-            <a:prstGeom prst="rect">
-              <a:avLst/>
-            </a:prstGeom>
-          </p:spPr>
-          <p:txBody>
-            <a:bodyPr lIns="0" tIns="0" rIns="0" bIns="0" rtlCol="0" anchor="ctr"/>
-            <a:lstStyle/>
-            <a:p>
-              <a:pPr lvl="0" algn="l">
-                <a:lnSpc>
-                  <a:spcPct val="157700"/>
-                </a:lnSpc>
-              </a:pPr>
-              <a:r>
-                <a:rPr lang="en-US" sz="1400" b="0" i="0" u="none" strike="noStrike" dirty="0" err="1">
-                  <a:solidFill>
-                    <a:srgbClr val="595959"/>
-                  </a:solidFill>
-                  <a:latin typeface="G마켓 산스 TTF Bold" panose="02000000000000000000" pitchFamily="2" charset="-127"/>
-                  <a:ea typeface="G마켓 산스 TTF Bold" panose="02000000000000000000" pitchFamily="2" charset="-127"/>
-                </a:rPr>
-                <a:t>Indesign</a:t>
-              </a:r>
-              <a:endParaRPr lang="en-US" sz="1400" b="0" i="0" u="none" strike="noStrike" dirty="0">
-                <a:solidFill>
-                  <a:srgbClr val="595959"/>
-                </a:solidFill>
-                <a:latin typeface="G마켓 산스 TTF Bold" panose="02000000000000000000" pitchFamily="2" charset="-127"/>
-                <a:ea typeface="G마켓 산스 TTF Bold" panose="02000000000000000000" pitchFamily="2" charset="-127"/>
-              </a:endParaRPr>
-            </a:p>
-          </p:txBody>
-        </p:sp>
-        <p:pic>
-          <p:nvPicPr>
-            <p:cNvPr id="41" name="Picture 41"/>
-            <p:cNvPicPr>
-              <a:picLocks noChangeAspect="1"/>
-            </p:cNvPicPr>
-            <p:nvPr/>
-          </p:nvPicPr>
-          <p:blipFill>
-            <a:blip r:embed="rId5"/>
-            <a:stretch>
-              <a:fillRect/>
-            </a:stretch>
-          </p:blipFill>
-          <p:spPr>
-            <a:xfrm>
-              <a:off x="12979400" y="8293100"/>
-              <a:ext cx="3530600" cy="114300"/>
-            </a:xfrm>
-            <a:prstGeom prst="rect">
-              <a:avLst/>
-            </a:prstGeom>
-          </p:spPr>
-        </p:pic>
-        <p:pic>
-          <p:nvPicPr>
-            <p:cNvPr id="42" name="Picture 42"/>
-            <p:cNvPicPr>
-              <a:picLocks noChangeAspect="1"/>
-            </p:cNvPicPr>
-            <p:nvPr/>
-          </p:nvPicPr>
-          <p:blipFill>
-            <a:blip r:embed="rId9"/>
-            <a:stretch>
-              <a:fillRect/>
-            </a:stretch>
-          </p:blipFill>
-          <p:spPr>
-            <a:xfrm>
-              <a:off x="12979400" y="8293100"/>
-              <a:ext cx="2070100" cy="114300"/>
-            </a:xfrm>
-            <a:prstGeom prst="rect">
-              <a:avLst/>
-            </a:prstGeom>
-          </p:spPr>
-        </p:pic>
-        <p:sp>
-          <p:nvSpPr>
-            <p:cNvPr id="43" name="TextBox 43"/>
-            <p:cNvSpPr txBox="1"/>
-            <p:nvPr/>
-          </p:nvSpPr>
-          <p:spPr>
-            <a:xfrm>
-              <a:off x="16484600" y="8204200"/>
-              <a:ext cx="647700" cy="279400"/>
-            </a:xfrm>
-            <a:prstGeom prst="rect">
-              <a:avLst/>
-            </a:prstGeom>
-          </p:spPr>
-          <p:txBody>
-            <a:bodyPr lIns="0" tIns="0" rIns="0" bIns="0" rtlCol="0" anchor="ctr"/>
-            <a:lstStyle/>
-            <a:p>
-              <a:pPr lvl="0" algn="r">
-                <a:lnSpc>
-                  <a:spcPct val="157700"/>
-                </a:lnSpc>
-              </a:pPr>
-              <a:r>
-                <a:rPr lang="en-US" sz="1400" b="0" i="0" u="none" strike="noStrike">
-                  <a:solidFill>
-                    <a:srgbClr val="595959"/>
-                  </a:solidFill>
-                  <a:latin typeface="G마켓 산스 TTF Bold" panose="02000000000000000000" pitchFamily="2" charset="-127"/>
-                  <a:ea typeface="G마켓 산스 TTF Bold" panose="02000000000000000000" pitchFamily="2" charset="-127"/>
-                </a:rPr>
-                <a:t>60%</a:t>
-              </a:r>
-            </a:p>
-          </p:txBody>
-        </p:sp>
-        <p:sp>
-          <p:nvSpPr>
-            <p:cNvPr id="45" name="TextBox 45"/>
-            <p:cNvSpPr txBox="1"/>
-            <p:nvPr/>
-          </p:nvSpPr>
-          <p:spPr>
-            <a:xfrm>
-              <a:off x="11861800" y="8712200"/>
-              <a:ext cx="1104900" cy="279400"/>
-            </a:xfrm>
-            <a:prstGeom prst="rect">
-              <a:avLst/>
-            </a:prstGeom>
-          </p:spPr>
-          <p:txBody>
-            <a:bodyPr lIns="0" tIns="0" rIns="0" bIns="0" rtlCol="0" anchor="ctr"/>
-            <a:lstStyle/>
-            <a:p>
-              <a:pPr lvl="0" algn="l">
-                <a:lnSpc>
-                  <a:spcPct val="157700"/>
-                </a:lnSpc>
-              </a:pPr>
-              <a:r>
-                <a:rPr lang="en-US" sz="1400" b="0" i="0" u="none" strike="noStrike" dirty="0">
-                  <a:solidFill>
-                    <a:srgbClr val="595959"/>
-                  </a:solidFill>
-                  <a:latin typeface="G마켓 산스 TTF Bold" panose="02000000000000000000" pitchFamily="2" charset="-127"/>
-                  <a:ea typeface="G마켓 산스 TTF Bold" panose="02000000000000000000" pitchFamily="2" charset="-127"/>
-                </a:rPr>
-                <a:t>Adobe XD</a:t>
-              </a:r>
-            </a:p>
-          </p:txBody>
-        </p:sp>
-        <p:pic>
-          <p:nvPicPr>
-            <p:cNvPr id="46" name="Picture 46"/>
-            <p:cNvPicPr>
-              <a:picLocks noChangeAspect="1"/>
-            </p:cNvPicPr>
-            <p:nvPr/>
-          </p:nvPicPr>
-          <p:blipFill>
-            <a:blip r:embed="rId5"/>
-            <a:stretch>
-              <a:fillRect/>
-            </a:stretch>
-          </p:blipFill>
-          <p:spPr>
-            <a:xfrm>
-              <a:off x="12979400" y="8801100"/>
-              <a:ext cx="3530600" cy="114300"/>
-            </a:xfrm>
-            <a:prstGeom prst="rect">
-              <a:avLst/>
-            </a:prstGeom>
-          </p:spPr>
-        </p:pic>
-        <p:pic>
-          <p:nvPicPr>
-            <p:cNvPr id="47" name="Picture 47"/>
-            <p:cNvPicPr>
-              <a:picLocks noChangeAspect="1"/>
-            </p:cNvPicPr>
-            <p:nvPr/>
-          </p:nvPicPr>
-          <p:blipFill>
-            <a:blip r:embed="rId10"/>
-            <a:stretch>
-              <a:fillRect/>
-            </a:stretch>
-          </p:blipFill>
-          <p:spPr>
-            <a:xfrm>
-              <a:off x="12992100" y="8801100"/>
-              <a:ext cx="2946400" cy="114300"/>
-            </a:xfrm>
-            <a:prstGeom prst="rect">
-              <a:avLst/>
-            </a:prstGeom>
-          </p:spPr>
-        </p:pic>
-        <p:sp>
-          <p:nvSpPr>
-            <p:cNvPr id="48" name="TextBox 48"/>
-            <p:cNvSpPr txBox="1"/>
-            <p:nvPr/>
-          </p:nvSpPr>
-          <p:spPr>
-            <a:xfrm>
-              <a:off x="16700500" y="8712200"/>
-              <a:ext cx="431800" cy="279400"/>
-            </a:xfrm>
-            <a:prstGeom prst="rect">
-              <a:avLst/>
-            </a:prstGeom>
-          </p:spPr>
-          <p:txBody>
-            <a:bodyPr lIns="0" tIns="0" rIns="0" bIns="0" rtlCol="0" anchor="ctr"/>
-            <a:lstStyle/>
-            <a:p>
-              <a:pPr lvl="0" algn="r">
-                <a:lnSpc>
-                  <a:spcPct val="157700"/>
-                </a:lnSpc>
-              </a:pPr>
-              <a:r>
-                <a:rPr lang="en-US" sz="1400" b="0" i="0" u="none" strike="noStrike">
-                  <a:solidFill>
-                    <a:srgbClr val="595959"/>
-                  </a:solidFill>
-                  <a:latin typeface="G마켓 산스 TTF Bold" panose="02000000000000000000" pitchFamily="2" charset="-127"/>
-                  <a:ea typeface="G마켓 산스 TTF Bold" panose="02000000000000000000" pitchFamily="2" charset="-127"/>
-                </a:rPr>
-                <a:t>80%</a:t>
-              </a:r>
-            </a:p>
-          </p:txBody>
-        </p:sp>
-      </p:grpSp>
       <p:pic>
         <p:nvPicPr>
           <p:cNvPr id="50" name="Picture 50"/>
@@ -9750,7 +8816,7 @@
           <p:nvPr/>
         </p:nvPicPr>
         <p:blipFill>
-          <a:blip r:embed="rId11"/>
+          <a:blip r:embed="rId4"/>
           <a:stretch>
             <a:fillRect/>
           </a:stretch>
@@ -9848,7 +8914,7 @@
           <p:nvPr/>
         </p:nvPicPr>
         <p:blipFill rotWithShape="1">
-          <a:blip r:embed="rId12" cstate="print">
+          <a:blip r:embed="rId5" cstate="print">
             <a:extLst>
               <a:ext uri="{28A0092B-C50C-407E-A947-70E740481C1C}">
                 <a14:useLocalDpi xmlns:a14="http://schemas.microsoft.com/office/drawing/2010/main" val="0"/>
@@ -9871,110 +8937,115 @@
           </a:solidFill>
         </p:spPr>
       </p:pic>
-      <p:pic>
-        <p:nvPicPr>
-          <p:cNvPr id="56" name="Picture 8"/>
-          <p:cNvPicPr>
-            <a:picLocks noChangeAspect="1"/>
-          </p:cNvPicPr>
+      <p:grpSp>
+        <p:nvGrpSpPr>
+          <p:cNvPr id="4" name="그룹 3"/>
+          <p:cNvGrpSpPr/>
           <p:nvPr/>
-        </p:nvPicPr>
-        <p:blipFill>
-          <a:blip r:embed="rId3"/>
-          <a:stretch>
-            <a:fillRect/>
-          </a:stretch>
-        </p:blipFill>
-        <p:spPr>
+        </p:nvGrpSpPr>
+        <p:grpSpPr>
           <a:xfrm>
-            <a:off x="762000" y="5854700"/>
-            <a:ext cx="2730500" cy="431800"/>
+            <a:off x="2833158" y="7277100"/>
+            <a:ext cx="3448594" cy="2154677"/>
+            <a:chOff x="4247723" y="5967242"/>
+            <a:chExt cx="3448594" cy="2154677"/>
           </a:xfrm>
-          <a:prstGeom prst="rect">
-            <a:avLst/>
-          </a:prstGeom>
-        </p:spPr>
-      </p:pic>
-      <p:sp>
-        <p:nvSpPr>
-          <p:cNvPr id="57" name="TextBox 9"/>
-          <p:cNvSpPr txBox="1"/>
-          <p:nvPr/>
-        </p:nvSpPr>
-        <p:spPr>
-          <a:xfrm>
-            <a:off x="4724400" y="6035202"/>
-            <a:ext cx="2311400" cy="292100"/>
-          </a:xfrm>
-          <a:prstGeom prst="rect">
-            <a:avLst/>
-          </a:prstGeom>
-        </p:spPr>
-        <p:txBody>
-          <a:bodyPr lIns="0" tIns="0" rIns="0" bIns="0" rtlCol="0" anchor="ctr"/>
-          <a:lstStyle/>
-          <a:p>
-            <a:pPr lvl="0" algn="ctr">
-              <a:lnSpc>
-                <a:spcPct val="99600"/>
-              </a:lnSpc>
-            </a:pPr>
-            <a:r>
-              <a:rPr lang="ko-KR" altLang="en-US" sz="2400" b="0" i="0" u="none" strike="noStrike" spc="300" dirty="0">
-                <a:latin typeface="G마켓 산스 TTF Bold" panose="02000000000000000000" pitchFamily="2" charset="-127"/>
-                <a:ea typeface="G마켓 산스 TTF Bold" panose="02000000000000000000" pitchFamily="2" charset="-127"/>
-              </a:rPr>
-              <a:t>프로젝트 소개</a:t>
-            </a:r>
-            <a:endParaRPr lang="en-US" sz="2400" b="0" i="0" u="none" strike="noStrike" spc="300" dirty="0">
-              <a:latin typeface="G마켓 산스 TTF Bold" panose="02000000000000000000" pitchFamily="2" charset="-127"/>
-              <a:ea typeface="G마켓 산스 TTF Bold" panose="02000000000000000000" pitchFamily="2" charset="-127"/>
-            </a:endParaRPr>
-          </a:p>
-        </p:txBody>
-      </p:sp>
-      <p:cxnSp>
-        <p:nvCxnSpPr>
-          <p:cNvPr id="52" name="직선 연결선 51"/>
-          <p:cNvCxnSpPr/>
-          <p:nvPr/>
-        </p:nvCxnSpPr>
-        <p:spPr>
-          <a:xfrm>
-            <a:off x="4800600" y="6382367"/>
-            <a:ext cx="2235200" cy="0"/>
-          </a:xfrm>
-          <a:prstGeom prst="line">
-            <a:avLst/>
-          </a:prstGeom>
-          <a:ln w="50800" cap="rnd">
-            <a:solidFill>
-              <a:srgbClr val="2274EC"/>
-            </a:solidFill>
-            <a:bevel/>
-          </a:ln>
-        </p:spPr>
-        <p:style>
-          <a:lnRef idx="1">
-            <a:schemeClr val="accent1"/>
-          </a:lnRef>
-          <a:fillRef idx="0">
-            <a:schemeClr val="accent1"/>
-          </a:fillRef>
-          <a:effectRef idx="0">
-            <a:schemeClr val="accent1"/>
-          </a:effectRef>
-          <a:fontRef idx="minor">
-            <a:schemeClr val="tx1"/>
-          </a:fontRef>
-        </p:style>
-      </p:cxnSp>
+        </p:grpSpPr>
+        <p:sp>
+          <p:nvSpPr>
+            <p:cNvPr id="57" name="TextBox 9"/>
+            <p:cNvSpPr txBox="1"/>
+            <p:nvPr/>
+          </p:nvSpPr>
+          <p:spPr>
+            <a:xfrm>
+              <a:off x="4267317" y="5967242"/>
+              <a:ext cx="3429000" cy="292100"/>
+            </a:xfrm>
+            <a:prstGeom prst="rect">
+              <a:avLst/>
+            </a:prstGeom>
+          </p:spPr>
+          <p:txBody>
+            <a:bodyPr lIns="0" tIns="0" rIns="0" bIns="0" rtlCol="0" anchor="ctr"/>
+            <a:lstStyle/>
+            <a:p>
+              <a:pPr marL="285750" lvl="0" indent="-285750" algn="ctr">
+                <a:lnSpc>
+                  <a:spcPct val="99600"/>
+                </a:lnSpc>
+                <a:buFont typeface="Arial" panose="020B0604020202020204" pitchFamily="34" charset="0"/>
+                <a:buChar char="•"/>
+              </a:pPr>
+              <a:r>
+                <a:rPr lang="ko-KR" altLang="en-US" b="0" i="0" u="none" strike="noStrike" spc="300" dirty="0" smtClean="0">
+                  <a:solidFill>
+                    <a:schemeClr val="tx1">
+                      <a:lumMod val="75000"/>
+                      <a:lumOff val="25000"/>
+                    </a:schemeClr>
+                  </a:solidFill>
+                  <a:latin typeface="G마켓 산스 TTF Bold" panose="02000000000000000000" pitchFamily="2" charset="-127"/>
+                  <a:ea typeface="G마켓 산스 TTF Bold" panose="02000000000000000000" pitchFamily="2" charset="-127"/>
+                </a:rPr>
+                <a:t>창고 재고 관리 서비스</a:t>
+              </a:r>
+              <a:endParaRPr lang="en-US" b="0" i="0" u="none" strike="noStrike" spc="300" dirty="0">
+                <a:solidFill>
+                  <a:schemeClr val="tx1">
+                    <a:lumMod val="75000"/>
+                    <a:lumOff val="25000"/>
+                  </a:schemeClr>
+                </a:solidFill>
+                <a:latin typeface="G마켓 산스 TTF Bold" panose="02000000000000000000" pitchFamily="2" charset="-127"/>
+                <a:ea typeface="G마켓 산스 TTF Bold" panose="02000000000000000000" pitchFamily="2" charset="-127"/>
+              </a:endParaRPr>
+            </a:p>
+          </p:txBody>
+        </p:sp>
+        <p:cxnSp>
+          <p:nvCxnSpPr>
+            <p:cNvPr id="52" name="직선 연결선 51"/>
+            <p:cNvCxnSpPr/>
+            <p:nvPr/>
+          </p:nvCxnSpPr>
+          <p:spPr>
+            <a:xfrm flipV="1">
+              <a:off x="4247723" y="6181252"/>
+              <a:ext cx="0" cy="1940667"/>
+            </a:xfrm>
+            <a:prstGeom prst="line">
+              <a:avLst/>
+            </a:prstGeom>
+            <a:ln w="25400" cap="rnd">
+              <a:solidFill>
+                <a:srgbClr val="2274EC"/>
+              </a:solidFill>
+              <a:bevel/>
+            </a:ln>
+          </p:spPr>
+          <p:style>
+            <a:lnRef idx="1">
+              <a:schemeClr val="accent1"/>
+            </a:lnRef>
+            <a:fillRef idx="0">
+              <a:schemeClr val="accent1"/>
+            </a:fillRef>
+            <a:effectRef idx="0">
+              <a:schemeClr val="accent1"/>
+            </a:effectRef>
+            <a:fontRef idx="minor">
+              <a:schemeClr val="tx1"/>
+            </a:fontRef>
+          </p:style>
+        </p:cxnSp>
+      </p:grpSp>
       <p:sp>
         <p:nvSpPr>
           <p:cNvPr id="2" name="TextBox 4">
             <a:extLst>
               <a:ext uri="{FF2B5EF4-FFF2-40B4-BE49-F238E27FC236}">
-                <a16:creationId xmlns:a16="http://schemas.microsoft.com/office/drawing/2014/main" id="{EE9AF12C-379E-AD8A-52FB-AFF940CADAED}"/>
+                <a16:creationId xmlns:a16="http://schemas.microsoft.com/office/drawing/2014/main" xmlns="" id="{EE9AF12C-379E-AD8A-52FB-AFF940CADAED}"/>
               </a:ext>
             </a:extLst>
           </p:cNvPr>
@@ -10023,6 +9094,2099 @@
           </a:p>
         </p:txBody>
       </p:sp>
+      <p:sp>
+        <p:nvSpPr>
+          <p:cNvPr id="13" name="직사각형 12"/>
+          <p:cNvSpPr/>
+          <p:nvPr/>
+        </p:nvSpPr>
+        <p:spPr>
+          <a:xfrm>
+            <a:off x="3409394" y="7544085"/>
+            <a:ext cx="2816797" cy="1061829"/>
+          </a:xfrm>
+          <a:prstGeom prst="rect">
+            <a:avLst/>
+          </a:prstGeom>
+        </p:spPr>
+        <p:txBody>
+          <a:bodyPr wrap="none">
+            <a:spAutoFit/>
+          </a:bodyPr>
+          <a:lstStyle/>
+          <a:p>
+            <a:pPr>
+              <a:lnSpc>
+                <a:spcPct val="150000"/>
+              </a:lnSpc>
+            </a:pPr>
+            <a:r>
+              <a:rPr lang="en-US" altLang="ko-KR" sz="1400" dirty="0" smtClean="0">
+                <a:solidFill>
+                  <a:schemeClr val="bg1">
+                    <a:lumMod val="50000"/>
+                  </a:schemeClr>
+                </a:solidFill>
+                <a:latin typeface="G마켓 산스 TTF Bold" panose="02000000000000000000" pitchFamily="2" charset="-127"/>
+                <a:ea typeface="G마켓 산스 TTF Bold" panose="02000000000000000000" pitchFamily="2" charset="-127"/>
+              </a:rPr>
+              <a:t>24/07/08 ~ 24/08/16 (7</a:t>
+            </a:r>
+            <a:r>
+              <a:rPr lang="ko-KR" altLang="en-US" sz="1400" dirty="0" smtClean="0">
+                <a:solidFill>
+                  <a:schemeClr val="bg1">
+                    <a:lumMod val="50000"/>
+                  </a:schemeClr>
+                </a:solidFill>
+                <a:latin typeface="G마켓 산스 TTF Bold" panose="02000000000000000000" pitchFamily="2" charset="-127"/>
+                <a:ea typeface="G마켓 산스 TTF Bold" panose="02000000000000000000" pitchFamily="2" charset="-127"/>
+              </a:rPr>
+              <a:t>주</a:t>
+            </a:r>
+            <a:r>
+              <a:rPr lang="en-US" altLang="ko-KR" sz="1400" dirty="0" smtClean="0">
+                <a:solidFill>
+                  <a:schemeClr val="bg1">
+                    <a:lumMod val="50000"/>
+                  </a:schemeClr>
+                </a:solidFill>
+                <a:latin typeface="G마켓 산스 TTF Bold" panose="02000000000000000000" pitchFamily="2" charset="-127"/>
+                <a:ea typeface="G마켓 산스 TTF Bold" panose="02000000000000000000" pitchFamily="2" charset="-127"/>
+              </a:rPr>
+              <a:t>)  </a:t>
+            </a:r>
+          </a:p>
+          <a:p>
+            <a:pPr>
+              <a:lnSpc>
+                <a:spcPct val="150000"/>
+              </a:lnSpc>
+            </a:pPr>
+            <a:r>
+              <a:rPr lang="ko-KR" altLang="en-US" sz="1400" dirty="0" smtClean="0">
+                <a:solidFill>
+                  <a:schemeClr val="bg1">
+                    <a:lumMod val="50000"/>
+                  </a:schemeClr>
+                </a:solidFill>
+                <a:latin typeface="G마켓 산스 TTF Bold" panose="02000000000000000000" pitchFamily="2" charset="-127"/>
+                <a:ea typeface="G마켓 산스 TTF Bold" panose="02000000000000000000" pitchFamily="2" charset="-127"/>
+              </a:rPr>
+              <a:t>참여인원 </a:t>
+            </a:r>
+            <a:r>
+              <a:rPr lang="en-US" altLang="ko-KR" sz="1400" dirty="0" smtClean="0">
+                <a:solidFill>
+                  <a:schemeClr val="bg1">
+                    <a:lumMod val="50000"/>
+                  </a:schemeClr>
+                </a:solidFill>
+                <a:latin typeface="G마켓 산스 TTF Bold" panose="02000000000000000000" pitchFamily="2" charset="-127"/>
+                <a:ea typeface="G마켓 산스 TTF Bold" panose="02000000000000000000" pitchFamily="2" charset="-127"/>
+              </a:rPr>
+              <a:t>6</a:t>
+            </a:r>
+            <a:r>
+              <a:rPr lang="ko-KR" altLang="en-US" sz="1400" dirty="0" smtClean="0">
+                <a:solidFill>
+                  <a:schemeClr val="bg1">
+                    <a:lumMod val="50000"/>
+                  </a:schemeClr>
+                </a:solidFill>
+                <a:latin typeface="G마켓 산스 TTF Bold" panose="02000000000000000000" pitchFamily="2" charset="-127"/>
+                <a:ea typeface="G마켓 산스 TTF Bold" panose="02000000000000000000" pitchFamily="2" charset="-127"/>
+              </a:rPr>
+              <a:t>명 </a:t>
+            </a:r>
+            <a:r>
+              <a:rPr lang="en-US" altLang="ko-KR" sz="1400" dirty="0" smtClean="0">
+                <a:solidFill>
+                  <a:schemeClr val="bg1">
+                    <a:lumMod val="50000"/>
+                  </a:schemeClr>
+                </a:solidFill>
+                <a:latin typeface="G마켓 산스 TTF Bold" panose="02000000000000000000" pitchFamily="2" charset="-127"/>
+                <a:ea typeface="G마켓 산스 TTF Bold" panose="02000000000000000000" pitchFamily="2" charset="-127"/>
+              </a:rPr>
+              <a:t>/  </a:t>
+            </a:r>
+            <a:r>
+              <a:rPr lang="ko-KR" altLang="en-US" sz="1400" dirty="0" smtClean="0">
+                <a:solidFill>
+                  <a:schemeClr val="bg1">
+                    <a:lumMod val="50000"/>
+                  </a:schemeClr>
+                </a:solidFill>
+                <a:latin typeface="G마켓 산스 TTF Bold" panose="02000000000000000000" pitchFamily="2" charset="-127"/>
+                <a:ea typeface="G마켓 산스 TTF Bold" panose="02000000000000000000" pitchFamily="2" charset="-127"/>
+              </a:rPr>
+              <a:t>팀장</a:t>
+            </a:r>
+            <a:endParaRPr lang="en-US" altLang="ko-KR" sz="1400" dirty="0">
+              <a:solidFill>
+                <a:schemeClr val="bg1">
+                  <a:lumMod val="50000"/>
+                </a:schemeClr>
+              </a:solidFill>
+              <a:latin typeface="G마켓 산스 TTF Bold" panose="02000000000000000000" pitchFamily="2" charset="-127"/>
+              <a:ea typeface="G마켓 산스 TTF Bold" panose="02000000000000000000" pitchFamily="2" charset="-127"/>
+            </a:endParaRPr>
+          </a:p>
+          <a:p>
+            <a:pPr>
+              <a:lnSpc>
+                <a:spcPct val="150000"/>
+              </a:lnSpc>
+            </a:pPr>
+            <a:r>
+              <a:rPr lang="ko-KR" altLang="en-US" sz="1400" dirty="0" smtClean="0">
+                <a:solidFill>
+                  <a:schemeClr val="bg1">
+                    <a:lumMod val="50000"/>
+                  </a:schemeClr>
+                </a:solidFill>
+                <a:latin typeface="G마켓 산스 TTF Bold" panose="02000000000000000000" pitchFamily="2" charset="-127"/>
+                <a:ea typeface="G마켓 산스 TTF Bold" panose="02000000000000000000" pitchFamily="2" charset="-127"/>
+              </a:rPr>
+              <a:t>삼성 전자 우수 프로젝트  수상</a:t>
+            </a:r>
+            <a:endParaRPr lang="en-US" altLang="ko-KR" sz="1400" dirty="0" smtClean="0">
+              <a:solidFill>
+                <a:schemeClr val="bg1">
+                  <a:lumMod val="50000"/>
+                </a:schemeClr>
+              </a:solidFill>
+              <a:latin typeface="G마켓 산스 TTF Bold" panose="02000000000000000000" pitchFamily="2" charset="-127"/>
+              <a:ea typeface="G마켓 산스 TTF Bold" panose="02000000000000000000" pitchFamily="2" charset="-127"/>
+            </a:endParaRPr>
+          </a:p>
+        </p:txBody>
+      </p:sp>
+      <p:sp>
+        <p:nvSpPr>
+          <p:cNvPr id="59" name="TextBox 9"/>
+          <p:cNvSpPr txBox="1"/>
+          <p:nvPr/>
+        </p:nvSpPr>
+        <p:spPr>
+          <a:xfrm>
+            <a:off x="3098800" y="8724900"/>
+            <a:ext cx="3429000" cy="292100"/>
+          </a:xfrm>
+          <a:prstGeom prst="rect">
+            <a:avLst/>
+          </a:prstGeom>
+        </p:spPr>
+        <p:txBody>
+          <a:bodyPr lIns="0" tIns="0" rIns="0" bIns="0" rtlCol="0" anchor="ctr"/>
+          <a:lstStyle/>
+          <a:p>
+            <a:pPr marL="285750" lvl="0" indent="-285750">
+              <a:lnSpc>
+                <a:spcPct val="99600"/>
+              </a:lnSpc>
+              <a:buFont typeface="Arial" panose="020B0604020202020204" pitchFamily="34" charset="0"/>
+              <a:buChar char="•"/>
+            </a:pPr>
+            <a:r>
+              <a:rPr lang="ko-KR" altLang="en-US" b="0" i="0" u="none" strike="noStrike" spc="300" dirty="0" smtClean="0">
+                <a:solidFill>
+                  <a:schemeClr val="tx1">
+                    <a:lumMod val="75000"/>
+                    <a:lumOff val="25000"/>
+                  </a:schemeClr>
+                </a:solidFill>
+                <a:latin typeface="G마켓 산스 TTF Bold" panose="02000000000000000000" pitchFamily="2" charset="-127"/>
+                <a:ea typeface="G마켓 산스 TTF Bold" panose="02000000000000000000" pitchFamily="2" charset="-127"/>
+              </a:rPr>
+              <a:t>프로젝트 주요 특징</a:t>
+            </a:r>
+            <a:endParaRPr lang="en-US" b="0" i="0" u="none" strike="noStrike" spc="300" dirty="0">
+              <a:solidFill>
+                <a:schemeClr val="tx1">
+                  <a:lumMod val="75000"/>
+                  <a:lumOff val="25000"/>
+                </a:schemeClr>
+              </a:solidFill>
+              <a:latin typeface="G마켓 산스 TTF Bold" panose="02000000000000000000" pitchFamily="2" charset="-127"/>
+              <a:ea typeface="G마켓 산스 TTF Bold" panose="02000000000000000000" pitchFamily="2" charset="-127"/>
+            </a:endParaRPr>
+          </a:p>
+        </p:txBody>
+      </p:sp>
+      <p:sp>
+        <p:nvSpPr>
+          <p:cNvPr id="61" name="TextBox 9"/>
+          <p:cNvSpPr txBox="1"/>
+          <p:nvPr/>
+        </p:nvSpPr>
+        <p:spPr>
+          <a:xfrm>
+            <a:off x="3471965" y="9145301"/>
+            <a:ext cx="3474276" cy="929491"/>
+          </a:xfrm>
+          <a:prstGeom prst="rect">
+            <a:avLst/>
+          </a:prstGeom>
+        </p:spPr>
+        <p:txBody>
+          <a:bodyPr lIns="0" tIns="0" rIns="0" bIns="0" rtlCol="0" anchor="ctr"/>
+          <a:lstStyle/>
+          <a:p>
+            <a:pPr>
+              <a:lnSpc>
+                <a:spcPct val="150000"/>
+              </a:lnSpc>
+            </a:pPr>
+            <a:endParaRPr lang="en-US" altLang="ko-KR" sz="1400" dirty="0" smtClean="0">
+              <a:solidFill>
+                <a:schemeClr val="bg1">
+                  <a:lumMod val="50000"/>
+                </a:schemeClr>
+              </a:solidFill>
+              <a:latin typeface="G마켓 산스 TTF Bold" panose="02000000000000000000" pitchFamily="2" charset="-127"/>
+              <a:ea typeface="G마켓 산스 TTF Bold" panose="02000000000000000000" pitchFamily="2" charset="-127"/>
+            </a:endParaRPr>
+          </a:p>
+          <a:p>
+            <a:pPr>
+              <a:lnSpc>
+                <a:spcPct val="150000"/>
+              </a:lnSpc>
+            </a:pPr>
+            <a:r>
+              <a:rPr lang="ko-KR" altLang="en-US" sz="1400" dirty="0" smtClean="0">
+                <a:solidFill>
+                  <a:schemeClr val="bg1">
+                    <a:lumMod val="50000"/>
+                  </a:schemeClr>
+                </a:solidFill>
+                <a:latin typeface="G마켓 산스 TTF Bold" panose="02000000000000000000" pitchFamily="2" charset="-127"/>
+                <a:ea typeface="G마켓 산스 TTF Bold" panose="02000000000000000000" pitchFamily="2" charset="-127"/>
+              </a:rPr>
+              <a:t>상품 </a:t>
+            </a:r>
+            <a:r>
+              <a:rPr lang="ko-KR" altLang="en-US" sz="1400" dirty="0" err="1" smtClean="0">
+                <a:solidFill>
+                  <a:schemeClr val="bg1">
+                    <a:lumMod val="50000"/>
+                  </a:schemeClr>
+                </a:solidFill>
+                <a:latin typeface="G마켓 산스 TTF Bold" panose="02000000000000000000" pitchFamily="2" charset="-127"/>
+                <a:ea typeface="G마켓 산스 TTF Bold" panose="02000000000000000000" pitchFamily="2" charset="-127"/>
+              </a:rPr>
+              <a:t>피킹</a:t>
+            </a:r>
+            <a:r>
+              <a:rPr lang="ko-KR" altLang="en-US" sz="1400" dirty="0" smtClean="0">
+                <a:solidFill>
+                  <a:schemeClr val="bg1">
+                    <a:lumMod val="50000"/>
+                  </a:schemeClr>
+                </a:solidFill>
+                <a:latin typeface="G마켓 산스 TTF Bold" panose="02000000000000000000" pitchFamily="2" charset="-127"/>
+                <a:ea typeface="G마켓 산스 TTF Bold" panose="02000000000000000000" pitchFamily="2" charset="-127"/>
+              </a:rPr>
+              <a:t> </a:t>
+            </a:r>
+            <a:r>
+              <a:rPr lang="en-US" altLang="ko-KR" sz="1400" dirty="0" smtClean="0">
+                <a:solidFill>
+                  <a:schemeClr val="bg1">
+                    <a:lumMod val="50000"/>
+                  </a:schemeClr>
+                </a:solidFill>
+                <a:latin typeface="G마켓 산스 TTF Bold" panose="02000000000000000000" pitchFamily="2" charset="-127"/>
+                <a:ea typeface="G마켓 산스 TTF Bold" panose="02000000000000000000" pitchFamily="2" charset="-127"/>
+              </a:rPr>
+              <a:t>/ </a:t>
+            </a:r>
+            <a:r>
+              <a:rPr lang="ko-KR" altLang="en-US" sz="1400" dirty="0">
+                <a:solidFill>
+                  <a:schemeClr val="bg1">
+                    <a:lumMod val="50000"/>
+                  </a:schemeClr>
+                </a:solidFill>
+                <a:latin typeface="G마켓 산스 TTF Bold" panose="02000000000000000000" pitchFamily="2" charset="-127"/>
+                <a:ea typeface="G마켓 산스 TTF Bold" panose="02000000000000000000" pitchFamily="2" charset="-127"/>
+              </a:rPr>
+              <a:t>보관 구역 구현</a:t>
+            </a:r>
+          </a:p>
+          <a:p>
+            <a:pPr>
+              <a:lnSpc>
+                <a:spcPct val="150000"/>
+              </a:lnSpc>
+            </a:pPr>
+            <a:r>
+              <a:rPr lang="ko-KR" altLang="en-US" sz="1400" dirty="0">
+                <a:solidFill>
+                  <a:schemeClr val="bg1">
+                    <a:lumMod val="50000"/>
+                  </a:schemeClr>
+                </a:solidFill>
+                <a:latin typeface="G마켓 산스 TTF Bold" panose="02000000000000000000" pitchFamily="2" charset="-127"/>
+                <a:ea typeface="G마켓 산스 TTF Bold" panose="02000000000000000000" pitchFamily="2" charset="-127"/>
+              </a:rPr>
+              <a:t>다중 창고 생성 기능 구현</a:t>
+            </a:r>
+          </a:p>
+          <a:p>
+            <a:pPr>
+              <a:lnSpc>
+                <a:spcPct val="150000"/>
+              </a:lnSpc>
+            </a:pPr>
+            <a:r>
+              <a:rPr lang="ko-KR" altLang="en-US" sz="1400" dirty="0">
+                <a:solidFill>
+                  <a:schemeClr val="bg1">
+                    <a:lumMod val="50000"/>
+                  </a:schemeClr>
+                </a:solidFill>
+                <a:latin typeface="G마켓 산스 TTF Bold" panose="02000000000000000000" pitchFamily="2" charset="-127"/>
+                <a:ea typeface="G마켓 산스 TTF Bold" panose="02000000000000000000" pitchFamily="2" charset="-127"/>
+              </a:rPr>
+              <a:t>엑셀 업로드 구현</a:t>
+            </a:r>
+          </a:p>
+          <a:p>
+            <a:pPr>
+              <a:lnSpc>
+                <a:spcPct val="150000"/>
+              </a:lnSpc>
+            </a:pPr>
+            <a:r>
+              <a:rPr lang="ko-KR" altLang="en-US" sz="1400" dirty="0">
+                <a:solidFill>
+                  <a:schemeClr val="bg1">
+                    <a:lumMod val="50000"/>
+                  </a:schemeClr>
+                </a:solidFill>
+                <a:latin typeface="G마켓 산스 TTF Bold" panose="02000000000000000000" pitchFamily="2" charset="-127"/>
+                <a:ea typeface="G마켓 산스 TTF Bold" panose="02000000000000000000" pitchFamily="2" charset="-127"/>
+              </a:rPr>
+              <a:t>창고 도면 시각화</a:t>
+            </a:r>
+          </a:p>
+          <a:p>
+            <a:pPr lvl="0">
+              <a:lnSpc>
+                <a:spcPct val="150000"/>
+              </a:lnSpc>
+            </a:pPr>
+            <a:endParaRPr lang="en-US" altLang="ko-KR" sz="1400" b="0" i="0" u="none" strike="noStrike" spc="300" dirty="0" smtClean="0">
+              <a:solidFill>
+                <a:schemeClr val="bg1">
+                  <a:lumMod val="50000"/>
+                </a:schemeClr>
+              </a:solidFill>
+              <a:latin typeface="G마켓 산스 TTF Bold" panose="02000000000000000000" pitchFamily="2" charset="-127"/>
+              <a:ea typeface="G마켓 산스 TTF Bold" panose="02000000000000000000" pitchFamily="2" charset="-127"/>
+            </a:endParaRPr>
+          </a:p>
+        </p:txBody>
+      </p:sp>
+      <p:pic>
+        <p:nvPicPr>
+          <p:cNvPr id="1026" name="Picture 2"/>
+          <p:cNvPicPr>
+            <a:picLocks noChangeAspect="1" noChangeArrowheads="1"/>
+          </p:cNvPicPr>
+          <p:nvPr/>
+        </p:nvPicPr>
+        <p:blipFill>
+          <a:blip r:embed="rId6" cstate="print">
+            <a:extLst>
+              <a:ext uri="{28A0092B-C50C-407E-A947-70E740481C1C}">
+                <a14:useLocalDpi xmlns:a14="http://schemas.microsoft.com/office/drawing/2010/main" val="0"/>
+              </a:ext>
+            </a:extLst>
+          </a:blip>
+          <a:srcRect/>
+          <a:stretch>
+            <a:fillRect/>
+          </a:stretch>
+        </p:blipFill>
+        <p:spPr bwMode="auto">
+          <a:xfrm>
+            <a:off x="3705796" y="1195614"/>
+            <a:ext cx="2021343" cy="2870547"/>
+          </a:xfrm>
+          <a:prstGeom prst="rect">
+            <a:avLst/>
+          </a:prstGeom>
+          <a:noFill/>
+          <a:ln>
+            <a:noFill/>
+          </a:ln>
+          <a:effectLst>
+            <a:glow rad="177800">
+              <a:schemeClr val="accent1">
+                <a:alpha val="22000"/>
+              </a:schemeClr>
+            </a:glow>
+          </a:effectLst>
+          <a:extLst>
+            <a:ext uri="{909E8E84-426E-40DD-AFC4-6F175D3DCCD1}">
+              <a14:hiddenFill xmlns:a14="http://schemas.microsoft.com/office/drawing/2010/main">
+                <a:solidFill>
+                  <a:schemeClr val="accent1"/>
+                </a:solidFill>
+              </a14:hiddenFill>
+            </a:ext>
+            <a:ext uri="{91240B29-F687-4F45-9708-019B960494DF}">
+              <a14:hiddenLine xmlns:a14="http://schemas.microsoft.com/office/drawing/2010/main" w="9525">
+                <a:solidFill>
+                  <a:schemeClr val="tx1"/>
+                </a:solidFill>
+                <a:miter lim="800000"/>
+                <a:headEnd/>
+                <a:tailEnd/>
+              </a14:hiddenLine>
+            </a:ext>
+          </a:extLst>
+        </p:spPr>
+      </p:pic>
+      <p:sp>
+        <p:nvSpPr>
+          <p:cNvPr id="15" name="AutoShape 4" descr="재고관리.PNG"/>
+          <p:cNvSpPr>
+            <a:spLocks noChangeAspect="1" noChangeArrowheads="1"/>
+          </p:cNvSpPr>
+          <p:nvPr/>
+        </p:nvSpPr>
+        <p:spPr bwMode="auto">
+          <a:xfrm>
+            <a:off x="76200" y="-136525"/>
+            <a:ext cx="304800" cy="304800"/>
+          </a:xfrm>
+          <a:prstGeom prst="rect">
+            <a:avLst/>
+          </a:prstGeom>
+          <a:noFill/>
+          <a:extLst>
+            <a:ext uri="{909E8E84-426E-40DD-AFC4-6F175D3DCCD1}">
+              <a14:hiddenFill xmlns:a14="http://schemas.microsoft.com/office/drawing/2010/main">
+                <a:solidFill>
+                  <a:srgbClr val="FFFFFF"/>
+                </a:solidFill>
+              </a14:hiddenFill>
+            </a:ext>
+          </a:extLst>
+        </p:spPr>
+        <p:txBody>
+          <a:bodyPr vert="horz" wrap="square" lIns="91440" tIns="45720" rIns="91440" bIns="45720" numCol="1" anchor="t" anchorCtr="0" compatLnSpc="1">
+            <a:prstTxWarp prst="textNoShape">
+              <a:avLst/>
+            </a:prstTxWarp>
+          </a:bodyPr>
+          <a:lstStyle/>
+          <a:p>
+            <a:endParaRPr lang="ko-KR" altLang="en-US"/>
+          </a:p>
+        </p:txBody>
+      </p:sp>
+      <p:grpSp>
+        <p:nvGrpSpPr>
+          <p:cNvPr id="16" name="그룹 15"/>
+          <p:cNvGrpSpPr/>
+          <p:nvPr/>
+        </p:nvGrpSpPr>
+        <p:grpSpPr>
+          <a:xfrm>
+            <a:off x="1239157" y="3932293"/>
+            <a:ext cx="3775529" cy="3412630"/>
+            <a:chOff x="7044870" y="5414522"/>
+            <a:chExt cx="3775529" cy="3775530"/>
+          </a:xfrm>
+        </p:grpSpPr>
+        <p:pic>
+          <p:nvPicPr>
+            <p:cNvPr id="1032" name="Picture 8" descr="모니터 PNG 일러스트 | 이미지 및 PSD 파일 | Pngtree에 무료 ..."/>
+            <p:cNvPicPr>
+              <a:picLocks noChangeAspect="1" noChangeArrowheads="1"/>
+            </p:cNvPicPr>
+            <p:nvPr/>
+          </p:nvPicPr>
+          <p:blipFill>
+            <a:blip r:embed="rId7">
+              <a:extLst>
+                <a:ext uri="{28A0092B-C50C-407E-A947-70E740481C1C}">
+                  <a14:useLocalDpi xmlns:a14="http://schemas.microsoft.com/office/drawing/2010/main" val="0"/>
+                </a:ext>
+              </a:extLst>
+            </a:blip>
+            <a:srcRect/>
+            <a:stretch>
+              <a:fillRect/>
+            </a:stretch>
+          </p:blipFill>
+          <p:spPr bwMode="auto">
+            <a:xfrm>
+              <a:off x="7044870" y="5414522"/>
+              <a:ext cx="3775529" cy="3775530"/>
+            </a:xfrm>
+            <a:prstGeom prst="rect">
+              <a:avLst/>
+            </a:prstGeom>
+            <a:noFill/>
+            <a:extLst>
+              <a:ext uri="{909E8E84-426E-40DD-AFC4-6F175D3DCCD1}">
+                <a14:hiddenFill xmlns:a14="http://schemas.microsoft.com/office/drawing/2010/main">
+                  <a:solidFill>
+                    <a:srgbClr val="FFFFFF"/>
+                  </a:solidFill>
+                </a14:hiddenFill>
+              </a:ext>
+            </a:extLst>
+          </p:spPr>
+        </p:pic>
+        <p:pic>
+          <p:nvPicPr>
+            <p:cNvPr id="1030" name="Picture 6" descr="C:\Users\user\AppData\Local\Packages\Microsoft.Windows.Photos_8wekyb3d8bbwe\TempState\ShareServiceTempFolder\재고관리.PNG.jpeg"/>
+            <p:cNvPicPr>
+              <a:picLocks noChangeAspect="1" noChangeArrowheads="1"/>
+            </p:cNvPicPr>
+            <p:nvPr/>
+          </p:nvPicPr>
+          <p:blipFill>
+            <a:blip r:embed="rId8" cstate="print">
+              <a:extLst>
+                <a:ext uri="{28A0092B-C50C-407E-A947-70E740481C1C}">
+                  <a14:useLocalDpi xmlns:a14="http://schemas.microsoft.com/office/drawing/2010/main" val="0"/>
+                </a:ext>
+              </a:extLst>
+            </a:blip>
+            <a:srcRect/>
+            <a:stretch>
+              <a:fillRect/>
+            </a:stretch>
+          </p:blipFill>
+          <p:spPr bwMode="auto">
+            <a:xfrm>
+              <a:off x="7283450" y="6014754"/>
+              <a:ext cx="3308350" cy="1927069"/>
+            </a:xfrm>
+            <a:prstGeom prst="rect">
+              <a:avLst/>
+            </a:prstGeom>
+            <a:noFill/>
+            <a:extLst>
+              <a:ext uri="{909E8E84-426E-40DD-AFC4-6F175D3DCCD1}">
+                <a14:hiddenFill xmlns:a14="http://schemas.microsoft.com/office/drawing/2010/main">
+                  <a:solidFill>
+                    <a:srgbClr val="FFFFFF"/>
+                  </a:solidFill>
+                </a14:hiddenFill>
+              </a:ext>
+            </a:extLst>
+          </p:spPr>
+        </p:pic>
+      </p:grpSp>
+      <p:sp>
+        <p:nvSpPr>
+          <p:cNvPr id="65" name="직사각형 64"/>
+          <p:cNvSpPr/>
+          <p:nvPr/>
+        </p:nvSpPr>
+        <p:spPr>
+          <a:xfrm>
+            <a:off x="6858000" y="1790700"/>
+            <a:ext cx="3259226" cy="1061829"/>
+          </a:xfrm>
+          <a:prstGeom prst="rect">
+            <a:avLst/>
+          </a:prstGeom>
+        </p:spPr>
+        <p:txBody>
+          <a:bodyPr wrap="none">
+            <a:spAutoFit/>
+          </a:bodyPr>
+          <a:lstStyle/>
+          <a:p>
+            <a:pPr marL="285750" indent="-285750">
+              <a:lnSpc>
+                <a:spcPct val="150000"/>
+              </a:lnSpc>
+              <a:buFont typeface="Wingdings" panose="05000000000000000000" pitchFamily="2" charset="2"/>
+              <a:buChar char="§"/>
+            </a:pPr>
+            <a:r>
+              <a:rPr lang="ko-KR" altLang="en-US" sz="1400" dirty="0" smtClean="0">
+                <a:solidFill>
+                  <a:schemeClr val="bg1">
+                    <a:lumMod val="50000"/>
+                  </a:schemeClr>
+                </a:solidFill>
+                <a:latin typeface="G마켓 산스 TTF Bold" panose="02000000000000000000" pitchFamily="2" charset="-127"/>
+                <a:ea typeface="G마켓 산스 TTF Bold" panose="02000000000000000000" pitchFamily="2" charset="-127"/>
+              </a:rPr>
+              <a:t>프레임워크</a:t>
+            </a:r>
+            <a:r>
+              <a:rPr lang="en-US" altLang="ko-KR" sz="1400" dirty="0" smtClean="0">
+                <a:solidFill>
+                  <a:schemeClr val="bg1">
+                    <a:lumMod val="50000"/>
+                  </a:schemeClr>
+                </a:solidFill>
+                <a:latin typeface="G마켓 산스 TTF Bold" panose="02000000000000000000" pitchFamily="2" charset="-127"/>
+                <a:ea typeface="G마켓 산스 TTF Bold" panose="02000000000000000000" pitchFamily="2" charset="-127"/>
+              </a:rPr>
+              <a:t>: Spring Boot(3.3.1) </a:t>
+            </a:r>
+          </a:p>
+          <a:p>
+            <a:pPr marL="285750" indent="-285750">
+              <a:lnSpc>
+                <a:spcPct val="150000"/>
+              </a:lnSpc>
+              <a:buFont typeface="Wingdings" panose="05000000000000000000" pitchFamily="2" charset="2"/>
+              <a:buChar char="§"/>
+            </a:pPr>
+            <a:r>
+              <a:rPr lang="en-US" altLang="ko-KR" sz="1400" dirty="0" smtClean="0">
+                <a:solidFill>
+                  <a:schemeClr val="bg1">
+                    <a:lumMod val="50000"/>
+                  </a:schemeClr>
+                </a:solidFill>
+                <a:latin typeface="G마켓 산스 TTF Bold" panose="02000000000000000000" pitchFamily="2" charset="-127"/>
+                <a:ea typeface="G마켓 산스 TTF Bold" panose="02000000000000000000" pitchFamily="2" charset="-127"/>
+              </a:rPr>
+              <a:t>JVM </a:t>
+            </a:r>
+            <a:r>
+              <a:rPr lang="ko-KR" altLang="en-US" sz="1400" dirty="0" smtClean="0">
+                <a:solidFill>
+                  <a:schemeClr val="bg1">
+                    <a:lumMod val="50000"/>
+                  </a:schemeClr>
+                </a:solidFill>
+                <a:latin typeface="G마켓 산스 TTF Bold" panose="02000000000000000000" pitchFamily="2" charset="-127"/>
+                <a:ea typeface="G마켓 산스 TTF Bold" panose="02000000000000000000" pitchFamily="2" charset="-127"/>
+              </a:rPr>
+              <a:t>버전</a:t>
+            </a:r>
+            <a:r>
+              <a:rPr lang="en-US" altLang="ko-KR" sz="1400" dirty="0">
+                <a:solidFill>
+                  <a:schemeClr val="bg1">
+                    <a:lumMod val="50000"/>
+                  </a:schemeClr>
+                </a:solidFill>
+                <a:latin typeface="G마켓 산스 TTF Bold" panose="02000000000000000000" pitchFamily="2" charset="-127"/>
+                <a:ea typeface="G마켓 산스 TTF Bold" panose="02000000000000000000" pitchFamily="2" charset="-127"/>
+              </a:rPr>
+              <a:t>: Azul Zulu 17.0.11</a:t>
+            </a:r>
+          </a:p>
+          <a:p>
+            <a:pPr marL="285750" indent="-285750">
+              <a:lnSpc>
+                <a:spcPct val="150000"/>
+              </a:lnSpc>
+              <a:buFont typeface="Wingdings" panose="05000000000000000000" pitchFamily="2" charset="2"/>
+              <a:buChar char="§"/>
+            </a:pPr>
+            <a:r>
+              <a:rPr lang="ko-KR" altLang="en-US" sz="1400" dirty="0" err="1" smtClean="0">
+                <a:solidFill>
+                  <a:schemeClr val="bg1">
+                    <a:lumMod val="50000"/>
+                  </a:schemeClr>
+                </a:solidFill>
+                <a:latin typeface="G마켓 산스 TTF Bold" panose="02000000000000000000" pitchFamily="2" charset="-127"/>
+                <a:ea typeface="G마켓 산스 TTF Bold" panose="02000000000000000000" pitchFamily="2" charset="-127"/>
+              </a:rPr>
+              <a:t>빌드도구</a:t>
+            </a:r>
+            <a:r>
+              <a:rPr lang="en-US" altLang="ko-KR" sz="1400" dirty="0" smtClean="0">
+                <a:solidFill>
+                  <a:schemeClr val="bg1">
+                    <a:lumMod val="50000"/>
+                  </a:schemeClr>
+                </a:solidFill>
+                <a:latin typeface="G마켓 산스 TTF Bold" panose="02000000000000000000" pitchFamily="2" charset="-127"/>
+                <a:ea typeface="G마켓 산스 TTF Bold" panose="02000000000000000000" pitchFamily="2" charset="-127"/>
+              </a:rPr>
+              <a:t>: </a:t>
+            </a:r>
+            <a:r>
+              <a:rPr lang="en-US" altLang="ko-KR" sz="1400" dirty="0" err="1" smtClean="0">
+                <a:solidFill>
+                  <a:schemeClr val="bg1">
+                    <a:lumMod val="50000"/>
+                  </a:schemeClr>
+                </a:solidFill>
+                <a:latin typeface="G마켓 산스 TTF Bold" panose="02000000000000000000" pitchFamily="2" charset="-127"/>
+                <a:ea typeface="G마켓 산스 TTF Bold" panose="02000000000000000000" pitchFamily="2" charset="-127"/>
+              </a:rPr>
+              <a:t>Gradle</a:t>
+            </a:r>
+            <a:endParaRPr lang="en-US" altLang="ko-KR" sz="1400" dirty="0" smtClean="0">
+              <a:solidFill>
+                <a:schemeClr val="bg1">
+                  <a:lumMod val="50000"/>
+                </a:schemeClr>
+              </a:solidFill>
+              <a:latin typeface="G마켓 산스 TTF Bold" panose="02000000000000000000" pitchFamily="2" charset="-127"/>
+              <a:ea typeface="G마켓 산스 TTF Bold" panose="02000000000000000000" pitchFamily="2" charset="-127"/>
+            </a:endParaRPr>
+          </a:p>
+        </p:txBody>
+      </p:sp>
+      <p:pic>
+        <p:nvPicPr>
+          <p:cNvPr id="66" name="Picture 8"/>
+          <p:cNvPicPr>
+            <a:picLocks noChangeAspect="1"/>
+          </p:cNvPicPr>
+          <p:nvPr/>
+        </p:nvPicPr>
+        <p:blipFill>
+          <a:blip r:embed="rId3"/>
+          <a:stretch>
+            <a:fillRect/>
+          </a:stretch>
+        </p:blipFill>
+        <p:spPr>
+          <a:xfrm>
+            <a:off x="6896100" y="3035300"/>
+            <a:ext cx="1866900" cy="355600"/>
+          </a:xfrm>
+          <a:prstGeom prst="rect">
+            <a:avLst/>
+          </a:prstGeom>
+        </p:spPr>
+      </p:pic>
+      <p:sp>
+        <p:nvSpPr>
+          <p:cNvPr id="67" name="TextBox 9"/>
+          <p:cNvSpPr txBox="1"/>
+          <p:nvPr/>
+        </p:nvSpPr>
+        <p:spPr>
+          <a:xfrm>
+            <a:off x="7067113" y="3110587"/>
+            <a:ext cx="1550274" cy="259981"/>
+          </a:xfrm>
+          <a:prstGeom prst="rect">
+            <a:avLst/>
+          </a:prstGeom>
+        </p:spPr>
+        <p:txBody>
+          <a:bodyPr lIns="0" tIns="0" rIns="0" bIns="0" rtlCol="0" anchor="ctr"/>
+          <a:lstStyle/>
+          <a:p>
+            <a:pPr lvl="0" algn="ctr">
+              <a:lnSpc>
+                <a:spcPct val="99600"/>
+              </a:lnSpc>
+            </a:pPr>
+            <a:r>
+              <a:rPr lang="en-US" sz="1600" spc="300" dirty="0" smtClean="0">
+                <a:solidFill>
+                  <a:srgbClr val="2274EC"/>
+                </a:solidFill>
+                <a:latin typeface="G마켓 산스 TTF Bold" panose="02000000000000000000" pitchFamily="2" charset="-127"/>
+                <a:ea typeface="G마켓 산스 TTF Bold" panose="02000000000000000000" pitchFamily="2" charset="-127"/>
+              </a:rPr>
+              <a:t>Front End</a:t>
+            </a:r>
+            <a:endParaRPr lang="en-US" sz="1600" b="0" i="0" u="none" strike="noStrike" spc="300" dirty="0">
+              <a:solidFill>
+                <a:srgbClr val="2274EC"/>
+              </a:solidFill>
+              <a:latin typeface="G마켓 산스 TTF Bold" panose="02000000000000000000" pitchFamily="2" charset="-127"/>
+              <a:ea typeface="G마켓 산스 TTF Bold" panose="02000000000000000000" pitchFamily="2" charset="-127"/>
+            </a:endParaRPr>
+          </a:p>
+        </p:txBody>
+      </p:sp>
+      <p:sp>
+        <p:nvSpPr>
+          <p:cNvPr id="68" name="직사각형 67"/>
+          <p:cNvSpPr/>
+          <p:nvPr/>
+        </p:nvSpPr>
+        <p:spPr>
+          <a:xfrm>
+            <a:off x="6934200" y="3548271"/>
+            <a:ext cx="2677336" cy="738664"/>
+          </a:xfrm>
+          <a:prstGeom prst="rect">
+            <a:avLst/>
+          </a:prstGeom>
+        </p:spPr>
+        <p:txBody>
+          <a:bodyPr wrap="none">
+            <a:spAutoFit/>
+          </a:bodyPr>
+          <a:lstStyle/>
+          <a:p>
+            <a:pPr marL="285750" indent="-285750">
+              <a:lnSpc>
+                <a:spcPct val="150000"/>
+              </a:lnSpc>
+              <a:buFont typeface="Wingdings" panose="05000000000000000000" pitchFamily="2" charset="2"/>
+              <a:buChar char="§"/>
+            </a:pPr>
+            <a:r>
+              <a:rPr lang="ko-KR" altLang="en-US" sz="1400" dirty="0" smtClean="0">
+                <a:solidFill>
+                  <a:schemeClr val="bg1">
+                    <a:lumMod val="50000"/>
+                  </a:schemeClr>
+                </a:solidFill>
+                <a:latin typeface="G마켓 산스 TTF Bold" panose="02000000000000000000" pitchFamily="2" charset="-127"/>
+                <a:ea typeface="G마켓 산스 TTF Bold" panose="02000000000000000000" pitchFamily="2" charset="-127"/>
+              </a:rPr>
+              <a:t>프레임워크</a:t>
+            </a:r>
+            <a:r>
+              <a:rPr lang="en-US" altLang="ko-KR" sz="1400" dirty="0">
+                <a:solidFill>
+                  <a:schemeClr val="bg1">
+                    <a:lumMod val="50000"/>
+                  </a:schemeClr>
+                </a:solidFill>
+                <a:latin typeface="G마켓 산스 TTF Bold" panose="02000000000000000000" pitchFamily="2" charset="-127"/>
+                <a:ea typeface="G마켓 산스 TTF Bold" panose="02000000000000000000" pitchFamily="2" charset="-127"/>
+              </a:rPr>
+              <a:t>: </a:t>
+            </a:r>
+            <a:r>
+              <a:rPr lang="en-US" altLang="ko-KR" sz="1400" dirty="0" smtClean="0">
+                <a:solidFill>
+                  <a:schemeClr val="bg1">
+                    <a:lumMod val="50000"/>
+                  </a:schemeClr>
+                </a:solidFill>
+                <a:latin typeface="G마켓 산스 TTF Bold" panose="02000000000000000000" pitchFamily="2" charset="-127"/>
+                <a:ea typeface="G마켓 산스 TTF Bold" panose="02000000000000000000" pitchFamily="2" charset="-127"/>
+              </a:rPr>
+              <a:t>Next.js(14.x)</a:t>
+            </a:r>
+            <a:endParaRPr lang="en-US" altLang="ko-KR" sz="1400" dirty="0">
+              <a:solidFill>
+                <a:schemeClr val="bg1">
+                  <a:lumMod val="50000"/>
+                </a:schemeClr>
+              </a:solidFill>
+              <a:latin typeface="G마켓 산스 TTF Bold" panose="02000000000000000000" pitchFamily="2" charset="-127"/>
+              <a:ea typeface="G마켓 산스 TTF Bold" panose="02000000000000000000" pitchFamily="2" charset="-127"/>
+            </a:endParaRPr>
+          </a:p>
+          <a:p>
+            <a:pPr marL="285750" indent="-285750">
+              <a:lnSpc>
+                <a:spcPct val="150000"/>
+              </a:lnSpc>
+              <a:buFont typeface="Wingdings" panose="05000000000000000000" pitchFamily="2" charset="2"/>
+              <a:buChar char="§"/>
+            </a:pPr>
+            <a:r>
+              <a:rPr lang="ko-KR" altLang="en-US" sz="1400" dirty="0" err="1" smtClean="0">
+                <a:solidFill>
+                  <a:schemeClr val="bg1">
+                    <a:lumMod val="50000"/>
+                  </a:schemeClr>
+                </a:solidFill>
+                <a:latin typeface="G마켓 산스 TTF Bold" panose="02000000000000000000" pitchFamily="2" charset="-127"/>
+                <a:ea typeface="G마켓 산스 TTF Bold" panose="02000000000000000000" pitchFamily="2" charset="-127"/>
+              </a:rPr>
+              <a:t>빌드도구</a:t>
+            </a:r>
+            <a:r>
+              <a:rPr lang="en-US" altLang="ko-KR" sz="1400" dirty="0" smtClean="0">
+                <a:solidFill>
+                  <a:schemeClr val="bg1">
+                    <a:lumMod val="50000"/>
+                  </a:schemeClr>
+                </a:solidFill>
+                <a:latin typeface="G마켓 산스 TTF Bold" panose="02000000000000000000" pitchFamily="2" charset="-127"/>
+                <a:ea typeface="G마켓 산스 TTF Bold" panose="02000000000000000000" pitchFamily="2" charset="-127"/>
+              </a:rPr>
+              <a:t>: </a:t>
+            </a:r>
+            <a:r>
+              <a:rPr lang="en-US" altLang="ko-KR" sz="1400" dirty="0" err="1" smtClean="0">
+                <a:solidFill>
+                  <a:schemeClr val="bg1">
+                    <a:lumMod val="50000"/>
+                  </a:schemeClr>
+                </a:solidFill>
+                <a:latin typeface="G마켓 산스 TTF Bold" panose="02000000000000000000" pitchFamily="2" charset="-127"/>
+                <a:ea typeface="G마켓 산스 TTF Bold" panose="02000000000000000000" pitchFamily="2" charset="-127"/>
+              </a:rPr>
+              <a:t>npm</a:t>
+            </a:r>
+            <a:endParaRPr lang="en-US" altLang="ko-KR" sz="1400" dirty="0" smtClean="0">
+              <a:solidFill>
+                <a:schemeClr val="bg1">
+                  <a:lumMod val="50000"/>
+                </a:schemeClr>
+              </a:solidFill>
+              <a:latin typeface="G마켓 산스 TTF Bold" panose="02000000000000000000" pitchFamily="2" charset="-127"/>
+              <a:ea typeface="G마켓 산스 TTF Bold" panose="02000000000000000000" pitchFamily="2" charset="-127"/>
+            </a:endParaRPr>
+          </a:p>
+        </p:txBody>
+      </p:sp>
+      <p:pic>
+        <p:nvPicPr>
+          <p:cNvPr id="69" name="Picture 8"/>
+          <p:cNvPicPr>
+            <a:picLocks noChangeAspect="1"/>
+          </p:cNvPicPr>
+          <p:nvPr/>
+        </p:nvPicPr>
+        <p:blipFill>
+          <a:blip r:embed="rId3"/>
+          <a:stretch>
+            <a:fillRect/>
+          </a:stretch>
+        </p:blipFill>
+        <p:spPr>
+          <a:xfrm>
+            <a:off x="6896100" y="4597997"/>
+            <a:ext cx="1866900" cy="355600"/>
+          </a:xfrm>
+          <a:prstGeom prst="rect">
+            <a:avLst/>
+          </a:prstGeom>
+        </p:spPr>
+      </p:pic>
+      <p:sp>
+        <p:nvSpPr>
+          <p:cNvPr id="70" name="TextBox 9"/>
+          <p:cNvSpPr txBox="1"/>
+          <p:nvPr/>
+        </p:nvSpPr>
+        <p:spPr>
+          <a:xfrm>
+            <a:off x="6934200" y="4660221"/>
+            <a:ext cx="1848287" cy="259981"/>
+          </a:xfrm>
+          <a:prstGeom prst="rect">
+            <a:avLst/>
+          </a:prstGeom>
+        </p:spPr>
+        <p:txBody>
+          <a:bodyPr lIns="0" tIns="0" rIns="0" bIns="0" rtlCol="0" anchor="ctr"/>
+          <a:lstStyle/>
+          <a:p>
+            <a:pPr lvl="0" algn="ctr">
+              <a:lnSpc>
+                <a:spcPct val="99600"/>
+              </a:lnSpc>
+            </a:pPr>
+            <a:r>
+              <a:rPr lang="en-US" sz="1600" spc="300" dirty="0">
+                <a:solidFill>
+                  <a:srgbClr val="2274EC"/>
+                </a:solidFill>
+                <a:latin typeface="G마켓 산스 TTF Bold" panose="02000000000000000000" pitchFamily="2" charset="-127"/>
+                <a:ea typeface="G마켓 산스 TTF Bold" panose="02000000000000000000" pitchFamily="2" charset="-127"/>
+              </a:rPr>
+              <a:t>I</a:t>
+            </a:r>
+            <a:r>
+              <a:rPr lang="en-US" sz="1600" spc="300" dirty="0" smtClean="0">
+                <a:solidFill>
+                  <a:srgbClr val="2274EC"/>
+                </a:solidFill>
+                <a:latin typeface="G마켓 산스 TTF Bold" panose="02000000000000000000" pitchFamily="2" charset="-127"/>
+                <a:ea typeface="G마켓 산스 TTF Bold" panose="02000000000000000000" pitchFamily="2" charset="-127"/>
+              </a:rPr>
+              <a:t>nfra</a:t>
+            </a:r>
+            <a:endParaRPr lang="en-US" sz="1600" b="0" i="0" u="none" strike="noStrike" spc="300" dirty="0">
+              <a:solidFill>
+                <a:srgbClr val="2274EC"/>
+              </a:solidFill>
+              <a:latin typeface="G마켓 산스 TTF Bold" panose="02000000000000000000" pitchFamily="2" charset="-127"/>
+              <a:ea typeface="G마켓 산스 TTF Bold" panose="02000000000000000000" pitchFamily="2" charset="-127"/>
+            </a:endParaRPr>
+          </a:p>
+        </p:txBody>
+      </p:sp>
+      <p:sp>
+        <p:nvSpPr>
+          <p:cNvPr id="71" name="직사각형 70"/>
+          <p:cNvSpPr/>
+          <p:nvPr/>
+        </p:nvSpPr>
+        <p:spPr>
+          <a:xfrm>
+            <a:off x="6934200" y="5110968"/>
+            <a:ext cx="3007555" cy="1384995"/>
+          </a:xfrm>
+          <a:prstGeom prst="rect">
+            <a:avLst/>
+          </a:prstGeom>
+        </p:spPr>
+        <p:txBody>
+          <a:bodyPr wrap="none">
+            <a:spAutoFit/>
+          </a:bodyPr>
+          <a:lstStyle/>
+          <a:p>
+            <a:pPr marL="285750" indent="-285750">
+              <a:lnSpc>
+                <a:spcPct val="150000"/>
+              </a:lnSpc>
+              <a:buFont typeface="Wingdings" panose="05000000000000000000" pitchFamily="2" charset="2"/>
+              <a:buChar char="§"/>
+            </a:pPr>
+            <a:r>
+              <a:rPr lang="ko-KR" altLang="en-US" sz="1400" dirty="0" smtClean="0">
+                <a:solidFill>
+                  <a:schemeClr val="bg1">
+                    <a:lumMod val="50000"/>
+                  </a:schemeClr>
+                </a:solidFill>
+                <a:latin typeface="G마켓 산스 TTF Bold" panose="02000000000000000000" pitchFamily="2" charset="-127"/>
+                <a:ea typeface="G마켓 산스 TTF Bold" panose="02000000000000000000" pitchFamily="2" charset="-127"/>
+              </a:rPr>
+              <a:t>웹 서버</a:t>
+            </a:r>
+            <a:r>
+              <a:rPr lang="en-US" altLang="ko-KR" sz="1400" dirty="0" smtClean="0">
+                <a:solidFill>
+                  <a:schemeClr val="bg1">
+                    <a:lumMod val="50000"/>
+                  </a:schemeClr>
+                </a:solidFill>
+                <a:latin typeface="G마켓 산스 TTF Bold" panose="02000000000000000000" pitchFamily="2" charset="-127"/>
+                <a:ea typeface="G마켓 산스 TTF Bold" panose="02000000000000000000" pitchFamily="2" charset="-127"/>
+              </a:rPr>
+              <a:t>: AWS EC2</a:t>
+            </a:r>
+            <a:endParaRPr lang="en-US" altLang="ko-KR" sz="1400" dirty="0">
+              <a:solidFill>
+                <a:schemeClr val="bg1">
+                  <a:lumMod val="50000"/>
+                </a:schemeClr>
+              </a:solidFill>
+              <a:latin typeface="G마켓 산스 TTF Bold" panose="02000000000000000000" pitchFamily="2" charset="-127"/>
+              <a:ea typeface="G마켓 산스 TTF Bold" panose="02000000000000000000" pitchFamily="2" charset="-127"/>
+            </a:endParaRPr>
+          </a:p>
+          <a:p>
+            <a:pPr marL="285750" indent="-285750">
+              <a:lnSpc>
+                <a:spcPct val="150000"/>
+              </a:lnSpc>
+              <a:buFont typeface="Wingdings" panose="05000000000000000000" pitchFamily="2" charset="2"/>
+              <a:buChar char="§"/>
+            </a:pPr>
+            <a:r>
+              <a:rPr lang="en-US" altLang="ko-KR" sz="1400" dirty="0" smtClean="0">
+                <a:solidFill>
+                  <a:schemeClr val="bg1">
+                    <a:lumMod val="50000"/>
+                  </a:schemeClr>
+                </a:solidFill>
+                <a:latin typeface="G마켓 산스 TTF Bold" panose="02000000000000000000" pitchFamily="2" charset="-127"/>
+                <a:ea typeface="G마켓 산스 TTF Bold" panose="02000000000000000000" pitchFamily="2" charset="-127"/>
+              </a:rPr>
+              <a:t>CI/CD:  Jenkins</a:t>
+            </a:r>
+          </a:p>
+          <a:p>
+            <a:pPr marL="285750" indent="-285750">
+              <a:lnSpc>
+                <a:spcPct val="150000"/>
+              </a:lnSpc>
+              <a:buFont typeface="Wingdings" panose="05000000000000000000" pitchFamily="2" charset="2"/>
+              <a:buChar char="§"/>
+            </a:pPr>
+            <a:r>
+              <a:rPr lang="en-US" altLang="ko-KR" sz="1400" dirty="0" smtClean="0">
+                <a:solidFill>
+                  <a:schemeClr val="bg1">
+                    <a:lumMod val="50000"/>
+                  </a:schemeClr>
+                </a:solidFill>
+                <a:latin typeface="G마켓 산스 TTF Bold" panose="02000000000000000000" pitchFamily="2" charset="-127"/>
+                <a:ea typeface="G마켓 산스 TTF Bold" panose="02000000000000000000" pitchFamily="2" charset="-127"/>
+              </a:rPr>
+              <a:t>Nginx Blue &amp; Green </a:t>
+            </a:r>
+            <a:r>
+              <a:rPr lang="ko-KR" altLang="en-US" sz="1400" dirty="0" err="1" smtClean="0">
+                <a:solidFill>
+                  <a:schemeClr val="bg1">
+                    <a:lumMod val="50000"/>
+                  </a:schemeClr>
+                </a:solidFill>
+                <a:latin typeface="G마켓 산스 TTF Bold" panose="02000000000000000000" pitchFamily="2" charset="-127"/>
+                <a:ea typeface="G마켓 산스 TTF Bold" panose="02000000000000000000" pitchFamily="2" charset="-127"/>
+              </a:rPr>
+              <a:t>라우팅</a:t>
+            </a:r>
+            <a:endParaRPr lang="en-US" altLang="ko-KR" sz="1400" dirty="0" smtClean="0">
+              <a:solidFill>
+                <a:schemeClr val="bg1">
+                  <a:lumMod val="50000"/>
+                </a:schemeClr>
+              </a:solidFill>
+              <a:latin typeface="G마켓 산스 TTF Bold" panose="02000000000000000000" pitchFamily="2" charset="-127"/>
+              <a:ea typeface="G마켓 산스 TTF Bold" panose="02000000000000000000" pitchFamily="2" charset="-127"/>
+            </a:endParaRPr>
+          </a:p>
+          <a:p>
+            <a:pPr marL="285750" indent="-285750">
+              <a:lnSpc>
+                <a:spcPct val="150000"/>
+              </a:lnSpc>
+              <a:buFont typeface="Wingdings" panose="05000000000000000000" pitchFamily="2" charset="2"/>
+              <a:buChar char="§"/>
+            </a:pPr>
+            <a:endParaRPr lang="en-US" altLang="ko-KR" sz="1400" dirty="0" smtClean="0">
+              <a:solidFill>
+                <a:schemeClr val="bg1">
+                  <a:lumMod val="50000"/>
+                </a:schemeClr>
+              </a:solidFill>
+              <a:latin typeface="G마켓 산스 TTF Bold" panose="02000000000000000000" pitchFamily="2" charset="-127"/>
+              <a:ea typeface="G마켓 산스 TTF Bold" panose="02000000000000000000" pitchFamily="2" charset="-127"/>
+            </a:endParaRPr>
+          </a:p>
+        </p:txBody>
+      </p:sp>
+      <p:grpSp>
+        <p:nvGrpSpPr>
+          <p:cNvPr id="62" name="그룹 61"/>
+          <p:cNvGrpSpPr/>
+          <p:nvPr/>
+        </p:nvGrpSpPr>
+        <p:grpSpPr>
+          <a:xfrm>
+            <a:off x="12513447" y="1511300"/>
+            <a:ext cx="2405105" cy="355600"/>
+            <a:chOff x="9739470" y="4038493"/>
+            <a:chExt cx="2405105" cy="355600"/>
+          </a:xfrm>
+        </p:grpSpPr>
+        <p:pic>
+          <p:nvPicPr>
+            <p:cNvPr id="72" name="Picture 8"/>
+            <p:cNvPicPr>
+              <a:picLocks noChangeAspect="1"/>
+            </p:cNvPicPr>
+            <p:nvPr/>
+          </p:nvPicPr>
+          <p:blipFill>
+            <a:blip r:embed="rId3"/>
+            <a:stretch>
+              <a:fillRect/>
+            </a:stretch>
+          </p:blipFill>
+          <p:spPr>
+            <a:xfrm>
+              <a:off x="9739470" y="4038493"/>
+              <a:ext cx="2405105" cy="355600"/>
+            </a:xfrm>
+            <a:prstGeom prst="rect">
+              <a:avLst/>
+            </a:prstGeom>
+          </p:spPr>
+        </p:pic>
+        <p:sp>
+          <p:nvSpPr>
+            <p:cNvPr id="12" name="TextBox 12"/>
+            <p:cNvSpPr txBox="1"/>
+            <p:nvPr/>
+          </p:nvSpPr>
+          <p:spPr>
+            <a:xfrm>
+              <a:off x="9829800" y="4088204"/>
+              <a:ext cx="2311400" cy="292100"/>
+            </a:xfrm>
+            <a:prstGeom prst="rect">
+              <a:avLst/>
+            </a:prstGeom>
+          </p:spPr>
+          <p:txBody>
+            <a:bodyPr lIns="0" tIns="0" rIns="0" bIns="0" rtlCol="0" anchor="ctr"/>
+            <a:lstStyle/>
+            <a:p>
+              <a:pPr lvl="0" algn="ctr">
+                <a:lnSpc>
+                  <a:spcPct val="99600"/>
+                </a:lnSpc>
+              </a:pPr>
+              <a:r>
+                <a:rPr lang="en-US" sz="1600" b="0" i="0" u="none" strike="noStrike" spc="300" dirty="0" smtClean="0">
+                  <a:solidFill>
+                    <a:srgbClr val="2274EC"/>
+                  </a:solidFill>
+                  <a:latin typeface="G마켓 산스 TTF Bold" panose="02000000000000000000" pitchFamily="2" charset="-127"/>
+                  <a:ea typeface="G마켓 산스 TTF Bold" panose="02000000000000000000" pitchFamily="2" charset="-127"/>
+                </a:rPr>
+                <a:t>Assigned Role</a:t>
+              </a:r>
+              <a:endParaRPr lang="en-US" sz="1600" b="0" i="0" u="none" strike="noStrike" spc="300" dirty="0">
+                <a:solidFill>
+                  <a:srgbClr val="2274EC"/>
+                </a:solidFill>
+                <a:latin typeface="G마켓 산스 TTF Bold" panose="02000000000000000000" pitchFamily="2" charset="-127"/>
+                <a:ea typeface="G마켓 산스 TTF Bold" panose="02000000000000000000" pitchFamily="2" charset="-127"/>
+              </a:endParaRPr>
+            </a:p>
+          </p:txBody>
+        </p:sp>
+      </p:grpSp>
+      <p:pic>
+        <p:nvPicPr>
+          <p:cNvPr id="1034" name="Picture 10" descr="C:\Users\user\AppData\Local\Packages\Microsoft.Windows.Photos_8wekyb3d8bbwe\TempState\ShareServiceTempFolder\Untitled.jpeg"/>
+          <p:cNvPicPr>
+            <a:picLocks noChangeAspect="1" noChangeArrowheads="1"/>
+          </p:cNvPicPr>
+          <p:nvPr/>
+        </p:nvPicPr>
+        <p:blipFill>
+          <a:blip r:embed="rId9">
+            <a:extLst>
+              <a:ext uri="{28A0092B-C50C-407E-A947-70E740481C1C}">
+                <a14:useLocalDpi xmlns:a14="http://schemas.microsoft.com/office/drawing/2010/main" val="0"/>
+              </a:ext>
+            </a:extLst>
+          </a:blip>
+          <a:srcRect/>
+          <a:stretch>
+            <a:fillRect/>
+          </a:stretch>
+        </p:blipFill>
+        <p:spPr bwMode="auto">
+          <a:xfrm>
+            <a:off x="6510235" y="6334244"/>
+            <a:ext cx="5019675" cy="3676650"/>
+          </a:xfrm>
+          <a:prstGeom prst="rect">
+            <a:avLst/>
+          </a:prstGeom>
+          <a:noFill/>
+          <a:extLst>
+            <a:ext uri="{909E8E84-426E-40DD-AFC4-6F175D3DCCD1}">
+              <a14:hiddenFill xmlns:a14="http://schemas.microsoft.com/office/drawing/2010/main">
+                <a:solidFill>
+                  <a:srgbClr val="FFFFFF"/>
+                </a:solidFill>
+              </a14:hiddenFill>
+            </a:ext>
+          </a:extLst>
+        </p:spPr>
+      </p:pic>
+      <p:sp>
+        <p:nvSpPr>
+          <p:cNvPr id="75" name="직사각형 74"/>
+          <p:cNvSpPr/>
+          <p:nvPr/>
+        </p:nvSpPr>
+        <p:spPr>
+          <a:xfrm>
+            <a:off x="12492144" y="2103209"/>
+            <a:ext cx="4594528" cy="2354491"/>
+          </a:xfrm>
+          <a:prstGeom prst="rect">
+            <a:avLst/>
+          </a:prstGeom>
+        </p:spPr>
+        <p:txBody>
+          <a:bodyPr wrap="none">
+            <a:spAutoFit/>
+          </a:bodyPr>
+          <a:lstStyle/>
+          <a:p>
+            <a:pPr marL="285750" indent="-285750">
+              <a:lnSpc>
+                <a:spcPct val="150000"/>
+              </a:lnSpc>
+              <a:buFont typeface="Wingdings" panose="05000000000000000000" pitchFamily="2" charset="2"/>
+              <a:buChar char="§"/>
+            </a:pPr>
+            <a:r>
+              <a:rPr lang="ko-KR" altLang="en-US" sz="1400" dirty="0">
+                <a:solidFill>
+                  <a:schemeClr val="bg1">
+                    <a:lumMod val="50000"/>
+                  </a:schemeClr>
+                </a:solidFill>
+                <a:latin typeface="G마켓 산스 TTF Bold" panose="02000000000000000000" pitchFamily="2" charset="-127"/>
+                <a:ea typeface="G마켓 산스 TTF Bold" panose="02000000000000000000" pitchFamily="2" charset="-127"/>
+              </a:rPr>
+              <a:t>창고 </a:t>
+            </a:r>
+            <a:r>
+              <a:rPr lang="ko-KR" altLang="en-US" sz="1400" dirty="0" smtClean="0">
+                <a:solidFill>
+                  <a:schemeClr val="bg1">
+                    <a:lumMod val="50000"/>
+                  </a:schemeClr>
+                </a:solidFill>
+                <a:latin typeface="G마켓 산스 TTF Bold" panose="02000000000000000000" pitchFamily="2" charset="-127"/>
+                <a:ea typeface="G마켓 산스 TTF Bold" panose="02000000000000000000" pitchFamily="2" charset="-127"/>
+              </a:rPr>
+              <a:t>관련 </a:t>
+            </a:r>
+            <a:r>
+              <a:rPr lang="en-US" altLang="ko-KR" sz="1400" dirty="0" smtClean="0">
+                <a:solidFill>
+                  <a:schemeClr val="bg1">
+                    <a:lumMod val="50000"/>
+                  </a:schemeClr>
+                </a:solidFill>
+                <a:latin typeface="G마켓 산스 TTF Bold" panose="02000000000000000000" pitchFamily="2" charset="-127"/>
+                <a:ea typeface="G마켓 산스 TTF Bold" panose="02000000000000000000" pitchFamily="2" charset="-127"/>
+              </a:rPr>
+              <a:t>logic</a:t>
+            </a:r>
+            <a:r>
+              <a:rPr lang="ko-KR" altLang="en-US" sz="1400" dirty="0" smtClean="0">
+                <a:solidFill>
+                  <a:schemeClr val="bg1">
+                    <a:lumMod val="50000"/>
+                  </a:schemeClr>
+                </a:solidFill>
+                <a:latin typeface="G마켓 산스 TTF Bold" panose="02000000000000000000" pitchFamily="2" charset="-127"/>
+                <a:ea typeface="G마켓 산스 TTF Bold" panose="02000000000000000000" pitchFamily="2" charset="-127"/>
+              </a:rPr>
+              <a:t> 개발</a:t>
+            </a:r>
+            <a:r>
+              <a:rPr lang="en-US" altLang="ko-KR" sz="1400" dirty="0" smtClean="0">
+                <a:solidFill>
+                  <a:schemeClr val="bg1">
+                    <a:lumMod val="50000"/>
+                  </a:schemeClr>
+                </a:solidFill>
+                <a:latin typeface="G마켓 산스 TTF Bold" panose="02000000000000000000" pitchFamily="2" charset="-127"/>
+                <a:ea typeface="G마켓 산스 TTF Bold" panose="02000000000000000000" pitchFamily="2" charset="-127"/>
+              </a:rPr>
+              <a:t>(Spring Boot JPA)</a:t>
+            </a:r>
+          </a:p>
+          <a:p>
+            <a:pPr marL="285750" indent="-285750">
+              <a:lnSpc>
+                <a:spcPct val="150000"/>
+              </a:lnSpc>
+              <a:buFont typeface="Wingdings" panose="05000000000000000000" pitchFamily="2" charset="2"/>
+              <a:buChar char="§"/>
+            </a:pPr>
+            <a:r>
+              <a:rPr lang="en-US" altLang="ko-KR" sz="1400" dirty="0" smtClean="0">
+                <a:solidFill>
+                  <a:schemeClr val="bg1">
+                    <a:lumMod val="50000"/>
+                  </a:schemeClr>
+                </a:solidFill>
+                <a:latin typeface="G마켓 산스 TTF Bold" panose="02000000000000000000" pitchFamily="2" charset="-127"/>
+                <a:ea typeface="G마켓 산스 TTF Bold" panose="02000000000000000000" pitchFamily="2" charset="-127"/>
+              </a:rPr>
+              <a:t>User </a:t>
+            </a:r>
+            <a:r>
+              <a:rPr lang="ko-KR" altLang="en-US" sz="1400" dirty="0" smtClean="0">
+                <a:solidFill>
+                  <a:schemeClr val="bg1">
+                    <a:lumMod val="50000"/>
+                  </a:schemeClr>
+                </a:solidFill>
+                <a:latin typeface="G마켓 산스 TTF Bold" panose="02000000000000000000" pitchFamily="2" charset="-127"/>
+                <a:ea typeface="G마켓 산스 TTF Bold" panose="02000000000000000000" pitchFamily="2" charset="-127"/>
+              </a:rPr>
+              <a:t>관련 </a:t>
+            </a:r>
+            <a:r>
+              <a:rPr lang="en-US" altLang="ko-KR" sz="1400" dirty="0" smtClean="0">
+                <a:solidFill>
+                  <a:schemeClr val="bg1">
+                    <a:lumMod val="50000"/>
+                  </a:schemeClr>
+                </a:solidFill>
+                <a:latin typeface="G마켓 산스 TTF Bold" panose="02000000000000000000" pitchFamily="2" charset="-127"/>
+                <a:ea typeface="G마켓 산스 TTF Bold" panose="02000000000000000000" pitchFamily="2" charset="-127"/>
+              </a:rPr>
+              <a:t>logic </a:t>
+            </a:r>
+            <a:r>
+              <a:rPr lang="ko-KR" altLang="en-US" sz="1400" dirty="0" smtClean="0">
+                <a:solidFill>
+                  <a:schemeClr val="bg1">
+                    <a:lumMod val="50000"/>
+                  </a:schemeClr>
+                </a:solidFill>
+                <a:latin typeface="G마켓 산스 TTF Bold" panose="02000000000000000000" pitchFamily="2" charset="-127"/>
+                <a:ea typeface="G마켓 산스 TTF Bold" panose="02000000000000000000" pitchFamily="2" charset="-127"/>
+              </a:rPr>
+              <a:t>개발</a:t>
+            </a:r>
+            <a:r>
+              <a:rPr lang="en-US" altLang="ko-KR" sz="1400" dirty="0">
+                <a:solidFill>
+                  <a:schemeClr val="bg1">
+                    <a:lumMod val="50000"/>
+                  </a:schemeClr>
+                </a:solidFill>
+                <a:latin typeface="G마켓 산스 TTF Bold" panose="02000000000000000000" pitchFamily="2" charset="-127"/>
+                <a:ea typeface="G마켓 산스 TTF Bold" panose="02000000000000000000" pitchFamily="2" charset="-127"/>
+              </a:rPr>
+              <a:t>(Spring Boot JPA</a:t>
+            </a:r>
+            <a:r>
+              <a:rPr lang="en-US" altLang="ko-KR" sz="1400" dirty="0" smtClean="0">
+                <a:solidFill>
+                  <a:schemeClr val="bg1">
+                    <a:lumMod val="50000"/>
+                  </a:schemeClr>
+                </a:solidFill>
+                <a:latin typeface="G마켓 산스 TTF Bold" panose="02000000000000000000" pitchFamily="2" charset="-127"/>
+                <a:ea typeface="G마켓 산스 TTF Bold" panose="02000000000000000000" pitchFamily="2" charset="-127"/>
+              </a:rPr>
+              <a:t>)</a:t>
+            </a:r>
+          </a:p>
+          <a:p>
+            <a:pPr marL="285750" indent="-285750">
+              <a:lnSpc>
+                <a:spcPct val="150000"/>
+              </a:lnSpc>
+              <a:buFont typeface="Wingdings" panose="05000000000000000000" pitchFamily="2" charset="2"/>
+              <a:buChar char="§"/>
+            </a:pPr>
+            <a:r>
+              <a:rPr lang="ko-KR" altLang="en-US" sz="1400" dirty="0" smtClean="0">
+                <a:solidFill>
+                  <a:schemeClr val="bg1">
+                    <a:lumMod val="50000"/>
+                  </a:schemeClr>
+                </a:solidFill>
+                <a:latin typeface="G마켓 산스 TTF Bold" panose="02000000000000000000" pitchFamily="2" charset="-127"/>
+                <a:ea typeface="G마켓 산스 TTF Bold" panose="02000000000000000000" pitchFamily="2" charset="-127"/>
+              </a:rPr>
+              <a:t>자체</a:t>
+            </a:r>
+            <a:r>
+              <a:rPr lang="en-US" altLang="ko-KR" sz="1400" dirty="0" smtClean="0">
+                <a:solidFill>
+                  <a:schemeClr val="bg1">
+                    <a:lumMod val="50000"/>
+                  </a:schemeClr>
+                </a:solidFill>
+                <a:latin typeface="G마켓 산스 TTF Bold" panose="02000000000000000000" pitchFamily="2" charset="-127"/>
+                <a:ea typeface="G마켓 산스 TTF Bold" panose="02000000000000000000" pitchFamily="2" charset="-127"/>
+              </a:rPr>
+              <a:t> </a:t>
+            </a:r>
+            <a:r>
+              <a:rPr lang="ko-KR" altLang="en-US" sz="1400" dirty="0" smtClean="0">
+                <a:solidFill>
+                  <a:schemeClr val="bg1">
+                    <a:lumMod val="50000"/>
+                  </a:schemeClr>
+                </a:solidFill>
+                <a:latin typeface="G마켓 산스 TTF Bold" panose="02000000000000000000" pitchFamily="2" charset="-127"/>
+                <a:ea typeface="G마켓 산스 TTF Bold" panose="02000000000000000000" pitchFamily="2" charset="-127"/>
+              </a:rPr>
+              <a:t>로그인 및 비밀번호 암호화</a:t>
+            </a:r>
+            <a:r>
+              <a:rPr lang="en-US" altLang="ko-KR" sz="1400" dirty="0" smtClean="0">
+                <a:solidFill>
+                  <a:schemeClr val="bg1">
+                    <a:lumMod val="50000"/>
+                  </a:schemeClr>
+                </a:solidFill>
+                <a:latin typeface="G마켓 산스 TTF Bold" panose="02000000000000000000" pitchFamily="2" charset="-127"/>
+                <a:ea typeface="G마켓 산스 TTF Bold" panose="02000000000000000000" pitchFamily="2" charset="-127"/>
+              </a:rPr>
+              <a:t>(Spring Boot)</a:t>
+            </a:r>
+          </a:p>
+          <a:p>
+            <a:pPr marL="285750" indent="-285750">
+              <a:lnSpc>
+                <a:spcPct val="150000"/>
+              </a:lnSpc>
+              <a:buFont typeface="Wingdings" panose="05000000000000000000" pitchFamily="2" charset="2"/>
+              <a:buChar char="§"/>
+            </a:pPr>
+            <a:r>
+              <a:rPr lang="en-US" altLang="ko-KR" sz="1400" dirty="0" smtClean="0">
+                <a:solidFill>
+                  <a:schemeClr val="bg1">
+                    <a:lumMod val="50000"/>
+                  </a:schemeClr>
+                </a:solidFill>
+                <a:latin typeface="G마켓 산스 TTF Bold" panose="02000000000000000000" pitchFamily="2" charset="-127"/>
+                <a:ea typeface="G마켓 산스 TTF Bold" panose="02000000000000000000" pitchFamily="2" charset="-127"/>
+              </a:rPr>
+              <a:t>OAuth </a:t>
+            </a:r>
+            <a:r>
+              <a:rPr lang="ko-KR" altLang="en-US" sz="1400" dirty="0" err="1" smtClean="0">
+                <a:solidFill>
+                  <a:schemeClr val="bg1">
+                    <a:lumMod val="50000"/>
+                  </a:schemeClr>
+                </a:solidFill>
+                <a:latin typeface="G마켓 산스 TTF Bold" panose="02000000000000000000" pitchFamily="2" charset="-127"/>
+                <a:ea typeface="G마켓 산스 TTF Bold" panose="02000000000000000000" pitchFamily="2" charset="-127"/>
+              </a:rPr>
+              <a:t>소셜</a:t>
+            </a:r>
+            <a:r>
+              <a:rPr lang="ko-KR" altLang="en-US" sz="1400" dirty="0" smtClean="0">
+                <a:solidFill>
+                  <a:schemeClr val="bg1">
+                    <a:lumMod val="50000"/>
+                  </a:schemeClr>
+                </a:solidFill>
+                <a:latin typeface="G마켓 산스 TTF Bold" panose="02000000000000000000" pitchFamily="2" charset="-127"/>
+                <a:ea typeface="G마켓 산스 TTF Bold" panose="02000000000000000000" pitchFamily="2" charset="-127"/>
+              </a:rPr>
+              <a:t> 로그인 기능 구현</a:t>
+            </a:r>
+            <a:r>
+              <a:rPr lang="en-US" altLang="ko-KR" sz="1400" dirty="0" smtClean="0">
+                <a:solidFill>
+                  <a:schemeClr val="bg1">
+                    <a:lumMod val="50000"/>
+                  </a:schemeClr>
+                </a:solidFill>
+                <a:latin typeface="G마켓 산스 TTF Bold" panose="02000000000000000000" pitchFamily="2" charset="-127"/>
+                <a:ea typeface="G마켓 산스 TTF Bold" panose="02000000000000000000" pitchFamily="2" charset="-127"/>
+              </a:rPr>
+              <a:t>(Spring Security)</a:t>
+            </a:r>
+          </a:p>
+          <a:p>
+            <a:pPr marL="285750" indent="-285750">
+              <a:lnSpc>
+                <a:spcPct val="150000"/>
+              </a:lnSpc>
+              <a:buFont typeface="Wingdings" panose="05000000000000000000" pitchFamily="2" charset="2"/>
+              <a:buChar char="§"/>
+            </a:pPr>
+            <a:r>
+              <a:rPr lang="en-US" altLang="ko-KR" sz="1400" dirty="0" smtClean="0">
+                <a:solidFill>
+                  <a:schemeClr val="bg1">
+                    <a:lumMod val="50000"/>
+                  </a:schemeClr>
+                </a:solidFill>
+                <a:latin typeface="G마켓 산스 TTF Bold" panose="02000000000000000000" pitchFamily="2" charset="-127"/>
+                <a:ea typeface="G마켓 산스 TTF Bold" panose="02000000000000000000" pitchFamily="2" charset="-127"/>
+              </a:rPr>
+              <a:t>Email </a:t>
+            </a:r>
+            <a:r>
+              <a:rPr lang="ko-KR" altLang="en-US" sz="1400" dirty="0" smtClean="0">
+                <a:solidFill>
+                  <a:schemeClr val="bg1">
+                    <a:lumMod val="50000"/>
+                  </a:schemeClr>
+                </a:solidFill>
+                <a:latin typeface="G마켓 산스 TTF Bold" panose="02000000000000000000" pitchFamily="2" charset="-127"/>
+                <a:ea typeface="G마켓 산스 TTF Bold" panose="02000000000000000000" pitchFamily="2" charset="-127"/>
+              </a:rPr>
+              <a:t>인증</a:t>
+            </a:r>
+            <a:r>
+              <a:rPr lang="en-US" altLang="ko-KR" sz="1400" dirty="0" smtClean="0">
+                <a:solidFill>
+                  <a:schemeClr val="bg1">
+                    <a:lumMod val="50000"/>
+                  </a:schemeClr>
+                </a:solidFill>
+                <a:latin typeface="G마켓 산스 TTF Bold" panose="02000000000000000000" pitchFamily="2" charset="-127"/>
+                <a:ea typeface="G마켓 산스 TTF Bold" panose="02000000000000000000" pitchFamily="2" charset="-127"/>
+              </a:rPr>
+              <a:t> (Email Provider)</a:t>
+            </a:r>
+          </a:p>
+          <a:p>
+            <a:pPr marL="285750" indent="-285750">
+              <a:lnSpc>
+                <a:spcPct val="150000"/>
+              </a:lnSpc>
+              <a:buFont typeface="Wingdings" panose="05000000000000000000" pitchFamily="2" charset="2"/>
+              <a:buChar char="§"/>
+            </a:pPr>
+            <a:r>
+              <a:rPr lang="ko-KR" altLang="en-US" sz="1400" dirty="0" smtClean="0">
+                <a:solidFill>
+                  <a:schemeClr val="bg1">
+                    <a:lumMod val="50000"/>
+                  </a:schemeClr>
+                </a:solidFill>
+                <a:latin typeface="G마켓 산스 TTF Bold" panose="02000000000000000000" pitchFamily="2" charset="-127"/>
+                <a:ea typeface="G마켓 산스 TTF Bold" panose="02000000000000000000" pitchFamily="2" charset="-127"/>
+              </a:rPr>
+              <a:t>회원 가입</a:t>
+            </a:r>
+            <a:r>
+              <a:rPr lang="en-US" altLang="ko-KR" sz="1400" dirty="0" smtClean="0">
+                <a:solidFill>
+                  <a:schemeClr val="bg1">
+                    <a:lumMod val="50000"/>
+                  </a:schemeClr>
+                </a:solidFill>
+                <a:latin typeface="G마켓 산스 TTF Bold" panose="02000000000000000000" pitchFamily="2" charset="-127"/>
+                <a:ea typeface="G마켓 산스 TTF Bold" panose="02000000000000000000" pitchFamily="2" charset="-127"/>
+              </a:rPr>
+              <a:t>, </a:t>
+            </a:r>
+            <a:r>
+              <a:rPr lang="ko-KR" altLang="en-US" sz="1400" dirty="0" smtClean="0">
+                <a:solidFill>
+                  <a:schemeClr val="bg1">
+                    <a:lumMod val="50000"/>
+                  </a:schemeClr>
+                </a:solidFill>
+                <a:latin typeface="G마켓 산스 TTF Bold" panose="02000000000000000000" pitchFamily="2" charset="-127"/>
+                <a:ea typeface="G마켓 산스 TTF Bold" panose="02000000000000000000" pitchFamily="2" charset="-127"/>
+              </a:rPr>
+              <a:t>로그인 페이지 제작</a:t>
+            </a:r>
+            <a:endParaRPr lang="en-US" altLang="ko-KR" sz="1400" dirty="0">
+              <a:solidFill>
+                <a:schemeClr val="bg1">
+                  <a:lumMod val="50000"/>
+                </a:schemeClr>
+              </a:solidFill>
+              <a:latin typeface="G마켓 산스 TTF Bold" panose="02000000000000000000" pitchFamily="2" charset="-127"/>
+              <a:ea typeface="G마켓 산스 TTF Bold" panose="02000000000000000000" pitchFamily="2" charset="-127"/>
+            </a:endParaRPr>
+          </a:p>
+          <a:p>
+            <a:pPr marL="285750" indent="-285750">
+              <a:lnSpc>
+                <a:spcPct val="150000"/>
+              </a:lnSpc>
+              <a:buFont typeface="Wingdings" panose="05000000000000000000" pitchFamily="2" charset="2"/>
+              <a:buChar char="§"/>
+            </a:pPr>
+            <a:r>
+              <a:rPr lang="en-US" altLang="ko-KR" sz="1400" dirty="0" smtClean="0">
+                <a:solidFill>
+                  <a:schemeClr val="bg1">
+                    <a:lumMod val="50000"/>
+                  </a:schemeClr>
+                </a:solidFill>
+                <a:latin typeface="G마켓 산스 TTF Bold" panose="02000000000000000000" pitchFamily="2" charset="-127"/>
+                <a:ea typeface="G마켓 산스 TTF Bold" panose="02000000000000000000" pitchFamily="2" charset="-127"/>
+              </a:rPr>
+              <a:t>JWT </a:t>
+            </a:r>
+            <a:r>
+              <a:rPr lang="ko-KR" altLang="en-US" sz="1400" dirty="0" smtClean="0">
+                <a:solidFill>
+                  <a:schemeClr val="bg1">
+                    <a:lumMod val="50000"/>
+                  </a:schemeClr>
+                </a:solidFill>
+                <a:latin typeface="G마켓 산스 TTF Bold" panose="02000000000000000000" pitchFamily="2" charset="-127"/>
+                <a:ea typeface="G마켓 산스 TTF Bold" panose="02000000000000000000" pitchFamily="2" charset="-127"/>
+              </a:rPr>
+              <a:t>토큰 관리</a:t>
+            </a:r>
+            <a:r>
+              <a:rPr lang="en-US" altLang="ko-KR" sz="1400" dirty="0" smtClean="0">
+                <a:solidFill>
+                  <a:schemeClr val="bg1">
+                    <a:lumMod val="50000"/>
+                  </a:schemeClr>
+                </a:solidFill>
+                <a:latin typeface="G마켓 산스 TTF Bold" panose="02000000000000000000" pitchFamily="2" charset="-127"/>
+                <a:ea typeface="G마켓 산스 TTF Bold" panose="02000000000000000000" pitchFamily="2" charset="-127"/>
+              </a:rPr>
+              <a:t>(</a:t>
+            </a:r>
+            <a:r>
+              <a:rPr lang="en-US" altLang="ko-KR" sz="1400" dirty="0" err="1" smtClean="0">
+                <a:solidFill>
+                  <a:schemeClr val="bg1">
+                    <a:lumMod val="50000"/>
+                  </a:schemeClr>
+                </a:solidFill>
+                <a:latin typeface="G마켓 산스 TTF Bold" panose="02000000000000000000" pitchFamily="2" charset="-127"/>
+                <a:ea typeface="G마켓 산스 TTF Bold" panose="02000000000000000000" pitchFamily="2" charset="-127"/>
+              </a:rPr>
+              <a:t>Jwt</a:t>
+            </a:r>
+            <a:r>
+              <a:rPr lang="en-US" altLang="ko-KR" sz="1400" dirty="0" smtClean="0">
+                <a:solidFill>
+                  <a:schemeClr val="bg1">
+                    <a:lumMod val="50000"/>
+                  </a:schemeClr>
+                </a:solidFill>
+                <a:latin typeface="G마켓 산스 TTF Bold" panose="02000000000000000000" pitchFamily="2" charset="-127"/>
+                <a:ea typeface="G마켓 산스 TTF Bold" panose="02000000000000000000" pitchFamily="2" charset="-127"/>
+              </a:rPr>
+              <a:t> Provider)</a:t>
+            </a:r>
+          </a:p>
+        </p:txBody>
+      </p:sp>
+      <p:grpSp>
+        <p:nvGrpSpPr>
+          <p:cNvPr id="76" name="그룹 75"/>
+          <p:cNvGrpSpPr/>
+          <p:nvPr/>
+        </p:nvGrpSpPr>
+        <p:grpSpPr>
+          <a:xfrm>
+            <a:off x="12573297" y="5167951"/>
+            <a:ext cx="2405105" cy="355600"/>
+            <a:chOff x="9739470" y="4038493"/>
+            <a:chExt cx="2405105" cy="355600"/>
+          </a:xfrm>
+        </p:grpSpPr>
+        <p:pic>
+          <p:nvPicPr>
+            <p:cNvPr id="77" name="Picture 8"/>
+            <p:cNvPicPr>
+              <a:picLocks noChangeAspect="1"/>
+            </p:cNvPicPr>
+            <p:nvPr/>
+          </p:nvPicPr>
+          <p:blipFill>
+            <a:blip r:embed="rId3"/>
+            <a:stretch>
+              <a:fillRect/>
+            </a:stretch>
+          </p:blipFill>
+          <p:spPr>
+            <a:xfrm>
+              <a:off x="9739470" y="4038493"/>
+              <a:ext cx="2405105" cy="355600"/>
+            </a:xfrm>
+            <a:prstGeom prst="rect">
+              <a:avLst/>
+            </a:prstGeom>
+          </p:spPr>
+        </p:pic>
+        <p:sp>
+          <p:nvSpPr>
+            <p:cNvPr id="78" name="TextBox 12"/>
+            <p:cNvSpPr txBox="1"/>
+            <p:nvPr/>
+          </p:nvSpPr>
+          <p:spPr>
+            <a:xfrm>
+              <a:off x="9829800" y="4088204"/>
+              <a:ext cx="2311400" cy="292100"/>
+            </a:xfrm>
+            <a:prstGeom prst="rect">
+              <a:avLst/>
+            </a:prstGeom>
+          </p:spPr>
+          <p:txBody>
+            <a:bodyPr lIns="0" tIns="0" rIns="0" bIns="0" rtlCol="0" anchor="ctr"/>
+            <a:lstStyle/>
+            <a:p>
+              <a:pPr lvl="0" algn="ctr">
+                <a:lnSpc>
+                  <a:spcPct val="99600"/>
+                </a:lnSpc>
+              </a:pPr>
+              <a:r>
+                <a:rPr lang="en-US" sz="1600" b="0" i="0" u="none" strike="noStrike" spc="300" dirty="0" smtClean="0">
+                  <a:solidFill>
+                    <a:srgbClr val="2274EC"/>
+                  </a:solidFill>
+                  <a:latin typeface="G마켓 산스 TTF Bold" panose="02000000000000000000" pitchFamily="2" charset="-127"/>
+                  <a:ea typeface="G마켓 산스 TTF Bold" panose="02000000000000000000" pitchFamily="2" charset="-127"/>
+                </a:rPr>
+                <a:t>Problem</a:t>
+              </a:r>
+              <a:endParaRPr lang="en-US" sz="1600" b="0" i="0" u="none" strike="noStrike" spc="300" dirty="0">
+                <a:solidFill>
+                  <a:srgbClr val="2274EC"/>
+                </a:solidFill>
+                <a:latin typeface="G마켓 산스 TTF Bold" panose="02000000000000000000" pitchFamily="2" charset="-127"/>
+                <a:ea typeface="G마켓 산스 TTF Bold" panose="02000000000000000000" pitchFamily="2" charset="-127"/>
+              </a:endParaRPr>
+            </a:p>
+          </p:txBody>
+        </p:sp>
+      </p:grpSp>
+      <p:sp>
+        <p:nvSpPr>
+          <p:cNvPr id="79" name="직사각형 78"/>
+          <p:cNvSpPr/>
+          <p:nvPr/>
+        </p:nvSpPr>
+        <p:spPr>
+          <a:xfrm>
+            <a:off x="12517801" y="5950602"/>
+            <a:ext cx="2677336" cy="2031325"/>
+          </a:xfrm>
+          <a:prstGeom prst="rect">
+            <a:avLst/>
+          </a:prstGeom>
+        </p:spPr>
+        <p:txBody>
+          <a:bodyPr wrap="none">
+            <a:spAutoFit/>
+          </a:bodyPr>
+          <a:lstStyle/>
+          <a:p>
+            <a:pPr marL="285750" indent="-285750">
+              <a:lnSpc>
+                <a:spcPct val="150000"/>
+              </a:lnSpc>
+              <a:buFont typeface="Wingdings" panose="05000000000000000000" pitchFamily="2" charset="2"/>
+              <a:buChar char="§"/>
+            </a:pPr>
+            <a:r>
+              <a:rPr lang="en-US" altLang="ko-KR" sz="1400" dirty="0" smtClean="0">
+                <a:solidFill>
+                  <a:schemeClr val="bg1">
+                    <a:lumMod val="50000"/>
+                  </a:schemeClr>
+                </a:solidFill>
+                <a:latin typeface="G마켓 산스 TTF Bold" panose="02000000000000000000" pitchFamily="2" charset="-127"/>
+                <a:ea typeface="G마켓 산스 TTF Bold" panose="02000000000000000000" pitchFamily="2" charset="-127"/>
+              </a:rPr>
+              <a:t>N+1 </a:t>
+            </a:r>
+            <a:r>
+              <a:rPr lang="ko-KR" altLang="en-US" sz="1400" dirty="0" smtClean="0">
+                <a:solidFill>
+                  <a:schemeClr val="bg1">
+                    <a:lumMod val="50000"/>
+                  </a:schemeClr>
+                </a:solidFill>
+                <a:latin typeface="G마켓 산스 TTF Bold" panose="02000000000000000000" pitchFamily="2" charset="-127"/>
+                <a:ea typeface="G마켓 산스 TTF Bold" panose="02000000000000000000" pitchFamily="2" charset="-127"/>
+              </a:rPr>
+              <a:t>문제 </a:t>
+            </a:r>
+            <a:endParaRPr lang="en-US" altLang="ko-KR" sz="1400" dirty="0" smtClean="0">
+              <a:solidFill>
+                <a:schemeClr val="bg1">
+                  <a:lumMod val="50000"/>
+                </a:schemeClr>
+              </a:solidFill>
+              <a:latin typeface="G마켓 산스 TTF Bold" panose="02000000000000000000" pitchFamily="2" charset="-127"/>
+              <a:ea typeface="G마켓 산스 TTF Bold" panose="02000000000000000000" pitchFamily="2" charset="-127"/>
+            </a:endParaRPr>
+          </a:p>
+          <a:p>
+            <a:pPr marL="285750" indent="-285750">
+              <a:lnSpc>
+                <a:spcPct val="150000"/>
+              </a:lnSpc>
+              <a:buFont typeface="Wingdings" panose="05000000000000000000" pitchFamily="2" charset="2"/>
+              <a:buChar char="§"/>
+            </a:pPr>
+            <a:r>
+              <a:rPr lang="ko-KR" altLang="en-US" sz="1400" dirty="0" smtClean="0">
+                <a:solidFill>
+                  <a:schemeClr val="bg1">
+                    <a:lumMod val="50000"/>
+                  </a:schemeClr>
+                </a:solidFill>
+                <a:latin typeface="G마켓 산스 TTF Bold" panose="02000000000000000000" pitchFamily="2" charset="-127"/>
+                <a:ea typeface="G마켓 산스 TTF Bold" panose="02000000000000000000" pitchFamily="2" charset="-127"/>
+              </a:rPr>
+              <a:t>속도저하 </a:t>
+            </a:r>
+            <a:r>
+              <a:rPr lang="en-US" altLang="ko-KR" sz="1400" dirty="0" smtClean="0">
+                <a:solidFill>
+                  <a:schemeClr val="bg1">
+                    <a:lumMod val="50000"/>
+                  </a:schemeClr>
+                </a:solidFill>
+                <a:latin typeface="G마켓 산스 TTF Bold" panose="02000000000000000000" pitchFamily="2" charset="-127"/>
+                <a:ea typeface="G마켓 산스 TTF Bold" panose="02000000000000000000" pitchFamily="2" charset="-127"/>
+              </a:rPr>
+              <a:t>(</a:t>
+            </a:r>
+            <a:r>
+              <a:rPr lang="ko-KR" altLang="en-US" sz="1400" dirty="0" smtClean="0">
+                <a:solidFill>
+                  <a:schemeClr val="bg1">
+                    <a:lumMod val="50000"/>
+                  </a:schemeClr>
+                </a:solidFill>
+                <a:latin typeface="G마켓 산스 TTF Bold" panose="02000000000000000000" pitchFamily="2" charset="-127"/>
+                <a:ea typeface="G마켓 산스 TTF Bold" panose="02000000000000000000" pitchFamily="2" charset="-127"/>
+              </a:rPr>
+              <a:t>반정규화</a:t>
+            </a:r>
+            <a:r>
+              <a:rPr lang="en-US" altLang="ko-KR" sz="1400" dirty="0" smtClean="0">
+                <a:solidFill>
+                  <a:schemeClr val="bg1">
+                    <a:lumMod val="50000"/>
+                  </a:schemeClr>
+                </a:solidFill>
+                <a:latin typeface="G마켓 산스 TTF Bold" panose="02000000000000000000" pitchFamily="2" charset="-127"/>
+                <a:ea typeface="G마켓 산스 TTF Bold" panose="02000000000000000000" pitchFamily="2" charset="-127"/>
+              </a:rPr>
+              <a:t>, </a:t>
+            </a:r>
+            <a:r>
+              <a:rPr lang="ko-KR" altLang="en-US" sz="1400" dirty="0" smtClean="0">
+                <a:solidFill>
+                  <a:schemeClr val="bg1">
+                    <a:lumMod val="50000"/>
+                  </a:schemeClr>
+                </a:solidFill>
+                <a:latin typeface="G마켓 산스 TTF Bold" panose="02000000000000000000" pitchFamily="2" charset="-127"/>
+                <a:ea typeface="G마켓 산스 TTF Bold" panose="02000000000000000000" pitchFamily="2" charset="-127"/>
+              </a:rPr>
+              <a:t>인덱싱</a:t>
+            </a:r>
+            <a:r>
+              <a:rPr lang="en-US" altLang="ko-KR" sz="1400" dirty="0" smtClean="0">
+                <a:solidFill>
+                  <a:schemeClr val="bg1">
+                    <a:lumMod val="50000"/>
+                  </a:schemeClr>
+                </a:solidFill>
+                <a:latin typeface="G마켓 산스 TTF Bold" panose="02000000000000000000" pitchFamily="2" charset="-127"/>
+                <a:ea typeface="G마켓 산스 TTF Bold" panose="02000000000000000000" pitchFamily="2" charset="-127"/>
+              </a:rPr>
+              <a:t>)</a:t>
+            </a:r>
+          </a:p>
+          <a:p>
+            <a:pPr marL="285750" indent="-285750">
+              <a:lnSpc>
+                <a:spcPct val="150000"/>
+              </a:lnSpc>
+              <a:buFont typeface="Wingdings" panose="05000000000000000000" pitchFamily="2" charset="2"/>
+              <a:buChar char="§"/>
+            </a:pPr>
+            <a:r>
+              <a:rPr lang="en-US" altLang="ko-KR" sz="1400" dirty="0" err="1" smtClean="0">
+                <a:solidFill>
+                  <a:schemeClr val="bg1">
+                    <a:lumMod val="50000"/>
+                  </a:schemeClr>
+                </a:solidFill>
+                <a:latin typeface="G마켓 산스 TTF Bold" panose="02000000000000000000" pitchFamily="2" charset="-127"/>
+                <a:ea typeface="G마켓 산스 TTF Bold" panose="02000000000000000000" pitchFamily="2" charset="-127"/>
+              </a:rPr>
+              <a:t>Jwt</a:t>
+            </a:r>
+            <a:endParaRPr lang="en-US" altLang="ko-KR" sz="1400" dirty="0" smtClean="0">
+              <a:solidFill>
+                <a:schemeClr val="bg1">
+                  <a:lumMod val="50000"/>
+                </a:schemeClr>
+              </a:solidFill>
+              <a:latin typeface="G마켓 산스 TTF Bold" panose="02000000000000000000" pitchFamily="2" charset="-127"/>
+              <a:ea typeface="G마켓 산스 TTF Bold" panose="02000000000000000000" pitchFamily="2" charset="-127"/>
+            </a:endParaRPr>
+          </a:p>
+          <a:p>
+            <a:pPr marL="285750" indent="-285750">
+              <a:lnSpc>
+                <a:spcPct val="150000"/>
+              </a:lnSpc>
+              <a:buFont typeface="Wingdings" panose="05000000000000000000" pitchFamily="2" charset="2"/>
+              <a:buChar char="§"/>
+            </a:pPr>
+            <a:endParaRPr lang="en-US" altLang="ko-KR" sz="1400" dirty="0">
+              <a:solidFill>
+                <a:schemeClr val="bg1">
+                  <a:lumMod val="50000"/>
+                </a:schemeClr>
+              </a:solidFill>
+              <a:latin typeface="G마켓 산스 TTF Bold" panose="02000000000000000000" pitchFamily="2" charset="-127"/>
+              <a:ea typeface="G마켓 산스 TTF Bold" panose="02000000000000000000" pitchFamily="2" charset="-127"/>
+            </a:endParaRPr>
+          </a:p>
+          <a:p>
+            <a:pPr>
+              <a:lnSpc>
+                <a:spcPct val="150000"/>
+              </a:lnSpc>
+            </a:pPr>
+            <a:r>
+              <a:rPr lang="ko-KR" altLang="en-US" sz="1400" dirty="0" smtClean="0">
+                <a:solidFill>
+                  <a:schemeClr val="bg1">
+                    <a:lumMod val="50000"/>
+                  </a:schemeClr>
+                </a:solidFill>
+                <a:latin typeface="G마켓 산스 TTF Bold" panose="02000000000000000000" pitchFamily="2" charset="-127"/>
+                <a:ea typeface="G마켓 산스 TTF Bold" panose="02000000000000000000" pitchFamily="2" charset="-127"/>
+              </a:rPr>
+              <a:t>문제 상황  해결 </a:t>
+            </a:r>
+            <a:r>
+              <a:rPr lang="en-US" altLang="ko-KR" sz="1400" dirty="0" smtClean="0">
+                <a:solidFill>
+                  <a:schemeClr val="bg1">
+                    <a:lumMod val="50000"/>
+                  </a:schemeClr>
+                </a:solidFill>
+                <a:latin typeface="G마켓 산스 TTF Bold" panose="02000000000000000000" pitchFamily="2" charset="-127"/>
+                <a:ea typeface="G마켓 산스 TTF Bold" panose="02000000000000000000" pitchFamily="2" charset="-127"/>
+              </a:rPr>
+              <a:t>  </a:t>
+            </a:r>
+            <a:r>
+              <a:rPr lang="ko-KR" altLang="en-US" sz="1400" dirty="0" err="1" smtClean="0">
+                <a:solidFill>
+                  <a:schemeClr val="bg1">
+                    <a:lumMod val="50000"/>
+                  </a:schemeClr>
+                </a:solidFill>
+                <a:latin typeface="G마켓 산스 TTF Bold" panose="02000000000000000000" pitchFamily="2" charset="-127"/>
+                <a:ea typeface="G마켓 산스 TTF Bold" panose="02000000000000000000" pitchFamily="2" charset="-127"/>
+              </a:rPr>
+              <a:t>느낀점</a:t>
+            </a:r>
+            <a:endParaRPr lang="en-US" altLang="ko-KR" sz="1400" dirty="0" smtClean="0">
+              <a:solidFill>
+                <a:schemeClr val="bg1">
+                  <a:lumMod val="50000"/>
+                </a:schemeClr>
+              </a:solidFill>
+              <a:latin typeface="G마켓 산스 TTF Bold" panose="02000000000000000000" pitchFamily="2" charset="-127"/>
+              <a:ea typeface="G마켓 산스 TTF Bold" panose="02000000000000000000" pitchFamily="2" charset="-127"/>
+            </a:endParaRPr>
+          </a:p>
+          <a:p>
+            <a:pPr marL="285750" indent="-285750">
+              <a:lnSpc>
+                <a:spcPct val="150000"/>
+              </a:lnSpc>
+              <a:buFont typeface="Wingdings" panose="05000000000000000000" pitchFamily="2" charset="2"/>
+              <a:buChar char="§"/>
+            </a:pPr>
+            <a:endParaRPr lang="en-US" altLang="ko-KR" sz="1400" dirty="0" smtClean="0">
+              <a:solidFill>
+                <a:schemeClr val="bg1">
+                  <a:lumMod val="50000"/>
+                </a:schemeClr>
+              </a:solidFill>
+              <a:latin typeface="G마켓 산스 TTF Bold" panose="02000000000000000000" pitchFamily="2" charset="-127"/>
+              <a:ea typeface="G마켓 산스 TTF Bold" panose="02000000000000000000" pitchFamily="2" charset="-127"/>
+            </a:endParaRPr>
+          </a:p>
+        </p:txBody>
+      </p:sp>
     </p:spTree>
     <p:extLst>
       <p:ext uri="{BB962C8B-B14F-4D97-AF65-F5344CB8AC3E}">
@@ -10033,6 +11197,13 @@
   <p:clrMapOvr>
     <a:masterClrMapping/>
   </p:clrMapOvr>
+  <p:timing>
+    <p:tnLst>
+      <p:par>
+        <p:cTn id="1" dur="indefinite" restart="never" nodeType="tmRoot"/>
+      </p:par>
+    </p:tnLst>
+  </p:timing>
 </p:sld>
 </file>
 
@@ -10261,6 +11432,13 @@
   <p:clrMapOvr>
     <a:masterClrMapping/>
   </p:clrMapOvr>
+  <p:timing>
+    <p:tnLst>
+      <p:par>
+        <p:cTn id="1" dur="indefinite" restart="never" nodeType="tmRoot"/>
+      </p:par>
+    </p:tnLst>
+  </p:timing>
 </p:sld>
 </file>
 
@@ -10755,6 +11933,13 @@
   <p:clrMapOvr>
     <a:masterClrMapping/>
   </p:clrMapOvr>
+  <p:timing>
+    <p:tnLst>
+      <p:par>
+        <p:cTn id="1" dur="indefinite" restart="never" nodeType="tmRoot"/>
+      </p:par>
+    </p:tnLst>
+  </p:timing>
 </p:sld>
 </file>
 

--- a/ppt/김유석 포트폴리오_.pptx
+++ b/ppt/김유석 포트폴리오_.pptx
@@ -16,12 +16,24 @@
   <p:notesSz cx="6858000" cy="9144000"/>
   <p:embeddedFontLst>
     <p:embeddedFont>
-      <p:font typeface="G마켓 산스 TTF Bold" panose="02000000000000000000" pitchFamily="2" charset="-127"/>
-      <p:bold r:id="rId8"/>
+      <p:font typeface="맑은 고딕" panose="020B0503020000020004" pitchFamily="50" charset="-127"/>
+      <p:regular r:id="rId8"/>
+      <p:bold r:id="rId9"/>
     </p:embeddedFont>
     <p:embeddedFont>
       <p:font typeface="G마켓 산스 TTF Medium" panose="02000000000000000000" pitchFamily="2" charset="-127"/>
-      <p:regular r:id="rId9"/>
+      <p:regular r:id="rId10"/>
+    </p:embeddedFont>
+    <p:embeddedFont>
+      <p:font typeface="G마켓 산스 TTF Bold" panose="02000000000000000000" pitchFamily="2" charset="-127"/>
+      <p:bold r:id="rId11"/>
+    </p:embeddedFont>
+    <p:embeddedFont>
+      <p:font typeface="Calibri" panose="020F0502020204030204" pitchFamily="34" charset="0"/>
+      <p:regular r:id="rId12"/>
+      <p:bold r:id="rId13"/>
+      <p:italic r:id="rId14"/>
+      <p:boldItalic r:id="rId15"/>
     </p:embeddedFont>
   </p:embeddedFontLst>
   <p:defaultTextStyle>
@@ -121,7 +133,7 @@
   </p:defaultTextStyle>
   <p:extLst>
     <p:ext uri="{EFAFB233-063F-42B5-8137-9DF3F51BA10A}">
-      <p15:sldGuideLst xmlns:p15="http://schemas.microsoft.com/office/powerpoint/2012/main">
+      <p15:sldGuideLst xmlns:p15="http://schemas.microsoft.com/office/powerpoint/2012/main" xmlns="">
         <p15:guide id="1" orient="horz" pos="2160">
           <p15:clr>
             <a:srgbClr val="A4A3A4"/>
@@ -3386,7 +3398,7 @@
           <p:cNvPr id="1039" name="그룹 1038">
             <a:extLst>
               <a:ext uri="{FF2B5EF4-FFF2-40B4-BE49-F238E27FC236}">
-                <a16:creationId xmlns:a16="http://schemas.microsoft.com/office/drawing/2014/main" id="{9C785A7B-0819-5344-6335-D2C48BA073FA}"/>
+                <a16:creationId xmlns:a16="http://schemas.microsoft.com/office/drawing/2014/main" xmlns="" id="{9C785A7B-0819-5344-6335-D2C48BA073FA}"/>
               </a:ext>
             </a:extLst>
           </p:cNvPr>
@@ -3406,7 +3418,7 @@
             <p:cNvPr id="54" name="그룹 53">
               <a:extLst>
                 <a:ext uri="{FF2B5EF4-FFF2-40B4-BE49-F238E27FC236}">
-                  <a16:creationId xmlns:a16="http://schemas.microsoft.com/office/drawing/2014/main" id="{B4DCFB9C-BB83-BAED-5571-23C489D78AC4}"/>
+                  <a16:creationId xmlns:a16="http://schemas.microsoft.com/office/drawing/2014/main" xmlns="" id="{B4DCFB9C-BB83-BAED-5571-23C489D78AC4}"/>
                 </a:ext>
               </a:extLst>
             </p:cNvPr>
@@ -3970,7 +3982,7 @@
           <p:cNvPr id="1037" name="그룹 1036">
             <a:extLst>
               <a:ext uri="{FF2B5EF4-FFF2-40B4-BE49-F238E27FC236}">
-                <a16:creationId xmlns:a16="http://schemas.microsoft.com/office/drawing/2014/main" id="{CE601B1A-65D9-0C05-9027-373332D7EDB5}"/>
+                <a16:creationId xmlns:a16="http://schemas.microsoft.com/office/drawing/2014/main" xmlns="" id="{CE601B1A-65D9-0C05-9027-373332D7EDB5}"/>
               </a:ext>
             </a:extLst>
           </p:cNvPr>
@@ -3990,7 +4002,7 @@
             <p:cNvPr id="49" name="그룹 48">
               <a:extLst>
                 <a:ext uri="{FF2B5EF4-FFF2-40B4-BE49-F238E27FC236}">
-                  <a16:creationId xmlns:a16="http://schemas.microsoft.com/office/drawing/2014/main" id="{9ACF6D28-408C-342B-0907-659E85BA6E04}"/>
+                  <a16:creationId xmlns:a16="http://schemas.microsoft.com/office/drawing/2014/main" xmlns="" id="{9ACF6D28-408C-342B-0907-659E85BA6E04}"/>
                 </a:ext>
               </a:extLst>
             </p:cNvPr>
@@ -4818,7 +4830,7 @@
             <p:cNvPr id="53" name="TextBox 15">
               <a:extLst>
                 <a:ext uri="{FF2B5EF4-FFF2-40B4-BE49-F238E27FC236}">
-                  <a16:creationId xmlns:a16="http://schemas.microsoft.com/office/drawing/2014/main" id="{E739D61A-1D5D-3249-BDE4-C00E0EC74A2B}"/>
+                  <a16:creationId xmlns:a16="http://schemas.microsoft.com/office/drawing/2014/main" xmlns="" id="{E739D61A-1D5D-3249-BDE4-C00E0EC74A2B}"/>
                 </a:ext>
               </a:extLst>
             </p:cNvPr>
@@ -5104,7 +5116,7 @@
             <p:cNvPr id="55" name="TextBox 13">
               <a:extLst>
                 <a:ext uri="{FF2B5EF4-FFF2-40B4-BE49-F238E27FC236}">
-                  <a16:creationId xmlns:a16="http://schemas.microsoft.com/office/drawing/2014/main" id="{CB89688C-852F-C686-6309-1A2EB2E0DDFB}"/>
+                  <a16:creationId xmlns:a16="http://schemas.microsoft.com/office/drawing/2014/main" xmlns="" id="{CB89688C-852F-C686-6309-1A2EB2E0DDFB}"/>
                 </a:ext>
               </a:extLst>
             </p:cNvPr>
@@ -5258,7 +5270,7 @@
             <p:cNvPr id="57" name="TextBox 13">
               <a:extLst>
                 <a:ext uri="{FF2B5EF4-FFF2-40B4-BE49-F238E27FC236}">
-                  <a16:creationId xmlns:a16="http://schemas.microsoft.com/office/drawing/2014/main" id="{8D571466-4A2B-8AAF-6C95-64EFC3AE44F8}"/>
+                  <a16:creationId xmlns:a16="http://schemas.microsoft.com/office/drawing/2014/main" xmlns="" id="{8D571466-4A2B-8AAF-6C95-64EFC3AE44F8}"/>
                 </a:ext>
               </a:extLst>
             </p:cNvPr>
@@ -5362,7 +5374,7 @@
             <p:cNvPr id="58" name="TextBox 13">
               <a:extLst>
                 <a:ext uri="{FF2B5EF4-FFF2-40B4-BE49-F238E27FC236}">
-                  <a16:creationId xmlns:a16="http://schemas.microsoft.com/office/drawing/2014/main" id="{87253EBA-4EFA-92EA-F10A-BF27EB815FA5}"/>
+                  <a16:creationId xmlns:a16="http://schemas.microsoft.com/office/drawing/2014/main" xmlns="" id="{87253EBA-4EFA-92EA-F10A-BF27EB815FA5}"/>
                 </a:ext>
               </a:extLst>
             </p:cNvPr>
@@ -5500,7 +5512,7 @@
           <p:cNvPr id="1025" name="그룹 1024">
             <a:extLst>
               <a:ext uri="{FF2B5EF4-FFF2-40B4-BE49-F238E27FC236}">
-                <a16:creationId xmlns:a16="http://schemas.microsoft.com/office/drawing/2014/main" id="{69DF32D4-CE5D-FEC6-341F-1273627E2082}"/>
+                <a16:creationId xmlns:a16="http://schemas.microsoft.com/office/drawing/2014/main" xmlns="" id="{69DF32D4-CE5D-FEC6-341F-1273627E2082}"/>
               </a:ext>
             </a:extLst>
           </p:cNvPr>
@@ -5520,7 +5532,7 @@
             <p:cNvPr id="3" name="그룹 2">
               <a:extLst>
                 <a:ext uri="{FF2B5EF4-FFF2-40B4-BE49-F238E27FC236}">
-                  <a16:creationId xmlns:a16="http://schemas.microsoft.com/office/drawing/2014/main" id="{42402FCE-DD64-06C7-072A-1B7A9F3301B3}"/>
+                  <a16:creationId xmlns:a16="http://schemas.microsoft.com/office/drawing/2014/main" xmlns="" id="{42402FCE-DD64-06C7-072A-1B7A9F3301B3}"/>
                 </a:ext>
               </a:extLst>
             </p:cNvPr>
@@ -5890,7 +5902,7 @@
             <p:cNvPr id="63" name="TextBox 35">
               <a:extLst>
                 <a:ext uri="{FF2B5EF4-FFF2-40B4-BE49-F238E27FC236}">
-                  <a16:creationId xmlns:a16="http://schemas.microsoft.com/office/drawing/2014/main" id="{24DEAB59-8EA1-FA9F-8C55-39ED9BC04CBA}"/>
+                  <a16:creationId xmlns:a16="http://schemas.microsoft.com/office/drawing/2014/main" xmlns="" id="{24DEAB59-8EA1-FA9F-8C55-39ED9BC04CBA}"/>
                 </a:ext>
               </a:extLst>
             </p:cNvPr>
@@ -5933,7 +5945,7 @@
             <p:cNvPr id="1024" name="Picture 32">
               <a:extLst>
                 <a:ext uri="{FF2B5EF4-FFF2-40B4-BE49-F238E27FC236}">
-                  <a16:creationId xmlns:a16="http://schemas.microsoft.com/office/drawing/2014/main" id="{E1BACDBF-92A9-0F8D-0D7E-27312CB5544E}"/>
+                  <a16:creationId xmlns:a16="http://schemas.microsoft.com/office/drawing/2014/main" xmlns="" id="{E1BACDBF-92A9-0F8D-0D7E-27312CB5544E}"/>
                 </a:ext>
               </a:extLst>
             </p:cNvPr>
@@ -5964,7 +5976,7 @@
           <p:cNvPr id="1031" name="그룹 1030">
             <a:extLst>
               <a:ext uri="{FF2B5EF4-FFF2-40B4-BE49-F238E27FC236}">
-                <a16:creationId xmlns:a16="http://schemas.microsoft.com/office/drawing/2014/main" id="{C9B3F026-8F1A-B48E-986F-3D8882868809}"/>
+                <a16:creationId xmlns:a16="http://schemas.microsoft.com/office/drawing/2014/main" xmlns="" id="{C9B3F026-8F1A-B48E-986F-3D8882868809}"/>
               </a:ext>
             </a:extLst>
           </p:cNvPr>
@@ -5984,7 +5996,7 @@
             <p:cNvPr id="56" name="그룹 55">
               <a:extLst>
                 <a:ext uri="{FF2B5EF4-FFF2-40B4-BE49-F238E27FC236}">
-                  <a16:creationId xmlns:a16="http://schemas.microsoft.com/office/drawing/2014/main" id="{144128E0-6B74-7496-A311-5B01F9B45A56}"/>
+                  <a16:creationId xmlns:a16="http://schemas.microsoft.com/office/drawing/2014/main" xmlns="" id="{144128E0-6B74-7496-A311-5B01F9B45A56}"/>
                 </a:ext>
               </a:extLst>
             </p:cNvPr>
@@ -6066,7 +6078,7 @@
             <p:cNvPr id="1028" name="Picture 4" descr="Java Logo PNG Transparent (1) – Brands Logos">
               <a:extLst>
                 <a:ext uri="{FF2B5EF4-FFF2-40B4-BE49-F238E27FC236}">
-                  <a16:creationId xmlns:a16="http://schemas.microsoft.com/office/drawing/2014/main" id="{1DE4FD9A-0814-0DBF-D3D9-53F9CB6B7E30}"/>
+                  <a16:creationId xmlns:a16="http://schemas.microsoft.com/office/drawing/2014/main" xmlns="" id="{1DE4FD9A-0814-0DBF-D3D9-53F9CB6B7E30}"/>
                 </a:ext>
               </a:extLst>
             </p:cNvPr>
@@ -6113,7 +6125,7 @@
             <p:cNvPr id="1030" name="Picture 6" descr="Spring]SpringFramework란 무엇일까??">
               <a:extLst>
                 <a:ext uri="{FF2B5EF4-FFF2-40B4-BE49-F238E27FC236}">
-                  <a16:creationId xmlns:a16="http://schemas.microsoft.com/office/drawing/2014/main" id="{174235EC-CCFD-8378-9C0F-7C6BF5B44AB3}"/>
+                  <a16:creationId xmlns:a16="http://schemas.microsoft.com/office/drawing/2014/main" xmlns="" id="{174235EC-CCFD-8378-9C0F-7C6BF5B44AB3}"/>
                 </a:ext>
               </a:extLst>
             </p:cNvPr>
@@ -6160,7 +6172,7 @@
             <p:cNvPr id="1032" name="Picture 8" descr="Vue Provide와 Inject">
               <a:extLst>
                 <a:ext uri="{FF2B5EF4-FFF2-40B4-BE49-F238E27FC236}">
-                  <a16:creationId xmlns:a16="http://schemas.microsoft.com/office/drawing/2014/main" id="{4C7AD4A1-71F0-BC4D-DB0A-0B67451E2C84}"/>
+                  <a16:creationId xmlns:a16="http://schemas.microsoft.com/office/drawing/2014/main" xmlns="" id="{4C7AD4A1-71F0-BC4D-DB0A-0B67451E2C84}"/>
                 </a:ext>
               </a:extLst>
             </p:cNvPr>
@@ -6207,7 +6219,7 @@
             <p:cNvPr id="1034" name="Picture 10" descr="react original wordmark&quot; Icon - Download for free – Iconduck">
               <a:extLst>
                 <a:ext uri="{FF2B5EF4-FFF2-40B4-BE49-F238E27FC236}">
-                  <a16:creationId xmlns:a16="http://schemas.microsoft.com/office/drawing/2014/main" id="{DC53FD74-0BCD-3A59-8A77-A6D7B9897A1C}"/>
+                  <a16:creationId xmlns:a16="http://schemas.microsoft.com/office/drawing/2014/main" xmlns="" id="{DC53FD74-0BCD-3A59-8A77-A6D7B9897A1C}"/>
                 </a:ext>
               </a:extLst>
             </p:cNvPr>
@@ -6254,7 +6266,7 @@
             <p:cNvPr id="1036" name="Picture 12" descr="Next.js Logo PNG Vector (SVG) Free Download">
               <a:extLst>
                 <a:ext uri="{FF2B5EF4-FFF2-40B4-BE49-F238E27FC236}">
-                  <a16:creationId xmlns:a16="http://schemas.microsoft.com/office/drawing/2014/main" id="{27BB1493-E815-D0C9-2C19-4C99D9987BE1}"/>
+                  <a16:creationId xmlns:a16="http://schemas.microsoft.com/office/drawing/2014/main" xmlns="" id="{27BB1493-E815-D0C9-2C19-4C99D9987BE1}"/>
                 </a:ext>
               </a:extLst>
             </p:cNvPr>
@@ -6301,7 +6313,7 @@
             <p:cNvPr id="1038" name="Picture 14" descr="MySQL 리뷰">
               <a:extLst>
                 <a:ext uri="{FF2B5EF4-FFF2-40B4-BE49-F238E27FC236}">
-                  <a16:creationId xmlns:a16="http://schemas.microsoft.com/office/drawing/2014/main" id="{327B18A1-9FA7-A7F6-2425-D026D0EEF11D}"/>
+                  <a16:creationId xmlns:a16="http://schemas.microsoft.com/office/drawing/2014/main" xmlns="" id="{327B18A1-9FA7-A7F6-2425-D026D0EEF11D}"/>
                 </a:ext>
               </a:extLst>
             </p:cNvPr>
@@ -6348,7 +6360,7 @@
             <p:cNvPr id="52" name="그림 51">
               <a:extLst>
                 <a:ext uri="{FF2B5EF4-FFF2-40B4-BE49-F238E27FC236}">
-                  <a16:creationId xmlns:a16="http://schemas.microsoft.com/office/drawing/2014/main" id="{51CBA00D-A64C-88A2-E4B9-7D58E3EE06D8}"/>
+                  <a16:creationId xmlns:a16="http://schemas.microsoft.com/office/drawing/2014/main" xmlns="" id="{51CBA00D-A64C-88A2-E4B9-7D58E3EE06D8}"/>
                 </a:ext>
               </a:extLst>
             </p:cNvPr>
@@ -6384,7 +6396,7 @@
             <p:cNvPr id="1042" name="Picture 18" descr="JPA Entity 단위 기본 CRUD처리">
               <a:extLst>
                 <a:ext uri="{FF2B5EF4-FFF2-40B4-BE49-F238E27FC236}">
-                  <a16:creationId xmlns:a16="http://schemas.microsoft.com/office/drawing/2014/main" id="{7E1EF8A2-1EE3-6499-16FD-19194B134953}"/>
+                  <a16:creationId xmlns:a16="http://schemas.microsoft.com/office/drawing/2014/main" xmlns="" id="{7E1EF8A2-1EE3-6499-16FD-19194B134953}"/>
                 </a:ext>
               </a:extLst>
             </p:cNvPr>
@@ -6431,7 +6443,7 @@
             <p:cNvPr id="1044" name="Picture 20" descr="Git, 어렵지 않게 시작하기. 개발자들은 피할 수 없는 협업 도구인 Git. 진입장벽은 높지만 배우면… | by Gyeongsun  (Sunny) Park | pageseo | Medium">
               <a:extLst>
                 <a:ext uri="{FF2B5EF4-FFF2-40B4-BE49-F238E27FC236}">
-                  <a16:creationId xmlns:a16="http://schemas.microsoft.com/office/drawing/2014/main" id="{86FD8E09-C906-44B2-3023-D34DB89CB015}"/>
+                  <a16:creationId xmlns:a16="http://schemas.microsoft.com/office/drawing/2014/main" xmlns="" id="{86FD8E09-C906-44B2-3023-D34DB89CB015}"/>
                 </a:ext>
               </a:extLst>
             </p:cNvPr>
@@ -6478,7 +6490,7 @@
             <p:cNvPr id="1046" name="Picture 22">
               <a:extLst>
                 <a:ext uri="{FF2B5EF4-FFF2-40B4-BE49-F238E27FC236}">
-                  <a16:creationId xmlns:a16="http://schemas.microsoft.com/office/drawing/2014/main" id="{C24E5987-EE6A-9071-094D-AD873E356922}"/>
+                  <a16:creationId xmlns:a16="http://schemas.microsoft.com/office/drawing/2014/main" xmlns="" id="{C24E5987-EE6A-9071-094D-AD873E356922}"/>
                 </a:ext>
               </a:extLst>
             </p:cNvPr>
@@ -6525,7 +6537,7 @@
             <p:cNvPr id="1029" name="Picture 6">
               <a:extLst>
                 <a:ext uri="{FF2B5EF4-FFF2-40B4-BE49-F238E27FC236}">
-                  <a16:creationId xmlns:a16="http://schemas.microsoft.com/office/drawing/2014/main" id="{CB14E262-4DF5-3F83-E21E-D29A99FB8B18}"/>
+                  <a16:creationId xmlns:a16="http://schemas.microsoft.com/office/drawing/2014/main" xmlns="" id="{CB14E262-4DF5-3F83-E21E-D29A99FB8B18}"/>
                 </a:ext>
               </a:extLst>
             </p:cNvPr>
@@ -6573,7 +6585,7 @@
           <p:cNvPr id="1040" name="TextBox 4">
             <a:extLst>
               <a:ext uri="{FF2B5EF4-FFF2-40B4-BE49-F238E27FC236}">
-                <a16:creationId xmlns:a16="http://schemas.microsoft.com/office/drawing/2014/main" id="{DCD7C1B7-C583-7C12-D189-DCF70766B36C}"/>
+                <a16:creationId xmlns:a16="http://schemas.microsoft.com/office/drawing/2014/main" xmlns="" id="{DCD7C1B7-C583-7C12-D189-DCF70766B36C}"/>
               </a:ext>
             </a:extLst>
           </p:cNvPr>
@@ -6582,7 +6594,7 @@
         </p:nvSpPr>
         <p:spPr>
           <a:xfrm>
-            <a:off x="381000" y="266700"/>
+            <a:off x="1968500" y="266700"/>
             <a:ext cx="3060700" cy="533400"/>
           </a:xfrm>
           <a:prstGeom prst="rect">
@@ -6623,7 +6635,7 @@
           <p:cNvPr id="1043" name="직선 연결선 1042">
             <a:extLst>
               <a:ext uri="{FF2B5EF4-FFF2-40B4-BE49-F238E27FC236}">
-                <a16:creationId xmlns:a16="http://schemas.microsoft.com/office/drawing/2014/main" id="{DBEF9A2E-33A7-298D-84CC-3281BCE9EABA}"/>
+                <a16:creationId xmlns:a16="http://schemas.microsoft.com/office/drawing/2014/main" xmlns="" id="{DBEF9A2E-33A7-298D-84CC-3281BCE9EABA}"/>
               </a:ext>
             </a:extLst>
           </p:cNvPr>
@@ -6664,7 +6676,7 @@
           <p:cNvPr id="1047" name="직선 연결선 1046">
             <a:extLst>
               <a:ext uri="{FF2B5EF4-FFF2-40B4-BE49-F238E27FC236}">
-                <a16:creationId xmlns:a16="http://schemas.microsoft.com/office/drawing/2014/main" id="{71DCF408-51F5-61FA-7577-1390DA112582}"/>
+                <a16:creationId xmlns:a16="http://schemas.microsoft.com/office/drawing/2014/main" xmlns="" id="{71DCF408-51F5-61FA-7577-1390DA112582}"/>
               </a:ext>
             </a:extLst>
           </p:cNvPr>
@@ -6705,7 +6717,7 @@
           <p:cNvPr id="1048" name="직선 연결선 1047">
             <a:extLst>
               <a:ext uri="{FF2B5EF4-FFF2-40B4-BE49-F238E27FC236}">
-                <a16:creationId xmlns:a16="http://schemas.microsoft.com/office/drawing/2014/main" id="{E4D31C23-4F01-E5B8-FABC-6771176A9B7B}"/>
+                <a16:creationId xmlns:a16="http://schemas.microsoft.com/office/drawing/2014/main" xmlns="" id="{E4D31C23-4F01-E5B8-FABC-6771176A9B7B}"/>
               </a:ext>
             </a:extLst>
           </p:cNvPr>
@@ -6746,7 +6758,7 @@
           <p:cNvPr id="1049" name="직선 연결선 1048">
             <a:extLst>
               <a:ext uri="{FF2B5EF4-FFF2-40B4-BE49-F238E27FC236}">
-                <a16:creationId xmlns:a16="http://schemas.microsoft.com/office/drawing/2014/main" id="{507A92BF-9781-E4B2-0943-55CB79422CB6}"/>
+                <a16:creationId xmlns:a16="http://schemas.microsoft.com/office/drawing/2014/main" xmlns="" id="{507A92BF-9781-E4B2-0943-55CB79422CB6}"/>
               </a:ext>
             </a:extLst>
           </p:cNvPr>
@@ -6787,7 +6799,7 @@
           <p:cNvPr id="1050" name="직선 연결선 1049">
             <a:extLst>
               <a:ext uri="{FF2B5EF4-FFF2-40B4-BE49-F238E27FC236}">
-                <a16:creationId xmlns:a16="http://schemas.microsoft.com/office/drawing/2014/main" id="{D678FC13-1A17-70CD-7222-F3541E211F91}"/>
+                <a16:creationId xmlns:a16="http://schemas.microsoft.com/office/drawing/2014/main" xmlns="" id="{D678FC13-1A17-70CD-7222-F3541E211F91}"/>
               </a:ext>
             </a:extLst>
           </p:cNvPr>
@@ -6828,7 +6840,7 @@
           <p:cNvPr id="1051" name="직선 연결선 1050">
             <a:extLst>
               <a:ext uri="{FF2B5EF4-FFF2-40B4-BE49-F238E27FC236}">
-                <a16:creationId xmlns:a16="http://schemas.microsoft.com/office/drawing/2014/main" id="{D765874F-7C54-6194-E8F6-90FFDA808D4F}"/>
+                <a16:creationId xmlns:a16="http://schemas.microsoft.com/office/drawing/2014/main" xmlns="" id="{D765874F-7C54-6194-E8F6-90FFDA808D4F}"/>
               </a:ext>
             </a:extLst>
           </p:cNvPr>
@@ -6869,7 +6881,7 @@
           <p:cNvPr id="1052" name="직선 연결선 1051">
             <a:extLst>
               <a:ext uri="{FF2B5EF4-FFF2-40B4-BE49-F238E27FC236}">
-                <a16:creationId xmlns:a16="http://schemas.microsoft.com/office/drawing/2014/main" id="{CBD4563F-3BE9-DA87-5CD1-FADF2940C051}"/>
+                <a16:creationId xmlns:a16="http://schemas.microsoft.com/office/drawing/2014/main" xmlns="" id="{CBD4563F-3BE9-DA87-5CD1-FADF2940C051}"/>
               </a:ext>
             </a:extLst>
           </p:cNvPr>
@@ -6910,7 +6922,7 @@
           <p:cNvPr id="1053" name="직선 연결선 1052">
             <a:extLst>
               <a:ext uri="{FF2B5EF4-FFF2-40B4-BE49-F238E27FC236}">
-                <a16:creationId xmlns:a16="http://schemas.microsoft.com/office/drawing/2014/main" id="{9DB91B15-B47B-4272-BD6D-4E29F523C3FF}"/>
+                <a16:creationId xmlns:a16="http://schemas.microsoft.com/office/drawing/2014/main" xmlns="" id="{9DB91B15-B47B-4272-BD6D-4E29F523C3FF}"/>
               </a:ext>
             </a:extLst>
           </p:cNvPr>
@@ -6951,7 +6963,7 @@
           <p:cNvPr id="1054" name="직선 연결선 1053">
             <a:extLst>
               <a:ext uri="{FF2B5EF4-FFF2-40B4-BE49-F238E27FC236}">
-                <a16:creationId xmlns:a16="http://schemas.microsoft.com/office/drawing/2014/main" id="{F6134975-EC1A-872A-B859-DC67F2CB4BA8}"/>
+                <a16:creationId xmlns:a16="http://schemas.microsoft.com/office/drawing/2014/main" xmlns="" id="{F6134975-EC1A-872A-B859-DC67F2CB4BA8}"/>
               </a:ext>
             </a:extLst>
           </p:cNvPr>
@@ -6987,6 +6999,201 @@
           </a:fontRef>
         </p:style>
       </p:cxnSp>
+      <p:sp>
+        <p:nvSpPr>
+          <p:cNvPr id="8" name="AutoShape 2" descr="로젠택배 - 나무위키"/>
+          <p:cNvSpPr>
+            <a:spLocks noChangeAspect="1" noChangeArrowheads="1"/>
+          </p:cNvSpPr>
+          <p:nvPr/>
+        </p:nvSpPr>
+        <p:spPr bwMode="auto">
+          <a:xfrm>
+            <a:off x="168275" y="-144463"/>
+            <a:ext cx="304800" cy="304801"/>
+          </a:xfrm>
+          <a:prstGeom prst="rect">
+            <a:avLst/>
+          </a:prstGeom>
+          <a:noFill/>
+          <a:extLst>
+            <a:ext uri="{909E8E84-426E-40DD-AFC4-6F175D3DCCD1}">
+              <a14:hiddenFill xmlns:a14="http://schemas.microsoft.com/office/drawing/2010/main">
+                <a:solidFill>
+                  <a:srgbClr val="FFFFFF"/>
+                </a:solidFill>
+              </a14:hiddenFill>
+            </a:ext>
+          </a:extLst>
+        </p:spPr>
+        <p:txBody>
+          <a:bodyPr vert="horz" wrap="square" lIns="91440" tIns="45720" rIns="91440" bIns="45720" numCol="1" anchor="t" anchorCtr="0" compatLnSpc="1">
+            <a:prstTxWarp prst="textNoShape">
+              <a:avLst/>
+            </a:prstTxWarp>
+          </a:bodyPr>
+          <a:lstStyle/>
+          <a:p>
+            <a:endParaRPr lang="ko-KR" altLang="en-US"/>
+          </a:p>
+        </p:txBody>
+      </p:sp>
+      <p:sp>
+        <p:nvSpPr>
+          <p:cNvPr id="9" name="AutoShape 4" descr="로젠택배 - 나무위키"/>
+          <p:cNvSpPr>
+            <a:spLocks noChangeAspect="1" noChangeArrowheads="1"/>
+          </p:cNvSpPr>
+          <p:nvPr/>
+        </p:nvSpPr>
+        <p:spPr bwMode="auto">
+          <a:xfrm>
+            <a:off x="320675" y="7937"/>
+            <a:ext cx="304800" cy="304801"/>
+          </a:xfrm>
+          <a:prstGeom prst="rect">
+            <a:avLst/>
+          </a:prstGeom>
+          <a:noFill/>
+          <a:extLst>
+            <a:ext uri="{909E8E84-426E-40DD-AFC4-6F175D3DCCD1}">
+              <a14:hiddenFill xmlns:a14="http://schemas.microsoft.com/office/drawing/2010/main">
+                <a:solidFill>
+                  <a:srgbClr val="FFFFFF"/>
+                </a:solidFill>
+              </a14:hiddenFill>
+            </a:ext>
+          </a:extLst>
+        </p:spPr>
+        <p:txBody>
+          <a:bodyPr vert="horz" wrap="square" lIns="91440" tIns="45720" rIns="91440" bIns="45720" numCol="1" anchor="t" anchorCtr="0" compatLnSpc="1">
+            <a:prstTxWarp prst="textNoShape">
+              <a:avLst/>
+            </a:prstTxWarp>
+          </a:bodyPr>
+          <a:lstStyle/>
+          <a:p>
+            <a:endParaRPr lang="ko-KR" altLang="en-US"/>
+          </a:p>
+        </p:txBody>
+      </p:sp>
+      <p:sp>
+        <p:nvSpPr>
+          <p:cNvPr id="10" name="AutoShape 6" descr="로젠택배 - 나무위키"/>
+          <p:cNvSpPr>
+            <a:spLocks noChangeAspect="1" noChangeArrowheads="1"/>
+          </p:cNvSpPr>
+          <p:nvPr/>
+        </p:nvSpPr>
+        <p:spPr bwMode="auto">
+          <a:xfrm>
+            <a:off x="473075" y="160337"/>
+            <a:ext cx="304800" cy="304801"/>
+          </a:xfrm>
+          <a:prstGeom prst="rect">
+            <a:avLst/>
+          </a:prstGeom>
+          <a:noFill/>
+          <a:extLst>
+            <a:ext uri="{909E8E84-426E-40DD-AFC4-6F175D3DCCD1}">
+              <a14:hiddenFill xmlns:a14="http://schemas.microsoft.com/office/drawing/2010/main">
+                <a:solidFill>
+                  <a:srgbClr val="FFFFFF"/>
+                </a:solidFill>
+              </a14:hiddenFill>
+            </a:ext>
+          </a:extLst>
+        </p:spPr>
+        <p:txBody>
+          <a:bodyPr vert="horz" wrap="square" lIns="91440" tIns="45720" rIns="91440" bIns="45720" numCol="1" anchor="t" anchorCtr="0" compatLnSpc="1">
+            <a:prstTxWarp prst="textNoShape">
+              <a:avLst/>
+            </a:prstTxWarp>
+          </a:bodyPr>
+          <a:lstStyle/>
+          <a:p>
+            <a:endParaRPr lang="ko-KR" altLang="en-US"/>
+          </a:p>
+        </p:txBody>
+      </p:sp>
+      <p:sp>
+        <p:nvSpPr>
+          <p:cNvPr id="37" name="AutoShape 8" descr="로젠택배 - 나무위키"/>
+          <p:cNvSpPr>
+            <a:spLocks noChangeAspect="1" noChangeArrowheads="1"/>
+          </p:cNvSpPr>
+          <p:nvPr/>
+        </p:nvSpPr>
+        <p:spPr bwMode="auto">
+          <a:xfrm>
+            <a:off x="625475" y="312737"/>
+            <a:ext cx="304800" cy="304801"/>
+          </a:xfrm>
+          <a:prstGeom prst="rect">
+            <a:avLst/>
+          </a:prstGeom>
+          <a:noFill/>
+          <a:extLst>
+            <a:ext uri="{909E8E84-426E-40DD-AFC4-6F175D3DCCD1}">
+              <a14:hiddenFill xmlns:a14="http://schemas.microsoft.com/office/drawing/2010/main">
+                <a:solidFill>
+                  <a:srgbClr val="FFFFFF"/>
+                </a:solidFill>
+              </a14:hiddenFill>
+            </a:ext>
+          </a:extLst>
+        </p:spPr>
+        <p:txBody>
+          <a:bodyPr vert="horz" wrap="square" lIns="91440" tIns="45720" rIns="91440" bIns="45720" numCol="1" anchor="t" anchorCtr="0" compatLnSpc="1">
+            <a:prstTxWarp prst="textNoShape">
+              <a:avLst/>
+            </a:prstTxWarp>
+          </a:bodyPr>
+          <a:lstStyle/>
+          <a:p>
+            <a:endParaRPr lang="ko-KR" altLang="en-US"/>
+          </a:p>
+        </p:txBody>
+      </p:sp>
+      <p:sp>
+        <p:nvSpPr>
+          <p:cNvPr id="40" name="AutoShape 10" descr="로젠택배 - 나무위키"/>
+          <p:cNvSpPr>
+            <a:spLocks noChangeAspect="1" noChangeArrowheads="1"/>
+          </p:cNvSpPr>
+          <p:nvPr/>
+        </p:nvSpPr>
+        <p:spPr bwMode="auto">
+          <a:xfrm>
+            <a:off x="777875" y="465137"/>
+            <a:ext cx="304800" cy="304801"/>
+          </a:xfrm>
+          <a:prstGeom prst="rect">
+            <a:avLst/>
+          </a:prstGeom>
+          <a:noFill/>
+          <a:extLst>
+            <a:ext uri="{909E8E84-426E-40DD-AFC4-6F175D3DCCD1}">
+              <a14:hiddenFill xmlns:a14="http://schemas.microsoft.com/office/drawing/2010/main">
+                <a:solidFill>
+                  <a:srgbClr val="FFFFFF"/>
+                </a:solidFill>
+              </a14:hiddenFill>
+            </a:ext>
+          </a:extLst>
+        </p:spPr>
+        <p:txBody>
+          <a:bodyPr vert="horz" wrap="square" lIns="91440" tIns="45720" rIns="91440" bIns="45720" numCol="1" anchor="t" anchorCtr="0" compatLnSpc="1">
+            <a:prstTxWarp prst="textNoShape">
+              <a:avLst/>
+            </a:prstTxWarp>
+          </a:bodyPr>
+          <a:lstStyle/>
+          <a:p>
+            <a:endParaRPr lang="ko-KR" altLang="en-US"/>
+          </a:p>
+        </p:txBody>
+      </p:sp>
     </p:spTree>
   </p:cSld>
   <p:clrMapOvr>
@@ -7485,7 +7692,7 @@
           <p:cNvPr id="2" name="TextBox 4">
             <a:extLst>
               <a:ext uri="{FF2B5EF4-FFF2-40B4-BE49-F238E27FC236}">
-                <a16:creationId xmlns:a16="http://schemas.microsoft.com/office/drawing/2014/main" id="{EE9AF12C-379E-AD8A-52FB-AFF940CADAED}"/>
+                <a16:creationId xmlns:a16="http://schemas.microsoft.com/office/drawing/2014/main" xmlns="" id="{EE9AF12C-379E-AD8A-52FB-AFF940CADAED}"/>
               </a:ext>
             </a:extLst>
           </p:cNvPr>
@@ -7494,7 +7701,7 @@
         </p:nvSpPr>
         <p:spPr>
           <a:xfrm>
-            <a:off x="380999" y="266700"/>
+            <a:off x="1904999" y="266700"/>
             <a:ext cx="4343401" cy="533400"/>
           </a:xfrm>
           <a:prstGeom prst="rect">
@@ -7903,8 +8110,29 @@
                 <a:latin typeface="G마켓 산스 TTF Bold" panose="02000000000000000000" pitchFamily="2" charset="-127"/>
                 <a:ea typeface="G마켓 산스 TTF Bold" panose="02000000000000000000" pitchFamily="2" charset="-127"/>
               </a:rPr>
-              <a:t>엑셀 업로드 구현</a:t>
-            </a:r>
+              <a:t>엑셀 </a:t>
+            </a:r>
+            <a:r>
+              <a:rPr lang="ko-KR" altLang="en-US" sz="1400" dirty="0" smtClean="0">
+                <a:solidFill>
+                  <a:schemeClr val="bg1">
+                    <a:lumMod val="50000"/>
+                  </a:schemeClr>
+                </a:solidFill>
+                <a:latin typeface="G마켓 산스 TTF Bold" panose="02000000000000000000" pitchFamily="2" charset="-127"/>
+                <a:ea typeface="G마켓 산스 TTF Bold" panose="02000000000000000000" pitchFamily="2" charset="-127"/>
+              </a:rPr>
+              <a:t>대랑 상품 등록 구현</a:t>
+            </a:r>
+            <a:endParaRPr lang="ko-KR" altLang="en-US" sz="1400" dirty="0">
+              <a:solidFill>
+                <a:schemeClr val="bg1">
+                  <a:lumMod val="50000"/>
+                </a:schemeClr>
+              </a:solidFill>
+              <a:latin typeface="G마켓 산스 TTF Bold" panose="02000000000000000000" pitchFamily="2" charset="-127"/>
+              <a:ea typeface="G마켓 산스 TTF Bold" panose="02000000000000000000" pitchFamily="2" charset="-127"/>
+            </a:endParaRPr>
           </a:p>
           <a:p>
             <a:pPr>
@@ -9232,7 +9460,7 @@
           <p:cNvPr id="14" name="그룹 13">
             <a:extLst>
               <a:ext uri="{FF2B5EF4-FFF2-40B4-BE49-F238E27FC236}">
-                <a16:creationId xmlns:a16="http://schemas.microsoft.com/office/drawing/2014/main" id="{CE7C742F-3E29-198A-156B-B66065AA8624}"/>
+                <a16:creationId xmlns:a16="http://schemas.microsoft.com/office/drawing/2014/main" xmlns="" id="{CE7C742F-3E29-198A-156B-B66065AA8624}"/>
               </a:ext>
             </a:extLst>
           </p:cNvPr>
@@ -9497,7 +9725,7 @@
             <p:cNvPr id="11" name="직사각형 10">
               <a:extLst>
                 <a:ext uri="{FF2B5EF4-FFF2-40B4-BE49-F238E27FC236}">
-                  <a16:creationId xmlns:a16="http://schemas.microsoft.com/office/drawing/2014/main" id="{52A71156-BAAB-E75C-E4B1-CCD0EF2EEBD2}"/>
+                  <a16:creationId xmlns:a16="http://schemas.microsoft.com/office/drawing/2014/main" xmlns="" id="{52A71156-BAAB-E75C-E4B1-CCD0EF2EEBD2}"/>
                 </a:ext>
               </a:extLst>
             </p:cNvPr>
@@ -9703,6 +9931,18 @@
                   <a:spcPct val="150000"/>
                 </a:lnSpc>
               </a:pPr>
+              <a:r>
+                <a:rPr lang="en-US" altLang="ko-KR" sz="1400" dirty="0">
+                  <a:solidFill>
+                    <a:schemeClr val="bg1">
+                      <a:lumMod val="50000"/>
+                    </a:schemeClr>
+                  </a:solidFill>
+                  <a:latin typeface="G마켓 산스 TTF Bold" panose="02000000000000000000" pitchFamily="2" charset="-127"/>
+                  <a:ea typeface="G마켓 산스 TTF Bold" panose="02000000000000000000" pitchFamily="2" charset="-127"/>
+                </a:rPr>
+                <a:t/>
+              </a:r>
               <a:br>
                 <a:rPr lang="en-US" altLang="ko-KR" sz="1400" dirty="0">
                   <a:solidFill>
@@ -9918,7 +10158,7 @@
         <p:cNvPr id="1" name="">
           <a:extLst>
             <a:ext uri="{FF2B5EF4-FFF2-40B4-BE49-F238E27FC236}">
-              <a16:creationId xmlns:a16="http://schemas.microsoft.com/office/drawing/2014/main" id="{47900750-343F-BD78-457F-A9EA08B25ED4}"/>
+              <a16:creationId xmlns:a16="http://schemas.microsoft.com/office/drawing/2014/main" xmlns="" id="{47900750-343F-BD78-457F-A9EA08B25ED4}"/>
             </a:ext>
           </a:extLst>
         </p:cNvPr>
@@ -9938,7 +10178,7 @@
           <p:cNvPr id="23" name="Group 23">
             <a:extLst>
               <a:ext uri="{FF2B5EF4-FFF2-40B4-BE49-F238E27FC236}">
-                <a16:creationId xmlns:a16="http://schemas.microsoft.com/office/drawing/2014/main" id="{25F02D6F-5AD6-113C-830E-71D8F7B14CC7}"/>
+                <a16:creationId xmlns:a16="http://schemas.microsoft.com/office/drawing/2014/main" xmlns="" id="{25F02D6F-5AD6-113C-830E-71D8F7B14CC7}"/>
               </a:ext>
             </a:extLst>
           </p:cNvPr>
@@ -9959,7 +10199,7 @@
           <p:cNvPr id="25" name="Group 25">
             <a:extLst>
               <a:ext uri="{FF2B5EF4-FFF2-40B4-BE49-F238E27FC236}">
-                <a16:creationId xmlns:a16="http://schemas.microsoft.com/office/drawing/2014/main" id="{F4F3FA5C-865C-F6F6-7062-28FF0862496E}"/>
+                <a16:creationId xmlns:a16="http://schemas.microsoft.com/office/drawing/2014/main" xmlns="" id="{F4F3FA5C-865C-F6F6-7062-28FF0862496E}"/>
               </a:ext>
             </a:extLst>
           </p:cNvPr>
@@ -9980,7 +10220,7 @@
           <p:cNvPr id="29" name="Group 29">
             <a:extLst>
               <a:ext uri="{FF2B5EF4-FFF2-40B4-BE49-F238E27FC236}">
-                <a16:creationId xmlns:a16="http://schemas.microsoft.com/office/drawing/2014/main" id="{34864ABF-C932-F1B5-86C3-CDC7929D03C5}"/>
+                <a16:creationId xmlns:a16="http://schemas.microsoft.com/office/drawing/2014/main" xmlns="" id="{34864ABF-C932-F1B5-86C3-CDC7929D03C5}"/>
               </a:ext>
             </a:extLst>
           </p:cNvPr>
@@ -10001,7 +10241,7 @@
           <p:cNvPr id="34" name="Group 34">
             <a:extLst>
               <a:ext uri="{FF2B5EF4-FFF2-40B4-BE49-F238E27FC236}">
-                <a16:creationId xmlns:a16="http://schemas.microsoft.com/office/drawing/2014/main" id="{42209F61-6977-2790-2F38-32743750133D}"/>
+                <a16:creationId xmlns:a16="http://schemas.microsoft.com/office/drawing/2014/main" xmlns="" id="{42209F61-6977-2790-2F38-32743750133D}"/>
               </a:ext>
             </a:extLst>
           </p:cNvPr>
@@ -10022,7 +10262,7 @@
           <p:cNvPr id="39" name="Group 39">
             <a:extLst>
               <a:ext uri="{FF2B5EF4-FFF2-40B4-BE49-F238E27FC236}">
-                <a16:creationId xmlns:a16="http://schemas.microsoft.com/office/drawing/2014/main" id="{869F41E1-8ED5-9844-7E85-7474FF5FBCED}"/>
+                <a16:creationId xmlns:a16="http://schemas.microsoft.com/office/drawing/2014/main" xmlns="" id="{869F41E1-8ED5-9844-7E85-7474FF5FBCED}"/>
               </a:ext>
             </a:extLst>
           </p:cNvPr>
@@ -10043,7 +10283,7 @@
           <p:cNvPr id="44" name="Group 44">
             <a:extLst>
               <a:ext uri="{FF2B5EF4-FFF2-40B4-BE49-F238E27FC236}">
-                <a16:creationId xmlns:a16="http://schemas.microsoft.com/office/drawing/2014/main" id="{5D572DC9-2444-37D6-5FAD-15304D10C39F}"/>
+                <a16:creationId xmlns:a16="http://schemas.microsoft.com/office/drawing/2014/main" xmlns="" id="{5D572DC9-2444-37D6-5FAD-15304D10C39F}"/>
               </a:ext>
             </a:extLst>
           </p:cNvPr>
@@ -10064,7 +10304,7 @@
           <p:cNvPr id="50" name="Picture 50">
             <a:extLst>
               <a:ext uri="{FF2B5EF4-FFF2-40B4-BE49-F238E27FC236}">
-                <a16:creationId xmlns:a16="http://schemas.microsoft.com/office/drawing/2014/main" id="{C6093BC9-96D5-20DF-5ECC-6933EF0A5222}"/>
+                <a16:creationId xmlns:a16="http://schemas.microsoft.com/office/drawing/2014/main" xmlns="" id="{C6093BC9-96D5-20DF-5ECC-6933EF0A5222}"/>
               </a:ext>
             </a:extLst>
           </p:cNvPr>
@@ -10094,7 +10334,7 @@
           <p:cNvPr id="2" name="TextBox 4">
             <a:extLst>
               <a:ext uri="{FF2B5EF4-FFF2-40B4-BE49-F238E27FC236}">
-                <a16:creationId xmlns:a16="http://schemas.microsoft.com/office/drawing/2014/main" id="{8532B010-3691-BCEB-92E2-CE95093BED72}"/>
+                <a16:creationId xmlns:a16="http://schemas.microsoft.com/office/drawing/2014/main" xmlns="" id="{8532B010-3691-BCEB-92E2-CE95093BED72}"/>
               </a:ext>
             </a:extLst>
           </p:cNvPr>
@@ -10103,7 +10343,7 @@
         </p:nvSpPr>
         <p:spPr>
           <a:xfrm>
-            <a:off x="380999" y="266700"/>
+            <a:off x="1981199" y="266700"/>
             <a:ext cx="8991601" cy="533400"/>
           </a:xfrm>
           <a:prstGeom prst="rect">
@@ -10186,7 +10426,7 @@
           <p:cNvPr id="15" name="AutoShape 4" descr="재고관리.PNG">
             <a:extLst>
               <a:ext uri="{FF2B5EF4-FFF2-40B4-BE49-F238E27FC236}">
-                <a16:creationId xmlns:a16="http://schemas.microsoft.com/office/drawing/2014/main" id="{DFFB89FE-2A25-0B21-38AF-DDC41F44DE48}"/>
+                <a16:creationId xmlns:a16="http://schemas.microsoft.com/office/drawing/2014/main" xmlns="" id="{DFFB89FE-2A25-0B21-38AF-DDC41F44DE48}"/>
               </a:ext>
             </a:extLst>
           </p:cNvPr>
@@ -10231,7 +10471,7 @@
           <p:cNvPr id="10" name="화살표: 갈매기형 수장 9">
             <a:extLst>
               <a:ext uri="{FF2B5EF4-FFF2-40B4-BE49-F238E27FC236}">
-                <a16:creationId xmlns:a16="http://schemas.microsoft.com/office/drawing/2014/main" id="{97371ACC-4F24-8E89-3F87-67C13CE03AFA}"/>
+                <a16:creationId xmlns:a16="http://schemas.microsoft.com/office/drawing/2014/main" xmlns="" id="{97371ACC-4F24-8E89-3F87-67C13CE03AFA}"/>
               </a:ext>
             </a:extLst>
           </p:cNvPr>
@@ -10299,7 +10539,7 @@
           <p:cNvPr id="18" name="화살표: 갈매기형 수장 17">
             <a:extLst>
               <a:ext uri="{FF2B5EF4-FFF2-40B4-BE49-F238E27FC236}">
-                <a16:creationId xmlns:a16="http://schemas.microsoft.com/office/drawing/2014/main" id="{207C01AD-8BAD-08CD-AC5D-66AAB29DE897}"/>
+                <a16:creationId xmlns:a16="http://schemas.microsoft.com/office/drawing/2014/main" xmlns="" id="{207C01AD-8BAD-08CD-AC5D-66AAB29DE897}"/>
               </a:ext>
             </a:extLst>
           </p:cNvPr>
@@ -10367,7 +10607,7 @@
           <p:cNvPr id="19" name="화살표: 갈매기형 수장 18">
             <a:extLst>
               <a:ext uri="{FF2B5EF4-FFF2-40B4-BE49-F238E27FC236}">
-                <a16:creationId xmlns:a16="http://schemas.microsoft.com/office/drawing/2014/main" id="{035B763D-FE88-8AD2-DD1E-C317944ABA43}"/>
+                <a16:creationId xmlns:a16="http://schemas.microsoft.com/office/drawing/2014/main" xmlns="" id="{035B763D-FE88-8AD2-DD1E-C317944ABA43}"/>
               </a:ext>
             </a:extLst>
           </p:cNvPr>
@@ -10435,7 +10675,7 @@
           <p:cNvPr id="20" name="직사각형 19">
             <a:extLst>
               <a:ext uri="{FF2B5EF4-FFF2-40B4-BE49-F238E27FC236}">
-                <a16:creationId xmlns:a16="http://schemas.microsoft.com/office/drawing/2014/main" id="{98D544E6-9B9C-4731-A437-1D54F9EBE557}"/>
+                <a16:creationId xmlns:a16="http://schemas.microsoft.com/office/drawing/2014/main" xmlns="" id="{98D544E6-9B9C-4731-A437-1D54F9EBE557}"/>
               </a:ext>
             </a:extLst>
           </p:cNvPr>
@@ -10499,7 +10739,7 @@
           <p:cNvPr id="24" name="직사각형 23">
             <a:extLst>
               <a:ext uri="{FF2B5EF4-FFF2-40B4-BE49-F238E27FC236}">
-                <a16:creationId xmlns:a16="http://schemas.microsoft.com/office/drawing/2014/main" id="{2D90AEEA-D3C0-A943-246C-A6B783A42D15}"/>
+                <a16:creationId xmlns:a16="http://schemas.microsoft.com/office/drawing/2014/main" xmlns="" id="{2D90AEEA-D3C0-A943-246C-A6B783A42D15}"/>
               </a:ext>
             </a:extLst>
           </p:cNvPr>
@@ -10563,7 +10803,7 @@
           <p:cNvPr id="26" name="직사각형 25">
             <a:extLst>
               <a:ext uri="{FF2B5EF4-FFF2-40B4-BE49-F238E27FC236}">
-                <a16:creationId xmlns:a16="http://schemas.microsoft.com/office/drawing/2014/main" id="{7C25A7E9-D931-5F0D-1D58-43028C318134}"/>
+                <a16:creationId xmlns:a16="http://schemas.microsoft.com/office/drawing/2014/main" xmlns="" id="{7C25A7E9-D931-5F0D-1D58-43028C318134}"/>
               </a:ext>
             </a:extLst>
           </p:cNvPr>
@@ -10627,7 +10867,7 @@
           <p:cNvPr id="27" name="직사각형 26">
             <a:extLst>
               <a:ext uri="{FF2B5EF4-FFF2-40B4-BE49-F238E27FC236}">
-                <a16:creationId xmlns:a16="http://schemas.microsoft.com/office/drawing/2014/main" id="{FF41C94F-AC94-8643-F052-7D2B480961F6}"/>
+                <a16:creationId xmlns:a16="http://schemas.microsoft.com/office/drawing/2014/main" xmlns="" id="{FF41C94F-AC94-8643-F052-7D2B480961F6}"/>
               </a:ext>
             </a:extLst>
           </p:cNvPr>
@@ -11355,7 +11595,7 @@
           <p:cNvPr id="28" name="직사각형 27">
             <a:extLst>
               <a:ext uri="{FF2B5EF4-FFF2-40B4-BE49-F238E27FC236}">
-                <a16:creationId xmlns:a16="http://schemas.microsoft.com/office/drawing/2014/main" id="{2C104364-D8AA-62AA-6CA8-59CCE91816A8}"/>
+                <a16:creationId xmlns:a16="http://schemas.microsoft.com/office/drawing/2014/main" xmlns="" id="{2C104364-D8AA-62AA-6CA8-59CCE91816A8}"/>
               </a:ext>
             </a:extLst>
           </p:cNvPr>
@@ -11684,7 +11924,7 @@
           <p:cNvPr id="31" name="그림 30">
             <a:extLst>
               <a:ext uri="{FF2B5EF4-FFF2-40B4-BE49-F238E27FC236}">
-                <a16:creationId xmlns:a16="http://schemas.microsoft.com/office/drawing/2014/main" id="{289D42E1-2191-9EAD-738B-78ABF1423261}"/>
+                <a16:creationId xmlns:a16="http://schemas.microsoft.com/office/drawing/2014/main" xmlns="" id="{289D42E1-2191-9EAD-738B-78ABF1423261}"/>
               </a:ext>
             </a:extLst>
           </p:cNvPr>
@@ -11714,7 +11954,7 @@
           <p:cNvPr id="32" name="사각형: 둥근 모서리 31">
             <a:extLst>
               <a:ext uri="{FF2B5EF4-FFF2-40B4-BE49-F238E27FC236}">
-                <a16:creationId xmlns:a16="http://schemas.microsoft.com/office/drawing/2014/main" id="{612E6A9E-CBB5-137F-3907-DD91106E1EC7}"/>
+                <a16:creationId xmlns:a16="http://schemas.microsoft.com/office/drawing/2014/main" xmlns="" id="{612E6A9E-CBB5-137F-3907-DD91106E1EC7}"/>
               </a:ext>
             </a:extLst>
           </p:cNvPr>
@@ -11778,7 +12018,7 @@
           <p:cNvPr id="33" name="사각형: 둥근 모서리 32">
             <a:extLst>
               <a:ext uri="{FF2B5EF4-FFF2-40B4-BE49-F238E27FC236}">
-                <a16:creationId xmlns:a16="http://schemas.microsoft.com/office/drawing/2014/main" id="{47C1CD77-B002-F6BC-5511-E5936C66A8DB}"/>
+                <a16:creationId xmlns:a16="http://schemas.microsoft.com/office/drawing/2014/main" xmlns="" id="{47C1CD77-B002-F6BC-5511-E5936C66A8DB}"/>
               </a:ext>
             </a:extLst>
           </p:cNvPr>
@@ -11856,7 +12096,7 @@
           <p:cNvPr id="38" name="그림 37">
             <a:extLst>
               <a:ext uri="{FF2B5EF4-FFF2-40B4-BE49-F238E27FC236}">
-                <a16:creationId xmlns:a16="http://schemas.microsoft.com/office/drawing/2014/main" id="{BFFAD531-3526-C721-9691-6896AA30E168}"/>
+                <a16:creationId xmlns:a16="http://schemas.microsoft.com/office/drawing/2014/main" xmlns="" id="{BFFAD531-3526-C721-9691-6896AA30E168}"/>
               </a:ext>
             </a:extLst>
           </p:cNvPr>
@@ -11886,7 +12126,7 @@
           <p:cNvPr id="40" name="사각형: 둥근 모서리 39">
             <a:extLst>
               <a:ext uri="{FF2B5EF4-FFF2-40B4-BE49-F238E27FC236}">
-                <a16:creationId xmlns:a16="http://schemas.microsoft.com/office/drawing/2014/main" id="{DA6265B2-5FE2-28FD-D0D2-496A932ED4A5}"/>
+                <a16:creationId xmlns:a16="http://schemas.microsoft.com/office/drawing/2014/main" xmlns="" id="{DA6265B2-5FE2-28FD-D0D2-496A932ED4A5}"/>
               </a:ext>
             </a:extLst>
           </p:cNvPr>
@@ -11950,7 +12190,7 @@
           <p:cNvPr id="42" name="그림 41">
             <a:extLst>
               <a:ext uri="{FF2B5EF4-FFF2-40B4-BE49-F238E27FC236}">
-                <a16:creationId xmlns:a16="http://schemas.microsoft.com/office/drawing/2014/main" id="{49F6D213-BD15-1735-9875-616B566E9861}"/>
+                <a16:creationId xmlns:a16="http://schemas.microsoft.com/office/drawing/2014/main" xmlns="" id="{49F6D213-BD15-1735-9875-616B566E9861}"/>
               </a:ext>
             </a:extLst>
           </p:cNvPr>
@@ -11980,7 +12220,7 @@
           <p:cNvPr id="43" name="직사각형 42">
             <a:extLst>
               <a:ext uri="{FF2B5EF4-FFF2-40B4-BE49-F238E27FC236}">
-                <a16:creationId xmlns:a16="http://schemas.microsoft.com/office/drawing/2014/main" id="{2E5D7B6A-FF38-A142-EFAB-EA6225D4ED4D}"/>
+                <a16:creationId xmlns:a16="http://schemas.microsoft.com/office/drawing/2014/main" xmlns="" id="{2E5D7B6A-FF38-A142-EFAB-EA6225D4ED4D}"/>
               </a:ext>
             </a:extLst>
           </p:cNvPr>
@@ -12017,7 +12257,7 @@
           <p:cNvPr id="45" name="사각형: 둥근 모서리 44">
             <a:extLst>
               <a:ext uri="{FF2B5EF4-FFF2-40B4-BE49-F238E27FC236}">
-                <a16:creationId xmlns:a16="http://schemas.microsoft.com/office/drawing/2014/main" id="{DE51BECE-74AF-5458-1A89-634A00CBCEDB}"/>
+                <a16:creationId xmlns:a16="http://schemas.microsoft.com/office/drawing/2014/main" xmlns="" id="{DE51BECE-74AF-5458-1A89-634A00CBCEDB}"/>
               </a:ext>
             </a:extLst>
           </p:cNvPr>
@@ -12081,7 +12321,7 @@
           <p:cNvPr id="46" name="직사각형 45">
             <a:extLst>
               <a:ext uri="{FF2B5EF4-FFF2-40B4-BE49-F238E27FC236}">
-                <a16:creationId xmlns:a16="http://schemas.microsoft.com/office/drawing/2014/main" id="{29640EEA-C4AF-862E-6D5D-F80CFAB21099}"/>
+                <a16:creationId xmlns:a16="http://schemas.microsoft.com/office/drawing/2014/main" xmlns="" id="{29640EEA-C4AF-862E-6D5D-F80CFAB21099}"/>
               </a:ext>
             </a:extLst>
           </p:cNvPr>
@@ -12118,7 +12358,7 @@
           <p:cNvPr id="47" name="사각형: 둥근 모서리 46">
             <a:extLst>
               <a:ext uri="{FF2B5EF4-FFF2-40B4-BE49-F238E27FC236}">
-                <a16:creationId xmlns:a16="http://schemas.microsoft.com/office/drawing/2014/main" id="{AADD589A-6397-5E44-48EE-5BBD3EA6F9F5}"/>
+                <a16:creationId xmlns:a16="http://schemas.microsoft.com/office/drawing/2014/main" xmlns="" id="{AADD589A-6397-5E44-48EE-5BBD3EA6F9F5}"/>
               </a:ext>
             </a:extLst>
           </p:cNvPr>
@@ -12182,7 +12422,7 @@
           <p:cNvPr id="48" name="직사각형 47">
             <a:extLst>
               <a:ext uri="{FF2B5EF4-FFF2-40B4-BE49-F238E27FC236}">
-                <a16:creationId xmlns:a16="http://schemas.microsoft.com/office/drawing/2014/main" id="{051D981A-6EBD-38D9-F2EF-AD9CCA58049C}"/>
+                <a16:creationId xmlns:a16="http://schemas.microsoft.com/office/drawing/2014/main" xmlns="" id="{051D981A-6EBD-38D9-F2EF-AD9CCA58049C}"/>
               </a:ext>
             </a:extLst>
           </p:cNvPr>
@@ -12250,7 +12490,7 @@
           <p:cNvPr id="49" name="사각형: 둥근 모서리 48">
             <a:extLst>
               <a:ext uri="{FF2B5EF4-FFF2-40B4-BE49-F238E27FC236}">
-                <a16:creationId xmlns:a16="http://schemas.microsoft.com/office/drawing/2014/main" id="{B8EB0177-24B8-02DF-CA5A-6FF0F2CA1A58}"/>
+                <a16:creationId xmlns:a16="http://schemas.microsoft.com/office/drawing/2014/main" xmlns="" id="{B8EB0177-24B8-02DF-CA5A-6FF0F2CA1A58}"/>
               </a:ext>
             </a:extLst>
           </p:cNvPr>
@@ -12314,7 +12554,7 @@
           <p:cNvPr id="51" name="직사각형 50">
             <a:extLst>
               <a:ext uri="{FF2B5EF4-FFF2-40B4-BE49-F238E27FC236}">
-                <a16:creationId xmlns:a16="http://schemas.microsoft.com/office/drawing/2014/main" id="{1E0AB160-FA42-3999-BD9B-918B82C4088C}"/>
+                <a16:creationId xmlns:a16="http://schemas.microsoft.com/office/drawing/2014/main" xmlns="" id="{1E0AB160-FA42-3999-BD9B-918B82C4088C}"/>
               </a:ext>
             </a:extLst>
           </p:cNvPr>
@@ -12465,7 +12705,7 @@
           <p:cNvPr id="53" name="사각형: 둥근 모서리 52">
             <a:extLst>
               <a:ext uri="{FF2B5EF4-FFF2-40B4-BE49-F238E27FC236}">
-                <a16:creationId xmlns:a16="http://schemas.microsoft.com/office/drawing/2014/main" id="{A46D6B0D-223C-F5E3-359D-3F2CCE7CE7F8}"/>
+                <a16:creationId xmlns:a16="http://schemas.microsoft.com/office/drawing/2014/main" xmlns="" id="{A46D6B0D-223C-F5E3-359D-3F2CCE7CE7F8}"/>
               </a:ext>
             </a:extLst>
           </p:cNvPr>
@@ -12525,7 +12765,7 @@
           <p:cNvPr id="58" name="그림 57">
             <a:extLst>
               <a:ext uri="{FF2B5EF4-FFF2-40B4-BE49-F238E27FC236}">
-                <a16:creationId xmlns:a16="http://schemas.microsoft.com/office/drawing/2014/main" id="{8B24E1D5-B265-4100-9FA5-AADFE38E396A}"/>
+                <a16:creationId xmlns:a16="http://schemas.microsoft.com/office/drawing/2014/main" xmlns="" id="{8B24E1D5-B265-4100-9FA5-AADFE38E396A}"/>
               </a:ext>
             </a:extLst>
           </p:cNvPr>
@@ -12555,7 +12795,7 @@
           <p:cNvPr id="60" name="직사각형 59">
             <a:extLst>
               <a:ext uri="{FF2B5EF4-FFF2-40B4-BE49-F238E27FC236}">
-                <a16:creationId xmlns:a16="http://schemas.microsoft.com/office/drawing/2014/main" id="{6677125E-B0B3-B236-D54D-A6BBDB52AAF1}"/>
+                <a16:creationId xmlns:a16="http://schemas.microsoft.com/office/drawing/2014/main" xmlns="" id="{6677125E-B0B3-B236-D54D-A6BBDB52AAF1}"/>
               </a:ext>
             </a:extLst>
           </p:cNvPr>
@@ -12908,7 +13148,7 @@
         <p:cNvPr id="1" name="">
           <a:extLst>
             <a:ext uri="{FF2B5EF4-FFF2-40B4-BE49-F238E27FC236}">
-              <a16:creationId xmlns:a16="http://schemas.microsoft.com/office/drawing/2014/main" id="{56476DC7-BEEA-2FF6-20D6-8FA7F3ECC4C9}"/>
+              <a16:creationId xmlns:a16="http://schemas.microsoft.com/office/drawing/2014/main" xmlns="" id="{56476DC7-BEEA-2FF6-20D6-8FA7F3ECC4C9}"/>
             </a:ext>
           </a:extLst>
         </p:cNvPr>
@@ -12928,7 +13168,7 @@
           <p:cNvPr id="17" name="그룹 16">
             <a:extLst>
               <a:ext uri="{FF2B5EF4-FFF2-40B4-BE49-F238E27FC236}">
-                <a16:creationId xmlns:a16="http://schemas.microsoft.com/office/drawing/2014/main" id="{38A5B5D4-EC96-4D64-272A-B8080BF3F87D}"/>
+                <a16:creationId xmlns:a16="http://schemas.microsoft.com/office/drawing/2014/main" xmlns="" id="{38A5B5D4-EC96-4D64-272A-B8080BF3F87D}"/>
               </a:ext>
             </a:extLst>
           </p:cNvPr>
@@ -12948,7 +13188,7 @@
             <p:cNvPr id="5" name="TextBox 5">
               <a:extLst>
                 <a:ext uri="{FF2B5EF4-FFF2-40B4-BE49-F238E27FC236}">
-                  <a16:creationId xmlns:a16="http://schemas.microsoft.com/office/drawing/2014/main" id="{8612D597-DC29-4EBD-5FFD-9C1BE5B03660}"/>
+                  <a16:creationId xmlns:a16="http://schemas.microsoft.com/office/drawing/2014/main" xmlns="" id="{8612D597-DC29-4EBD-5FFD-9C1BE5B03660}"/>
                 </a:ext>
               </a:extLst>
             </p:cNvPr>
@@ -13046,7 +13286,7 @@
             <p:cNvPr id="6" name="Picture 6">
               <a:extLst>
                 <a:ext uri="{FF2B5EF4-FFF2-40B4-BE49-F238E27FC236}">
-                  <a16:creationId xmlns:a16="http://schemas.microsoft.com/office/drawing/2014/main" id="{A78BFD50-1792-AB41-087C-83F1EFBE708E}"/>
+                  <a16:creationId xmlns:a16="http://schemas.microsoft.com/office/drawing/2014/main" xmlns="" id="{A78BFD50-1792-AB41-087C-83F1EFBE708E}"/>
                 </a:ext>
               </a:extLst>
             </p:cNvPr>
@@ -13077,7 +13317,7 @@
           <p:cNvPr id="7" name="TextBox 7">
             <a:extLst>
               <a:ext uri="{FF2B5EF4-FFF2-40B4-BE49-F238E27FC236}">
-                <a16:creationId xmlns:a16="http://schemas.microsoft.com/office/drawing/2014/main" id="{D2866E14-3424-FF97-FEE2-082E85D88B3E}"/>
+                <a16:creationId xmlns:a16="http://schemas.microsoft.com/office/drawing/2014/main" xmlns="" id="{D2866E14-3424-FF97-FEE2-082E85D88B3E}"/>
               </a:ext>
             </a:extLst>
           </p:cNvPr>
@@ -13117,7 +13357,7 @@
           <p:cNvPr id="8" name="Picture 8">
             <a:extLst>
               <a:ext uri="{FF2B5EF4-FFF2-40B4-BE49-F238E27FC236}">
-                <a16:creationId xmlns:a16="http://schemas.microsoft.com/office/drawing/2014/main" id="{F98BB402-33D6-98E4-1DF4-9A79FE1CF331}"/>
+                <a16:creationId xmlns:a16="http://schemas.microsoft.com/office/drawing/2014/main" xmlns="" id="{F98BB402-33D6-98E4-1DF4-9A79FE1CF331}"/>
               </a:ext>
             </a:extLst>
           </p:cNvPr>
@@ -13147,7 +13387,7 @@
           <p:cNvPr id="9" name="TextBox 9">
             <a:extLst>
               <a:ext uri="{FF2B5EF4-FFF2-40B4-BE49-F238E27FC236}">
-                <a16:creationId xmlns:a16="http://schemas.microsoft.com/office/drawing/2014/main" id="{EB7C6414-1017-976C-D864-1D584D262A41}"/>
+                <a16:creationId xmlns:a16="http://schemas.microsoft.com/office/drawing/2014/main" xmlns="" id="{EB7C6414-1017-976C-D864-1D584D262A41}"/>
               </a:ext>
             </a:extLst>
           </p:cNvPr>
@@ -13197,7 +13437,7 @@
           <p:cNvPr id="23" name="Group 23">
             <a:extLst>
               <a:ext uri="{FF2B5EF4-FFF2-40B4-BE49-F238E27FC236}">
-                <a16:creationId xmlns:a16="http://schemas.microsoft.com/office/drawing/2014/main" id="{5A137B8F-83C1-E486-3127-9B4847639FE8}"/>
+                <a16:creationId xmlns:a16="http://schemas.microsoft.com/office/drawing/2014/main" xmlns="" id="{5A137B8F-83C1-E486-3127-9B4847639FE8}"/>
               </a:ext>
             </a:extLst>
           </p:cNvPr>
@@ -13218,7 +13458,7 @@
           <p:cNvPr id="25" name="Group 25">
             <a:extLst>
               <a:ext uri="{FF2B5EF4-FFF2-40B4-BE49-F238E27FC236}">
-                <a16:creationId xmlns:a16="http://schemas.microsoft.com/office/drawing/2014/main" id="{AFF3994A-8287-1F5B-647E-AA3411A69EBA}"/>
+                <a16:creationId xmlns:a16="http://schemas.microsoft.com/office/drawing/2014/main" xmlns="" id="{AFF3994A-8287-1F5B-647E-AA3411A69EBA}"/>
               </a:ext>
             </a:extLst>
           </p:cNvPr>
@@ -13239,7 +13479,7 @@
           <p:cNvPr id="29" name="Group 29">
             <a:extLst>
               <a:ext uri="{FF2B5EF4-FFF2-40B4-BE49-F238E27FC236}">
-                <a16:creationId xmlns:a16="http://schemas.microsoft.com/office/drawing/2014/main" id="{8F71EB44-8ED8-50B3-4052-920678C925A0}"/>
+                <a16:creationId xmlns:a16="http://schemas.microsoft.com/office/drawing/2014/main" xmlns="" id="{8F71EB44-8ED8-50B3-4052-920678C925A0}"/>
               </a:ext>
             </a:extLst>
           </p:cNvPr>
@@ -13260,7 +13500,7 @@
           <p:cNvPr id="34" name="Group 34">
             <a:extLst>
               <a:ext uri="{FF2B5EF4-FFF2-40B4-BE49-F238E27FC236}">
-                <a16:creationId xmlns:a16="http://schemas.microsoft.com/office/drawing/2014/main" id="{AD0B9278-7299-01EB-5D4B-F8113F54F412}"/>
+                <a16:creationId xmlns:a16="http://schemas.microsoft.com/office/drawing/2014/main" xmlns="" id="{AD0B9278-7299-01EB-5D4B-F8113F54F412}"/>
               </a:ext>
             </a:extLst>
           </p:cNvPr>
@@ -13281,7 +13521,7 @@
           <p:cNvPr id="39" name="Group 39">
             <a:extLst>
               <a:ext uri="{FF2B5EF4-FFF2-40B4-BE49-F238E27FC236}">
-                <a16:creationId xmlns:a16="http://schemas.microsoft.com/office/drawing/2014/main" id="{0A6E0B7E-A17D-EC32-22C3-DF045F46034A}"/>
+                <a16:creationId xmlns:a16="http://schemas.microsoft.com/office/drawing/2014/main" xmlns="" id="{0A6E0B7E-A17D-EC32-22C3-DF045F46034A}"/>
               </a:ext>
             </a:extLst>
           </p:cNvPr>
@@ -13302,7 +13542,7 @@
           <p:cNvPr id="44" name="Group 44">
             <a:extLst>
               <a:ext uri="{FF2B5EF4-FFF2-40B4-BE49-F238E27FC236}">
-                <a16:creationId xmlns:a16="http://schemas.microsoft.com/office/drawing/2014/main" id="{5324A659-DD50-AE4B-A038-356587647266}"/>
+                <a16:creationId xmlns:a16="http://schemas.microsoft.com/office/drawing/2014/main" xmlns="" id="{5324A659-DD50-AE4B-A038-356587647266}"/>
               </a:ext>
             </a:extLst>
           </p:cNvPr>
@@ -13323,7 +13563,7 @@
           <p:cNvPr id="50" name="Picture 50">
             <a:extLst>
               <a:ext uri="{FF2B5EF4-FFF2-40B4-BE49-F238E27FC236}">
-                <a16:creationId xmlns:a16="http://schemas.microsoft.com/office/drawing/2014/main" id="{A8803C42-9B13-CC0B-CB77-E0D56644B54D}"/>
+                <a16:creationId xmlns:a16="http://schemas.microsoft.com/office/drawing/2014/main" xmlns="" id="{A8803C42-9B13-CC0B-CB77-E0D56644B54D}"/>
               </a:ext>
             </a:extLst>
           </p:cNvPr>
@@ -13353,7 +13593,7 @@
           <p:cNvPr id="4" name="그룹 3">
             <a:extLst>
               <a:ext uri="{FF2B5EF4-FFF2-40B4-BE49-F238E27FC236}">
-                <a16:creationId xmlns:a16="http://schemas.microsoft.com/office/drawing/2014/main" id="{50FFF4F7-9500-1155-32F5-A5A55E799AB8}"/>
+                <a16:creationId xmlns:a16="http://schemas.microsoft.com/office/drawing/2014/main" xmlns="" id="{50FFF4F7-9500-1155-32F5-A5A55E799AB8}"/>
               </a:ext>
             </a:extLst>
           </p:cNvPr>
@@ -13373,7 +13613,7 @@
             <p:cNvPr id="57" name="TextBox 9">
               <a:extLst>
                 <a:ext uri="{FF2B5EF4-FFF2-40B4-BE49-F238E27FC236}">
-                  <a16:creationId xmlns:a16="http://schemas.microsoft.com/office/drawing/2014/main" id="{25CB2F80-4602-4543-CC96-C9603CA5777D}"/>
+                  <a16:creationId xmlns:a16="http://schemas.microsoft.com/office/drawing/2014/main" xmlns="" id="{25CB2F80-4602-4543-CC96-C9603CA5777D}"/>
                 </a:ext>
               </a:extLst>
             </p:cNvPr>
@@ -13431,7 +13671,7 @@
             <p:cNvPr id="52" name="직선 연결선 51">
               <a:extLst>
                 <a:ext uri="{FF2B5EF4-FFF2-40B4-BE49-F238E27FC236}">
-                  <a16:creationId xmlns:a16="http://schemas.microsoft.com/office/drawing/2014/main" id="{CB90DDB5-D21C-E246-B209-1B46418C8EA9}"/>
+                  <a16:creationId xmlns:a16="http://schemas.microsoft.com/office/drawing/2014/main" xmlns="" id="{CB90DDB5-D21C-E246-B209-1B46418C8EA9}"/>
                 </a:ext>
               </a:extLst>
             </p:cNvPr>
@@ -13474,7 +13714,7 @@
           <p:cNvPr id="2" name="TextBox 4">
             <a:extLst>
               <a:ext uri="{FF2B5EF4-FFF2-40B4-BE49-F238E27FC236}">
-                <a16:creationId xmlns:a16="http://schemas.microsoft.com/office/drawing/2014/main" id="{D7EFAB0B-09DF-C5F8-70DB-168D1B31B1C3}"/>
+                <a16:creationId xmlns:a16="http://schemas.microsoft.com/office/drawing/2014/main" xmlns="" id="{D7EFAB0B-09DF-C5F8-70DB-168D1B31B1C3}"/>
               </a:ext>
             </a:extLst>
           </p:cNvPr>
@@ -13483,7 +13723,7 @@
         </p:nvSpPr>
         <p:spPr>
           <a:xfrm>
-            <a:off x="380999" y="266700"/>
+            <a:off x="2057399" y="266700"/>
             <a:ext cx="5029201" cy="533400"/>
           </a:xfrm>
           <a:prstGeom prst="rect">
@@ -13540,7 +13780,7 @@
           <p:cNvPr id="13" name="직사각형 12">
             <a:extLst>
               <a:ext uri="{FF2B5EF4-FFF2-40B4-BE49-F238E27FC236}">
-                <a16:creationId xmlns:a16="http://schemas.microsoft.com/office/drawing/2014/main" id="{09505D5B-B41A-ACF8-7938-C507C8C0BBC0}"/>
+                <a16:creationId xmlns:a16="http://schemas.microsoft.com/office/drawing/2014/main" xmlns="" id="{09505D5B-B41A-ACF8-7938-C507C8C0BBC0}"/>
               </a:ext>
             </a:extLst>
           </p:cNvPr>
@@ -13687,7 +13927,7 @@
           <p:cNvPr id="59" name="TextBox 9">
             <a:extLst>
               <a:ext uri="{FF2B5EF4-FFF2-40B4-BE49-F238E27FC236}">
-                <a16:creationId xmlns:a16="http://schemas.microsoft.com/office/drawing/2014/main" id="{165E92BF-939D-A108-E911-3D4B72832162}"/>
+                <a16:creationId xmlns:a16="http://schemas.microsoft.com/office/drawing/2014/main" xmlns="" id="{165E92BF-939D-A108-E911-3D4B72832162}"/>
               </a:ext>
             </a:extLst>
           </p:cNvPr>
@@ -13745,7 +13985,7 @@
           <p:cNvPr id="61" name="TextBox 9">
             <a:extLst>
               <a:ext uri="{FF2B5EF4-FFF2-40B4-BE49-F238E27FC236}">
-                <a16:creationId xmlns:a16="http://schemas.microsoft.com/office/drawing/2014/main" id="{1FC4C201-FAC6-B2E8-680B-E6D21BD20C67}"/>
+                <a16:creationId xmlns:a16="http://schemas.microsoft.com/office/drawing/2014/main" xmlns="" id="{1FC4C201-FAC6-B2E8-680B-E6D21BD20C67}"/>
               </a:ext>
             </a:extLst>
           </p:cNvPr>
@@ -14114,7 +14354,7 @@
           <p:cNvPr id="15" name="AutoShape 4" descr="재고관리.PNG">
             <a:extLst>
               <a:ext uri="{FF2B5EF4-FFF2-40B4-BE49-F238E27FC236}">
-                <a16:creationId xmlns:a16="http://schemas.microsoft.com/office/drawing/2014/main" id="{6D9B4317-C392-F3C7-DC80-CAAA0039C20B}"/>
+                <a16:creationId xmlns:a16="http://schemas.microsoft.com/office/drawing/2014/main" xmlns="" id="{6D9B4317-C392-F3C7-DC80-CAAA0039C20B}"/>
               </a:ext>
             </a:extLst>
           </p:cNvPr>
@@ -14159,7 +14399,7 @@
           <p:cNvPr id="65" name="직사각형 64">
             <a:extLst>
               <a:ext uri="{FF2B5EF4-FFF2-40B4-BE49-F238E27FC236}">
-                <a16:creationId xmlns:a16="http://schemas.microsoft.com/office/drawing/2014/main" id="{DD335C7C-EE67-F358-95E4-F9AAC1DA1966}"/>
+                <a16:creationId xmlns:a16="http://schemas.microsoft.com/office/drawing/2014/main" xmlns="" id="{DD335C7C-EE67-F358-95E4-F9AAC1DA1966}"/>
               </a:ext>
             </a:extLst>
           </p:cNvPr>
@@ -14319,7 +14559,7 @@
           <p:cNvPr id="66" name="Picture 8">
             <a:extLst>
               <a:ext uri="{FF2B5EF4-FFF2-40B4-BE49-F238E27FC236}">
-                <a16:creationId xmlns:a16="http://schemas.microsoft.com/office/drawing/2014/main" id="{4477F808-2E4F-69DE-2E5B-3C20C712D595}"/>
+                <a16:creationId xmlns:a16="http://schemas.microsoft.com/office/drawing/2014/main" xmlns="" id="{4477F808-2E4F-69DE-2E5B-3C20C712D595}"/>
               </a:ext>
             </a:extLst>
           </p:cNvPr>
@@ -14349,7 +14589,7 @@
           <p:cNvPr id="67" name="TextBox 9">
             <a:extLst>
               <a:ext uri="{FF2B5EF4-FFF2-40B4-BE49-F238E27FC236}">
-                <a16:creationId xmlns:a16="http://schemas.microsoft.com/office/drawing/2014/main" id="{884CB76F-3E01-4200-F90F-5C6475A6AA52}"/>
+                <a16:creationId xmlns:a16="http://schemas.microsoft.com/office/drawing/2014/main" xmlns="" id="{884CB76F-3E01-4200-F90F-5C6475A6AA52}"/>
               </a:ext>
             </a:extLst>
           </p:cNvPr>
@@ -14399,7 +14639,7 @@
           <p:cNvPr id="68" name="직사각형 67">
             <a:extLst>
               <a:ext uri="{FF2B5EF4-FFF2-40B4-BE49-F238E27FC236}">
-                <a16:creationId xmlns:a16="http://schemas.microsoft.com/office/drawing/2014/main" id="{2F89A759-6CEA-7733-7D89-715020E08700}"/>
+                <a16:creationId xmlns:a16="http://schemas.microsoft.com/office/drawing/2014/main" xmlns="" id="{2F89A759-6CEA-7733-7D89-715020E08700}"/>
               </a:ext>
             </a:extLst>
           </p:cNvPr>
@@ -14517,7 +14757,7 @@
           <p:cNvPr id="69" name="Picture 8">
             <a:extLst>
               <a:ext uri="{FF2B5EF4-FFF2-40B4-BE49-F238E27FC236}">
-                <a16:creationId xmlns:a16="http://schemas.microsoft.com/office/drawing/2014/main" id="{F223C856-62A7-0200-82D2-093BBF2400FA}"/>
+                <a16:creationId xmlns:a16="http://schemas.microsoft.com/office/drawing/2014/main" xmlns="" id="{F223C856-62A7-0200-82D2-093BBF2400FA}"/>
               </a:ext>
             </a:extLst>
           </p:cNvPr>
@@ -14547,7 +14787,7 @@
           <p:cNvPr id="70" name="TextBox 9">
             <a:extLst>
               <a:ext uri="{FF2B5EF4-FFF2-40B4-BE49-F238E27FC236}">
-                <a16:creationId xmlns:a16="http://schemas.microsoft.com/office/drawing/2014/main" id="{A83259C6-35DC-BB0A-B436-7D31777F81E0}"/>
+                <a16:creationId xmlns:a16="http://schemas.microsoft.com/office/drawing/2014/main" xmlns="" id="{A83259C6-35DC-BB0A-B436-7D31777F81E0}"/>
               </a:ext>
             </a:extLst>
           </p:cNvPr>
@@ -14597,7 +14837,7 @@
           <p:cNvPr id="71" name="직사각형 70">
             <a:extLst>
               <a:ext uri="{FF2B5EF4-FFF2-40B4-BE49-F238E27FC236}">
-                <a16:creationId xmlns:a16="http://schemas.microsoft.com/office/drawing/2014/main" id="{FEC3648E-C063-C007-FC7B-83C9984C7BF7}"/>
+                <a16:creationId xmlns:a16="http://schemas.microsoft.com/office/drawing/2014/main" xmlns="" id="{FEC3648E-C063-C007-FC7B-83C9984C7BF7}"/>
               </a:ext>
             </a:extLst>
           </p:cNvPr>
@@ -14835,7 +15075,7 @@
           <p:cNvPr id="62" name="그룹 61">
             <a:extLst>
               <a:ext uri="{FF2B5EF4-FFF2-40B4-BE49-F238E27FC236}">
-                <a16:creationId xmlns:a16="http://schemas.microsoft.com/office/drawing/2014/main" id="{58959AA5-48FB-D88B-3131-3F639735D9A5}"/>
+                <a16:creationId xmlns:a16="http://schemas.microsoft.com/office/drawing/2014/main" xmlns="" id="{58959AA5-48FB-D88B-3131-3F639735D9A5}"/>
               </a:ext>
             </a:extLst>
           </p:cNvPr>
@@ -14855,7 +15095,7 @@
             <p:cNvPr id="72" name="Picture 8">
               <a:extLst>
                 <a:ext uri="{FF2B5EF4-FFF2-40B4-BE49-F238E27FC236}">
-                  <a16:creationId xmlns:a16="http://schemas.microsoft.com/office/drawing/2014/main" id="{90B75697-CD2C-737C-4FFC-4BFB3C0043EF}"/>
+                  <a16:creationId xmlns:a16="http://schemas.microsoft.com/office/drawing/2014/main" xmlns="" id="{90B75697-CD2C-737C-4FFC-4BFB3C0043EF}"/>
                 </a:ext>
               </a:extLst>
             </p:cNvPr>
@@ -14885,7 +15125,7 @@
             <p:cNvPr id="12" name="TextBox 12">
               <a:extLst>
                 <a:ext uri="{FF2B5EF4-FFF2-40B4-BE49-F238E27FC236}">
-                  <a16:creationId xmlns:a16="http://schemas.microsoft.com/office/drawing/2014/main" id="{2129E6BD-7E35-05B7-F0F2-A879BCA51653}"/>
+                  <a16:creationId xmlns:a16="http://schemas.microsoft.com/office/drawing/2014/main" xmlns="" id="{2129E6BD-7E35-05B7-F0F2-A879BCA51653}"/>
                 </a:ext>
               </a:extLst>
             </p:cNvPr>
@@ -14929,7 +15169,7 @@
           <p:cNvPr id="75" name="직사각형 74">
             <a:extLst>
               <a:ext uri="{FF2B5EF4-FFF2-40B4-BE49-F238E27FC236}">
-                <a16:creationId xmlns:a16="http://schemas.microsoft.com/office/drawing/2014/main" id="{FCE9E89A-B76C-2501-673C-5F8747F19EA7}"/>
+                <a16:creationId xmlns:a16="http://schemas.microsoft.com/office/drawing/2014/main" xmlns="" id="{FCE9E89A-B76C-2501-673C-5F8747F19EA7}"/>
               </a:ext>
             </a:extLst>
           </p:cNvPr>
@@ -15218,7 +15458,7 @@
           <p:cNvPr id="14" name="그룹 13">
             <a:extLst>
               <a:ext uri="{FF2B5EF4-FFF2-40B4-BE49-F238E27FC236}">
-                <a16:creationId xmlns:a16="http://schemas.microsoft.com/office/drawing/2014/main" id="{63A7C831-C518-61AE-F4B7-4C7D893AA00E}"/>
+                <a16:creationId xmlns:a16="http://schemas.microsoft.com/office/drawing/2014/main" xmlns="" id="{63A7C831-C518-61AE-F4B7-4C7D893AA00E}"/>
               </a:ext>
             </a:extLst>
           </p:cNvPr>
@@ -15238,7 +15478,7 @@
             <p:cNvPr id="76" name="그룹 75">
               <a:extLst>
                 <a:ext uri="{FF2B5EF4-FFF2-40B4-BE49-F238E27FC236}">
-                  <a16:creationId xmlns:a16="http://schemas.microsoft.com/office/drawing/2014/main" id="{A88D9077-FAAA-C4FA-32E9-4836D900F7AE}"/>
+                  <a16:creationId xmlns:a16="http://schemas.microsoft.com/office/drawing/2014/main" xmlns="" id="{A88D9077-FAAA-C4FA-32E9-4836D900F7AE}"/>
                 </a:ext>
               </a:extLst>
             </p:cNvPr>
@@ -15258,7 +15498,7 @@
               <p:cNvPr id="77" name="Picture 8">
                 <a:extLst>
                   <a:ext uri="{FF2B5EF4-FFF2-40B4-BE49-F238E27FC236}">
-                    <a16:creationId xmlns:a16="http://schemas.microsoft.com/office/drawing/2014/main" id="{73FC5F45-5F16-BC25-1F05-74C511953CAF}"/>
+                    <a16:creationId xmlns:a16="http://schemas.microsoft.com/office/drawing/2014/main" xmlns="" id="{73FC5F45-5F16-BC25-1F05-74C511953CAF}"/>
                   </a:ext>
                 </a:extLst>
               </p:cNvPr>
@@ -15288,7 +15528,7 @@
               <p:cNvPr id="78" name="TextBox 12">
                 <a:extLst>
                   <a:ext uri="{FF2B5EF4-FFF2-40B4-BE49-F238E27FC236}">
-                    <a16:creationId xmlns:a16="http://schemas.microsoft.com/office/drawing/2014/main" id="{A315FC48-554A-0AC4-D45A-1C77721DF191}"/>
+                    <a16:creationId xmlns:a16="http://schemas.microsoft.com/office/drawing/2014/main" xmlns="" id="{A315FC48-554A-0AC4-D45A-1C77721DF191}"/>
                   </a:ext>
                 </a:extLst>
               </p:cNvPr>
@@ -15332,7 +15572,7 @@
             <p:cNvPr id="11" name="직사각형 10">
               <a:extLst>
                 <a:ext uri="{FF2B5EF4-FFF2-40B4-BE49-F238E27FC236}">
-                  <a16:creationId xmlns:a16="http://schemas.microsoft.com/office/drawing/2014/main" id="{A5E6D0E6-DCFC-F53C-73C4-2D197BB12A9E}"/>
+                  <a16:creationId xmlns:a16="http://schemas.microsoft.com/office/drawing/2014/main" xmlns="" id="{A5E6D0E6-DCFC-F53C-73C4-2D197BB12A9E}"/>
                 </a:ext>
               </a:extLst>
             </p:cNvPr>
@@ -15377,7 +15617,7 @@
           <p:cNvPr id="33" name="그룹 32">
             <a:extLst>
               <a:ext uri="{FF2B5EF4-FFF2-40B4-BE49-F238E27FC236}">
-                <a16:creationId xmlns:a16="http://schemas.microsoft.com/office/drawing/2014/main" id="{519C9E81-A815-D438-02DC-FD22836D826D}"/>
+                <a16:creationId xmlns:a16="http://schemas.microsoft.com/office/drawing/2014/main" xmlns="" id="{519C9E81-A815-D438-02DC-FD22836D826D}"/>
               </a:ext>
             </a:extLst>
           </p:cNvPr>
@@ -15397,7 +15637,7 @@
             <p:cNvPr id="32" name="그룹 31">
               <a:extLst>
                 <a:ext uri="{FF2B5EF4-FFF2-40B4-BE49-F238E27FC236}">
-                  <a16:creationId xmlns:a16="http://schemas.microsoft.com/office/drawing/2014/main" id="{1F88F8A4-0B27-5A83-5E4A-9D3C4F65C6EB}"/>
+                  <a16:creationId xmlns:a16="http://schemas.microsoft.com/office/drawing/2014/main" xmlns="" id="{1F88F8A4-0B27-5A83-5E4A-9D3C4F65C6EB}"/>
                 </a:ext>
               </a:extLst>
             </p:cNvPr>
@@ -15417,7 +15657,7 @@
               <p:cNvPr id="18" name="Picture 6" descr="키오스크ㅣLH24KMCCBGCXKRㅣSamsung Business 대한민국">
                 <a:extLst>
                   <a:ext uri="{FF2B5EF4-FFF2-40B4-BE49-F238E27FC236}">
-                    <a16:creationId xmlns:a16="http://schemas.microsoft.com/office/drawing/2014/main" id="{80B9572A-42A1-FFC7-2BA9-FB954F2F3E1D}"/>
+                    <a16:creationId xmlns:a16="http://schemas.microsoft.com/office/drawing/2014/main" xmlns="" id="{80B9572A-42A1-FFC7-2BA9-FB954F2F3E1D}"/>
                   </a:ext>
                 </a:extLst>
               </p:cNvPr>
@@ -15464,7 +15704,7 @@
               <p:cNvPr id="20" name="그림 19">
                 <a:extLst>
                   <a:ext uri="{FF2B5EF4-FFF2-40B4-BE49-F238E27FC236}">
-                    <a16:creationId xmlns:a16="http://schemas.microsoft.com/office/drawing/2014/main" id="{E4931C4E-2FE8-6633-94C3-51E687428834}"/>
+                    <a16:creationId xmlns:a16="http://schemas.microsoft.com/office/drawing/2014/main" xmlns="" id="{E4931C4E-2FE8-6633-94C3-51E687428834}"/>
                   </a:ext>
                 </a:extLst>
               </p:cNvPr>
@@ -15501,7 +15741,7 @@
             <p:cNvPr id="30" name="그룹 29">
               <a:extLst>
                 <a:ext uri="{FF2B5EF4-FFF2-40B4-BE49-F238E27FC236}">
-                  <a16:creationId xmlns:a16="http://schemas.microsoft.com/office/drawing/2014/main" id="{D5F11D71-3171-A173-4735-AAE6E5AEBCEB}"/>
+                  <a16:creationId xmlns:a16="http://schemas.microsoft.com/office/drawing/2014/main" xmlns="" id="{D5F11D71-3171-A173-4735-AAE6E5AEBCEB}"/>
                 </a:ext>
               </a:extLst>
             </p:cNvPr>
@@ -15521,7 +15761,7 @@
               <p:cNvPr id="21" name="Picture 6" descr="키오스크ㅣLH24KMCCBGCXKRㅣSamsung Business 대한민국">
                 <a:extLst>
                   <a:ext uri="{FF2B5EF4-FFF2-40B4-BE49-F238E27FC236}">
-                    <a16:creationId xmlns:a16="http://schemas.microsoft.com/office/drawing/2014/main" id="{4588E37F-00C5-48B3-8407-43641EE30557}"/>
+                    <a16:creationId xmlns:a16="http://schemas.microsoft.com/office/drawing/2014/main" xmlns="" id="{4588E37F-00C5-48B3-8407-43641EE30557}"/>
                   </a:ext>
                 </a:extLst>
               </p:cNvPr>
@@ -15568,7 +15808,7 @@
               <p:cNvPr id="24" name="그림 23">
                 <a:extLst>
                   <a:ext uri="{FF2B5EF4-FFF2-40B4-BE49-F238E27FC236}">
-                    <a16:creationId xmlns:a16="http://schemas.microsoft.com/office/drawing/2014/main" id="{7862F868-D7E0-CEB8-9786-20DC5E4101BC}"/>
+                    <a16:creationId xmlns:a16="http://schemas.microsoft.com/office/drawing/2014/main" xmlns="" id="{7862F868-D7E0-CEB8-9786-20DC5E4101BC}"/>
                   </a:ext>
                 </a:extLst>
               </p:cNvPr>
@@ -15605,7 +15845,7 @@
             <p:cNvPr id="31" name="그룹 30">
               <a:extLst>
                 <a:ext uri="{FF2B5EF4-FFF2-40B4-BE49-F238E27FC236}">
-                  <a16:creationId xmlns:a16="http://schemas.microsoft.com/office/drawing/2014/main" id="{B9AB9D6E-D364-1D5D-1532-E7F1A677CB86}"/>
+                  <a16:creationId xmlns:a16="http://schemas.microsoft.com/office/drawing/2014/main" xmlns="" id="{B9AB9D6E-D364-1D5D-1532-E7F1A677CB86}"/>
                 </a:ext>
               </a:extLst>
             </p:cNvPr>
@@ -15625,7 +15865,7 @@
               <p:cNvPr id="26" name="Picture 6" descr="키오스크ㅣLH24KMCCBGCXKRㅣSamsung Business 대한민국">
                 <a:extLst>
                   <a:ext uri="{FF2B5EF4-FFF2-40B4-BE49-F238E27FC236}">
-                    <a16:creationId xmlns:a16="http://schemas.microsoft.com/office/drawing/2014/main" id="{CAF445BA-60E6-152D-0B5C-2774FA1A9D54}"/>
+                    <a16:creationId xmlns:a16="http://schemas.microsoft.com/office/drawing/2014/main" xmlns="" id="{CAF445BA-60E6-152D-0B5C-2774FA1A9D54}"/>
                   </a:ext>
                 </a:extLst>
               </p:cNvPr>
@@ -15672,7 +15912,7 @@
               <p:cNvPr id="28" name="그림 27">
                 <a:extLst>
                   <a:ext uri="{FF2B5EF4-FFF2-40B4-BE49-F238E27FC236}">
-                    <a16:creationId xmlns:a16="http://schemas.microsoft.com/office/drawing/2014/main" id="{EFCBEB8C-1B3F-2BC5-EC11-86FD9752096B}"/>
+                    <a16:creationId xmlns:a16="http://schemas.microsoft.com/office/drawing/2014/main" xmlns="" id="{EFCBEB8C-1B3F-2BC5-EC11-86FD9752096B}"/>
                   </a:ext>
                 </a:extLst>
               </p:cNvPr>
@@ -15710,7 +15950,7 @@
           <p:cNvPr id="41" name="그룹 40">
             <a:extLst>
               <a:ext uri="{FF2B5EF4-FFF2-40B4-BE49-F238E27FC236}">
-                <a16:creationId xmlns:a16="http://schemas.microsoft.com/office/drawing/2014/main" id="{4866597A-1E80-81E3-FEC5-4A0F8E88E841}"/>
+                <a16:creationId xmlns:a16="http://schemas.microsoft.com/office/drawing/2014/main" xmlns="" id="{4866597A-1E80-81E3-FEC5-4A0F8E88E841}"/>
               </a:ext>
             </a:extLst>
           </p:cNvPr>
@@ -15730,7 +15970,7 @@
             <p:cNvPr id="38" name="타원 37">
               <a:extLst>
                 <a:ext uri="{FF2B5EF4-FFF2-40B4-BE49-F238E27FC236}">
-                  <a16:creationId xmlns:a16="http://schemas.microsoft.com/office/drawing/2014/main" id="{AB436EBD-7FA0-C921-255E-EB2AB874F9C8}"/>
+                  <a16:creationId xmlns:a16="http://schemas.microsoft.com/office/drawing/2014/main" xmlns="" id="{AB436EBD-7FA0-C921-255E-EB2AB874F9C8}"/>
                 </a:ext>
               </a:extLst>
             </p:cNvPr>
@@ -15784,7 +16024,7 @@
             <p:cNvPr id="37" name="그림 36">
               <a:extLst>
                 <a:ext uri="{FF2B5EF4-FFF2-40B4-BE49-F238E27FC236}">
-                  <a16:creationId xmlns:a16="http://schemas.microsoft.com/office/drawing/2014/main" id="{91535379-294F-7C6A-E238-540844B2E9CC}"/>
+                  <a16:creationId xmlns:a16="http://schemas.microsoft.com/office/drawing/2014/main" xmlns="" id="{91535379-294F-7C6A-E238-540844B2E9CC}"/>
                 </a:ext>
               </a:extLst>
             </p:cNvPr>
@@ -15823,7 +16063,7 @@
           <p:cNvPr id="46" name="그룹 45">
             <a:extLst>
               <a:ext uri="{FF2B5EF4-FFF2-40B4-BE49-F238E27FC236}">
-                <a16:creationId xmlns:a16="http://schemas.microsoft.com/office/drawing/2014/main" id="{BEFDC06D-1FF3-445A-CC2D-B47C95BB2A0B}"/>
+                <a16:creationId xmlns:a16="http://schemas.microsoft.com/office/drawing/2014/main" xmlns="" id="{BEFDC06D-1FF3-445A-CC2D-B47C95BB2A0B}"/>
               </a:ext>
             </a:extLst>
           </p:cNvPr>
@@ -15843,7 +16083,7 @@
             <p:cNvPr id="45" name="Picture 8" descr="Hand Holding Phone PNGs for Free Download">
               <a:extLst>
                 <a:ext uri="{FF2B5EF4-FFF2-40B4-BE49-F238E27FC236}">
-                  <a16:creationId xmlns:a16="http://schemas.microsoft.com/office/drawing/2014/main" id="{DA43D2E4-8159-2E88-A066-9841926D76D8}"/>
+                  <a16:creationId xmlns:a16="http://schemas.microsoft.com/office/drawing/2014/main" xmlns="" id="{DA43D2E4-8159-2E88-A066-9841926D76D8}"/>
                 </a:ext>
               </a:extLst>
             </p:cNvPr>
@@ -15890,7 +16130,7 @@
             <p:cNvPr id="43" name="그림 42">
               <a:extLst>
                 <a:ext uri="{FF2B5EF4-FFF2-40B4-BE49-F238E27FC236}">
-                  <a16:creationId xmlns:a16="http://schemas.microsoft.com/office/drawing/2014/main" id="{6CFCD21A-FD9B-3BF9-8F72-36BCF03A91BC}"/>
+                  <a16:creationId xmlns:a16="http://schemas.microsoft.com/office/drawing/2014/main" xmlns="" id="{6CFCD21A-FD9B-3BF9-8F72-36BCF03A91BC}"/>
                 </a:ext>
               </a:extLst>
             </p:cNvPr>
@@ -15927,7 +16167,7 @@
           <p:cNvPr id="48" name="그림 47">
             <a:extLst>
               <a:ext uri="{FF2B5EF4-FFF2-40B4-BE49-F238E27FC236}">
-                <a16:creationId xmlns:a16="http://schemas.microsoft.com/office/drawing/2014/main" id="{B6FD034E-648E-45AF-2D1C-DC541B4E027D}"/>
+                <a16:creationId xmlns:a16="http://schemas.microsoft.com/office/drawing/2014/main" xmlns="" id="{B6FD034E-648E-45AF-2D1C-DC541B4E027D}"/>
               </a:ext>
             </a:extLst>
           </p:cNvPr>
@@ -15968,7 +16208,7 @@
           <p:cNvPr id="54" name="그룹 53">
             <a:extLst>
               <a:ext uri="{FF2B5EF4-FFF2-40B4-BE49-F238E27FC236}">
-                <a16:creationId xmlns:a16="http://schemas.microsoft.com/office/drawing/2014/main" id="{9D45117B-968F-5C08-C7A8-9610086DBA54}"/>
+                <a16:creationId xmlns:a16="http://schemas.microsoft.com/office/drawing/2014/main" xmlns="" id="{9D45117B-968F-5C08-C7A8-9610086DBA54}"/>
               </a:ext>
             </a:extLst>
           </p:cNvPr>
@@ -15988,7 +16228,7 @@
             <p:cNvPr id="51" name="Picture 8">
               <a:extLst>
                 <a:ext uri="{FF2B5EF4-FFF2-40B4-BE49-F238E27FC236}">
-                  <a16:creationId xmlns:a16="http://schemas.microsoft.com/office/drawing/2014/main" id="{A592B337-EDE2-6BFC-CC85-E1162DAF8FAE}"/>
+                  <a16:creationId xmlns:a16="http://schemas.microsoft.com/office/drawing/2014/main" xmlns="" id="{A592B337-EDE2-6BFC-CC85-E1162DAF8FAE}"/>
                 </a:ext>
               </a:extLst>
             </p:cNvPr>
@@ -16018,7 +16258,7 @@
             <p:cNvPr id="53" name="TextBox 9">
               <a:extLst>
                 <a:ext uri="{FF2B5EF4-FFF2-40B4-BE49-F238E27FC236}">
-                  <a16:creationId xmlns:a16="http://schemas.microsoft.com/office/drawing/2014/main" id="{B61D9C16-B60E-8DEB-A62F-59CABC0778E6}"/>
+                  <a16:creationId xmlns:a16="http://schemas.microsoft.com/office/drawing/2014/main" xmlns="" id="{B61D9C16-B60E-8DEB-A62F-59CABC0778E6}"/>
                 </a:ext>
               </a:extLst>
             </p:cNvPr>
@@ -16069,7 +16309,7 @@
           <p:cNvPr id="55" name="직사각형 54">
             <a:extLst>
               <a:ext uri="{FF2B5EF4-FFF2-40B4-BE49-F238E27FC236}">
-                <a16:creationId xmlns:a16="http://schemas.microsoft.com/office/drawing/2014/main" id="{04C95E56-BF48-7F0E-5B13-902C5AD2A6F3}"/>
+                <a16:creationId xmlns:a16="http://schemas.microsoft.com/office/drawing/2014/main" xmlns="" id="{04C95E56-BF48-7F0E-5B13-902C5AD2A6F3}"/>
               </a:ext>
             </a:extLst>
           </p:cNvPr>
@@ -16163,7 +16403,7 @@
           <p:cNvPr id="56" name="Picture 8">
             <a:extLst>
               <a:ext uri="{FF2B5EF4-FFF2-40B4-BE49-F238E27FC236}">
-                <a16:creationId xmlns:a16="http://schemas.microsoft.com/office/drawing/2014/main" id="{1207DAC3-8428-9F33-6653-F862F982919B}"/>
+                <a16:creationId xmlns:a16="http://schemas.microsoft.com/office/drawing/2014/main" xmlns="" id="{1207DAC3-8428-9F33-6653-F862F982919B}"/>
               </a:ext>
             </a:extLst>
           </p:cNvPr>
@@ -16193,7 +16433,7 @@
           <p:cNvPr id="58" name="TextBox 9">
             <a:extLst>
               <a:ext uri="{FF2B5EF4-FFF2-40B4-BE49-F238E27FC236}">
-                <a16:creationId xmlns:a16="http://schemas.microsoft.com/office/drawing/2014/main" id="{087034EE-449E-C5CA-57DD-B2B6609D9215}"/>
+                <a16:creationId xmlns:a16="http://schemas.microsoft.com/office/drawing/2014/main" xmlns="" id="{087034EE-449E-C5CA-57DD-B2B6609D9215}"/>
               </a:ext>
             </a:extLst>
           </p:cNvPr>
@@ -16253,7 +16493,7 @@
           <p:cNvPr id="60" name="직사각형 59">
             <a:extLst>
               <a:ext uri="{FF2B5EF4-FFF2-40B4-BE49-F238E27FC236}">
-                <a16:creationId xmlns:a16="http://schemas.microsoft.com/office/drawing/2014/main" id="{F24B41AD-4E05-6D14-2DF7-3EC367740B97}"/>
+                <a16:creationId xmlns:a16="http://schemas.microsoft.com/office/drawing/2014/main" xmlns="" id="{F24B41AD-4E05-6D14-2DF7-3EC367740B97}"/>
               </a:ext>
             </a:extLst>
           </p:cNvPr>
@@ -16422,7 +16662,7 @@
           <p:cNvPr id="63" name="직사각형 62">
             <a:extLst>
               <a:ext uri="{FF2B5EF4-FFF2-40B4-BE49-F238E27FC236}">
-                <a16:creationId xmlns:a16="http://schemas.microsoft.com/office/drawing/2014/main" id="{1260CF04-43DE-685F-9E4C-2780A09A7032}"/>
+                <a16:creationId xmlns:a16="http://schemas.microsoft.com/office/drawing/2014/main" xmlns="" id="{1260CF04-43DE-685F-9E4C-2780A09A7032}"/>
               </a:ext>
             </a:extLst>
           </p:cNvPr>
@@ -16616,7 +16856,7 @@
         <p:cNvPr id="1" name="">
           <a:extLst>
             <a:ext uri="{FF2B5EF4-FFF2-40B4-BE49-F238E27FC236}">
-              <a16:creationId xmlns:a16="http://schemas.microsoft.com/office/drawing/2014/main" id="{9C8102A0-4122-173D-73EA-95C387762C57}"/>
+              <a16:creationId xmlns:a16="http://schemas.microsoft.com/office/drawing/2014/main" xmlns="" id="{9C8102A0-4122-173D-73EA-95C387762C57}"/>
             </a:ext>
           </a:extLst>
         </p:cNvPr>
@@ -16636,7 +16876,7 @@
           <p:cNvPr id="23" name="Group 23">
             <a:extLst>
               <a:ext uri="{FF2B5EF4-FFF2-40B4-BE49-F238E27FC236}">
-                <a16:creationId xmlns:a16="http://schemas.microsoft.com/office/drawing/2014/main" id="{97E5E922-BC73-D3BE-D6A1-5725A53BD297}"/>
+                <a16:creationId xmlns:a16="http://schemas.microsoft.com/office/drawing/2014/main" xmlns="" id="{97E5E922-BC73-D3BE-D6A1-5725A53BD297}"/>
               </a:ext>
             </a:extLst>
           </p:cNvPr>
@@ -16657,7 +16897,7 @@
           <p:cNvPr id="25" name="Group 25">
             <a:extLst>
               <a:ext uri="{FF2B5EF4-FFF2-40B4-BE49-F238E27FC236}">
-                <a16:creationId xmlns:a16="http://schemas.microsoft.com/office/drawing/2014/main" id="{1F20C486-AF01-40B4-AF00-96FB5A47BC06}"/>
+                <a16:creationId xmlns:a16="http://schemas.microsoft.com/office/drawing/2014/main" xmlns="" id="{1F20C486-AF01-40B4-AF00-96FB5A47BC06}"/>
               </a:ext>
             </a:extLst>
           </p:cNvPr>
@@ -16678,7 +16918,7 @@
           <p:cNvPr id="29" name="Group 29">
             <a:extLst>
               <a:ext uri="{FF2B5EF4-FFF2-40B4-BE49-F238E27FC236}">
-                <a16:creationId xmlns:a16="http://schemas.microsoft.com/office/drawing/2014/main" id="{6F7C3B4A-3EE8-ECBD-4A24-EE73E2797895}"/>
+                <a16:creationId xmlns:a16="http://schemas.microsoft.com/office/drawing/2014/main" xmlns="" id="{6F7C3B4A-3EE8-ECBD-4A24-EE73E2797895}"/>
               </a:ext>
             </a:extLst>
           </p:cNvPr>
@@ -16699,7 +16939,7 @@
           <p:cNvPr id="34" name="Group 34">
             <a:extLst>
               <a:ext uri="{FF2B5EF4-FFF2-40B4-BE49-F238E27FC236}">
-                <a16:creationId xmlns:a16="http://schemas.microsoft.com/office/drawing/2014/main" id="{2BD5D0A0-BF89-F65C-568A-F60503508AF9}"/>
+                <a16:creationId xmlns:a16="http://schemas.microsoft.com/office/drawing/2014/main" xmlns="" id="{2BD5D0A0-BF89-F65C-568A-F60503508AF9}"/>
               </a:ext>
             </a:extLst>
           </p:cNvPr>
@@ -16720,7 +16960,7 @@
           <p:cNvPr id="39" name="Group 39">
             <a:extLst>
               <a:ext uri="{FF2B5EF4-FFF2-40B4-BE49-F238E27FC236}">
-                <a16:creationId xmlns:a16="http://schemas.microsoft.com/office/drawing/2014/main" id="{72B2CB12-5017-BA78-AC43-B42E3349E127}"/>
+                <a16:creationId xmlns:a16="http://schemas.microsoft.com/office/drawing/2014/main" xmlns="" id="{72B2CB12-5017-BA78-AC43-B42E3349E127}"/>
               </a:ext>
             </a:extLst>
           </p:cNvPr>
@@ -16741,7 +16981,7 @@
           <p:cNvPr id="44" name="Group 44">
             <a:extLst>
               <a:ext uri="{FF2B5EF4-FFF2-40B4-BE49-F238E27FC236}">
-                <a16:creationId xmlns:a16="http://schemas.microsoft.com/office/drawing/2014/main" id="{C8D0FA5A-61E5-207A-3D0E-04BB40AD8A85}"/>
+                <a16:creationId xmlns:a16="http://schemas.microsoft.com/office/drawing/2014/main" xmlns="" id="{C8D0FA5A-61E5-207A-3D0E-04BB40AD8A85}"/>
               </a:ext>
             </a:extLst>
           </p:cNvPr>
@@ -16762,7 +17002,7 @@
           <p:cNvPr id="50" name="Picture 50">
             <a:extLst>
               <a:ext uri="{FF2B5EF4-FFF2-40B4-BE49-F238E27FC236}">
-                <a16:creationId xmlns:a16="http://schemas.microsoft.com/office/drawing/2014/main" id="{FDFB64AF-6995-749E-7F6E-5C256F1A6A47}"/>
+                <a16:creationId xmlns:a16="http://schemas.microsoft.com/office/drawing/2014/main" xmlns="" id="{FDFB64AF-6995-749E-7F6E-5C256F1A6A47}"/>
               </a:ext>
             </a:extLst>
           </p:cNvPr>
@@ -16792,7 +17032,7 @@
           <p:cNvPr id="2" name="TextBox 4">
             <a:extLst>
               <a:ext uri="{FF2B5EF4-FFF2-40B4-BE49-F238E27FC236}">
-                <a16:creationId xmlns:a16="http://schemas.microsoft.com/office/drawing/2014/main" id="{DDEB2724-5152-1E19-E6E3-3700A78CC5D4}"/>
+                <a16:creationId xmlns:a16="http://schemas.microsoft.com/office/drawing/2014/main" xmlns="" id="{DDEB2724-5152-1E19-E6E3-3700A78CC5D4}"/>
               </a:ext>
             </a:extLst>
           </p:cNvPr>
@@ -16801,7 +17041,7 @@
         </p:nvSpPr>
         <p:spPr>
           <a:xfrm>
-            <a:off x="380999" y="266700"/>
+            <a:off x="1904999" y="266700"/>
             <a:ext cx="10363201" cy="533400"/>
           </a:xfrm>
           <a:prstGeom prst="rect">
@@ -16884,7 +17124,7 @@
           <p:cNvPr id="15" name="AutoShape 4" descr="재고관리.PNG">
             <a:extLst>
               <a:ext uri="{FF2B5EF4-FFF2-40B4-BE49-F238E27FC236}">
-                <a16:creationId xmlns:a16="http://schemas.microsoft.com/office/drawing/2014/main" id="{139AEA73-F448-C26E-F697-FDF95290228D}"/>
+                <a16:creationId xmlns:a16="http://schemas.microsoft.com/office/drawing/2014/main" xmlns="" id="{139AEA73-F448-C26E-F697-FDF95290228D}"/>
               </a:ext>
             </a:extLst>
           </p:cNvPr>
@@ -16929,7 +17169,7 @@
           <p:cNvPr id="10" name="화살표: 갈매기형 수장 9">
             <a:extLst>
               <a:ext uri="{FF2B5EF4-FFF2-40B4-BE49-F238E27FC236}">
-                <a16:creationId xmlns:a16="http://schemas.microsoft.com/office/drawing/2014/main" id="{16FE38B3-DC46-4404-4A87-9FAAB60D8620}"/>
+                <a16:creationId xmlns:a16="http://schemas.microsoft.com/office/drawing/2014/main" xmlns="" id="{16FE38B3-DC46-4404-4A87-9FAAB60D8620}"/>
               </a:ext>
             </a:extLst>
           </p:cNvPr>
@@ -16997,7 +17237,7 @@
           <p:cNvPr id="18" name="화살표: 갈매기형 수장 17">
             <a:extLst>
               <a:ext uri="{FF2B5EF4-FFF2-40B4-BE49-F238E27FC236}">
-                <a16:creationId xmlns:a16="http://schemas.microsoft.com/office/drawing/2014/main" id="{12C96F7C-F445-D622-60A7-E0BD4E1E133F}"/>
+                <a16:creationId xmlns:a16="http://schemas.microsoft.com/office/drawing/2014/main" xmlns="" id="{12C96F7C-F445-D622-60A7-E0BD4E1E133F}"/>
               </a:ext>
             </a:extLst>
           </p:cNvPr>
@@ -17065,7 +17305,7 @@
           <p:cNvPr id="20" name="직사각형 19">
             <a:extLst>
               <a:ext uri="{FF2B5EF4-FFF2-40B4-BE49-F238E27FC236}">
-                <a16:creationId xmlns:a16="http://schemas.microsoft.com/office/drawing/2014/main" id="{66A47368-93B5-B84C-AC14-29AB3FB8E06D}"/>
+                <a16:creationId xmlns:a16="http://schemas.microsoft.com/office/drawing/2014/main" xmlns="" id="{66A47368-93B5-B84C-AC14-29AB3FB8E06D}"/>
               </a:ext>
             </a:extLst>
           </p:cNvPr>
@@ -17129,7 +17369,7 @@
           <p:cNvPr id="24" name="직사각형 23">
             <a:extLst>
               <a:ext uri="{FF2B5EF4-FFF2-40B4-BE49-F238E27FC236}">
-                <a16:creationId xmlns:a16="http://schemas.microsoft.com/office/drawing/2014/main" id="{2FEE95C4-EA5D-97C2-A0F9-02163FDF64CA}"/>
+                <a16:creationId xmlns:a16="http://schemas.microsoft.com/office/drawing/2014/main" xmlns="" id="{2FEE95C4-EA5D-97C2-A0F9-02163FDF64CA}"/>
               </a:ext>
             </a:extLst>
           </p:cNvPr>
@@ -17193,7 +17433,7 @@
           <p:cNvPr id="27" name="직사각형 26">
             <a:extLst>
               <a:ext uri="{FF2B5EF4-FFF2-40B4-BE49-F238E27FC236}">
-                <a16:creationId xmlns:a16="http://schemas.microsoft.com/office/drawing/2014/main" id="{19BD416E-4C2A-2C8C-A1A9-838FBA8352EA}"/>
+                <a16:creationId xmlns:a16="http://schemas.microsoft.com/office/drawing/2014/main" xmlns="" id="{19BD416E-4C2A-2C8C-A1A9-838FBA8352EA}"/>
               </a:ext>
             </a:extLst>
           </p:cNvPr>
@@ -17729,7 +17969,7 @@
           <p:cNvPr id="28" name="직사각형 27">
             <a:extLst>
               <a:ext uri="{FF2B5EF4-FFF2-40B4-BE49-F238E27FC236}">
-                <a16:creationId xmlns:a16="http://schemas.microsoft.com/office/drawing/2014/main" id="{24A341AC-8324-2C70-BB3A-1FFB72C728DB}"/>
+                <a16:creationId xmlns:a16="http://schemas.microsoft.com/office/drawing/2014/main" xmlns="" id="{24A341AC-8324-2C70-BB3A-1FFB72C728DB}"/>
               </a:ext>
             </a:extLst>
           </p:cNvPr>
@@ -18341,7 +18581,7 @@
           <p:cNvPr id="32" name="사각형: 둥근 모서리 31">
             <a:extLst>
               <a:ext uri="{FF2B5EF4-FFF2-40B4-BE49-F238E27FC236}">
-                <a16:creationId xmlns:a16="http://schemas.microsoft.com/office/drawing/2014/main" id="{01EE7B53-13A7-7FE0-8533-12A3B8B30AB0}"/>
+                <a16:creationId xmlns:a16="http://schemas.microsoft.com/office/drawing/2014/main" xmlns="" id="{01EE7B53-13A7-7FE0-8533-12A3B8B30AB0}"/>
               </a:ext>
             </a:extLst>
           </p:cNvPr>
@@ -18405,7 +18645,7 @@
           <p:cNvPr id="6" name="그림 5">
             <a:extLst>
               <a:ext uri="{FF2B5EF4-FFF2-40B4-BE49-F238E27FC236}">
-                <a16:creationId xmlns:a16="http://schemas.microsoft.com/office/drawing/2014/main" id="{377F6B56-09E9-AF2A-8ACD-B6FA9AD988A1}"/>
+                <a16:creationId xmlns:a16="http://schemas.microsoft.com/office/drawing/2014/main" xmlns="" id="{377F6B56-09E9-AF2A-8ACD-B6FA9AD988A1}"/>
               </a:ext>
             </a:extLst>
           </p:cNvPr>
@@ -18435,7 +18675,7 @@
           <p:cNvPr id="8" name="그림 7">
             <a:extLst>
               <a:ext uri="{FF2B5EF4-FFF2-40B4-BE49-F238E27FC236}">
-                <a16:creationId xmlns:a16="http://schemas.microsoft.com/office/drawing/2014/main" id="{B52FFC3A-BE46-DF9A-C16B-306D9D44A6EC}"/>
+                <a16:creationId xmlns:a16="http://schemas.microsoft.com/office/drawing/2014/main" xmlns="" id="{B52FFC3A-BE46-DF9A-C16B-306D9D44A6EC}"/>
               </a:ext>
             </a:extLst>
           </p:cNvPr>
@@ -18465,7 +18705,7 @@
           <p:cNvPr id="11" name="그림 10">
             <a:extLst>
               <a:ext uri="{FF2B5EF4-FFF2-40B4-BE49-F238E27FC236}">
-                <a16:creationId xmlns:a16="http://schemas.microsoft.com/office/drawing/2014/main" id="{F8ED3F1E-3A02-601B-C07F-D4AE85265B68}"/>
+                <a16:creationId xmlns:a16="http://schemas.microsoft.com/office/drawing/2014/main" xmlns="" id="{F8ED3F1E-3A02-601B-C07F-D4AE85265B68}"/>
               </a:ext>
             </a:extLst>
           </p:cNvPr>
@@ -18495,7 +18735,7 @@
           <p:cNvPr id="12" name="직사각형 11">
             <a:extLst>
               <a:ext uri="{FF2B5EF4-FFF2-40B4-BE49-F238E27FC236}">
-                <a16:creationId xmlns:a16="http://schemas.microsoft.com/office/drawing/2014/main" id="{E33C1CB1-1427-DE7F-707F-BD0DBBCF42EA}"/>
+                <a16:creationId xmlns:a16="http://schemas.microsoft.com/office/drawing/2014/main" xmlns="" id="{E33C1CB1-1427-DE7F-707F-BD0DBBCF42EA}"/>
               </a:ext>
             </a:extLst>
           </p:cNvPr>
@@ -18667,7 +18907,7 @@
           <p:cNvPr id="14" name="그림 13">
             <a:extLst>
               <a:ext uri="{FF2B5EF4-FFF2-40B4-BE49-F238E27FC236}">
-                <a16:creationId xmlns:a16="http://schemas.microsoft.com/office/drawing/2014/main" id="{A093450A-63F7-B7B5-F61B-C1F82DEE86FB}"/>
+                <a16:creationId xmlns:a16="http://schemas.microsoft.com/office/drawing/2014/main" xmlns="" id="{A093450A-63F7-B7B5-F61B-C1F82DEE86FB}"/>
               </a:ext>
             </a:extLst>
           </p:cNvPr>
@@ -18697,7 +18937,7 @@
           <p:cNvPr id="22" name="그림 21">
             <a:extLst>
               <a:ext uri="{FF2B5EF4-FFF2-40B4-BE49-F238E27FC236}">
-                <a16:creationId xmlns:a16="http://schemas.microsoft.com/office/drawing/2014/main" id="{D9BF15D4-1CF5-7DA0-83FB-6423514935BA}"/>
+                <a16:creationId xmlns:a16="http://schemas.microsoft.com/office/drawing/2014/main" xmlns="" id="{D9BF15D4-1CF5-7DA0-83FB-6423514935BA}"/>
               </a:ext>
             </a:extLst>
           </p:cNvPr>
@@ -18727,7 +18967,7 @@
           <p:cNvPr id="36" name="Picture 6" descr="키오스크ㅣLH24KMCCBGCXKRㅣSamsung Business 대한민국">
             <a:extLst>
               <a:ext uri="{FF2B5EF4-FFF2-40B4-BE49-F238E27FC236}">
-                <a16:creationId xmlns:a16="http://schemas.microsoft.com/office/drawing/2014/main" id="{2C2BE600-6463-82EB-0E9E-EE33BAF31047}"/>
+                <a16:creationId xmlns:a16="http://schemas.microsoft.com/office/drawing/2014/main" xmlns="" id="{2C2BE600-6463-82EB-0E9E-EE33BAF31047}"/>
               </a:ext>
             </a:extLst>
           </p:cNvPr>
@@ -18774,7 +19014,7 @@
           <p:cNvPr id="35" name="그림 34">
             <a:extLst>
               <a:ext uri="{FF2B5EF4-FFF2-40B4-BE49-F238E27FC236}">
-                <a16:creationId xmlns:a16="http://schemas.microsoft.com/office/drawing/2014/main" id="{96150577-4A12-83D2-2044-8C531B69E314}"/>
+                <a16:creationId xmlns:a16="http://schemas.microsoft.com/office/drawing/2014/main" xmlns="" id="{96150577-4A12-83D2-2044-8C531B69E314}"/>
               </a:ext>
             </a:extLst>
           </p:cNvPr>

--- a/ppt/김유석 포트폴리오_.pptx
+++ b/ppt/김유석 포트폴리오_.pptx
@@ -16,24 +16,24 @@
   <p:notesSz cx="6858000" cy="9144000"/>
   <p:embeddedFontLst>
     <p:embeddedFont>
-      <p:font typeface="맑은 고딕" panose="020B0503020000020004" pitchFamily="50" charset="-127"/>
-      <p:regular r:id="rId8"/>
-      <p:bold r:id="rId9"/>
+      <p:font typeface="G마켓 산스 TTF Bold" panose="02000000000000000000" pitchFamily="2" charset="-127"/>
+      <p:bold r:id="rId8"/>
     </p:embeddedFont>
     <p:embeddedFont>
       <p:font typeface="G마켓 산스 TTF Medium" panose="02000000000000000000" pitchFamily="2" charset="-127"/>
-      <p:regular r:id="rId10"/>
-    </p:embeddedFont>
-    <p:embeddedFont>
-      <p:font typeface="G마켓 산스 TTF Bold" panose="02000000000000000000" pitchFamily="2" charset="-127"/>
-      <p:bold r:id="rId11"/>
+      <p:regular r:id="rId9"/>
     </p:embeddedFont>
     <p:embeddedFont>
       <p:font typeface="Calibri" panose="020F0502020204030204" pitchFamily="34" charset="0"/>
-      <p:regular r:id="rId12"/>
-      <p:bold r:id="rId13"/>
-      <p:italic r:id="rId14"/>
-      <p:boldItalic r:id="rId15"/>
+      <p:regular r:id="rId10"/>
+      <p:bold r:id="rId11"/>
+      <p:italic r:id="rId12"/>
+      <p:boldItalic r:id="rId13"/>
+    </p:embeddedFont>
+    <p:embeddedFont>
+      <p:font typeface="맑은 고딕" panose="020B0503020000020004" pitchFamily="50" charset="-127"/>
+      <p:regular r:id="rId14"/>
+      <p:bold r:id="rId15"/>
     </p:embeddedFont>
   </p:embeddedFontLst>
   <p:defaultTextStyle>
@@ -133,7 +133,7 @@
   </p:defaultTextStyle>
   <p:extLst>
     <p:ext uri="{EFAFB233-063F-42B5-8137-9DF3F51BA10A}">
-      <p15:sldGuideLst xmlns:p15="http://schemas.microsoft.com/office/powerpoint/2012/main" xmlns="">
+      <p15:sldGuideLst xmlns:p15="http://schemas.microsoft.com/office/powerpoint/2012/main">
         <p15:guide id="1" orient="horz" pos="2160">
           <p15:clr>
             <a:srgbClr val="A4A3A4"/>
@@ -330,7 +330,7 @@
             <a:fld id="{1D8BD707-D9CF-40AE-B4C6-C98DA3205C09}" type="datetimeFigureOut">
               <a:rPr lang="en-US" smtClean="0"/>
               <a:pPr/>
-              <a:t>10/27/2024</a:t>
+              <a:t>11/11/2024</a:t>
             </a:fld>
             <a:endParaRPr lang="en-US"/>
           </a:p>
@@ -495,7 +495,7 @@
             <a:fld id="{1D8BD707-D9CF-40AE-B4C6-C98DA3205C09}" type="datetimeFigureOut">
               <a:rPr lang="en-US" smtClean="0"/>
               <a:pPr/>
-              <a:t>10/27/2024</a:t>
+              <a:t>11/11/2024</a:t>
             </a:fld>
             <a:endParaRPr lang="en-US"/>
           </a:p>
@@ -670,7 +670,7 @@
             <a:fld id="{1D8BD707-D9CF-40AE-B4C6-C98DA3205C09}" type="datetimeFigureOut">
               <a:rPr lang="en-US" smtClean="0"/>
               <a:pPr/>
-              <a:t>10/27/2024</a:t>
+              <a:t>11/11/2024</a:t>
             </a:fld>
             <a:endParaRPr lang="en-US"/>
           </a:p>
@@ -835,7 +835,7 @@
             <a:fld id="{1D8BD707-D9CF-40AE-B4C6-C98DA3205C09}" type="datetimeFigureOut">
               <a:rPr lang="en-US" smtClean="0"/>
               <a:pPr/>
-              <a:t>10/27/2024</a:t>
+              <a:t>11/11/2024</a:t>
             </a:fld>
             <a:endParaRPr lang="en-US"/>
           </a:p>
@@ -1077,7 +1077,7 @@
             <a:fld id="{1D8BD707-D9CF-40AE-B4C6-C98DA3205C09}" type="datetimeFigureOut">
               <a:rPr lang="en-US" smtClean="0"/>
               <a:pPr/>
-              <a:t>10/27/2024</a:t>
+              <a:t>11/11/2024</a:t>
             </a:fld>
             <a:endParaRPr lang="en-US"/>
           </a:p>
@@ -1359,7 +1359,7 @@
             <a:fld id="{1D8BD707-D9CF-40AE-B4C6-C98DA3205C09}" type="datetimeFigureOut">
               <a:rPr lang="en-US" smtClean="0"/>
               <a:pPr/>
-              <a:t>10/27/2024</a:t>
+              <a:t>11/11/2024</a:t>
             </a:fld>
             <a:endParaRPr lang="en-US"/>
           </a:p>
@@ -1775,7 +1775,7 @@
             <a:fld id="{1D8BD707-D9CF-40AE-B4C6-C98DA3205C09}" type="datetimeFigureOut">
               <a:rPr lang="en-US" smtClean="0"/>
               <a:pPr/>
-              <a:t>10/27/2024</a:t>
+              <a:t>11/11/2024</a:t>
             </a:fld>
             <a:endParaRPr lang="en-US"/>
           </a:p>
@@ -1889,7 +1889,7 @@
             <a:fld id="{1D8BD707-D9CF-40AE-B4C6-C98DA3205C09}" type="datetimeFigureOut">
               <a:rPr lang="en-US" smtClean="0"/>
               <a:pPr/>
-              <a:t>10/27/2024</a:t>
+              <a:t>11/11/2024</a:t>
             </a:fld>
             <a:endParaRPr lang="en-US"/>
           </a:p>
@@ -1981,7 +1981,7 @@
             <a:fld id="{1D8BD707-D9CF-40AE-B4C6-C98DA3205C09}" type="datetimeFigureOut">
               <a:rPr lang="en-US" smtClean="0"/>
               <a:pPr/>
-              <a:t>10/27/2024</a:t>
+              <a:t>11/11/2024</a:t>
             </a:fld>
             <a:endParaRPr lang="en-US"/>
           </a:p>
@@ -2253,7 +2253,7 @@
             <a:fld id="{1D8BD707-D9CF-40AE-B4C6-C98DA3205C09}" type="datetimeFigureOut">
               <a:rPr lang="en-US" smtClean="0"/>
               <a:pPr/>
-              <a:t>10/27/2024</a:t>
+              <a:t>11/11/2024</a:t>
             </a:fld>
             <a:endParaRPr lang="en-US"/>
           </a:p>
@@ -2502,7 +2502,7 @@
             <a:fld id="{1D8BD707-D9CF-40AE-B4C6-C98DA3205C09}" type="datetimeFigureOut">
               <a:rPr lang="en-US" smtClean="0"/>
               <a:pPr/>
-              <a:t>10/27/2024</a:t>
+              <a:t>11/11/2024</a:t>
             </a:fld>
             <a:endParaRPr lang="en-US"/>
           </a:p>
@@ -2710,7 +2710,7 @@
             <a:fld id="{1D8BD707-D9CF-40AE-B4C6-C98DA3205C09}" type="datetimeFigureOut">
               <a:rPr lang="en-US" smtClean="0"/>
               <a:pPr/>
-              <a:t>10/27/2024</a:t>
+              <a:t>11/11/2024</a:t>
             </a:fld>
             <a:endParaRPr lang="en-US"/>
           </a:p>
@@ -3398,7 +3398,7 @@
           <p:cNvPr id="1039" name="그룹 1038">
             <a:extLst>
               <a:ext uri="{FF2B5EF4-FFF2-40B4-BE49-F238E27FC236}">
-                <a16:creationId xmlns:a16="http://schemas.microsoft.com/office/drawing/2014/main" xmlns="" id="{9C785A7B-0819-5344-6335-D2C48BA073FA}"/>
+                <a16:creationId xmlns:a16="http://schemas.microsoft.com/office/drawing/2014/main" id="{9C785A7B-0819-5344-6335-D2C48BA073FA}"/>
               </a:ext>
             </a:extLst>
           </p:cNvPr>
@@ -3418,7 +3418,7 @@
             <p:cNvPr id="54" name="그룹 53">
               <a:extLst>
                 <a:ext uri="{FF2B5EF4-FFF2-40B4-BE49-F238E27FC236}">
-                  <a16:creationId xmlns:a16="http://schemas.microsoft.com/office/drawing/2014/main" xmlns="" id="{B4DCFB9C-BB83-BAED-5571-23C489D78AC4}"/>
+                  <a16:creationId xmlns:a16="http://schemas.microsoft.com/office/drawing/2014/main" id="{B4DCFB9C-BB83-BAED-5571-23C489D78AC4}"/>
                 </a:ext>
               </a:extLst>
             </p:cNvPr>
@@ -3982,7 +3982,7 @@
           <p:cNvPr id="1037" name="그룹 1036">
             <a:extLst>
               <a:ext uri="{FF2B5EF4-FFF2-40B4-BE49-F238E27FC236}">
-                <a16:creationId xmlns:a16="http://schemas.microsoft.com/office/drawing/2014/main" xmlns="" id="{CE601B1A-65D9-0C05-9027-373332D7EDB5}"/>
+                <a16:creationId xmlns:a16="http://schemas.microsoft.com/office/drawing/2014/main" id="{CE601B1A-65D9-0C05-9027-373332D7EDB5}"/>
               </a:ext>
             </a:extLst>
           </p:cNvPr>
@@ -4002,7 +4002,7 @@
             <p:cNvPr id="49" name="그룹 48">
               <a:extLst>
                 <a:ext uri="{FF2B5EF4-FFF2-40B4-BE49-F238E27FC236}">
-                  <a16:creationId xmlns:a16="http://schemas.microsoft.com/office/drawing/2014/main" xmlns="" id="{9ACF6D28-408C-342B-0907-659E85BA6E04}"/>
+                  <a16:creationId xmlns:a16="http://schemas.microsoft.com/office/drawing/2014/main" id="{9ACF6D28-408C-342B-0907-659E85BA6E04}"/>
                 </a:ext>
               </a:extLst>
             </p:cNvPr>
@@ -4830,7 +4830,7 @@
             <p:cNvPr id="53" name="TextBox 15">
               <a:extLst>
                 <a:ext uri="{FF2B5EF4-FFF2-40B4-BE49-F238E27FC236}">
-                  <a16:creationId xmlns:a16="http://schemas.microsoft.com/office/drawing/2014/main" xmlns="" id="{E739D61A-1D5D-3249-BDE4-C00E0EC74A2B}"/>
+                  <a16:creationId xmlns:a16="http://schemas.microsoft.com/office/drawing/2014/main" id="{E739D61A-1D5D-3249-BDE4-C00E0EC74A2B}"/>
                 </a:ext>
               </a:extLst>
             </p:cNvPr>
@@ -5116,7 +5116,7 @@
             <p:cNvPr id="55" name="TextBox 13">
               <a:extLst>
                 <a:ext uri="{FF2B5EF4-FFF2-40B4-BE49-F238E27FC236}">
-                  <a16:creationId xmlns:a16="http://schemas.microsoft.com/office/drawing/2014/main" xmlns="" id="{CB89688C-852F-C686-6309-1A2EB2E0DDFB}"/>
+                  <a16:creationId xmlns:a16="http://schemas.microsoft.com/office/drawing/2014/main" id="{CB89688C-852F-C686-6309-1A2EB2E0DDFB}"/>
                 </a:ext>
               </a:extLst>
             </p:cNvPr>
@@ -5270,7 +5270,7 @@
             <p:cNvPr id="57" name="TextBox 13">
               <a:extLst>
                 <a:ext uri="{FF2B5EF4-FFF2-40B4-BE49-F238E27FC236}">
-                  <a16:creationId xmlns:a16="http://schemas.microsoft.com/office/drawing/2014/main" xmlns="" id="{8D571466-4A2B-8AAF-6C95-64EFC3AE44F8}"/>
+                  <a16:creationId xmlns:a16="http://schemas.microsoft.com/office/drawing/2014/main" id="{8D571466-4A2B-8AAF-6C95-64EFC3AE44F8}"/>
                 </a:ext>
               </a:extLst>
             </p:cNvPr>
@@ -5374,7 +5374,7 @@
             <p:cNvPr id="58" name="TextBox 13">
               <a:extLst>
                 <a:ext uri="{FF2B5EF4-FFF2-40B4-BE49-F238E27FC236}">
-                  <a16:creationId xmlns:a16="http://schemas.microsoft.com/office/drawing/2014/main" xmlns="" id="{87253EBA-4EFA-92EA-F10A-BF27EB815FA5}"/>
+                  <a16:creationId xmlns:a16="http://schemas.microsoft.com/office/drawing/2014/main" id="{87253EBA-4EFA-92EA-F10A-BF27EB815FA5}"/>
                 </a:ext>
               </a:extLst>
             </p:cNvPr>
@@ -5512,7 +5512,7 @@
           <p:cNvPr id="1025" name="그룹 1024">
             <a:extLst>
               <a:ext uri="{FF2B5EF4-FFF2-40B4-BE49-F238E27FC236}">
-                <a16:creationId xmlns:a16="http://schemas.microsoft.com/office/drawing/2014/main" xmlns="" id="{69DF32D4-CE5D-FEC6-341F-1273627E2082}"/>
+                <a16:creationId xmlns:a16="http://schemas.microsoft.com/office/drawing/2014/main" id="{69DF32D4-CE5D-FEC6-341F-1273627E2082}"/>
               </a:ext>
             </a:extLst>
           </p:cNvPr>
@@ -5532,7 +5532,7 @@
             <p:cNvPr id="3" name="그룹 2">
               <a:extLst>
                 <a:ext uri="{FF2B5EF4-FFF2-40B4-BE49-F238E27FC236}">
-                  <a16:creationId xmlns:a16="http://schemas.microsoft.com/office/drawing/2014/main" xmlns="" id="{42402FCE-DD64-06C7-072A-1B7A9F3301B3}"/>
+                  <a16:creationId xmlns:a16="http://schemas.microsoft.com/office/drawing/2014/main" id="{42402FCE-DD64-06C7-072A-1B7A9F3301B3}"/>
                 </a:ext>
               </a:extLst>
             </p:cNvPr>
@@ -5902,7 +5902,7 @@
             <p:cNvPr id="63" name="TextBox 35">
               <a:extLst>
                 <a:ext uri="{FF2B5EF4-FFF2-40B4-BE49-F238E27FC236}">
-                  <a16:creationId xmlns:a16="http://schemas.microsoft.com/office/drawing/2014/main" xmlns="" id="{24DEAB59-8EA1-FA9F-8C55-39ED9BC04CBA}"/>
+                  <a16:creationId xmlns:a16="http://schemas.microsoft.com/office/drawing/2014/main" id="{24DEAB59-8EA1-FA9F-8C55-39ED9BC04CBA}"/>
                 </a:ext>
               </a:extLst>
             </p:cNvPr>
@@ -5945,7 +5945,7 @@
             <p:cNvPr id="1024" name="Picture 32">
               <a:extLst>
                 <a:ext uri="{FF2B5EF4-FFF2-40B4-BE49-F238E27FC236}">
-                  <a16:creationId xmlns:a16="http://schemas.microsoft.com/office/drawing/2014/main" xmlns="" id="{E1BACDBF-92A9-0F8D-0D7E-27312CB5544E}"/>
+                  <a16:creationId xmlns:a16="http://schemas.microsoft.com/office/drawing/2014/main" id="{E1BACDBF-92A9-0F8D-0D7E-27312CB5544E}"/>
                 </a:ext>
               </a:extLst>
             </p:cNvPr>
@@ -5976,7 +5976,7 @@
           <p:cNvPr id="1031" name="그룹 1030">
             <a:extLst>
               <a:ext uri="{FF2B5EF4-FFF2-40B4-BE49-F238E27FC236}">
-                <a16:creationId xmlns:a16="http://schemas.microsoft.com/office/drawing/2014/main" xmlns="" id="{C9B3F026-8F1A-B48E-986F-3D8882868809}"/>
+                <a16:creationId xmlns:a16="http://schemas.microsoft.com/office/drawing/2014/main" id="{C9B3F026-8F1A-B48E-986F-3D8882868809}"/>
               </a:ext>
             </a:extLst>
           </p:cNvPr>
@@ -5996,7 +5996,7 @@
             <p:cNvPr id="56" name="그룹 55">
               <a:extLst>
                 <a:ext uri="{FF2B5EF4-FFF2-40B4-BE49-F238E27FC236}">
-                  <a16:creationId xmlns:a16="http://schemas.microsoft.com/office/drawing/2014/main" xmlns="" id="{144128E0-6B74-7496-A311-5B01F9B45A56}"/>
+                  <a16:creationId xmlns:a16="http://schemas.microsoft.com/office/drawing/2014/main" id="{144128E0-6B74-7496-A311-5B01F9B45A56}"/>
                 </a:ext>
               </a:extLst>
             </p:cNvPr>
@@ -6078,7 +6078,7 @@
             <p:cNvPr id="1028" name="Picture 4" descr="Java Logo PNG Transparent (1) – Brands Logos">
               <a:extLst>
                 <a:ext uri="{FF2B5EF4-FFF2-40B4-BE49-F238E27FC236}">
-                  <a16:creationId xmlns:a16="http://schemas.microsoft.com/office/drawing/2014/main" xmlns="" id="{1DE4FD9A-0814-0DBF-D3D9-53F9CB6B7E30}"/>
+                  <a16:creationId xmlns:a16="http://schemas.microsoft.com/office/drawing/2014/main" id="{1DE4FD9A-0814-0DBF-D3D9-53F9CB6B7E30}"/>
                 </a:ext>
               </a:extLst>
             </p:cNvPr>
@@ -6125,7 +6125,7 @@
             <p:cNvPr id="1030" name="Picture 6" descr="Spring]SpringFramework란 무엇일까??">
               <a:extLst>
                 <a:ext uri="{FF2B5EF4-FFF2-40B4-BE49-F238E27FC236}">
-                  <a16:creationId xmlns:a16="http://schemas.microsoft.com/office/drawing/2014/main" xmlns="" id="{174235EC-CCFD-8378-9C0F-7C6BF5B44AB3}"/>
+                  <a16:creationId xmlns:a16="http://schemas.microsoft.com/office/drawing/2014/main" id="{174235EC-CCFD-8378-9C0F-7C6BF5B44AB3}"/>
                 </a:ext>
               </a:extLst>
             </p:cNvPr>
@@ -6172,7 +6172,7 @@
             <p:cNvPr id="1032" name="Picture 8" descr="Vue Provide와 Inject">
               <a:extLst>
                 <a:ext uri="{FF2B5EF4-FFF2-40B4-BE49-F238E27FC236}">
-                  <a16:creationId xmlns:a16="http://schemas.microsoft.com/office/drawing/2014/main" xmlns="" id="{4C7AD4A1-71F0-BC4D-DB0A-0B67451E2C84}"/>
+                  <a16:creationId xmlns:a16="http://schemas.microsoft.com/office/drawing/2014/main" id="{4C7AD4A1-71F0-BC4D-DB0A-0B67451E2C84}"/>
                 </a:ext>
               </a:extLst>
             </p:cNvPr>
@@ -6219,7 +6219,7 @@
             <p:cNvPr id="1034" name="Picture 10" descr="react original wordmark&quot; Icon - Download for free – Iconduck">
               <a:extLst>
                 <a:ext uri="{FF2B5EF4-FFF2-40B4-BE49-F238E27FC236}">
-                  <a16:creationId xmlns:a16="http://schemas.microsoft.com/office/drawing/2014/main" xmlns="" id="{DC53FD74-0BCD-3A59-8A77-A6D7B9897A1C}"/>
+                  <a16:creationId xmlns:a16="http://schemas.microsoft.com/office/drawing/2014/main" id="{DC53FD74-0BCD-3A59-8A77-A6D7B9897A1C}"/>
                 </a:ext>
               </a:extLst>
             </p:cNvPr>
@@ -6266,7 +6266,7 @@
             <p:cNvPr id="1036" name="Picture 12" descr="Next.js Logo PNG Vector (SVG) Free Download">
               <a:extLst>
                 <a:ext uri="{FF2B5EF4-FFF2-40B4-BE49-F238E27FC236}">
-                  <a16:creationId xmlns:a16="http://schemas.microsoft.com/office/drawing/2014/main" xmlns="" id="{27BB1493-E815-D0C9-2C19-4C99D9987BE1}"/>
+                  <a16:creationId xmlns:a16="http://schemas.microsoft.com/office/drawing/2014/main" id="{27BB1493-E815-D0C9-2C19-4C99D9987BE1}"/>
                 </a:ext>
               </a:extLst>
             </p:cNvPr>
@@ -6313,7 +6313,7 @@
             <p:cNvPr id="1038" name="Picture 14" descr="MySQL 리뷰">
               <a:extLst>
                 <a:ext uri="{FF2B5EF4-FFF2-40B4-BE49-F238E27FC236}">
-                  <a16:creationId xmlns:a16="http://schemas.microsoft.com/office/drawing/2014/main" xmlns="" id="{327B18A1-9FA7-A7F6-2425-D026D0EEF11D}"/>
+                  <a16:creationId xmlns:a16="http://schemas.microsoft.com/office/drawing/2014/main" id="{327B18A1-9FA7-A7F6-2425-D026D0EEF11D}"/>
                 </a:ext>
               </a:extLst>
             </p:cNvPr>
@@ -6360,7 +6360,7 @@
             <p:cNvPr id="52" name="그림 51">
               <a:extLst>
                 <a:ext uri="{FF2B5EF4-FFF2-40B4-BE49-F238E27FC236}">
-                  <a16:creationId xmlns:a16="http://schemas.microsoft.com/office/drawing/2014/main" xmlns="" id="{51CBA00D-A64C-88A2-E4B9-7D58E3EE06D8}"/>
+                  <a16:creationId xmlns:a16="http://schemas.microsoft.com/office/drawing/2014/main" id="{51CBA00D-A64C-88A2-E4B9-7D58E3EE06D8}"/>
                 </a:ext>
               </a:extLst>
             </p:cNvPr>
@@ -6396,7 +6396,7 @@
             <p:cNvPr id="1042" name="Picture 18" descr="JPA Entity 단위 기본 CRUD처리">
               <a:extLst>
                 <a:ext uri="{FF2B5EF4-FFF2-40B4-BE49-F238E27FC236}">
-                  <a16:creationId xmlns:a16="http://schemas.microsoft.com/office/drawing/2014/main" xmlns="" id="{7E1EF8A2-1EE3-6499-16FD-19194B134953}"/>
+                  <a16:creationId xmlns:a16="http://schemas.microsoft.com/office/drawing/2014/main" id="{7E1EF8A2-1EE3-6499-16FD-19194B134953}"/>
                 </a:ext>
               </a:extLst>
             </p:cNvPr>
@@ -6443,7 +6443,7 @@
             <p:cNvPr id="1044" name="Picture 20" descr="Git, 어렵지 않게 시작하기. 개발자들은 피할 수 없는 협업 도구인 Git. 진입장벽은 높지만 배우면… | by Gyeongsun  (Sunny) Park | pageseo | Medium">
               <a:extLst>
                 <a:ext uri="{FF2B5EF4-FFF2-40B4-BE49-F238E27FC236}">
-                  <a16:creationId xmlns:a16="http://schemas.microsoft.com/office/drawing/2014/main" xmlns="" id="{86FD8E09-C906-44B2-3023-D34DB89CB015}"/>
+                  <a16:creationId xmlns:a16="http://schemas.microsoft.com/office/drawing/2014/main" id="{86FD8E09-C906-44B2-3023-D34DB89CB015}"/>
                 </a:ext>
               </a:extLst>
             </p:cNvPr>
@@ -6490,7 +6490,7 @@
             <p:cNvPr id="1046" name="Picture 22">
               <a:extLst>
                 <a:ext uri="{FF2B5EF4-FFF2-40B4-BE49-F238E27FC236}">
-                  <a16:creationId xmlns:a16="http://schemas.microsoft.com/office/drawing/2014/main" xmlns="" id="{C24E5987-EE6A-9071-094D-AD873E356922}"/>
+                  <a16:creationId xmlns:a16="http://schemas.microsoft.com/office/drawing/2014/main" id="{C24E5987-EE6A-9071-094D-AD873E356922}"/>
                 </a:ext>
               </a:extLst>
             </p:cNvPr>
@@ -6537,7 +6537,7 @@
             <p:cNvPr id="1029" name="Picture 6">
               <a:extLst>
                 <a:ext uri="{FF2B5EF4-FFF2-40B4-BE49-F238E27FC236}">
-                  <a16:creationId xmlns:a16="http://schemas.microsoft.com/office/drawing/2014/main" xmlns="" id="{CB14E262-4DF5-3F83-E21E-D29A99FB8B18}"/>
+                  <a16:creationId xmlns:a16="http://schemas.microsoft.com/office/drawing/2014/main" id="{CB14E262-4DF5-3F83-E21E-D29A99FB8B18}"/>
                 </a:ext>
               </a:extLst>
             </p:cNvPr>
@@ -6585,7 +6585,7 @@
           <p:cNvPr id="1040" name="TextBox 4">
             <a:extLst>
               <a:ext uri="{FF2B5EF4-FFF2-40B4-BE49-F238E27FC236}">
-                <a16:creationId xmlns:a16="http://schemas.microsoft.com/office/drawing/2014/main" xmlns="" id="{DCD7C1B7-C583-7C12-D189-DCF70766B36C}"/>
+                <a16:creationId xmlns:a16="http://schemas.microsoft.com/office/drawing/2014/main" id="{DCD7C1B7-C583-7C12-D189-DCF70766B36C}"/>
               </a:ext>
             </a:extLst>
           </p:cNvPr>
@@ -6594,7 +6594,7 @@
         </p:nvSpPr>
         <p:spPr>
           <a:xfrm>
-            <a:off x="1968500" y="266700"/>
+            <a:off x="930275" y="295865"/>
             <a:ext cx="3060700" cy="533400"/>
           </a:xfrm>
           <a:prstGeom prst="rect">
@@ -6635,7 +6635,7 @@
           <p:cNvPr id="1043" name="직선 연결선 1042">
             <a:extLst>
               <a:ext uri="{FF2B5EF4-FFF2-40B4-BE49-F238E27FC236}">
-                <a16:creationId xmlns:a16="http://schemas.microsoft.com/office/drawing/2014/main" xmlns="" id="{DBEF9A2E-33A7-298D-84CC-3281BCE9EABA}"/>
+                <a16:creationId xmlns:a16="http://schemas.microsoft.com/office/drawing/2014/main" id="{DBEF9A2E-33A7-298D-84CC-3281BCE9EABA}"/>
               </a:ext>
             </a:extLst>
           </p:cNvPr>
@@ -6676,7 +6676,7 @@
           <p:cNvPr id="1047" name="직선 연결선 1046">
             <a:extLst>
               <a:ext uri="{FF2B5EF4-FFF2-40B4-BE49-F238E27FC236}">
-                <a16:creationId xmlns:a16="http://schemas.microsoft.com/office/drawing/2014/main" xmlns="" id="{71DCF408-51F5-61FA-7577-1390DA112582}"/>
+                <a16:creationId xmlns:a16="http://schemas.microsoft.com/office/drawing/2014/main" id="{71DCF408-51F5-61FA-7577-1390DA112582}"/>
               </a:ext>
             </a:extLst>
           </p:cNvPr>
@@ -6717,7 +6717,7 @@
           <p:cNvPr id="1048" name="직선 연결선 1047">
             <a:extLst>
               <a:ext uri="{FF2B5EF4-FFF2-40B4-BE49-F238E27FC236}">
-                <a16:creationId xmlns:a16="http://schemas.microsoft.com/office/drawing/2014/main" xmlns="" id="{E4D31C23-4F01-E5B8-FABC-6771176A9B7B}"/>
+                <a16:creationId xmlns:a16="http://schemas.microsoft.com/office/drawing/2014/main" id="{E4D31C23-4F01-E5B8-FABC-6771176A9B7B}"/>
               </a:ext>
             </a:extLst>
           </p:cNvPr>
@@ -6758,7 +6758,7 @@
           <p:cNvPr id="1049" name="직선 연결선 1048">
             <a:extLst>
               <a:ext uri="{FF2B5EF4-FFF2-40B4-BE49-F238E27FC236}">
-                <a16:creationId xmlns:a16="http://schemas.microsoft.com/office/drawing/2014/main" xmlns="" id="{507A92BF-9781-E4B2-0943-55CB79422CB6}"/>
+                <a16:creationId xmlns:a16="http://schemas.microsoft.com/office/drawing/2014/main" id="{507A92BF-9781-E4B2-0943-55CB79422CB6}"/>
               </a:ext>
             </a:extLst>
           </p:cNvPr>
@@ -6799,7 +6799,7 @@
           <p:cNvPr id="1050" name="직선 연결선 1049">
             <a:extLst>
               <a:ext uri="{FF2B5EF4-FFF2-40B4-BE49-F238E27FC236}">
-                <a16:creationId xmlns:a16="http://schemas.microsoft.com/office/drawing/2014/main" xmlns="" id="{D678FC13-1A17-70CD-7222-F3541E211F91}"/>
+                <a16:creationId xmlns:a16="http://schemas.microsoft.com/office/drawing/2014/main" id="{D678FC13-1A17-70CD-7222-F3541E211F91}"/>
               </a:ext>
             </a:extLst>
           </p:cNvPr>
@@ -6840,7 +6840,7 @@
           <p:cNvPr id="1051" name="직선 연결선 1050">
             <a:extLst>
               <a:ext uri="{FF2B5EF4-FFF2-40B4-BE49-F238E27FC236}">
-                <a16:creationId xmlns:a16="http://schemas.microsoft.com/office/drawing/2014/main" xmlns="" id="{D765874F-7C54-6194-E8F6-90FFDA808D4F}"/>
+                <a16:creationId xmlns:a16="http://schemas.microsoft.com/office/drawing/2014/main" id="{D765874F-7C54-6194-E8F6-90FFDA808D4F}"/>
               </a:ext>
             </a:extLst>
           </p:cNvPr>
@@ -6881,7 +6881,7 @@
           <p:cNvPr id="1052" name="직선 연결선 1051">
             <a:extLst>
               <a:ext uri="{FF2B5EF4-FFF2-40B4-BE49-F238E27FC236}">
-                <a16:creationId xmlns:a16="http://schemas.microsoft.com/office/drawing/2014/main" xmlns="" id="{CBD4563F-3BE9-DA87-5CD1-FADF2940C051}"/>
+                <a16:creationId xmlns:a16="http://schemas.microsoft.com/office/drawing/2014/main" id="{CBD4563F-3BE9-DA87-5CD1-FADF2940C051}"/>
               </a:ext>
             </a:extLst>
           </p:cNvPr>
@@ -6922,7 +6922,7 @@
           <p:cNvPr id="1053" name="직선 연결선 1052">
             <a:extLst>
               <a:ext uri="{FF2B5EF4-FFF2-40B4-BE49-F238E27FC236}">
-                <a16:creationId xmlns:a16="http://schemas.microsoft.com/office/drawing/2014/main" xmlns="" id="{9DB91B15-B47B-4272-BD6D-4E29F523C3FF}"/>
+                <a16:creationId xmlns:a16="http://schemas.microsoft.com/office/drawing/2014/main" id="{9DB91B15-B47B-4272-BD6D-4E29F523C3FF}"/>
               </a:ext>
             </a:extLst>
           </p:cNvPr>
@@ -6963,7 +6963,7 @@
           <p:cNvPr id="1054" name="직선 연결선 1053">
             <a:extLst>
               <a:ext uri="{FF2B5EF4-FFF2-40B4-BE49-F238E27FC236}">
-                <a16:creationId xmlns:a16="http://schemas.microsoft.com/office/drawing/2014/main" xmlns="" id="{F6134975-EC1A-872A-B859-DC67F2CB4BA8}"/>
+                <a16:creationId xmlns:a16="http://schemas.microsoft.com/office/drawing/2014/main" id="{F6134975-EC1A-872A-B859-DC67F2CB4BA8}"/>
               </a:ext>
             </a:extLst>
           </p:cNvPr>
@@ -7199,6 +7199,13 @@
   <p:clrMapOvr>
     <a:masterClrMapping/>
   </p:clrMapOvr>
+  <p:timing>
+    <p:tnLst>
+      <p:par>
+        <p:cTn id="1" dur="indefinite" restart="never" nodeType="tmRoot"/>
+      </p:par>
+    </p:tnLst>
+  </p:timing>
 </p:sld>
 </file>
 
@@ -7692,7 +7699,7 @@
           <p:cNvPr id="2" name="TextBox 4">
             <a:extLst>
               <a:ext uri="{FF2B5EF4-FFF2-40B4-BE49-F238E27FC236}">
-                <a16:creationId xmlns:a16="http://schemas.microsoft.com/office/drawing/2014/main" xmlns="" id="{EE9AF12C-379E-AD8A-52FB-AFF940CADAED}"/>
+                <a16:creationId xmlns:a16="http://schemas.microsoft.com/office/drawing/2014/main" id="{EE9AF12C-379E-AD8A-52FB-AFF940CADAED}"/>
               </a:ext>
             </a:extLst>
           </p:cNvPr>
@@ -7701,7 +7708,7 @@
         </p:nvSpPr>
         <p:spPr>
           <a:xfrm>
-            <a:off x="1904999" y="266700"/>
+            <a:off x="764023" y="274266"/>
             <a:ext cx="4343401" cy="533400"/>
           </a:xfrm>
           <a:prstGeom prst="rect">
@@ -9460,7 +9467,7 @@
           <p:cNvPr id="14" name="그룹 13">
             <a:extLst>
               <a:ext uri="{FF2B5EF4-FFF2-40B4-BE49-F238E27FC236}">
-                <a16:creationId xmlns:a16="http://schemas.microsoft.com/office/drawing/2014/main" xmlns="" id="{CE7C742F-3E29-198A-156B-B66065AA8624}"/>
+                <a16:creationId xmlns:a16="http://schemas.microsoft.com/office/drawing/2014/main" id="{CE7C742F-3E29-198A-156B-B66065AA8624}"/>
               </a:ext>
             </a:extLst>
           </p:cNvPr>
@@ -9725,7 +9732,7 @@
             <p:cNvPr id="11" name="직사각형 10">
               <a:extLst>
                 <a:ext uri="{FF2B5EF4-FFF2-40B4-BE49-F238E27FC236}">
-                  <a16:creationId xmlns:a16="http://schemas.microsoft.com/office/drawing/2014/main" xmlns="" id="{52A71156-BAAB-E75C-E4B1-CCD0EF2EEBD2}"/>
+                  <a16:creationId xmlns:a16="http://schemas.microsoft.com/office/drawing/2014/main" id="{52A71156-BAAB-E75C-E4B1-CCD0EF2EEBD2}"/>
                 </a:ext>
               </a:extLst>
             </p:cNvPr>
@@ -10147,6 +10154,13 @@
   <p:clrMapOvr>
     <a:masterClrMapping/>
   </p:clrMapOvr>
+  <p:timing>
+    <p:tnLst>
+      <p:par>
+        <p:cTn id="1" dur="indefinite" restart="never" nodeType="tmRoot"/>
+      </p:par>
+    </p:tnLst>
+  </p:timing>
 </p:sld>
 </file>
 
@@ -10158,7 +10172,7 @@
         <p:cNvPr id="1" name="">
           <a:extLst>
             <a:ext uri="{FF2B5EF4-FFF2-40B4-BE49-F238E27FC236}">
-              <a16:creationId xmlns:a16="http://schemas.microsoft.com/office/drawing/2014/main" xmlns="" id="{47900750-343F-BD78-457F-A9EA08B25ED4}"/>
+              <a16:creationId xmlns:a16="http://schemas.microsoft.com/office/drawing/2014/main" id="{47900750-343F-BD78-457F-A9EA08B25ED4}"/>
             </a:ext>
           </a:extLst>
         </p:cNvPr>
@@ -10178,7 +10192,7 @@
           <p:cNvPr id="23" name="Group 23">
             <a:extLst>
               <a:ext uri="{FF2B5EF4-FFF2-40B4-BE49-F238E27FC236}">
-                <a16:creationId xmlns:a16="http://schemas.microsoft.com/office/drawing/2014/main" xmlns="" id="{25F02D6F-5AD6-113C-830E-71D8F7B14CC7}"/>
+                <a16:creationId xmlns:a16="http://schemas.microsoft.com/office/drawing/2014/main" id="{25F02D6F-5AD6-113C-830E-71D8F7B14CC7}"/>
               </a:ext>
             </a:extLst>
           </p:cNvPr>
@@ -10199,7 +10213,7 @@
           <p:cNvPr id="25" name="Group 25">
             <a:extLst>
               <a:ext uri="{FF2B5EF4-FFF2-40B4-BE49-F238E27FC236}">
-                <a16:creationId xmlns:a16="http://schemas.microsoft.com/office/drawing/2014/main" xmlns="" id="{F4F3FA5C-865C-F6F6-7062-28FF0862496E}"/>
+                <a16:creationId xmlns:a16="http://schemas.microsoft.com/office/drawing/2014/main" id="{F4F3FA5C-865C-F6F6-7062-28FF0862496E}"/>
               </a:ext>
             </a:extLst>
           </p:cNvPr>
@@ -10220,7 +10234,7 @@
           <p:cNvPr id="29" name="Group 29">
             <a:extLst>
               <a:ext uri="{FF2B5EF4-FFF2-40B4-BE49-F238E27FC236}">
-                <a16:creationId xmlns:a16="http://schemas.microsoft.com/office/drawing/2014/main" xmlns="" id="{34864ABF-C932-F1B5-86C3-CDC7929D03C5}"/>
+                <a16:creationId xmlns:a16="http://schemas.microsoft.com/office/drawing/2014/main" id="{34864ABF-C932-F1B5-86C3-CDC7929D03C5}"/>
               </a:ext>
             </a:extLst>
           </p:cNvPr>
@@ -10241,7 +10255,7 @@
           <p:cNvPr id="34" name="Group 34">
             <a:extLst>
               <a:ext uri="{FF2B5EF4-FFF2-40B4-BE49-F238E27FC236}">
-                <a16:creationId xmlns:a16="http://schemas.microsoft.com/office/drawing/2014/main" xmlns="" id="{42209F61-6977-2790-2F38-32743750133D}"/>
+                <a16:creationId xmlns:a16="http://schemas.microsoft.com/office/drawing/2014/main" id="{42209F61-6977-2790-2F38-32743750133D}"/>
               </a:ext>
             </a:extLst>
           </p:cNvPr>
@@ -10262,7 +10276,7 @@
           <p:cNvPr id="39" name="Group 39">
             <a:extLst>
               <a:ext uri="{FF2B5EF4-FFF2-40B4-BE49-F238E27FC236}">
-                <a16:creationId xmlns:a16="http://schemas.microsoft.com/office/drawing/2014/main" xmlns="" id="{869F41E1-8ED5-9844-7E85-7474FF5FBCED}"/>
+                <a16:creationId xmlns:a16="http://schemas.microsoft.com/office/drawing/2014/main" id="{869F41E1-8ED5-9844-7E85-7474FF5FBCED}"/>
               </a:ext>
             </a:extLst>
           </p:cNvPr>
@@ -10283,7 +10297,7 @@
           <p:cNvPr id="44" name="Group 44">
             <a:extLst>
               <a:ext uri="{FF2B5EF4-FFF2-40B4-BE49-F238E27FC236}">
-                <a16:creationId xmlns:a16="http://schemas.microsoft.com/office/drawing/2014/main" xmlns="" id="{5D572DC9-2444-37D6-5FAD-15304D10C39F}"/>
+                <a16:creationId xmlns:a16="http://schemas.microsoft.com/office/drawing/2014/main" id="{5D572DC9-2444-37D6-5FAD-15304D10C39F}"/>
               </a:ext>
             </a:extLst>
           </p:cNvPr>
@@ -10304,7 +10318,7 @@
           <p:cNvPr id="50" name="Picture 50">
             <a:extLst>
               <a:ext uri="{FF2B5EF4-FFF2-40B4-BE49-F238E27FC236}">
-                <a16:creationId xmlns:a16="http://schemas.microsoft.com/office/drawing/2014/main" xmlns="" id="{C6093BC9-96D5-20DF-5ECC-6933EF0A5222}"/>
+                <a16:creationId xmlns:a16="http://schemas.microsoft.com/office/drawing/2014/main" id="{C6093BC9-96D5-20DF-5ECC-6933EF0A5222}"/>
               </a:ext>
             </a:extLst>
           </p:cNvPr>
@@ -10334,7 +10348,7 @@
           <p:cNvPr id="2" name="TextBox 4">
             <a:extLst>
               <a:ext uri="{FF2B5EF4-FFF2-40B4-BE49-F238E27FC236}">
-                <a16:creationId xmlns:a16="http://schemas.microsoft.com/office/drawing/2014/main" xmlns="" id="{8532B010-3691-BCEB-92E2-CE95093BED72}"/>
+                <a16:creationId xmlns:a16="http://schemas.microsoft.com/office/drawing/2014/main" id="{8532B010-3691-BCEB-92E2-CE95093BED72}"/>
               </a:ext>
             </a:extLst>
           </p:cNvPr>
@@ -10343,7 +10357,7 @@
         </p:nvSpPr>
         <p:spPr>
           <a:xfrm>
-            <a:off x="1981199" y="266700"/>
+            <a:off x="533400" y="258610"/>
             <a:ext cx="8991601" cy="533400"/>
           </a:xfrm>
           <a:prstGeom prst="rect">
@@ -10426,7 +10440,7 @@
           <p:cNvPr id="15" name="AutoShape 4" descr="재고관리.PNG">
             <a:extLst>
               <a:ext uri="{FF2B5EF4-FFF2-40B4-BE49-F238E27FC236}">
-                <a16:creationId xmlns:a16="http://schemas.microsoft.com/office/drawing/2014/main" xmlns="" id="{DFFB89FE-2A25-0B21-38AF-DDC41F44DE48}"/>
+                <a16:creationId xmlns:a16="http://schemas.microsoft.com/office/drawing/2014/main" id="{DFFB89FE-2A25-0B21-38AF-DDC41F44DE48}"/>
               </a:ext>
             </a:extLst>
           </p:cNvPr>
@@ -10471,7 +10485,7 @@
           <p:cNvPr id="10" name="화살표: 갈매기형 수장 9">
             <a:extLst>
               <a:ext uri="{FF2B5EF4-FFF2-40B4-BE49-F238E27FC236}">
-                <a16:creationId xmlns:a16="http://schemas.microsoft.com/office/drawing/2014/main" xmlns="" id="{97371ACC-4F24-8E89-3F87-67C13CE03AFA}"/>
+                <a16:creationId xmlns:a16="http://schemas.microsoft.com/office/drawing/2014/main" id="{97371ACC-4F24-8E89-3F87-67C13CE03AFA}"/>
               </a:ext>
             </a:extLst>
           </p:cNvPr>
@@ -10539,7 +10553,7 @@
           <p:cNvPr id="18" name="화살표: 갈매기형 수장 17">
             <a:extLst>
               <a:ext uri="{FF2B5EF4-FFF2-40B4-BE49-F238E27FC236}">
-                <a16:creationId xmlns:a16="http://schemas.microsoft.com/office/drawing/2014/main" xmlns="" id="{207C01AD-8BAD-08CD-AC5D-66AAB29DE897}"/>
+                <a16:creationId xmlns:a16="http://schemas.microsoft.com/office/drawing/2014/main" id="{207C01AD-8BAD-08CD-AC5D-66AAB29DE897}"/>
               </a:ext>
             </a:extLst>
           </p:cNvPr>
@@ -10607,7 +10621,7 @@
           <p:cNvPr id="19" name="화살표: 갈매기형 수장 18">
             <a:extLst>
               <a:ext uri="{FF2B5EF4-FFF2-40B4-BE49-F238E27FC236}">
-                <a16:creationId xmlns:a16="http://schemas.microsoft.com/office/drawing/2014/main" xmlns="" id="{035B763D-FE88-8AD2-DD1E-C317944ABA43}"/>
+                <a16:creationId xmlns:a16="http://schemas.microsoft.com/office/drawing/2014/main" id="{035B763D-FE88-8AD2-DD1E-C317944ABA43}"/>
               </a:ext>
             </a:extLst>
           </p:cNvPr>
@@ -10675,7 +10689,7 @@
           <p:cNvPr id="20" name="직사각형 19">
             <a:extLst>
               <a:ext uri="{FF2B5EF4-FFF2-40B4-BE49-F238E27FC236}">
-                <a16:creationId xmlns:a16="http://schemas.microsoft.com/office/drawing/2014/main" xmlns="" id="{98D544E6-9B9C-4731-A437-1D54F9EBE557}"/>
+                <a16:creationId xmlns:a16="http://schemas.microsoft.com/office/drawing/2014/main" id="{98D544E6-9B9C-4731-A437-1D54F9EBE557}"/>
               </a:ext>
             </a:extLst>
           </p:cNvPr>
@@ -10739,7 +10753,7 @@
           <p:cNvPr id="24" name="직사각형 23">
             <a:extLst>
               <a:ext uri="{FF2B5EF4-FFF2-40B4-BE49-F238E27FC236}">
-                <a16:creationId xmlns:a16="http://schemas.microsoft.com/office/drawing/2014/main" xmlns="" id="{2D90AEEA-D3C0-A943-246C-A6B783A42D15}"/>
+                <a16:creationId xmlns:a16="http://schemas.microsoft.com/office/drawing/2014/main" id="{2D90AEEA-D3C0-A943-246C-A6B783A42D15}"/>
               </a:ext>
             </a:extLst>
           </p:cNvPr>
@@ -10803,7 +10817,7 @@
           <p:cNvPr id="26" name="직사각형 25">
             <a:extLst>
               <a:ext uri="{FF2B5EF4-FFF2-40B4-BE49-F238E27FC236}">
-                <a16:creationId xmlns:a16="http://schemas.microsoft.com/office/drawing/2014/main" xmlns="" id="{7C25A7E9-D931-5F0D-1D58-43028C318134}"/>
+                <a16:creationId xmlns:a16="http://schemas.microsoft.com/office/drawing/2014/main" id="{7C25A7E9-D931-5F0D-1D58-43028C318134}"/>
               </a:ext>
             </a:extLst>
           </p:cNvPr>
@@ -10867,7 +10881,7 @@
           <p:cNvPr id="27" name="직사각형 26">
             <a:extLst>
               <a:ext uri="{FF2B5EF4-FFF2-40B4-BE49-F238E27FC236}">
-                <a16:creationId xmlns:a16="http://schemas.microsoft.com/office/drawing/2014/main" xmlns="" id="{FF41C94F-AC94-8643-F052-7D2B480961F6}"/>
+                <a16:creationId xmlns:a16="http://schemas.microsoft.com/office/drawing/2014/main" id="{FF41C94F-AC94-8643-F052-7D2B480961F6}"/>
               </a:ext>
             </a:extLst>
           </p:cNvPr>
@@ -11595,7 +11609,7 @@
           <p:cNvPr id="28" name="직사각형 27">
             <a:extLst>
               <a:ext uri="{FF2B5EF4-FFF2-40B4-BE49-F238E27FC236}">
-                <a16:creationId xmlns:a16="http://schemas.microsoft.com/office/drawing/2014/main" xmlns="" id="{2C104364-D8AA-62AA-6CA8-59CCE91816A8}"/>
+                <a16:creationId xmlns:a16="http://schemas.microsoft.com/office/drawing/2014/main" id="{2C104364-D8AA-62AA-6CA8-59CCE91816A8}"/>
               </a:ext>
             </a:extLst>
           </p:cNvPr>
@@ -11924,7 +11938,7 @@
           <p:cNvPr id="31" name="그림 30">
             <a:extLst>
               <a:ext uri="{FF2B5EF4-FFF2-40B4-BE49-F238E27FC236}">
-                <a16:creationId xmlns:a16="http://schemas.microsoft.com/office/drawing/2014/main" xmlns="" id="{289D42E1-2191-9EAD-738B-78ABF1423261}"/>
+                <a16:creationId xmlns:a16="http://schemas.microsoft.com/office/drawing/2014/main" id="{289D42E1-2191-9EAD-738B-78ABF1423261}"/>
               </a:ext>
             </a:extLst>
           </p:cNvPr>
@@ -11954,7 +11968,7 @@
           <p:cNvPr id="32" name="사각형: 둥근 모서리 31">
             <a:extLst>
               <a:ext uri="{FF2B5EF4-FFF2-40B4-BE49-F238E27FC236}">
-                <a16:creationId xmlns:a16="http://schemas.microsoft.com/office/drawing/2014/main" xmlns="" id="{612E6A9E-CBB5-137F-3907-DD91106E1EC7}"/>
+                <a16:creationId xmlns:a16="http://schemas.microsoft.com/office/drawing/2014/main" id="{612E6A9E-CBB5-137F-3907-DD91106E1EC7}"/>
               </a:ext>
             </a:extLst>
           </p:cNvPr>
@@ -12018,7 +12032,7 @@
           <p:cNvPr id="33" name="사각형: 둥근 모서리 32">
             <a:extLst>
               <a:ext uri="{FF2B5EF4-FFF2-40B4-BE49-F238E27FC236}">
-                <a16:creationId xmlns:a16="http://schemas.microsoft.com/office/drawing/2014/main" xmlns="" id="{47C1CD77-B002-F6BC-5511-E5936C66A8DB}"/>
+                <a16:creationId xmlns:a16="http://schemas.microsoft.com/office/drawing/2014/main" id="{47C1CD77-B002-F6BC-5511-E5936C66A8DB}"/>
               </a:ext>
             </a:extLst>
           </p:cNvPr>
@@ -12096,7 +12110,7 @@
           <p:cNvPr id="38" name="그림 37">
             <a:extLst>
               <a:ext uri="{FF2B5EF4-FFF2-40B4-BE49-F238E27FC236}">
-                <a16:creationId xmlns:a16="http://schemas.microsoft.com/office/drawing/2014/main" xmlns="" id="{BFFAD531-3526-C721-9691-6896AA30E168}"/>
+                <a16:creationId xmlns:a16="http://schemas.microsoft.com/office/drawing/2014/main" id="{BFFAD531-3526-C721-9691-6896AA30E168}"/>
               </a:ext>
             </a:extLst>
           </p:cNvPr>
@@ -12126,7 +12140,7 @@
           <p:cNvPr id="40" name="사각형: 둥근 모서리 39">
             <a:extLst>
               <a:ext uri="{FF2B5EF4-FFF2-40B4-BE49-F238E27FC236}">
-                <a16:creationId xmlns:a16="http://schemas.microsoft.com/office/drawing/2014/main" xmlns="" id="{DA6265B2-5FE2-28FD-D0D2-496A932ED4A5}"/>
+                <a16:creationId xmlns:a16="http://schemas.microsoft.com/office/drawing/2014/main" id="{DA6265B2-5FE2-28FD-D0D2-496A932ED4A5}"/>
               </a:ext>
             </a:extLst>
           </p:cNvPr>
@@ -12190,7 +12204,7 @@
           <p:cNvPr id="42" name="그림 41">
             <a:extLst>
               <a:ext uri="{FF2B5EF4-FFF2-40B4-BE49-F238E27FC236}">
-                <a16:creationId xmlns:a16="http://schemas.microsoft.com/office/drawing/2014/main" xmlns="" id="{49F6D213-BD15-1735-9875-616B566E9861}"/>
+                <a16:creationId xmlns:a16="http://schemas.microsoft.com/office/drawing/2014/main" id="{49F6D213-BD15-1735-9875-616B566E9861}"/>
               </a:ext>
             </a:extLst>
           </p:cNvPr>
@@ -12220,7 +12234,7 @@
           <p:cNvPr id="43" name="직사각형 42">
             <a:extLst>
               <a:ext uri="{FF2B5EF4-FFF2-40B4-BE49-F238E27FC236}">
-                <a16:creationId xmlns:a16="http://schemas.microsoft.com/office/drawing/2014/main" xmlns="" id="{2E5D7B6A-FF38-A142-EFAB-EA6225D4ED4D}"/>
+                <a16:creationId xmlns:a16="http://schemas.microsoft.com/office/drawing/2014/main" id="{2E5D7B6A-FF38-A142-EFAB-EA6225D4ED4D}"/>
               </a:ext>
             </a:extLst>
           </p:cNvPr>
@@ -12257,7 +12271,7 @@
           <p:cNvPr id="45" name="사각형: 둥근 모서리 44">
             <a:extLst>
               <a:ext uri="{FF2B5EF4-FFF2-40B4-BE49-F238E27FC236}">
-                <a16:creationId xmlns:a16="http://schemas.microsoft.com/office/drawing/2014/main" xmlns="" id="{DE51BECE-74AF-5458-1A89-634A00CBCEDB}"/>
+                <a16:creationId xmlns:a16="http://schemas.microsoft.com/office/drawing/2014/main" id="{DE51BECE-74AF-5458-1A89-634A00CBCEDB}"/>
               </a:ext>
             </a:extLst>
           </p:cNvPr>
@@ -12321,7 +12335,7 @@
           <p:cNvPr id="46" name="직사각형 45">
             <a:extLst>
               <a:ext uri="{FF2B5EF4-FFF2-40B4-BE49-F238E27FC236}">
-                <a16:creationId xmlns:a16="http://schemas.microsoft.com/office/drawing/2014/main" xmlns="" id="{29640EEA-C4AF-862E-6D5D-F80CFAB21099}"/>
+                <a16:creationId xmlns:a16="http://schemas.microsoft.com/office/drawing/2014/main" id="{29640EEA-C4AF-862E-6D5D-F80CFAB21099}"/>
               </a:ext>
             </a:extLst>
           </p:cNvPr>
@@ -12358,7 +12372,7 @@
           <p:cNvPr id="47" name="사각형: 둥근 모서리 46">
             <a:extLst>
               <a:ext uri="{FF2B5EF4-FFF2-40B4-BE49-F238E27FC236}">
-                <a16:creationId xmlns:a16="http://schemas.microsoft.com/office/drawing/2014/main" xmlns="" id="{AADD589A-6397-5E44-48EE-5BBD3EA6F9F5}"/>
+                <a16:creationId xmlns:a16="http://schemas.microsoft.com/office/drawing/2014/main" id="{AADD589A-6397-5E44-48EE-5BBD3EA6F9F5}"/>
               </a:ext>
             </a:extLst>
           </p:cNvPr>
@@ -12422,7 +12436,7 @@
           <p:cNvPr id="48" name="직사각형 47">
             <a:extLst>
               <a:ext uri="{FF2B5EF4-FFF2-40B4-BE49-F238E27FC236}">
-                <a16:creationId xmlns:a16="http://schemas.microsoft.com/office/drawing/2014/main" xmlns="" id="{051D981A-6EBD-38D9-F2EF-AD9CCA58049C}"/>
+                <a16:creationId xmlns:a16="http://schemas.microsoft.com/office/drawing/2014/main" id="{051D981A-6EBD-38D9-F2EF-AD9CCA58049C}"/>
               </a:ext>
             </a:extLst>
           </p:cNvPr>
@@ -12490,7 +12504,7 @@
           <p:cNvPr id="49" name="사각형: 둥근 모서리 48">
             <a:extLst>
               <a:ext uri="{FF2B5EF4-FFF2-40B4-BE49-F238E27FC236}">
-                <a16:creationId xmlns:a16="http://schemas.microsoft.com/office/drawing/2014/main" xmlns="" id="{B8EB0177-24B8-02DF-CA5A-6FF0F2CA1A58}"/>
+                <a16:creationId xmlns:a16="http://schemas.microsoft.com/office/drawing/2014/main" id="{B8EB0177-24B8-02DF-CA5A-6FF0F2CA1A58}"/>
               </a:ext>
             </a:extLst>
           </p:cNvPr>
@@ -12554,7 +12568,7 @@
           <p:cNvPr id="51" name="직사각형 50">
             <a:extLst>
               <a:ext uri="{FF2B5EF4-FFF2-40B4-BE49-F238E27FC236}">
-                <a16:creationId xmlns:a16="http://schemas.microsoft.com/office/drawing/2014/main" xmlns="" id="{1E0AB160-FA42-3999-BD9B-918B82C4088C}"/>
+                <a16:creationId xmlns:a16="http://schemas.microsoft.com/office/drawing/2014/main" id="{1E0AB160-FA42-3999-BD9B-918B82C4088C}"/>
               </a:ext>
             </a:extLst>
           </p:cNvPr>
@@ -12705,7 +12719,7 @@
           <p:cNvPr id="53" name="사각형: 둥근 모서리 52">
             <a:extLst>
               <a:ext uri="{FF2B5EF4-FFF2-40B4-BE49-F238E27FC236}">
-                <a16:creationId xmlns:a16="http://schemas.microsoft.com/office/drawing/2014/main" xmlns="" id="{A46D6B0D-223C-F5E3-359D-3F2CCE7CE7F8}"/>
+                <a16:creationId xmlns:a16="http://schemas.microsoft.com/office/drawing/2014/main" id="{A46D6B0D-223C-F5E3-359D-3F2CCE7CE7F8}"/>
               </a:ext>
             </a:extLst>
           </p:cNvPr>
@@ -12765,7 +12779,7 @@
           <p:cNvPr id="58" name="그림 57">
             <a:extLst>
               <a:ext uri="{FF2B5EF4-FFF2-40B4-BE49-F238E27FC236}">
-                <a16:creationId xmlns:a16="http://schemas.microsoft.com/office/drawing/2014/main" xmlns="" id="{8B24E1D5-B265-4100-9FA5-AADFE38E396A}"/>
+                <a16:creationId xmlns:a16="http://schemas.microsoft.com/office/drawing/2014/main" id="{8B24E1D5-B265-4100-9FA5-AADFE38E396A}"/>
               </a:ext>
             </a:extLst>
           </p:cNvPr>
@@ -12795,7 +12809,7 @@
           <p:cNvPr id="60" name="직사각형 59">
             <a:extLst>
               <a:ext uri="{FF2B5EF4-FFF2-40B4-BE49-F238E27FC236}">
-                <a16:creationId xmlns:a16="http://schemas.microsoft.com/office/drawing/2014/main" xmlns="" id="{6677125E-B0B3-B236-D54D-A6BBDB52AAF1}"/>
+                <a16:creationId xmlns:a16="http://schemas.microsoft.com/office/drawing/2014/main" id="{6677125E-B0B3-B236-D54D-A6BBDB52AAF1}"/>
               </a:ext>
             </a:extLst>
           </p:cNvPr>
@@ -13137,6 +13151,13 @@
   <p:clrMapOvr>
     <a:masterClrMapping/>
   </p:clrMapOvr>
+  <p:timing>
+    <p:tnLst>
+      <p:par>
+        <p:cTn id="1" dur="indefinite" restart="never" nodeType="tmRoot"/>
+      </p:par>
+    </p:tnLst>
+  </p:timing>
 </p:sld>
 </file>
 
@@ -13148,7 +13169,7 @@
         <p:cNvPr id="1" name="">
           <a:extLst>
             <a:ext uri="{FF2B5EF4-FFF2-40B4-BE49-F238E27FC236}">
-              <a16:creationId xmlns:a16="http://schemas.microsoft.com/office/drawing/2014/main" xmlns="" id="{56476DC7-BEEA-2FF6-20D6-8FA7F3ECC4C9}"/>
+              <a16:creationId xmlns:a16="http://schemas.microsoft.com/office/drawing/2014/main" id="{56476DC7-BEEA-2FF6-20D6-8FA7F3ECC4C9}"/>
             </a:ext>
           </a:extLst>
         </p:cNvPr>
@@ -13168,7 +13189,7 @@
           <p:cNvPr id="17" name="그룹 16">
             <a:extLst>
               <a:ext uri="{FF2B5EF4-FFF2-40B4-BE49-F238E27FC236}">
-                <a16:creationId xmlns:a16="http://schemas.microsoft.com/office/drawing/2014/main" xmlns="" id="{38A5B5D4-EC96-4D64-272A-B8080BF3F87D}"/>
+                <a16:creationId xmlns:a16="http://schemas.microsoft.com/office/drawing/2014/main" id="{38A5B5D4-EC96-4D64-272A-B8080BF3F87D}"/>
               </a:ext>
             </a:extLst>
           </p:cNvPr>
@@ -13188,7 +13209,7 @@
             <p:cNvPr id="5" name="TextBox 5">
               <a:extLst>
                 <a:ext uri="{FF2B5EF4-FFF2-40B4-BE49-F238E27FC236}">
-                  <a16:creationId xmlns:a16="http://schemas.microsoft.com/office/drawing/2014/main" xmlns="" id="{8612D597-DC29-4EBD-5FFD-9C1BE5B03660}"/>
+                  <a16:creationId xmlns:a16="http://schemas.microsoft.com/office/drawing/2014/main" id="{8612D597-DC29-4EBD-5FFD-9C1BE5B03660}"/>
                 </a:ext>
               </a:extLst>
             </p:cNvPr>
@@ -13286,7 +13307,7 @@
             <p:cNvPr id="6" name="Picture 6">
               <a:extLst>
                 <a:ext uri="{FF2B5EF4-FFF2-40B4-BE49-F238E27FC236}">
-                  <a16:creationId xmlns:a16="http://schemas.microsoft.com/office/drawing/2014/main" xmlns="" id="{A78BFD50-1792-AB41-087C-83F1EFBE708E}"/>
+                  <a16:creationId xmlns:a16="http://schemas.microsoft.com/office/drawing/2014/main" id="{A78BFD50-1792-AB41-087C-83F1EFBE708E}"/>
                 </a:ext>
               </a:extLst>
             </p:cNvPr>
@@ -13317,7 +13338,7 @@
           <p:cNvPr id="7" name="TextBox 7">
             <a:extLst>
               <a:ext uri="{FF2B5EF4-FFF2-40B4-BE49-F238E27FC236}">
-                <a16:creationId xmlns:a16="http://schemas.microsoft.com/office/drawing/2014/main" xmlns="" id="{D2866E14-3424-FF97-FEE2-082E85D88B3E}"/>
+                <a16:creationId xmlns:a16="http://schemas.microsoft.com/office/drawing/2014/main" id="{D2866E14-3424-FF97-FEE2-082E85D88B3E}"/>
               </a:ext>
             </a:extLst>
           </p:cNvPr>
@@ -13357,7 +13378,7 @@
           <p:cNvPr id="8" name="Picture 8">
             <a:extLst>
               <a:ext uri="{FF2B5EF4-FFF2-40B4-BE49-F238E27FC236}">
-                <a16:creationId xmlns:a16="http://schemas.microsoft.com/office/drawing/2014/main" xmlns="" id="{F98BB402-33D6-98E4-1DF4-9A79FE1CF331}"/>
+                <a16:creationId xmlns:a16="http://schemas.microsoft.com/office/drawing/2014/main" id="{F98BB402-33D6-98E4-1DF4-9A79FE1CF331}"/>
               </a:ext>
             </a:extLst>
           </p:cNvPr>
@@ -13387,7 +13408,7 @@
           <p:cNvPr id="9" name="TextBox 9">
             <a:extLst>
               <a:ext uri="{FF2B5EF4-FFF2-40B4-BE49-F238E27FC236}">
-                <a16:creationId xmlns:a16="http://schemas.microsoft.com/office/drawing/2014/main" xmlns="" id="{EB7C6414-1017-976C-D864-1D584D262A41}"/>
+                <a16:creationId xmlns:a16="http://schemas.microsoft.com/office/drawing/2014/main" id="{EB7C6414-1017-976C-D864-1D584D262A41}"/>
               </a:ext>
             </a:extLst>
           </p:cNvPr>
@@ -13437,7 +13458,7 @@
           <p:cNvPr id="23" name="Group 23">
             <a:extLst>
               <a:ext uri="{FF2B5EF4-FFF2-40B4-BE49-F238E27FC236}">
-                <a16:creationId xmlns:a16="http://schemas.microsoft.com/office/drawing/2014/main" xmlns="" id="{5A137B8F-83C1-E486-3127-9B4847639FE8}"/>
+                <a16:creationId xmlns:a16="http://schemas.microsoft.com/office/drawing/2014/main" id="{5A137B8F-83C1-E486-3127-9B4847639FE8}"/>
               </a:ext>
             </a:extLst>
           </p:cNvPr>
@@ -13458,7 +13479,7 @@
           <p:cNvPr id="25" name="Group 25">
             <a:extLst>
               <a:ext uri="{FF2B5EF4-FFF2-40B4-BE49-F238E27FC236}">
-                <a16:creationId xmlns:a16="http://schemas.microsoft.com/office/drawing/2014/main" xmlns="" id="{AFF3994A-8287-1F5B-647E-AA3411A69EBA}"/>
+                <a16:creationId xmlns:a16="http://schemas.microsoft.com/office/drawing/2014/main" id="{AFF3994A-8287-1F5B-647E-AA3411A69EBA}"/>
               </a:ext>
             </a:extLst>
           </p:cNvPr>
@@ -13479,7 +13500,7 @@
           <p:cNvPr id="29" name="Group 29">
             <a:extLst>
               <a:ext uri="{FF2B5EF4-FFF2-40B4-BE49-F238E27FC236}">
-                <a16:creationId xmlns:a16="http://schemas.microsoft.com/office/drawing/2014/main" xmlns="" id="{8F71EB44-8ED8-50B3-4052-920678C925A0}"/>
+                <a16:creationId xmlns:a16="http://schemas.microsoft.com/office/drawing/2014/main" id="{8F71EB44-8ED8-50B3-4052-920678C925A0}"/>
               </a:ext>
             </a:extLst>
           </p:cNvPr>
@@ -13500,7 +13521,7 @@
           <p:cNvPr id="34" name="Group 34">
             <a:extLst>
               <a:ext uri="{FF2B5EF4-FFF2-40B4-BE49-F238E27FC236}">
-                <a16:creationId xmlns:a16="http://schemas.microsoft.com/office/drawing/2014/main" xmlns="" id="{AD0B9278-7299-01EB-5D4B-F8113F54F412}"/>
+                <a16:creationId xmlns:a16="http://schemas.microsoft.com/office/drawing/2014/main" id="{AD0B9278-7299-01EB-5D4B-F8113F54F412}"/>
               </a:ext>
             </a:extLst>
           </p:cNvPr>
@@ -13521,7 +13542,7 @@
           <p:cNvPr id="39" name="Group 39">
             <a:extLst>
               <a:ext uri="{FF2B5EF4-FFF2-40B4-BE49-F238E27FC236}">
-                <a16:creationId xmlns:a16="http://schemas.microsoft.com/office/drawing/2014/main" xmlns="" id="{0A6E0B7E-A17D-EC32-22C3-DF045F46034A}"/>
+                <a16:creationId xmlns:a16="http://schemas.microsoft.com/office/drawing/2014/main" id="{0A6E0B7E-A17D-EC32-22C3-DF045F46034A}"/>
               </a:ext>
             </a:extLst>
           </p:cNvPr>
@@ -13542,7 +13563,7 @@
           <p:cNvPr id="44" name="Group 44">
             <a:extLst>
               <a:ext uri="{FF2B5EF4-FFF2-40B4-BE49-F238E27FC236}">
-                <a16:creationId xmlns:a16="http://schemas.microsoft.com/office/drawing/2014/main" xmlns="" id="{5324A659-DD50-AE4B-A038-356587647266}"/>
+                <a16:creationId xmlns:a16="http://schemas.microsoft.com/office/drawing/2014/main" id="{5324A659-DD50-AE4B-A038-356587647266}"/>
               </a:ext>
             </a:extLst>
           </p:cNvPr>
@@ -13563,7 +13584,7 @@
           <p:cNvPr id="50" name="Picture 50">
             <a:extLst>
               <a:ext uri="{FF2B5EF4-FFF2-40B4-BE49-F238E27FC236}">
-                <a16:creationId xmlns:a16="http://schemas.microsoft.com/office/drawing/2014/main" xmlns="" id="{A8803C42-9B13-CC0B-CB77-E0D56644B54D}"/>
+                <a16:creationId xmlns:a16="http://schemas.microsoft.com/office/drawing/2014/main" id="{A8803C42-9B13-CC0B-CB77-E0D56644B54D}"/>
               </a:ext>
             </a:extLst>
           </p:cNvPr>
@@ -13593,7 +13614,7 @@
           <p:cNvPr id="4" name="그룹 3">
             <a:extLst>
               <a:ext uri="{FF2B5EF4-FFF2-40B4-BE49-F238E27FC236}">
-                <a16:creationId xmlns:a16="http://schemas.microsoft.com/office/drawing/2014/main" xmlns="" id="{50FFF4F7-9500-1155-32F5-A5A55E799AB8}"/>
+                <a16:creationId xmlns:a16="http://schemas.microsoft.com/office/drawing/2014/main" id="{50FFF4F7-9500-1155-32F5-A5A55E799AB8}"/>
               </a:ext>
             </a:extLst>
           </p:cNvPr>
@@ -13613,7 +13634,7 @@
             <p:cNvPr id="57" name="TextBox 9">
               <a:extLst>
                 <a:ext uri="{FF2B5EF4-FFF2-40B4-BE49-F238E27FC236}">
-                  <a16:creationId xmlns:a16="http://schemas.microsoft.com/office/drawing/2014/main" xmlns="" id="{25CB2F80-4602-4543-CC96-C9603CA5777D}"/>
+                  <a16:creationId xmlns:a16="http://schemas.microsoft.com/office/drawing/2014/main" id="{25CB2F80-4602-4543-CC96-C9603CA5777D}"/>
                 </a:ext>
               </a:extLst>
             </p:cNvPr>
@@ -13671,7 +13692,7 @@
             <p:cNvPr id="52" name="직선 연결선 51">
               <a:extLst>
                 <a:ext uri="{FF2B5EF4-FFF2-40B4-BE49-F238E27FC236}">
-                  <a16:creationId xmlns:a16="http://schemas.microsoft.com/office/drawing/2014/main" xmlns="" id="{CB90DDB5-D21C-E246-B209-1B46418C8EA9}"/>
+                  <a16:creationId xmlns:a16="http://schemas.microsoft.com/office/drawing/2014/main" id="{CB90DDB5-D21C-E246-B209-1B46418C8EA9}"/>
                 </a:ext>
               </a:extLst>
             </p:cNvPr>
@@ -13714,7 +13735,7 @@
           <p:cNvPr id="2" name="TextBox 4">
             <a:extLst>
               <a:ext uri="{FF2B5EF4-FFF2-40B4-BE49-F238E27FC236}">
-                <a16:creationId xmlns:a16="http://schemas.microsoft.com/office/drawing/2014/main" xmlns="" id="{D7EFAB0B-09DF-C5F8-70DB-168D1B31B1C3}"/>
+                <a16:creationId xmlns:a16="http://schemas.microsoft.com/office/drawing/2014/main" id="{D7EFAB0B-09DF-C5F8-70DB-168D1B31B1C3}"/>
               </a:ext>
             </a:extLst>
           </p:cNvPr>
@@ -13723,7 +13744,7 @@
         </p:nvSpPr>
         <p:spPr>
           <a:xfrm>
-            <a:off x="2057399" y="266700"/>
+            <a:off x="525625" y="292020"/>
             <a:ext cx="5029201" cy="533400"/>
           </a:xfrm>
           <a:prstGeom prst="rect">
@@ -13780,7 +13801,7 @@
           <p:cNvPr id="13" name="직사각형 12">
             <a:extLst>
               <a:ext uri="{FF2B5EF4-FFF2-40B4-BE49-F238E27FC236}">
-                <a16:creationId xmlns:a16="http://schemas.microsoft.com/office/drawing/2014/main" xmlns="" id="{09505D5B-B41A-ACF8-7938-C507C8C0BBC0}"/>
+                <a16:creationId xmlns:a16="http://schemas.microsoft.com/office/drawing/2014/main" id="{09505D5B-B41A-ACF8-7938-C507C8C0BBC0}"/>
               </a:ext>
             </a:extLst>
           </p:cNvPr>
@@ -13927,7 +13948,7 @@
           <p:cNvPr id="59" name="TextBox 9">
             <a:extLst>
               <a:ext uri="{FF2B5EF4-FFF2-40B4-BE49-F238E27FC236}">
-                <a16:creationId xmlns:a16="http://schemas.microsoft.com/office/drawing/2014/main" xmlns="" id="{165E92BF-939D-A108-E911-3D4B72832162}"/>
+                <a16:creationId xmlns:a16="http://schemas.microsoft.com/office/drawing/2014/main" id="{165E92BF-939D-A108-E911-3D4B72832162}"/>
               </a:ext>
             </a:extLst>
           </p:cNvPr>
@@ -13985,7 +14006,7 @@
           <p:cNvPr id="61" name="TextBox 9">
             <a:extLst>
               <a:ext uri="{FF2B5EF4-FFF2-40B4-BE49-F238E27FC236}">
-                <a16:creationId xmlns:a16="http://schemas.microsoft.com/office/drawing/2014/main" xmlns="" id="{1FC4C201-FAC6-B2E8-680B-E6D21BD20C67}"/>
+                <a16:creationId xmlns:a16="http://schemas.microsoft.com/office/drawing/2014/main" id="{1FC4C201-FAC6-B2E8-680B-E6D21BD20C67}"/>
               </a:ext>
             </a:extLst>
           </p:cNvPr>
@@ -14354,7 +14375,7 @@
           <p:cNvPr id="15" name="AutoShape 4" descr="재고관리.PNG">
             <a:extLst>
               <a:ext uri="{FF2B5EF4-FFF2-40B4-BE49-F238E27FC236}">
-                <a16:creationId xmlns:a16="http://schemas.microsoft.com/office/drawing/2014/main" xmlns="" id="{6D9B4317-C392-F3C7-DC80-CAAA0039C20B}"/>
+                <a16:creationId xmlns:a16="http://schemas.microsoft.com/office/drawing/2014/main" id="{6D9B4317-C392-F3C7-DC80-CAAA0039C20B}"/>
               </a:ext>
             </a:extLst>
           </p:cNvPr>
@@ -14399,7 +14420,7 @@
           <p:cNvPr id="65" name="직사각형 64">
             <a:extLst>
               <a:ext uri="{FF2B5EF4-FFF2-40B4-BE49-F238E27FC236}">
-                <a16:creationId xmlns:a16="http://schemas.microsoft.com/office/drawing/2014/main" xmlns="" id="{DD335C7C-EE67-F358-95E4-F9AAC1DA1966}"/>
+                <a16:creationId xmlns:a16="http://schemas.microsoft.com/office/drawing/2014/main" id="{DD335C7C-EE67-F358-95E4-F9AAC1DA1966}"/>
               </a:ext>
             </a:extLst>
           </p:cNvPr>
@@ -14559,7 +14580,7 @@
           <p:cNvPr id="66" name="Picture 8">
             <a:extLst>
               <a:ext uri="{FF2B5EF4-FFF2-40B4-BE49-F238E27FC236}">
-                <a16:creationId xmlns:a16="http://schemas.microsoft.com/office/drawing/2014/main" xmlns="" id="{4477F808-2E4F-69DE-2E5B-3C20C712D595}"/>
+                <a16:creationId xmlns:a16="http://schemas.microsoft.com/office/drawing/2014/main" id="{4477F808-2E4F-69DE-2E5B-3C20C712D595}"/>
               </a:ext>
             </a:extLst>
           </p:cNvPr>
@@ -14589,7 +14610,7 @@
           <p:cNvPr id="67" name="TextBox 9">
             <a:extLst>
               <a:ext uri="{FF2B5EF4-FFF2-40B4-BE49-F238E27FC236}">
-                <a16:creationId xmlns:a16="http://schemas.microsoft.com/office/drawing/2014/main" xmlns="" id="{884CB76F-3E01-4200-F90F-5C6475A6AA52}"/>
+                <a16:creationId xmlns:a16="http://schemas.microsoft.com/office/drawing/2014/main" id="{884CB76F-3E01-4200-F90F-5C6475A6AA52}"/>
               </a:ext>
             </a:extLst>
           </p:cNvPr>
@@ -14639,7 +14660,7 @@
           <p:cNvPr id="68" name="직사각형 67">
             <a:extLst>
               <a:ext uri="{FF2B5EF4-FFF2-40B4-BE49-F238E27FC236}">
-                <a16:creationId xmlns:a16="http://schemas.microsoft.com/office/drawing/2014/main" xmlns="" id="{2F89A759-6CEA-7733-7D89-715020E08700}"/>
+                <a16:creationId xmlns:a16="http://schemas.microsoft.com/office/drawing/2014/main" id="{2F89A759-6CEA-7733-7D89-715020E08700}"/>
               </a:ext>
             </a:extLst>
           </p:cNvPr>
@@ -14757,7 +14778,7 @@
           <p:cNvPr id="69" name="Picture 8">
             <a:extLst>
               <a:ext uri="{FF2B5EF4-FFF2-40B4-BE49-F238E27FC236}">
-                <a16:creationId xmlns:a16="http://schemas.microsoft.com/office/drawing/2014/main" xmlns="" id="{F223C856-62A7-0200-82D2-093BBF2400FA}"/>
+                <a16:creationId xmlns:a16="http://schemas.microsoft.com/office/drawing/2014/main" id="{F223C856-62A7-0200-82D2-093BBF2400FA}"/>
               </a:ext>
             </a:extLst>
           </p:cNvPr>
@@ -14787,7 +14808,7 @@
           <p:cNvPr id="70" name="TextBox 9">
             <a:extLst>
               <a:ext uri="{FF2B5EF4-FFF2-40B4-BE49-F238E27FC236}">
-                <a16:creationId xmlns:a16="http://schemas.microsoft.com/office/drawing/2014/main" xmlns="" id="{A83259C6-35DC-BB0A-B436-7D31777F81E0}"/>
+                <a16:creationId xmlns:a16="http://schemas.microsoft.com/office/drawing/2014/main" id="{A83259C6-35DC-BB0A-B436-7D31777F81E0}"/>
               </a:ext>
             </a:extLst>
           </p:cNvPr>
@@ -14837,7 +14858,7 @@
           <p:cNvPr id="71" name="직사각형 70">
             <a:extLst>
               <a:ext uri="{FF2B5EF4-FFF2-40B4-BE49-F238E27FC236}">
-                <a16:creationId xmlns:a16="http://schemas.microsoft.com/office/drawing/2014/main" xmlns="" id="{FEC3648E-C063-C007-FC7B-83C9984C7BF7}"/>
+                <a16:creationId xmlns:a16="http://schemas.microsoft.com/office/drawing/2014/main" id="{FEC3648E-C063-C007-FC7B-83C9984C7BF7}"/>
               </a:ext>
             </a:extLst>
           </p:cNvPr>
@@ -15075,7 +15096,7 @@
           <p:cNvPr id="62" name="그룹 61">
             <a:extLst>
               <a:ext uri="{FF2B5EF4-FFF2-40B4-BE49-F238E27FC236}">
-                <a16:creationId xmlns:a16="http://schemas.microsoft.com/office/drawing/2014/main" xmlns="" id="{58959AA5-48FB-D88B-3131-3F639735D9A5}"/>
+                <a16:creationId xmlns:a16="http://schemas.microsoft.com/office/drawing/2014/main" id="{58959AA5-48FB-D88B-3131-3F639735D9A5}"/>
               </a:ext>
             </a:extLst>
           </p:cNvPr>
@@ -15095,7 +15116,7 @@
             <p:cNvPr id="72" name="Picture 8">
               <a:extLst>
                 <a:ext uri="{FF2B5EF4-FFF2-40B4-BE49-F238E27FC236}">
-                  <a16:creationId xmlns:a16="http://schemas.microsoft.com/office/drawing/2014/main" xmlns="" id="{90B75697-CD2C-737C-4FFC-4BFB3C0043EF}"/>
+                  <a16:creationId xmlns:a16="http://schemas.microsoft.com/office/drawing/2014/main" id="{90B75697-CD2C-737C-4FFC-4BFB3C0043EF}"/>
                 </a:ext>
               </a:extLst>
             </p:cNvPr>
@@ -15125,7 +15146,7 @@
             <p:cNvPr id="12" name="TextBox 12">
               <a:extLst>
                 <a:ext uri="{FF2B5EF4-FFF2-40B4-BE49-F238E27FC236}">
-                  <a16:creationId xmlns:a16="http://schemas.microsoft.com/office/drawing/2014/main" xmlns="" id="{2129E6BD-7E35-05B7-F0F2-A879BCA51653}"/>
+                  <a16:creationId xmlns:a16="http://schemas.microsoft.com/office/drawing/2014/main" id="{2129E6BD-7E35-05B7-F0F2-A879BCA51653}"/>
                 </a:ext>
               </a:extLst>
             </p:cNvPr>
@@ -15169,7 +15190,7 @@
           <p:cNvPr id="75" name="직사각형 74">
             <a:extLst>
               <a:ext uri="{FF2B5EF4-FFF2-40B4-BE49-F238E27FC236}">
-                <a16:creationId xmlns:a16="http://schemas.microsoft.com/office/drawing/2014/main" xmlns="" id="{FCE9E89A-B76C-2501-673C-5F8747F19EA7}"/>
+                <a16:creationId xmlns:a16="http://schemas.microsoft.com/office/drawing/2014/main" id="{FCE9E89A-B76C-2501-673C-5F8747F19EA7}"/>
               </a:ext>
             </a:extLst>
           </p:cNvPr>
@@ -15458,7 +15479,7 @@
           <p:cNvPr id="14" name="그룹 13">
             <a:extLst>
               <a:ext uri="{FF2B5EF4-FFF2-40B4-BE49-F238E27FC236}">
-                <a16:creationId xmlns:a16="http://schemas.microsoft.com/office/drawing/2014/main" xmlns="" id="{63A7C831-C518-61AE-F4B7-4C7D893AA00E}"/>
+                <a16:creationId xmlns:a16="http://schemas.microsoft.com/office/drawing/2014/main" id="{63A7C831-C518-61AE-F4B7-4C7D893AA00E}"/>
               </a:ext>
             </a:extLst>
           </p:cNvPr>
@@ -15478,7 +15499,7 @@
             <p:cNvPr id="76" name="그룹 75">
               <a:extLst>
                 <a:ext uri="{FF2B5EF4-FFF2-40B4-BE49-F238E27FC236}">
-                  <a16:creationId xmlns:a16="http://schemas.microsoft.com/office/drawing/2014/main" xmlns="" id="{A88D9077-FAAA-C4FA-32E9-4836D900F7AE}"/>
+                  <a16:creationId xmlns:a16="http://schemas.microsoft.com/office/drawing/2014/main" id="{A88D9077-FAAA-C4FA-32E9-4836D900F7AE}"/>
                 </a:ext>
               </a:extLst>
             </p:cNvPr>
@@ -15498,7 +15519,7 @@
               <p:cNvPr id="77" name="Picture 8">
                 <a:extLst>
                   <a:ext uri="{FF2B5EF4-FFF2-40B4-BE49-F238E27FC236}">
-                    <a16:creationId xmlns:a16="http://schemas.microsoft.com/office/drawing/2014/main" xmlns="" id="{73FC5F45-5F16-BC25-1F05-74C511953CAF}"/>
+                    <a16:creationId xmlns:a16="http://schemas.microsoft.com/office/drawing/2014/main" id="{73FC5F45-5F16-BC25-1F05-74C511953CAF}"/>
                   </a:ext>
                 </a:extLst>
               </p:cNvPr>
@@ -15528,7 +15549,7 @@
               <p:cNvPr id="78" name="TextBox 12">
                 <a:extLst>
                   <a:ext uri="{FF2B5EF4-FFF2-40B4-BE49-F238E27FC236}">
-                    <a16:creationId xmlns:a16="http://schemas.microsoft.com/office/drawing/2014/main" xmlns="" id="{A315FC48-554A-0AC4-D45A-1C77721DF191}"/>
+                    <a16:creationId xmlns:a16="http://schemas.microsoft.com/office/drawing/2014/main" id="{A315FC48-554A-0AC4-D45A-1C77721DF191}"/>
                   </a:ext>
                 </a:extLst>
               </p:cNvPr>
@@ -15572,7 +15593,7 @@
             <p:cNvPr id="11" name="직사각형 10">
               <a:extLst>
                 <a:ext uri="{FF2B5EF4-FFF2-40B4-BE49-F238E27FC236}">
-                  <a16:creationId xmlns:a16="http://schemas.microsoft.com/office/drawing/2014/main" xmlns="" id="{A5E6D0E6-DCFC-F53C-73C4-2D197BB12A9E}"/>
+                  <a16:creationId xmlns:a16="http://schemas.microsoft.com/office/drawing/2014/main" id="{A5E6D0E6-DCFC-F53C-73C4-2D197BB12A9E}"/>
                 </a:ext>
               </a:extLst>
             </p:cNvPr>
@@ -15617,7 +15638,7 @@
           <p:cNvPr id="33" name="그룹 32">
             <a:extLst>
               <a:ext uri="{FF2B5EF4-FFF2-40B4-BE49-F238E27FC236}">
-                <a16:creationId xmlns:a16="http://schemas.microsoft.com/office/drawing/2014/main" xmlns="" id="{519C9E81-A815-D438-02DC-FD22836D826D}"/>
+                <a16:creationId xmlns:a16="http://schemas.microsoft.com/office/drawing/2014/main" id="{519C9E81-A815-D438-02DC-FD22836D826D}"/>
               </a:ext>
             </a:extLst>
           </p:cNvPr>
@@ -15637,7 +15658,7 @@
             <p:cNvPr id="32" name="그룹 31">
               <a:extLst>
                 <a:ext uri="{FF2B5EF4-FFF2-40B4-BE49-F238E27FC236}">
-                  <a16:creationId xmlns:a16="http://schemas.microsoft.com/office/drawing/2014/main" xmlns="" id="{1F88F8A4-0B27-5A83-5E4A-9D3C4F65C6EB}"/>
+                  <a16:creationId xmlns:a16="http://schemas.microsoft.com/office/drawing/2014/main" id="{1F88F8A4-0B27-5A83-5E4A-9D3C4F65C6EB}"/>
                 </a:ext>
               </a:extLst>
             </p:cNvPr>
@@ -15657,7 +15678,7 @@
               <p:cNvPr id="18" name="Picture 6" descr="키오스크ㅣLH24KMCCBGCXKRㅣSamsung Business 대한민국">
                 <a:extLst>
                   <a:ext uri="{FF2B5EF4-FFF2-40B4-BE49-F238E27FC236}">
-                    <a16:creationId xmlns:a16="http://schemas.microsoft.com/office/drawing/2014/main" xmlns="" id="{80B9572A-42A1-FFC7-2BA9-FB954F2F3E1D}"/>
+                    <a16:creationId xmlns:a16="http://schemas.microsoft.com/office/drawing/2014/main" id="{80B9572A-42A1-FFC7-2BA9-FB954F2F3E1D}"/>
                   </a:ext>
                 </a:extLst>
               </p:cNvPr>
@@ -15704,7 +15725,7 @@
               <p:cNvPr id="20" name="그림 19">
                 <a:extLst>
                   <a:ext uri="{FF2B5EF4-FFF2-40B4-BE49-F238E27FC236}">
-                    <a16:creationId xmlns:a16="http://schemas.microsoft.com/office/drawing/2014/main" xmlns="" id="{E4931C4E-2FE8-6633-94C3-51E687428834}"/>
+                    <a16:creationId xmlns:a16="http://schemas.microsoft.com/office/drawing/2014/main" id="{E4931C4E-2FE8-6633-94C3-51E687428834}"/>
                   </a:ext>
                 </a:extLst>
               </p:cNvPr>
@@ -15741,7 +15762,7 @@
             <p:cNvPr id="30" name="그룹 29">
               <a:extLst>
                 <a:ext uri="{FF2B5EF4-FFF2-40B4-BE49-F238E27FC236}">
-                  <a16:creationId xmlns:a16="http://schemas.microsoft.com/office/drawing/2014/main" xmlns="" id="{D5F11D71-3171-A173-4735-AAE6E5AEBCEB}"/>
+                  <a16:creationId xmlns:a16="http://schemas.microsoft.com/office/drawing/2014/main" id="{D5F11D71-3171-A173-4735-AAE6E5AEBCEB}"/>
                 </a:ext>
               </a:extLst>
             </p:cNvPr>
@@ -15761,7 +15782,7 @@
               <p:cNvPr id="21" name="Picture 6" descr="키오스크ㅣLH24KMCCBGCXKRㅣSamsung Business 대한민국">
                 <a:extLst>
                   <a:ext uri="{FF2B5EF4-FFF2-40B4-BE49-F238E27FC236}">
-                    <a16:creationId xmlns:a16="http://schemas.microsoft.com/office/drawing/2014/main" xmlns="" id="{4588E37F-00C5-48B3-8407-43641EE30557}"/>
+                    <a16:creationId xmlns:a16="http://schemas.microsoft.com/office/drawing/2014/main" id="{4588E37F-00C5-48B3-8407-43641EE30557}"/>
                   </a:ext>
                 </a:extLst>
               </p:cNvPr>
@@ -15808,7 +15829,7 @@
               <p:cNvPr id="24" name="그림 23">
                 <a:extLst>
                   <a:ext uri="{FF2B5EF4-FFF2-40B4-BE49-F238E27FC236}">
-                    <a16:creationId xmlns:a16="http://schemas.microsoft.com/office/drawing/2014/main" xmlns="" id="{7862F868-D7E0-CEB8-9786-20DC5E4101BC}"/>
+                    <a16:creationId xmlns:a16="http://schemas.microsoft.com/office/drawing/2014/main" id="{7862F868-D7E0-CEB8-9786-20DC5E4101BC}"/>
                   </a:ext>
                 </a:extLst>
               </p:cNvPr>
@@ -15845,7 +15866,7 @@
             <p:cNvPr id="31" name="그룹 30">
               <a:extLst>
                 <a:ext uri="{FF2B5EF4-FFF2-40B4-BE49-F238E27FC236}">
-                  <a16:creationId xmlns:a16="http://schemas.microsoft.com/office/drawing/2014/main" xmlns="" id="{B9AB9D6E-D364-1D5D-1532-E7F1A677CB86}"/>
+                  <a16:creationId xmlns:a16="http://schemas.microsoft.com/office/drawing/2014/main" id="{B9AB9D6E-D364-1D5D-1532-E7F1A677CB86}"/>
                 </a:ext>
               </a:extLst>
             </p:cNvPr>
@@ -15865,7 +15886,7 @@
               <p:cNvPr id="26" name="Picture 6" descr="키오스크ㅣLH24KMCCBGCXKRㅣSamsung Business 대한민국">
                 <a:extLst>
                   <a:ext uri="{FF2B5EF4-FFF2-40B4-BE49-F238E27FC236}">
-                    <a16:creationId xmlns:a16="http://schemas.microsoft.com/office/drawing/2014/main" xmlns="" id="{CAF445BA-60E6-152D-0B5C-2774FA1A9D54}"/>
+                    <a16:creationId xmlns:a16="http://schemas.microsoft.com/office/drawing/2014/main" id="{CAF445BA-60E6-152D-0B5C-2774FA1A9D54}"/>
                   </a:ext>
                 </a:extLst>
               </p:cNvPr>
@@ -15912,7 +15933,7 @@
               <p:cNvPr id="28" name="그림 27">
                 <a:extLst>
                   <a:ext uri="{FF2B5EF4-FFF2-40B4-BE49-F238E27FC236}">
-                    <a16:creationId xmlns:a16="http://schemas.microsoft.com/office/drawing/2014/main" xmlns="" id="{EFCBEB8C-1B3F-2BC5-EC11-86FD9752096B}"/>
+                    <a16:creationId xmlns:a16="http://schemas.microsoft.com/office/drawing/2014/main" id="{EFCBEB8C-1B3F-2BC5-EC11-86FD9752096B}"/>
                   </a:ext>
                 </a:extLst>
               </p:cNvPr>
@@ -15950,7 +15971,7 @@
           <p:cNvPr id="41" name="그룹 40">
             <a:extLst>
               <a:ext uri="{FF2B5EF4-FFF2-40B4-BE49-F238E27FC236}">
-                <a16:creationId xmlns:a16="http://schemas.microsoft.com/office/drawing/2014/main" xmlns="" id="{4866597A-1E80-81E3-FEC5-4A0F8E88E841}"/>
+                <a16:creationId xmlns:a16="http://schemas.microsoft.com/office/drawing/2014/main" id="{4866597A-1E80-81E3-FEC5-4A0F8E88E841}"/>
               </a:ext>
             </a:extLst>
           </p:cNvPr>
@@ -15970,7 +15991,7 @@
             <p:cNvPr id="38" name="타원 37">
               <a:extLst>
                 <a:ext uri="{FF2B5EF4-FFF2-40B4-BE49-F238E27FC236}">
-                  <a16:creationId xmlns:a16="http://schemas.microsoft.com/office/drawing/2014/main" xmlns="" id="{AB436EBD-7FA0-C921-255E-EB2AB874F9C8}"/>
+                  <a16:creationId xmlns:a16="http://schemas.microsoft.com/office/drawing/2014/main" id="{AB436EBD-7FA0-C921-255E-EB2AB874F9C8}"/>
                 </a:ext>
               </a:extLst>
             </p:cNvPr>
@@ -16024,7 +16045,7 @@
             <p:cNvPr id="37" name="그림 36">
               <a:extLst>
                 <a:ext uri="{FF2B5EF4-FFF2-40B4-BE49-F238E27FC236}">
-                  <a16:creationId xmlns:a16="http://schemas.microsoft.com/office/drawing/2014/main" xmlns="" id="{91535379-294F-7C6A-E238-540844B2E9CC}"/>
+                  <a16:creationId xmlns:a16="http://schemas.microsoft.com/office/drawing/2014/main" id="{91535379-294F-7C6A-E238-540844B2E9CC}"/>
                 </a:ext>
               </a:extLst>
             </p:cNvPr>
@@ -16063,7 +16084,7 @@
           <p:cNvPr id="46" name="그룹 45">
             <a:extLst>
               <a:ext uri="{FF2B5EF4-FFF2-40B4-BE49-F238E27FC236}">
-                <a16:creationId xmlns:a16="http://schemas.microsoft.com/office/drawing/2014/main" xmlns="" id="{BEFDC06D-1FF3-445A-CC2D-B47C95BB2A0B}"/>
+                <a16:creationId xmlns:a16="http://schemas.microsoft.com/office/drawing/2014/main" id="{BEFDC06D-1FF3-445A-CC2D-B47C95BB2A0B}"/>
               </a:ext>
             </a:extLst>
           </p:cNvPr>
@@ -16083,7 +16104,7 @@
             <p:cNvPr id="45" name="Picture 8" descr="Hand Holding Phone PNGs for Free Download">
               <a:extLst>
                 <a:ext uri="{FF2B5EF4-FFF2-40B4-BE49-F238E27FC236}">
-                  <a16:creationId xmlns:a16="http://schemas.microsoft.com/office/drawing/2014/main" xmlns="" id="{DA43D2E4-8159-2E88-A066-9841926D76D8}"/>
+                  <a16:creationId xmlns:a16="http://schemas.microsoft.com/office/drawing/2014/main" id="{DA43D2E4-8159-2E88-A066-9841926D76D8}"/>
                 </a:ext>
               </a:extLst>
             </p:cNvPr>
@@ -16130,7 +16151,7 @@
             <p:cNvPr id="43" name="그림 42">
               <a:extLst>
                 <a:ext uri="{FF2B5EF4-FFF2-40B4-BE49-F238E27FC236}">
-                  <a16:creationId xmlns:a16="http://schemas.microsoft.com/office/drawing/2014/main" xmlns="" id="{6CFCD21A-FD9B-3BF9-8F72-36BCF03A91BC}"/>
+                  <a16:creationId xmlns:a16="http://schemas.microsoft.com/office/drawing/2014/main" id="{6CFCD21A-FD9B-3BF9-8F72-36BCF03A91BC}"/>
                 </a:ext>
               </a:extLst>
             </p:cNvPr>
@@ -16167,7 +16188,7 @@
           <p:cNvPr id="48" name="그림 47">
             <a:extLst>
               <a:ext uri="{FF2B5EF4-FFF2-40B4-BE49-F238E27FC236}">
-                <a16:creationId xmlns:a16="http://schemas.microsoft.com/office/drawing/2014/main" xmlns="" id="{B6FD034E-648E-45AF-2D1C-DC541B4E027D}"/>
+                <a16:creationId xmlns:a16="http://schemas.microsoft.com/office/drawing/2014/main" id="{B6FD034E-648E-45AF-2D1C-DC541B4E027D}"/>
               </a:ext>
             </a:extLst>
           </p:cNvPr>
@@ -16208,7 +16229,7 @@
           <p:cNvPr id="54" name="그룹 53">
             <a:extLst>
               <a:ext uri="{FF2B5EF4-FFF2-40B4-BE49-F238E27FC236}">
-                <a16:creationId xmlns:a16="http://schemas.microsoft.com/office/drawing/2014/main" xmlns="" id="{9D45117B-968F-5C08-C7A8-9610086DBA54}"/>
+                <a16:creationId xmlns:a16="http://schemas.microsoft.com/office/drawing/2014/main" id="{9D45117B-968F-5C08-C7A8-9610086DBA54}"/>
               </a:ext>
             </a:extLst>
           </p:cNvPr>
@@ -16228,7 +16249,7 @@
             <p:cNvPr id="51" name="Picture 8">
               <a:extLst>
                 <a:ext uri="{FF2B5EF4-FFF2-40B4-BE49-F238E27FC236}">
-                  <a16:creationId xmlns:a16="http://schemas.microsoft.com/office/drawing/2014/main" xmlns="" id="{A592B337-EDE2-6BFC-CC85-E1162DAF8FAE}"/>
+                  <a16:creationId xmlns:a16="http://schemas.microsoft.com/office/drawing/2014/main" id="{A592B337-EDE2-6BFC-CC85-E1162DAF8FAE}"/>
                 </a:ext>
               </a:extLst>
             </p:cNvPr>
@@ -16258,7 +16279,7 @@
             <p:cNvPr id="53" name="TextBox 9">
               <a:extLst>
                 <a:ext uri="{FF2B5EF4-FFF2-40B4-BE49-F238E27FC236}">
-                  <a16:creationId xmlns:a16="http://schemas.microsoft.com/office/drawing/2014/main" xmlns="" id="{B61D9C16-B60E-8DEB-A62F-59CABC0778E6}"/>
+                  <a16:creationId xmlns:a16="http://schemas.microsoft.com/office/drawing/2014/main" id="{B61D9C16-B60E-8DEB-A62F-59CABC0778E6}"/>
                 </a:ext>
               </a:extLst>
             </p:cNvPr>
@@ -16309,7 +16330,7 @@
           <p:cNvPr id="55" name="직사각형 54">
             <a:extLst>
               <a:ext uri="{FF2B5EF4-FFF2-40B4-BE49-F238E27FC236}">
-                <a16:creationId xmlns:a16="http://schemas.microsoft.com/office/drawing/2014/main" xmlns="" id="{04C95E56-BF48-7F0E-5B13-902C5AD2A6F3}"/>
+                <a16:creationId xmlns:a16="http://schemas.microsoft.com/office/drawing/2014/main" id="{04C95E56-BF48-7F0E-5B13-902C5AD2A6F3}"/>
               </a:ext>
             </a:extLst>
           </p:cNvPr>
@@ -16403,7 +16424,7 @@
           <p:cNvPr id="56" name="Picture 8">
             <a:extLst>
               <a:ext uri="{FF2B5EF4-FFF2-40B4-BE49-F238E27FC236}">
-                <a16:creationId xmlns:a16="http://schemas.microsoft.com/office/drawing/2014/main" xmlns="" id="{1207DAC3-8428-9F33-6653-F862F982919B}"/>
+                <a16:creationId xmlns:a16="http://schemas.microsoft.com/office/drawing/2014/main" id="{1207DAC3-8428-9F33-6653-F862F982919B}"/>
               </a:ext>
             </a:extLst>
           </p:cNvPr>
@@ -16433,7 +16454,7 @@
           <p:cNvPr id="58" name="TextBox 9">
             <a:extLst>
               <a:ext uri="{FF2B5EF4-FFF2-40B4-BE49-F238E27FC236}">
-                <a16:creationId xmlns:a16="http://schemas.microsoft.com/office/drawing/2014/main" xmlns="" id="{087034EE-449E-C5CA-57DD-B2B6609D9215}"/>
+                <a16:creationId xmlns:a16="http://schemas.microsoft.com/office/drawing/2014/main" id="{087034EE-449E-C5CA-57DD-B2B6609D9215}"/>
               </a:ext>
             </a:extLst>
           </p:cNvPr>
@@ -16493,7 +16514,7 @@
           <p:cNvPr id="60" name="직사각형 59">
             <a:extLst>
               <a:ext uri="{FF2B5EF4-FFF2-40B4-BE49-F238E27FC236}">
-                <a16:creationId xmlns:a16="http://schemas.microsoft.com/office/drawing/2014/main" xmlns="" id="{F24B41AD-4E05-6D14-2DF7-3EC367740B97}"/>
+                <a16:creationId xmlns:a16="http://schemas.microsoft.com/office/drawing/2014/main" id="{F24B41AD-4E05-6D14-2DF7-3EC367740B97}"/>
               </a:ext>
             </a:extLst>
           </p:cNvPr>
@@ -16662,7 +16683,7 @@
           <p:cNvPr id="63" name="직사각형 62">
             <a:extLst>
               <a:ext uri="{FF2B5EF4-FFF2-40B4-BE49-F238E27FC236}">
-                <a16:creationId xmlns:a16="http://schemas.microsoft.com/office/drawing/2014/main" xmlns="" id="{1260CF04-43DE-685F-9E4C-2780A09A7032}"/>
+                <a16:creationId xmlns:a16="http://schemas.microsoft.com/office/drawing/2014/main" id="{1260CF04-43DE-685F-9E4C-2780A09A7032}"/>
               </a:ext>
             </a:extLst>
           </p:cNvPr>
@@ -16845,6 +16866,13 @@
   <p:clrMapOvr>
     <a:masterClrMapping/>
   </p:clrMapOvr>
+  <p:timing>
+    <p:tnLst>
+      <p:par>
+        <p:cTn id="1" dur="indefinite" restart="never" nodeType="tmRoot"/>
+      </p:par>
+    </p:tnLst>
+  </p:timing>
 </p:sld>
 </file>
 
@@ -16856,7 +16884,7 @@
         <p:cNvPr id="1" name="">
           <a:extLst>
             <a:ext uri="{FF2B5EF4-FFF2-40B4-BE49-F238E27FC236}">
-              <a16:creationId xmlns:a16="http://schemas.microsoft.com/office/drawing/2014/main" xmlns="" id="{9C8102A0-4122-173D-73EA-95C387762C57}"/>
+              <a16:creationId xmlns:a16="http://schemas.microsoft.com/office/drawing/2014/main" id="{9C8102A0-4122-173D-73EA-95C387762C57}"/>
             </a:ext>
           </a:extLst>
         </p:cNvPr>
@@ -16876,7 +16904,7 @@
           <p:cNvPr id="23" name="Group 23">
             <a:extLst>
               <a:ext uri="{FF2B5EF4-FFF2-40B4-BE49-F238E27FC236}">
-                <a16:creationId xmlns:a16="http://schemas.microsoft.com/office/drawing/2014/main" xmlns="" id="{97E5E922-BC73-D3BE-D6A1-5725A53BD297}"/>
+                <a16:creationId xmlns:a16="http://schemas.microsoft.com/office/drawing/2014/main" id="{97E5E922-BC73-D3BE-D6A1-5725A53BD297}"/>
               </a:ext>
             </a:extLst>
           </p:cNvPr>
@@ -16897,7 +16925,7 @@
           <p:cNvPr id="25" name="Group 25">
             <a:extLst>
               <a:ext uri="{FF2B5EF4-FFF2-40B4-BE49-F238E27FC236}">
-                <a16:creationId xmlns:a16="http://schemas.microsoft.com/office/drawing/2014/main" xmlns="" id="{1F20C486-AF01-40B4-AF00-96FB5A47BC06}"/>
+                <a16:creationId xmlns:a16="http://schemas.microsoft.com/office/drawing/2014/main" id="{1F20C486-AF01-40B4-AF00-96FB5A47BC06}"/>
               </a:ext>
             </a:extLst>
           </p:cNvPr>
@@ -16918,7 +16946,7 @@
           <p:cNvPr id="29" name="Group 29">
             <a:extLst>
               <a:ext uri="{FF2B5EF4-FFF2-40B4-BE49-F238E27FC236}">
-                <a16:creationId xmlns:a16="http://schemas.microsoft.com/office/drawing/2014/main" xmlns="" id="{6F7C3B4A-3EE8-ECBD-4A24-EE73E2797895}"/>
+                <a16:creationId xmlns:a16="http://schemas.microsoft.com/office/drawing/2014/main" id="{6F7C3B4A-3EE8-ECBD-4A24-EE73E2797895}"/>
               </a:ext>
             </a:extLst>
           </p:cNvPr>
@@ -16939,7 +16967,7 @@
           <p:cNvPr id="34" name="Group 34">
             <a:extLst>
               <a:ext uri="{FF2B5EF4-FFF2-40B4-BE49-F238E27FC236}">
-                <a16:creationId xmlns:a16="http://schemas.microsoft.com/office/drawing/2014/main" xmlns="" id="{2BD5D0A0-BF89-F65C-568A-F60503508AF9}"/>
+                <a16:creationId xmlns:a16="http://schemas.microsoft.com/office/drawing/2014/main" id="{2BD5D0A0-BF89-F65C-568A-F60503508AF9}"/>
               </a:ext>
             </a:extLst>
           </p:cNvPr>
@@ -16960,7 +16988,7 @@
           <p:cNvPr id="39" name="Group 39">
             <a:extLst>
               <a:ext uri="{FF2B5EF4-FFF2-40B4-BE49-F238E27FC236}">
-                <a16:creationId xmlns:a16="http://schemas.microsoft.com/office/drawing/2014/main" xmlns="" id="{72B2CB12-5017-BA78-AC43-B42E3349E127}"/>
+                <a16:creationId xmlns:a16="http://schemas.microsoft.com/office/drawing/2014/main" id="{72B2CB12-5017-BA78-AC43-B42E3349E127}"/>
               </a:ext>
             </a:extLst>
           </p:cNvPr>
@@ -16981,7 +17009,7 @@
           <p:cNvPr id="44" name="Group 44">
             <a:extLst>
               <a:ext uri="{FF2B5EF4-FFF2-40B4-BE49-F238E27FC236}">
-                <a16:creationId xmlns:a16="http://schemas.microsoft.com/office/drawing/2014/main" xmlns="" id="{C8D0FA5A-61E5-207A-3D0E-04BB40AD8A85}"/>
+                <a16:creationId xmlns:a16="http://schemas.microsoft.com/office/drawing/2014/main" id="{C8D0FA5A-61E5-207A-3D0E-04BB40AD8A85}"/>
               </a:ext>
             </a:extLst>
           </p:cNvPr>
@@ -17002,7 +17030,7 @@
           <p:cNvPr id="50" name="Picture 50">
             <a:extLst>
               <a:ext uri="{FF2B5EF4-FFF2-40B4-BE49-F238E27FC236}">
-                <a16:creationId xmlns:a16="http://schemas.microsoft.com/office/drawing/2014/main" xmlns="" id="{FDFB64AF-6995-749E-7F6E-5C256F1A6A47}"/>
+                <a16:creationId xmlns:a16="http://schemas.microsoft.com/office/drawing/2014/main" id="{FDFB64AF-6995-749E-7F6E-5C256F1A6A47}"/>
               </a:ext>
             </a:extLst>
           </p:cNvPr>
@@ -17032,7 +17060,7 @@
           <p:cNvPr id="2" name="TextBox 4">
             <a:extLst>
               <a:ext uri="{FF2B5EF4-FFF2-40B4-BE49-F238E27FC236}">
-                <a16:creationId xmlns:a16="http://schemas.microsoft.com/office/drawing/2014/main" xmlns="" id="{DDEB2724-5152-1E19-E6E3-3700A78CC5D4}"/>
+                <a16:creationId xmlns:a16="http://schemas.microsoft.com/office/drawing/2014/main" id="{DDEB2724-5152-1E19-E6E3-3700A78CC5D4}"/>
               </a:ext>
             </a:extLst>
           </p:cNvPr>
@@ -17041,7 +17069,7 @@
         </p:nvSpPr>
         <p:spPr>
           <a:xfrm>
-            <a:off x="1904999" y="266700"/>
+            <a:off x="609598" y="306494"/>
             <a:ext cx="10363201" cy="533400"/>
           </a:xfrm>
           <a:prstGeom prst="rect">
@@ -17124,7 +17152,7 @@
           <p:cNvPr id="15" name="AutoShape 4" descr="재고관리.PNG">
             <a:extLst>
               <a:ext uri="{FF2B5EF4-FFF2-40B4-BE49-F238E27FC236}">
-                <a16:creationId xmlns:a16="http://schemas.microsoft.com/office/drawing/2014/main" xmlns="" id="{139AEA73-F448-C26E-F697-FDF95290228D}"/>
+                <a16:creationId xmlns:a16="http://schemas.microsoft.com/office/drawing/2014/main" id="{139AEA73-F448-C26E-F697-FDF95290228D}"/>
               </a:ext>
             </a:extLst>
           </p:cNvPr>
@@ -17169,7 +17197,7 @@
           <p:cNvPr id="10" name="화살표: 갈매기형 수장 9">
             <a:extLst>
               <a:ext uri="{FF2B5EF4-FFF2-40B4-BE49-F238E27FC236}">
-                <a16:creationId xmlns:a16="http://schemas.microsoft.com/office/drawing/2014/main" xmlns="" id="{16FE38B3-DC46-4404-4A87-9FAAB60D8620}"/>
+                <a16:creationId xmlns:a16="http://schemas.microsoft.com/office/drawing/2014/main" id="{16FE38B3-DC46-4404-4A87-9FAAB60D8620}"/>
               </a:ext>
             </a:extLst>
           </p:cNvPr>
@@ -17237,7 +17265,7 @@
           <p:cNvPr id="18" name="화살표: 갈매기형 수장 17">
             <a:extLst>
               <a:ext uri="{FF2B5EF4-FFF2-40B4-BE49-F238E27FC236}">
-                <a16:creationId xmlns:a16="http://schemas.microsoft.com/office/drawing/2014/main" xmlns="" id="{12C96F7C-F445-D622-60A7-E0BD4E1E133F}"/>
+                <a16:creationId xmlns:a16="http://schemas.microsoft.com/office/drawing/2014/main" id="{12C96F7C-F445-D622-60A7-E0BD4E1E133F}"/>
               </a:ext>
             </a:extLst>
           </p:cNvPr>
@@ -17305,7 +17333,7 @@
           <p:cNvPr id="20" name="직사각형 19">
             <a:extLst>
               <a:ext uri="{FF2B5EF4-FFF2-40B4-BE49-F238E27FC236}">
-                <a16:creationId xmlns:a16="http://schemas.microsoft.com/office/drawing/2014/main" xmlns="" id="{66A47368-93B5-B84C-AC14-29AB3FB8E06D}"/>
+                <a16:creationId xmlns:a16="http://schemas.microsoft.com/office/drawing/2014/main" id="{66A47368-93B5-B84C-AC14-29AB3FB8E06D}"/>
               </a:ext>
             </a:extLst>
           </p:cNvPr>
@@ -17369,7 +17397,7 @@
           <p:cNvPr id="24" name="직사각형 23">
             <a:extLst>
               <a:ext uri="{FF2B5EF4-FFF2-40B4-BE49-F238E27FC236}">
-                <a16:creationId xmlns:a16="http://schemas.microsoft.com/office/drawing/2014/main" xmlns="" id="{2FEE95C4-EA5D-97C2-A0F9-02163FDF64CA}"/>
+                <a16:creationId xmlns:a16="http://schemas.microsoft.com/office/drawing/2014/main" id="{2FEE95C4-EA5D-97C2-A0F9-02163FDF64CA}"/>
               </a:ext>
             </a:extLst>
           </p:cNvPr>
@@ -17433,7 +17461,7 @@
           <p:cNvPr id="27" name="직사각형 26">
             <a:extLst>
               <a:ext uri="{FF2B5EF4-FFF2-40B4-BE49-F238E27FC236}">
-                <a16:creationId xmlns:a16="http://schemas.microsoft.com/office/drawing/2014/main" xmlns="" id="{19BD416E-4C2A-2C8C-A1A9-838FBA8352EA}"/>
+                <a16:creationId xmlns:a16="http://schemas.microsoft.com/office/drawing/2014/main" id="{19BD416E-4C2A-2C8C-A1A9-838FBA8352EA}"/>
               </a:ext>
             </a:extLst>
           </p:cNvPr>
@@ -17969,7 +17997,7 @@
           <p:cNvPr id="28" name="직사각형 27">
             <a:extLst>
               <a:ext uri="{FF2B5EF4-FFF2-40B4-BE49-F238E27FC236}">
-                <a16:creationId xmlns:a16="http://schemas.microsoft.com/office/drawing/2014/main" xmlns="" id="{24A341AC-8324-2C70-BB3A-1FFB72C728DB}"/>
+                <a16:creationId xmlns:a16="http://schemas.microsoft.com/office/drawing/2014/main" id="{24A341AC-8324-2C70-BB3A-1FFB72C728DB}"/>
               </a:ext>
             </a:extLst>
           </p:cNvPr>
@@ -18581,7 +18609,7 @@
           <p:cNvPr id="32" name="사각형: 둥근 모서리 31">
             <a:extLst>
               <a:ext uri="{FF2B5EF4-FFF2-40B4-BE49-F238E27FC236}">
-                <a16:creationId xmlns:a16="http://schemas.microsoft.com/office/drawing/2014/main" xmlns="" id="{01EE7B53-13A7-7FE0-8533-12A3B8B30AB0}"/>
+                <a16:creationId xmlns:a16="http://schemas.microsoft.com/office/drawing/2014/main" id="{01EE7B53-13A7-7FE0-8533-12A3B8B30AB0}"/>
               </a:ext>
             </a:extLst>
           </p:cNvPr>
@@ -18645,7 +18673,7 @@
           <p:cNvPr id="6" name="그림 5">
             <a:extLst>
               <a:ext uri="{FF2B5EF4-FFF2-40B4-BE49-F238E27FC236}">
-                <a16:creationId xmlns:a16="http://schemas.microsoft.com/office/drawing/2014/main" xmlns="" id="{377F6B56-09E9-AF2A-8ACD-B6FA9AD988A1}"/>
+                <a16:creationId xmlns:a16="http://schemas.microsoft.com/office/drawing/2014/main" id="{377F6B56-09E9-AF2A-8ACD-B6FA9AD988A1}"/>
               </a:ext>
             </a:extLst>
           </p:cNvPr>
@@ -18675,7 +18703,7 @@
           <p:cNvPr id="8" name="그림 7">
             <a:extLst>
               <a:ext uri="{FF2B5EF4-FFF2-40B4-BE49-F238E27FC236}">
-                <a16:creationId xmlns:a16="http://schemas.microsoft.com/office/drawing/2014/main" xmlns="" id="{B52FFC3A-BE46-DF9A-C16B-306D9D44A6EC}"/>
+                <a16:creationId xmlns:a16="http://schemas.microsoft.com/office/drawing/2014/main" id="{B52FFC3A-BE46-DF9A-C16B-306D9D44A6EC}"/>
               </a:ext>
             </a:extLst>
           </p:cNvPr>
@@ -18705,7 +18733,7 @@
           <p:cNvPr id="11" name="그림 10">
             <a:extLst>
               <a:ext uri="{FF2B5EF4-FFF2-40B4-BE49-F238E27FC236}">
-                <a16:creationId xmlns:a16="http://schemas.microsoft.com/office/drawing/2014/main" xmlns="" id="{F8ED3F1E-3A02-601B-C07F-D4AE85265B68}"/>
+                <a16:creationId xmlns:a16="http://schemas.microsoft.com/office/drawing/2014/main" id="{F8ED3F1E-3A02-601B-C07F-D4AE85265B68}"/>
               </a:ext>
             </a:extLst>
           </p:cNvPr>
@@ -18735,7 +18763,7 @@
           <p:cNvPr id="12" name="직사각형 11">
             <a:extLst>
               <a:ext uri="{FF2B5EF4-FFF2-40B4-BE49-F238E27FC236}">
-                <a16:creationId xmlns:a16="http://schemas.microsoft.com/office/drawing/2014/main" xmlns="" id="{E33C1CB1-1427-DE7F-707F-BD0DBBCF42EA}"/>
+                <a16:creationId xmlns:a16="http://schemas.microsoft.com/office/drawing/2014/main" id="{E33C1CB1-1427-DE7F-707F-BD0DBBCF42EA}"/>
               </a:ext>
             </a:extLst>
           </p:cNvPr>
@@ -18907,7 +18935,7 @@
           <p:cNvPr id="14" name="그림 13">
             <a:extLst>
               <a:ext uri="{FF2B5EF4-FFF2-40B4-BE49-F238E27FC236}">
-                <a16:creationId xmlns:a16="http://schemas.microsoft.com/office/drawing/2014/main" xmlns="" id="{A093450A-63F7-B7B5-F61B-C1F82DEE86FB}"/>
+                <a16:creationId xmlns:a16="http://schemas.microsoft.com/office/drawing/2014/main" id="{A093450A-63F7-B7B5-F61B-C1F82DEE86FB}"/>
               </a:ext>
             </a:extLst>
           </p:cNvPr>
@@ -18937,7 +18965,7 @@
           <p:cNvPr id="22" name="그림 21">
             <a:extLst>
               <a:ext uri="{FF2B5EF4-FFF2-40B4-BE49-F238E27FC236}">
-                <a16:creationId xmlns:a16="http://schemas.microsoft.com/office/drawing/2014/main" xmlns="" id="{D9BF15D4-1CF5-7DA0-83FB-6423514935BA}"/>
+                <a16:creationId xmlns:a16="http://schemas.microsoft.com/office/drawing/2014/main" id="{D9BF15D4-1CF5-7DA0-83FB-6423514935BA}"/>
               </a:ext>
             </a:extLst>
           </p:cNvPr>
@@ -18967,7 +18995,7 @@
           <p:cNvPr id="36" name="Picture 6" descr="키오스크ㅣLH24KMCCBGCXKRㅣSamsung Business 대한민국">
             <a:extLst>
               <a:ext uri="{FF2B5EF4-FFF2-40B4-BE49-F238E27FC236}">
-                <a16:creationId xmlns:a16="http://schemas.microsoft.com/office/drawing/2014/main" xmlns="" id="{2C2BE600-6463-82EB-0E9E-EE33BAF31047}"/>
+                <a16:creationId xmlns:a16="http://schemas.microsoft.com/office/drawing/2014/main" id="{2C2BE600-6463-82EB-0E9E-EE33BAF31047}"/>
               </a:ext>
             </a:extLst>
           </p:cNvPr>
@@ -19014,7 +19042,7 @@
           <p:cNvPr id="35" name="그림 34">
             <a:extLst>
               <a:ext uri="{FF2B5EF4-FFF2-40B4-BE49-F238E27FC236}">
-                <a16:creationId xmlns:a16="http://schemas.microsoft.com/office/drawing/2014/main" xmlns="" id="{96150577-4A12-83D2-2044-8C531B69E314}"/>
+                <a16:creationId xmlns:a16="http://schemas.microsoft.com/office/drawing/2014/main" id="{96150577-4A12-83D2-2044-8C531B69E314}"/>
               </a:ext>
             </a:extLst>
           </p:cNvPr>
@@ -19055,6 +19083,13 @@
   <p:clrMapOvr>
     <a:masterClrMapping/>
   </p:clrMapOvr>
+  <p:timing>
+    <p:tnLst>
+      <p:par>
+        <p:cTn id="1" dur="indefinite" restart="never" nodeType="tmRoot"/>
+      </p:par>
+    </p:tnLst>
+  </p:timing>
 </p:sld>
 </file>
 
@@ -19326,14 +19361,34 @@
               <a:t> </a:t>
             </a:r>
             <a:r>
-              <a:rPr lang="ko-KR" sz="2100" b="0" i="0" u="none" strike="noStrike" spc="-100" dirty="0" err="1">
+              <a:rPr lang="ko-KR" sz="2100" b="0" i="0" u="none" strike="noStrike" spc="-100" dirty="0" smtClean="0">
                 <a:solidFill>
                   <a:srgbClr val="FFFFFF"/>
                 </a:solidFill>
                 <a:latin typeface="G마켓 산스 TTF Bold" panose="02000000000000000000" pitchFamily="2" charset="-127"/>
                 <a:ea typeface="G마켓 산스 TTF Bold" panose="02000000000000000000" pitchFamily="2" charset="-127"/>
               </a:rPr>
-              <a:t>포트폴리였습니다</a:t>
+              <a:t>포트폴리</a:t>
+            </a:r>
+            <a:r>
+              <a:rPr lang="ko-KR" altLang="en-US" sz="2100" b="0" i="0" u="none" strike="noStrike" spc="-100" dirty="0" smtClean="0">
+                <a:solidFill>
+                  <a:srgbClr val="FFFFFF"/>
+                </a:solidFill>
+                <a:latin typeface="G마켓 산스 TTF Bold" panose="02000000000000000000" pitchFamily="2" charset="-127"/>
+                <a:ea typeface="G마켓 산스 TTF Bold" panose="02000000000000000000" pitchFamily="2" charset="-127"/>
+              </a:rPr>
+              <a:t>오 </a:t>
+            </a:r>
+            <a:r>
+              <a:rPr lang="ko-KR" sz="2100" b="0" i="0" u="none" strike="noStrike" spc="-100" dirty="0" smtClean="0">
+                <a:solidFill>
+                  <a:srgbClr val="FFFFFF"/>
+                </a:solidFill>
+                <a:latin typeface="G마켓 산스 TTF Bold" panose="02000000000000000000" pitchFamily="2" charset="-127"/>
+                <a:ea typeface="G마켓 산스 TTF Bold" panose="02000000000000000000" pitchFamily="2" charset="-127"/>
+              </a:rPr>
+              <a:t>였습니다</a:t>
             </a:r>
             <a:r>
               <a:rPr lang="en-US" sz="2100" b="0" i="0" u="none" strike="noStrike" spc="-100" dirty="0">
@@ -19593,6 +19648,13 @@
   <p:clrMapOvr>
     <a:masterClrMapping/>
   </p:clrMapOvr>
+  <p:timing>
+    <p:tnLst>
+      <p:par>
+        <p:cTn id="1" dur="indefinite" restart="never" nodeType="tmRoot"/>
+      </p:par>
+    </p:tnLst>
+  </p:timing>
 </p:sld>
 </file>
 
